--- a/Slides/portfolio_subs_FQE.pptx
+++ b/Slides/portfolio_subs_FQE.pptx
@@ -13988,7 +13988,7 @@
         <p:spPr>
           <a:xfrm>
             <a:off x="389784" y="1162595"/>
-            <a:ext cx="8754215" cy="5193756"/>
+            <a:ext cx="8341621" cy="5193756"/>
           </a:xfrm>
         </p:spPr>
         <p:txBody>
@@ -19291,7 +19291,7 @@
           </a:ln>
           <a:extLst>
             <a:ext uri="{C572A759-6A51-4108-AA02-DFA0A04FC94B}">
-              <ma14:wrappingTextBoxFlag xmlns:lc="http://schemas.openxmlformats.org/drawingml/2006/lockedCanvas" xmlns:ma14="http://schemas.microsoft.com/office/mac/drawingml/2011/main" xmlns:a14="http://schemas.microsoft.com/office/drawing/2010/main" xmlns:m="http://schemas.openxmlformats.org/officeDocument/2006/math" xmlns="" val="1"/>
+              <ma14:wrappingTextBoxFlag xmlns="" xmlns:m="http://schemas.openxmlformats.org/officeDocument/2006/math" xmlns:a14="http://schemas.microsoft.com/office/drawing/2010/main" xmlns:ma14="http://schemas.microsoft.com/office/mac/drawingml/2011/main" xmlns:lc="http://schemas.openxmlformats.org/drawingml/2006/lockedCanvas" val="1"/>
             </a:ext>
           </a:extLst>
         </p:spPr>
@@ -19405,7 +19405,19 @@
                   <a:schemeClr val="tx1"/>
                 </a:solidFill>
               </a:rPr>
-              <a:t>SDMs to model  distribution of sardine, anchovy, </a:t>
+              <a:t>SDMs </a:t>
+            </a:r>
+            <a:r>
+              <a:rPr lang="en-CA" sz="1600" dirty="0"/>
+              <a:t>outputs for </a:t>
+            </a:r>
+            <a:r>
+              <a:rPr lang="en-CA" sz="1600" dirty="0">
+                <a:solidFill>
+                  <a:schemeClr val="tx1"/>
+                </a:solidFill>
+              </a:rPr>
+              <a:t>sardine, anchovy, </a:t>
             </a:r>
             <a:r>
               <a:rPr lang="en-CA" sz="1600" dirty="0"/>
@@ -20361,7 +20373,7 @@
         </p:spPr>
         <p:txBody>
           <a:bodyPr>
-            <a:normAutofit fontScale="92500" lnSpcReduction="10000"/>
+            <a:normAutofit fontScale="92500" lnSpcReduction="20000"/>
           </a:bodyPr>
           <a:lstStyle/>
           <a:p>
@@ -20416,7 +20428,7 @@
           </a:p>
           <a:p>
             <a:r>
-              <a:rPr lang="en-US" sz="1300" dirty="0">
+              <a:rPr lang="en-US" sz="1900" dirty="0">
                 <a:solidFill>
                   <a:srgbClr val="FF3399"/>
                 </a:solidFill>
@@ -20431,7 +20443,7 @@
               </a:rPr>
               <a:t>felipequezada.com</a:t>
             </a:r>
-            <a:endParaRPr lang="en-US" sz="1300" dirty="0">
+            <a:endParaRPr lang="en-US" sz="1900" dirty="0">
               <a:solidFill>
                 <a:srgbClr val="FF3399"/>
               </a:solidFill>
@@ -20440,7 +20452,7 @@
           </a:p>
           <a:p>
             <a:r>
-              <a:rPr lang="en-US" sz="1300" dirty="0">
+              <a:rPr lang="en-US" sz="1900" dirty="0">
                 <a:solidFill>
                   <a:srgbClr val="FF3399"/>
                 </a:solidFill>
@@ -20449,7 +20461,7 @@
               <a:t> </a:t>
             </a:r>
             <a:r>
-              <a:rPr lang="en-US" sz="1300" dirty="0">
+              <a:rPr lang="en-US" sz="1900" dirty="0">
                 <a:solidFill>
                   <a:srgbClr val="FF3399"/>
                 </a:solidFill>
@@ -20464,7 +20476,7 @@
               </a:rPr>
               <a:t>felipe.quezada@noaa.gov</a:t>
             </a:r>
-            <a:endParaRPr lang="en-US" sz="1300" dirty="0">
+            <a:endParaRPr lang="en-US" sz="1900" dirty="0">
               <a:solidFill>
                 <a:srgbClr val="FF3399"/>
               </a:solidFill>

--- a/Slides/portfolio_subs_FQE.pptx
+++ b/Slides/portfolio_subs_FQE.pptx
@@ -5,7 +5,7 @@
     <p:sldMasterId id="2147483660" r:id="rId1"/>
   </p:sldMasterIdLst>
   <p:notesMasterIdLst>
-    <p:notesMasterId r:id="rId27"/>
+    <p:notesMasterId r:id="rId28"/>
   </p:notesMasterIdLst>
   <p:sldIdLst>
     <p:sldId id="256" r:id="rId2"/>
@@ -14,25 +14,26 @@
     <p:sldId id="274" r:id="rId5"/>
     <p:sldId id="279" r:id="rId6"/>
     <p:sldId id="270" r:id="rId7"/>
-    <p:sldId id="266" r:id="rId8"/>
-    <p:sldId id="268" r:id="rId9"/>
-    <p:sldId id="284" r:id="rId10"/>
-    <p:sldId id="257" r:id="rId11"/>
-    <p:sldId id="263" r:id="rId12"/>
-    <p:sldId id="261" r:id="rId13"/>
-    <p:sldId id="288" r:id="rId14"/>
-    <p:sldId id="289" r:id="rId15"/>
-    <p:sldId id="275" r:id="rId16"/>
-    <p:sldId id="278" r:id="rId17"/>
-    <p:sldId id="290" r:id="rId18"/>
-    <p:sldId id="269" r:id="rId19"/>
-    <p:sldId id="271" r:id="rId20"/>
-    <p:sldId id="260" r:id="rId21"/>
-    <p:sldId id="283" r:id="rId22"/>
-    <p:sldId id="287" r:id="rId23"/>
-    <p:sldId id="277" r:id="rId24"/>
-    <p:sldId id="272" r:id="rId25"/>
-    <p:sldId id="280" r:id="rId26"/>
+    <p:sldId id="293" r:id="rId8"/>
+    <p:sldId id="266" r:id="rId9"/>
+    <p:sldId id="268" r:id="rId10"/>
+    <p:sldId id="284" r:id="rId11"/>
+    <p:sldId id="257" r:id="rId12"/>
+    <p:sldId id="263" r:id="rId13"/>
+    <p:sldId id="261" r:id="rId14"/>
+    <p:sldId id="288" r:id="rId15"/>
+    <p:sldId id="289" r:id="rId16"/>
+    <p:sldId id="275" r:id="rId17"/>
+    <p:sldId id="278" r:id="rId18"/>
+    <p:sldId id="290" r:id="rId19"/>
+    <p:sldId id="269" r:id="rId20"/>
+    <p:sldId id="271" r:id="rId21"/>
+    <p:sldId id="260" r:id="rId22"/>
+    <p:sldId id="283" r:id="rId23"/>
+    <p:sldId id="287" r:id="rId24"/>
+    <p:sldId id="277" r:id="rId25"/>
+    <p:sldId id="272" r:id="rId26"/>
+    <p:sldId id="280" r:id="rId27"/>
   </p:sldIdLst>
   <p:sldSz cx="9144000" cy="6858000" type="screen4x3"/>
   <p:notesSz cx="6858000" cy="9144000"/>
@@ -3646,7 +3647,7 @@
           <a:p>
             <a:fld id="{832EBBF9-F82F-44D3-89EF-0D00AAB7E8EF}" type="datetimeFigureOut">
               <a:rPr lang="en-US" smtClean="0"/>
-              <a:t>12/2/2021</a:t>
+              <a:t>1/4/2022</a:t>
             </a:fld>
             <a:endParaRPr lang="en-US"/>
           </a:p>
@@ -4143,10 +4144,163 @@
           <a:bodyPr/>
           <a:lstStyle/>
           <a:p>
+            <a:pPr marL="0" marR="0" lvl="0" indent="0" algn="l" defTabSz="914400" rtl="0" eaLnBrk="1" fontAlgn="auto" latinLnBrk="0" hangingPunct="1">
+              <a:lnSpc>
+                <a:spcPct val="100000"/>
+              </a:lnSpc>
+              <a:spcBef>
+                <a:spcPts val="0"/>
+              </a:spcBef>
+              <a:spcAft>
+                <a:spcPts val="0"/>
+              </a:spcAft>
+              <a:buClrTx/>
+              <a:buSzTx/>
+              <a:buFontTx/>
+              <a:buNone/>
+              <a:tabLst/>
+              <a:defRPr/>
+            </a:pPr>
             <a:r>
               <a:rPr lang="en-US" dirty="0"/>
-              <a:t>Talk about first hypothesis on abundance.</a:t>
-            </a:r>
+              <a:t>THESE THREE SPECIES SHARE SIMILAR GEAR AND VESSEL SIZES,</a:t>
+            </a:r>
+          </a:p>
+          <a:p>
+            <a:pPr marL="0" marR="0" lvl="0" indent="0" algn="l" defTabSz="914400" rtl="0" eaLnBrk="1" fontAlgn="auto" latinLnBrk="0" hangingPunct="1">
+              <a:lnSpc>
+                <a:spcPct val="100000"/>
+              </a:lnSpc>
+              <a:spcBef>
+                <a:spcPts val="0"/>
+              </a:spcBef>
+              <a:spcAft>
+                <a:spcPts val="0"/>
+              </a:spcAft>
+              <a:buClrTx/>
+              <a:buSzTx/>
+              <a:buFontTx/>
+              <a:buNone/>
+              <a:tabLst/>
+              <a:defRPr/>
+            </a:pPr>
+            <a:endParaRPr lang="en-US" dirty="0"/>
+          </a:p>
+          <a:p>
+            <a:pPr marL="0" marR="0" lvl="0" indent="0" algn="l" defTabSz="914400" rtl="0" eaLnBrk="1" fontAlgn="auto" latinLnBrk="0" hangingPunct="1">
+              <a:lnSpc>
+                <a:spcPct val="100000"/>
+              </a:lnSpc>
+              <a:spcBef>
+                <a:spcPts val="0"/>
+              </a:spcBef>
+              <a:spcAft>
+                <a:spcPts val="0"/>
+              </a:spcAft>
+              <a:buClrTx/>
+              <a:buSzTx/>
+              <a:buFontTx/>
+              <a:buNone/>
+              <a:tabLst/>
+              <a:defRPr/>
+            </a:pPr>
+            <a:r>
+              <a:rPr lang="en-US" dirty="0"/>
+              <a:t>1- Warm ocean cycle favors sardine and reduce anchovy,</a:t>
+            </a:r>
+            <a:r>
+              <a:rPr lang="en-US" baseline="0" dirty="0"/>
+              <a:t> though there are exceptions, such as during the recent ‘warm blob’ heatwave.</a:t>
+            </a:r>
+          </a:p>
+          <a:p>
+            <a:pPr>
+              <a:defRPr/>
+            </a:pPr>
+            <a:r>
+              <a:rPr lang="en-US" dirty="0"/>
+              <a:t>2 – Squid may actually be a better substitute in terms of the fleet.</a:t>
+            </a:r>
+          </a:p>
+          <a:p>
+            <a:pPr marL="0" marR="0" lvl="0" indent="0" algn="l" defTabSz="914400" rtl="0" eaLnBrk="1" fontAlgn="auto" latinLnBrk="0" hangingPunct="1">
+              <a:lnSpc>
+                <a:spcPct val="100000"/>
+              </a:lnSpc>
+              <a:spcBef>
+                <a:spcPts val="0"/>
+              </a:spcBef>
+              <a:spcAft>
+                <a:spcPts val="0"/>
+              </a:spcAft>
+              <a:buClrTx/>
+              <a:buSzTx/>
+              <a:buFontTx/>
+              <a:buNone/>
+              <a:tabLst/>
+              <a:defRPr/>
+            </a:pPr>
+            <a:r>
+              <a:rPr lang="en-US" i="1" dirty="0"/>
+              <a:t>3- </a:t>
+            </a:r>
+            <a:r>
+              <a:rPr lang="en-US" dirty="0"/>
+              <a:t>Important bait species for recreational fisheries</a:t>
+            </a:r>
+          </a:p>
+          <a:p>
+            <a:pPr marL="0" marR="0" lvl="0" indent="0" algn="l" defTabSz="914400" rtl="0" eaLnBrk="1" fontAlgn="auto" latinLnBrk="0" hangingPunct="1">
+              <a:lnSpc>
+                <a:spcPct val="100000"/>
+              </a:lnSpc>
+              <a:spcBef>
+                <a:spcPts val="0"/>
+              </a:spcBef>
+              <a:spcAft>
+                <a:spcPts val="0"/>
+              </a:spcAft>
+              <a:buClrTx/>
+              <a:buSzTx/>
+              <a:buFontTx/>
+              <a:buNone/>
+              <a:tabLst/>
+              <a:defRPr/>
+            </a:pPr>
+            <a:endParaRPr lang="en-US" dirty="0"/>
+          </a:p>
+          <a:p>
+            <a:pPr>
+              <a:defRPr/>
+            </a:pPr>
+            <a:endParaRPr lang="en-US" i="1" dirty="0"/>
+          </a:p>
+          <a:p>
+            <a:pPr>
+              <a:defRPr/>
+            </a:pPr>
+            <a:endParaRPr lang="en-US" i="1" dirty="0"/>
+          </a:p>
+          <a:p>
+            <a:pPr>
+              <a:defRPr/>
+            </a:pPr>
+            <a:endParaRPr lang="en-US" i="1" dirty="0"/>
+          </a:p>
+          <a:p>
+            <a:pPr>
+              <a:defRPr/>
+            </a:pPr>
+            <a:r>
+              <a:rPr lang="en-US" i="1" dirty="0"/>
+              <a:t>- Include fisheries background???  (trip scenario)</a:t>
+            </a:r>
+          </a:p>
+          <a:p>
+            <a:pPr>
+              <a:defRPr/>
+            </a:pPr>
+            <a:endParaRPr lang="en-US" i="1" dirty="0"/>
           </a:p>
         </p:txBody>
       </p:sp>
@@ -4176,7 +4330,7 @@
     </p:spTree>
     <p:extLst>
       <p:ext uri="{BB962C8B-B14F-4D97-AF65-F5344CB8AC3E}">
-        <p14:creationId xmlns:p14="http://schemas.microsoft.com/office/powerpoint/2010/main" val="1950580843"/>
+        <p14:creationId xmlns:p14="http://schemas.microsoft.com/office/powerpoint/2010/main" val="3336870608"/>
       </p:ext>
     </p:extLst>
   </p:cSld>
@@ -4230,7 +4384,10 @@
           <a:bodyPr/>
           <a:lstStyle/>
           <a:p>
-            <a:endParaRPr lang="en-US" dirty="0"/>
+            <a:r>
+              <a:rPr lang="en-US" dirty="0"/>
+              <a:t>Talk about first hypothesis on abundance.</a:t>
+            </a:r>
           </a:p>
         </p:txBody>
       </p:sp>
@@ -4260,7 +4417,7 @@
     </p:spTree>
     <p:extLst>
       <p:ext uri="{BB962C8B-B14F-4D97-AF65-F5344CB8AC3E}">
-        <p14:creationId xmlns:p14="http://schemas.microsoft.com/office/powerpoint/2010/main" val="2734871331"/>
+        <p14:creationId xmlns:p14="http://schemas.microsoft.com/office/powerpoint/2010/main" val="1950580843"/>
       </p:ext>
     </p:extLst>
   </p:cSld>
@@ -4314,26 +4471,6 @@
           <a:bodyPr/>
           <a:lstStyle/>
           <a:p>
-            <a:pPr marL="0" marR="0" lvl="0" indent="0" algn="l" defTabSz="914400" rtl="0" eaLnBrk="1" fontAlgn="auto" latinLnBrk="0" hangingPunct="1">
-              <a:lnSpc>
-                <a:spcPct val="100000"/>
-              </a:lnSpc>
-              <a:spcBef>
-                <a:spcPts val="0"/>
-              </a:spcBef>
-              <a:spcAft>
-                <a:spcPts val="0"/>
-              </a:spcAft>
-              <a:buClrTx/>
-              <a:buSzTx/>
-              <a:buFontTx/>
-              <a:buNone/>
-              <a:tabLst/>
-              <a:defRPr/>
-            </a:pPr>
-            <a:endParaRPr lang="en-US" dirty="0"/>
-          </a:p>
-          <a:p>
             <a:endParaRPr lang="en-US" dirty="0"/>
           </a:p>
         </p:txBody>
@@ -4364,7 +4501,7 @@
     </p:spTree>
     <p:extLst>
       <p:ext uri="{BB962C8B-B14F-4D97-AF65-F5344CB8AC3E}">
-        <p14:creationId xmlns:p14="http://schemas.microsoft.com/office/powerpoint/2010/main" val="4160622724"/>
+        <p14:creationId xmlns:p14="http://schemas.microsoft.com/office/powerpoint/2010/main" val="2734871331"/>
       </p:ext>
     </p:extLst>
   </p:cSld>
@@ -4418,142 +4555,6 @@
           <a:bodyPr/>
           <a:lstStyle/>
           <a:p>
-            <a:pPr marL="171450" marR="0" lvl="0" indent="-171450" algn="l" defTabSz="914400" rtl="0" eaLnBrk="1" fontAlgn="auto" latinLnBrk="0" hangingPunct="1">
-              <a:lnSpc>
-                <a:spcPct val="100000"/>
-              </a:lnSpc>
-              <a:spcBef>
-                <a:spcPts val="0"/>
-              </a:spcBef>
-              <a:spcAft>
-                <a:spcPts val="0"/>
-              </a:spcAft>
-              <a:buClrTx/>
-              <a:buSzTx/>
-              <a:buFontTx/>
-              <a:buChar char="-"/>
-              <a:tabLst/>
-              <a:defRPr/>
-            </a:pPr>
-            <a:r>
-              <a:rPr lang="en-US" b="1" i="1" dirty="0"/>
-              <a:t>Multilevel Bayesian:</a:t>
-            </a:r>
-          </a:p>
-          <a:p>
-            <a:pPr marL="628650" marR="0" lvl="1" indent="-171450" algn="l" defTabSz="914400" rtl="0" eaLnBrk="1" fontAlgn="auto" latinLnBrk="0" hangingPunct="1">
-              <a:lnSpc>
-                <a:spcPct val="100000"/>
-              </a:lnSpc>
-              <a:spcBef>
-                <a:spcPts val="0"/>
-              </a:spcBef>
-              <a:spcAft>
-                <a:spcPts val="0"/>
-              </a:spcAft>
-              <a:buClrTx/>
-              <a:buSzTx/>
-              <a:buFontTx/>
-              <a:buChar char="-"/>
-              <a:tabLst/>
-              <a:defRPr/>
-            </a:pPr>
-            <a:r>
-              <a:rPr lang="en-US" b="0" i="1" dirty="0"/>
-              <a:t>Easy to incorporate non-linear models</a:t>
-            </a:r>
-          </a:p>
-          <a:p>
-            <a:pPr marL="628650" marR="0" lvl="1" indent="-171450" algn="l" defTabSz="914400" rtl="0" eaLnBrk="1" fontAlgn="auto" latinLnBrk="0" hangingPunct="1">
-              <a:lnSpc>
-                <a:spcPct val="100000"/>
-              </a:lnSpc>
-              <a:spcBef>
-                <a:spcPts val="0"/>
-              </a:spcBef>
-              <a:spcAft>
-                <a:spcPts val="0"/>
-              </a:spcAft>
-              <a:buClrTx/>
-              <a:buSzTx/>
-              <a:buFontTx/>
-              <a:buChar char="-"/>
-              <a:tabLst/>
-              <a:defRPr/>
-            </a:pPr>
-            <a:r>
-              <a:rPr lang="en-US" b="0" i="1" dirty="0"/>
-              <a:t>Easy to include different hierarchical levels.</a:t>
-            </a:r>
-          </a:p>
-          <a:p>
-            <a:pPr marL="628650" marR="0" lvl="1" indent="-171450" algn="l" defTabSz="914400" rtl="0" eaLnBrk="1" fontAlgn="auto" latinLnBrk="0" hangingPunct="1">
-              <a:lnSpc>
-                <a:spcPct val="100000"/>
-              </a:lnSpc>
-              <a:spcBef>
-                <a:spcPts val="0"/>
-              </a:spcBef>
-              <a:spcAft>
-                <a:spcPts val="0"/>
-              </a:spcAft>
-              <a:buClrTx/>
-              <a:buSzTx/>
-              <a:buFontTx/>
-              <a:buChar char="-"/>
-              <a:tabLst/>
-              <a:defRPr/>
-            </a:pPr>
-            <a:r>
-              <a:rPr lang="en-US" b="0" i="1" dirty="0"/>
-              <a:t>Naturally assume a prior distribution for the group level effect</a:t>
-            </a:r>
-          </a:p>
-          <a:p>
-            <a:pPr marL="628650" marR="0" lvl="1" indent="-171450" algn="l" defTabSz="914400" rtl="0" eaLnBrk="1" fontAlgn="auto" latinLnBrk="0" hangingPunct="1">
-              <a:lnSpc>
-                <a:spcPct val="100000"/>
-              </a:lnSpc>
-              <a:spcBef>
-                <a:spcPts val="0"/>
-              </a:spcBef>
-              <a:spcAft>
-                <a:spcPts val="0"/>
-              </a:spcAft>
-              <a:buClrTx/>
-              <a:buSzTx/>
-              <a:buFontTx/>
-              <a:buChar char="-"/>
-              <a:tabLst/>
-              <a:defRPr/>
-            </a:pPr>
-            <a:endParaRPr lang="en-US" b="1" i="1" dirty="0"/>
-          </a:p>
-          <a:p>
-            <a:pPr marL="171450" marR="0" lvl="0" indent="-171450" algn="l" defTabSz="914400" rtl="0" eaLnBrk="1" fontAlgn="auto" latinLnBrk="0" hangingPunct="1">
-              <a:lnSpc>
-                <a:spcPct val="100000"/>
-              </a:lnSpc>
-              <a:spcBef>
-                <a:spcPts val="0"/>
-              </a:spcBef>
-              <a:spcAft>
-                <a:spcPts val="0"/>
-              </a:spcAft>
-              <a:buClrTx/>
-              <a:buSzTx/>
-              <a:buFontTx/>
-              <a:buChar char="-"/>
-              <a:tabLst/>
-              <a:defRPr/>
-            </a:pPr>
-            <a:r>
-              <a:rPr lang="en-US" b="1" i="1" dirty="0"/>
-              <a:t>Talk that ports were selected if we observe landings of the species in consideration. </a:t>
-            </a:r>
-            <a:endParaRPr lang="en-US" b="1" dirty="0"/>
-          </a:p>
-          <a:p>
             <a:pPr marL="0" marR="0" lvl="0" indent="0" algn="l" defTabSz="914400" rtl="0" eaLnBrk="1" fontAlgn="auto" latinLnBrk="0" hangingPunct="1">
               <a:lnSpc>
                 <a:spcPct val="100000"/>
@@ -4571,168 +4572,7 @@
               <a:tabLst/>
               <a:defRPr/>
             </a:pPr>
-            <a:endParaRPr lang="en-US" i="1" dirty="0"/>
-          </a:p>
-          <a:p>
-            <a:pPr>
-              <a:defRPr/>
-            </a:pPr>
             <a:endParaRPr lang="en-US" dirty="0"/>
-          </a:p>
-          <a:p>
-            <a:pPr marL="0" marR="0" lvl="0" indent="0" algn="l" defTabSz="914400" rtl="0" eaLnBrk="1" fontAlgn="auto" latinLnBrk="0" hangingPunct="1">
-              <a:lnSpc>
-                <a:spcPct val="100000"/>
-              </a:lnSpc>
-              <a:spcBef>
-                <a:spcPts val="0"/>
-              </a:spcBef>
-              <a:spcAft>
-                <a:spcPts val="0"/>
-              </a:spcAft>
-              <a:buClrTx/>
-              <a:buSzTx/>
-              <a:buFontTx/>
-              <a:buNone/>
-              <a:tabLst/>
-              <a:defRPr/>
-            </a:pPr>
-            <a:r>
-              <a:rPr lang="en-US" dirty="0"/>
-              <a:t>DS.</a:t>
-            </a:r>
-            <a:r>
-              <a:rPr lang="en-US" sz="1200" b="0" i="0" kern="1200" dirty="0">
-                <a:solidFill>
-                  <a:schemeClr val="tx1"/>
-                </a:solidFill>
-                <a:effectLst/>
-                <a:latin typeface="+mn-lt"/>
-                <a:ea typeface="+mn-ea"/>
-                <a:cs typeface="+mn-cs"/>
-              </a:rPr>
-              <a:t>Q: Felipe, you are looking at distribution of fishing locations and fish caught and landed in those locations as opposed to some objective level of abundance and distribution, right? The data are fishery dependent, and hence there is potential endogeneity and sample selection bias both in the choice of fishing and </a:t>
-            </a:r>
-            <a:r>
-              <a:rPr lang="en-US" sz="1200" b="0" i="0" kern="1200" dirty="0" err="1">
-                <a:solidFill>
-                  <a:schemeClr val="tx1"/>
-                </a:solidFill>
-                <a:effectLst/>
-                <a:latin typeface="+mn-lt"/>
-                <a:ea typeface="+mn-ea"/>
-                <a:cs typeface="+mn-cs"/>
-              </a:rPr>
-              <a:t>landngs</a:t>
-            </a:r>
-            <a:r>
-              <a:rPr lang="en-US" sz="1200" b="0" i="0" kern="1200" dirty="0">
-                <a:solidFill>
-                  <a:schemeClr val="tx1"/>
-                </a:solidFill>
-                <a:effectLst/>
-                <a:latin typeface="+mn-lt"/>
-                <a:ea typeface="+mn-ea"/>
-                <a:cs typeface="+mn-cs"/>
-              </a:rPr>
-              <a:t> but using a port in the first place from historical data, all from logbook data. S</a:t>
-            </a:r>
-          </a:p>
-          <a:p>
-            <a:r>
-              <a:rPr lang="en-US" sz="1200" b="0" i="0" kern="1200" dirty="0">
-                <a:solidFill>
-                  <a:schemeClr val="tx1"/>
-                </a:solidFill>
-                <a:effectLst/>
-                <a:latin typeface="+mn-lt"/>
-                <a:ea typeface="+mn-ea"/>
-                <a:cs typeface="+mn-cs"/>
-              </a:rPr>
-              <a:t>So, these are abundance not as if from a random selection across all areas.</a:t>
-            </a:r>
-          </a:p>
-          <a:p>
-            <a:endParaRPr lang="en-US" sz="1200" b="0" i="0" kern="1200" dirty="0">
-              <a:solidFill>
-                <a:schemeClr val="tx1"/>
-              </a:solidFill>
-              <a:effectLst/>
-              <a:latin typeface="+mn-lt"/>
-              <a:ea typeface="+mn-ea"/>
-              <a:cs typeface="+mn-cs"/>
-            </a:endParaRPr>
-          </a:p>
-          <a:p>
-            <a:pPr marL="0" marR="0" lvl="0" indent="0" algn="l" defTabSz="914400" rtl="0" eaLnBrk="1" fontAlgn="auto" latinLnBrk="0" hangingPunct="1">
-              <a:lnSpc>
-                <a:spcPct val="100000"/>
-              </a:lnSpc>
-              <a:spcBef>
-                <a:spcPts val="0"/>
-              </a:spcBef>
-              <a:spcAft>
-                <a:spcPts val="0"/>
-              </a:spcAft>
-              <a:buClrTx/>
-              <a:buSzTx/>
-              <a:buFontTx/>
-              <a:buNone/>
-              <a:tabLst/>
-              <a:defRPr/>
-            </a:pPr>
-            <a:r>
-              <a:rPr lang="en-US" sz="1200" b="0" i="0" kern="1200" dirty="0">
-                <a:solidFill>
-                  <a:schemeClr val="tx1"/>
-                </a:solidFill>
-                <a:effectLst/>
-                <a:latin typeface="+mn-lt"/>
-                <a:ea typeface="+mn-ea"/>
-                <a:cs typeface="+mn-cs"/>
-              </a:rPr>
-              <a:t>R: No, I'm looking just landings, this questions is for the discrete choice model for locations. Regard to selection bias, you are right. </a:t>
-            </a:r>
-          </a:p>
-          <a:p>
-            <a:pPr marL="0" marR="0" lvl="0" indent="0" algn="l" defTabSz="914400" rtl="0" eaLnBrk="1" fontAlgn="auto" latinLnBrk="0" hangingPunct="1">
-              <a:lnSpc>
-                <a:spcPct val="100000"/>
-              </a:lnSpc>
-              <a:spcBef>
-                <a:spcPts val="0"/>
-              </a:spcBef>
-              <a:spcAft>
-                <a:spcPts val="0"/>
-              </a:spcAft>
-              <a:buClrTx/>
-              <a:buSzTx/>
-              <a:buFontTx/>
-              <a:buNone/>
-              <a:tabLst/>
-              <a:defRPr/>
-            </a:pPr>
-            <a:endParaRPr lang="en-US" i="1" dirty="0"/>
-          </a:p>
-          <a:p>
-            <a:pPr marL="0" marR="0" lvl="0" indent="0" algn="l" defTabSz="914400" rtl="0" eaLnBrk="1" fontAlgn="auto" latinLnBrk="0" hangingPunct="1">
-              <a:lnSpc>
-                <a:spcPct val="100000"/>
-              </a:lnSpc>
-              <a:spcBef>
-                <a:spcPts val="0"/>
-              </a:spcBef>
-              <a:spcAft>
-                <a:spcPts val="0"/>
-              </a:spcAft>
-              <a:buClrTx/>
-              <a:buSzTx/>
-              <a:buFontTx/>
-              <a:buNone/>
-              <a:tabLst/>
-              <a:defRPr/>
-            </a:pPr>
-            <a:endParaRPr lang="en-US" i="1" dirty="0"/>
           </a:p>
           <a:p>
             <a:endParaRPr lang="en-US" dirty="0"/>
@@ -4765,7 +4605,7 @@
     </p:spTree>
     <p:extLst>
       <p:ext uri="{BB962C8B-B14F-4D97-AF65-F5344CB8AC3E}">
-        <p14:creationId xmlns:p14="http://schemas.microsoft.com/office/powerpoint/2010/main" val="462084604"/>
+        <p14:creationId xmlns:p14="http://schemas.microsoft.com/office/powerpoint/2010/main" val="4160622724"/>
       </p:ext>
     </p:extLst>
   </p:cSld>
@@ -4819,21 +4659,6 @@
           <a:bodyPr/>
           <a:lstStyle/>
           <a:p>
-            <a:r>
-              <a:rPr lang="en-US" dirty="0"/>
-              <a:t>Random effect model, similar to panel data model.</a:t>
-            </a:r>
-          </a:p>
-          <a:p>
-            <a:endParaRPr lang="en-US" dirty="0"/>
-          </a:p>
-          <a:p>
-            <a:r>
-              <a:rPr lang="en-US" dirty="0"/>
-              <a:t>DS:</a:t>
-            </a:r>
-          </a:p>
-          <a:p>
             <a:pPr marL="171450" marR="0" lvl="0" indent="-171450" algn="l" defTabSz="914400" rtl="0" eaLnBrk="1" fontAlgn="auto" latinLnBrk="0" hangingPunct="1">
               <a:lnSpc>
                 <a:spcPct val="100000"/>
@@ -4852,17 +4677,98 @@
               <a:defRPr/>
             </a:pPr>
             <a:r>
-              <a:rPr lang="en-US" sz="1200" b="0" i="0" kern="1200" dirty="0">
-                <a:solidFill>
-                  <a:schemeClr val="tx1"/>
-                </a:solidFill>
-                <a:effectLst/>
-                <a:latin typeface="+mn-lt"/>
-                <a:ea typeface="+mn-ea"/>
-                <a:cs typeface="+mn-cs"/>
-              </a:rPr>
-              <a:t>Q: Did you do any cointegration analysis beforehand to check for any potential spurious regression?</a:t>
-            </a:r>
+              <a:rPr lang="en-US" b="1" i="1" dirty="0"/>
+              <a:t>Multilevel Bayesian:</a:t>
+            </a:r>
+          </a:p>
+          <a:p>
+            <a:pPr marL="628650" marR="0" lvl="1" indent="-171450" algn="l" defTabSz="914400" rtl="0" eaLnBrk="1" fontAlgn="auto" latinLnBrk="0" hangingPunct="1">
+              <a:lnSpc>
+                <a:spcPct val="100000"/>
+              </a:lnSpc>
+              <a:spcBef>
+                <a:spcPts val="0"/>
+              </a:spcBef>
+              <a:spcAft>
+                <a:spcPts val="0"/>
+              </a:spcAft>
+              <a:buClrTx/>
+              <a:buSzTx/>
+              <a:buFontTx/>
+              <a:buChar char="-"/>
+              <a:tabLst/>
+              <a:defRPr/>
+            </a:pPr>
+            <a:r>
+              <a:rPr lang="en-US" b="0" i="1" dirty="0"/>
+              <a:t>Easy to incorporate non-linear models</a:t>
+            </a:r>
+          </a:p>
+          <a:p>
+            <a:pPr marL="628650" marR="0" lvl="1" indent="-171450" algn="l" defTabSz="914400" rtl="0" eaLnBrk="1" fontAlgn="auto" latinLnBrk="0" hangingPunct="1">
+              <a:lnSpc>
+                <a:spcPct val="100000"/>
+              </a:lnSpc>
+              <a:spcBef>
+                <a:spcPts val="0"/>
+              </a:spcBef>
+              <a:spcAft>
+                <a:spcPts val="0"/>
+              </a:spcAft>
+              <a:buClrTx/>
+              <a:buSzTx/>
+              <a:buFontTx/>
+              <a:buChar char="-"/>
+              <a:tabLst/>
+              <a:defRPr/>
+            </a:pPr>
+            <a:r>
+              <a:rPr lang="en-US" b="0" i="1" dirty="0"/>
+              <a:t>Easy to include different hierarchical levels.</a:t>
+            </a:r>
+          </a:p>
+          <a:p>
+            <a:pPr marL="628650" marR="0" lvl="1" indent="-171450" algn="l" defTabSz="914400" rtl="0" eaLnBrk="1" fontAlgn="auto" latinLnBrk="0" hangingPunct="1">
+              <a:lnSpc>
+                <a:spcPct val="100000"/>
+              </a:lnSpc>
+              <a:spcBef>
+                <a:spcPts val="0"/>
+              </a:spcBef>
+              <a:spcAft>
+                <a:spcPts val="0"/>
+              </a:spcAft>
+              <a:buClrTx/>
+              <a:buSzTx/>
+              <a:buFontTx/>
+              <a:buChar char="-"/>
+              <a:tabLst/>
+              <a:defRPr/>
+            </a:pPr>
+            <a:r>
+              <a:rPr lang="en-US" b="0" i="1" dirty="0"/>
+              <a:t>Naturally assume a prior distribution for the group level effect</a:t>
+            </a:r>
+          </a:p>
+          <a:p>
+            <a:pPr marL="628650" marR="0" lvl="1" indent="-171450" algn="l" defTabSz="914400" rtl="0" eaLnBrk="1" fontAlgn="auto" latinLnBrk="0" hangingPunct="1">
+              <a:lnSpc>
+                <a:spcPct val="100000"/>
+              </a:lnSpc>
+              <a:spcBef>
+                <a:spcPts val="0"/>
+              </a:spcBef>
+              <a:spcAft>
+                <a:spcPts val="0"/>
+              </a:spcAft>
+              <a:buClrTx/>
+              <a:buSzTx/>
+              <a:buFontTx/>
+              <a:buChar char="-"/>
+              <a:tabLst/>
+              <a:defRPr/>
+            </a:pPr>
+            <a:endParaRPr lang="en-US" b="1" i="1" dirty="0"/>
           </a:p>
           <a:p>
             <a:pPr marL="171450" marR="0" lvl="0" indent="-171450" algn="l" defTabSz="914400" rtl="0" eaLnBrk="1" fontAlgn="auto" latinLnBrk="0" hangingPunct="1">
@@ -4883,117 +4789,13 @@
               <a:defRPr/>
             </a:pPr>
             <a:r>
-              <a:rPr lang="en-US" sz="1200" b="0" i="0" kern="1200" dirty="0">
-                <a:solidFill>
-                  <a:schemeClr val="tx1"/>
-                </a:solidFill>
-                <a:effectLst/>
-                <a:latin typeface="+mn-lt"/>
-                <a:ea typeface="+mn-ea"/>
-                <a:cs typeface="+mn-cs"/>
-              </a:rPr>
-              <a:t>A: When I have monthly time series.</a:t>
-            </a:r>
-          </a:p>
-          <a:p>
-            <a:endParaRPr lang="en-US" sz="1200" b="0" i="0" kern="1200" dirty="0">
-              <a:solidFill>
-                <a:schemeClr val="tx1"/>
-              </a:solidFill>
-              <a:effectLst/>
-              <a:latin typeface="+mn-lt"/>
-              <a:ea typeface="+mn-ea"/>
-              <a:cs typeface="+mn-cs"/>
-            </a:endParaRPr>
-          </a:p>
-          <a:p>
-            <a:r>
-              <a:rPr lang="en-US" sz="1200" b="0" i="0" kern="1200" dirty="0">
-                <a:solidFill>
-                  <a:schemeClr val="tx1"/>
-                </a:solidFill>
-                <a:effectLst/>
-                <a:latin typeface="+mn-lt"/>
-                <a:ea typeface="+mn-ea"/>
-                <a:cs typeface="+mn-cs"/>
-              </a:rPr>
-              <a:t>DS:</a:t>
-            </a:r>
-          </a:p>
-          <a:p>
-            <a:pPr marL="171450" indent="-171450">
-              <a:buFontTx/>
-              <a:buChar char="-"/>
-            </a:pPr>
-            <a:r>
-              <a:rPr lang="en-US" sz="1200" b="0" i="0" kern="1200" dirty="0">
-                <a:solidFill>
-                  <a:schemeClr val="tx1"/>
-                </a:solidFill>
-                <a:effectLst/>
-                <a:latin typeface="+mn-lt"/>
-                <a:ea typeface="+mn-ea"/>
-                <a:cs typeface="+mn-cs"/>
-              </a:rPr>
-              <a:t>Q:  Does potential serial correlation arise with these types of regressions?</a:t>
-            </a:r>
-          </a:p>
-          <a:p>
-            <a:pPr marL="457200" lvl="1" indent="0">
-              <a:buFontTx/>
-              <a:buNone/>
-            </a:pPr>
-            <a:r>
-              <a:rPr lang="en-US" sz="1200" b="0" i="0" kern="1200" dirty="0">
-                <a:solidFill>
-                  <a:schemeClr val="tx1"/>
-                </a:solidFill>
-                <a:effectLst/>
-                <a:latin typeface="+mn-lt"/>
-                <a:ea typeface="+mn-ea"/>
-                <a:cs typeface="+mn-cs"/>
-              </a:rPr>
-              <a:t>A: I have to check!</a:t>
-            </a:r>
-          </a:p>
-          <a:p>
-            <a:pPr marL="171450" indent="-171450">
-              <a:buFontTx/>
-              <a:buChar char="-"/>
-            </a:pPr>
-            <a:r>
-              <a:rPr lang="en-US" sz="1200" b="0" i="0" kern="1200" dirty="0">
-                <a:solidFill>
-                  <a:schemeClr val="tx1"/>
-                </a:solidFill>
-                <a:effectLst/>
-                <a:latin typeface="+mn-lt"/>
-                <a:ea typeface="+mn-ea"/>
-                <a:cs typeface="+mn-cs"/>
-              </a:rPr>
-              <a:t>Q: Do ENSO events create a structural break in the time series that must be controlled for?</a:t>
-            </a:r>
-          </a:p>
-          <a:p>
-            <a:pPr marL="0" indent="0">
-              <a:buFontTx/>
-              <a:buNone/>
-            </a:pPr>
-            <a:r>
-              <a:rPr lang="en-US" sz="1200" b="0" i="0" kern="1200" dirty="0">
-                <a:solidFill>
-                  <a:schemeClr val="tx1"/>
-                </a:solidFill>
-                <a:effectLst/>
-                <a:latin typeface="+mn-lt"/>
-                <a:ea typeface="+mn-ea"/>
-                <a:cs typeface="+mn-cs"/>
-              </a:rPr>
-              <a:t>	A: Should be included in SDMs </a:t>
-            </a:r>
-          </a:p>
-          <a:p>
-            <a:pPr marL="171450" marR="0" lvl="0" indent="-171450" algn="l" defTabSz="914400" rtl="0" eaLnBrk="1" fontAlgn="auto" latinLnBrk="0" hangingPunct="1">
+              <a:rPr lang="en-US" b="1" i="1" dirty="0"/>
+              <a:t>Talk that ports were selected if we observe landings of the species in consideration. </a:t>
+            </a:r>
+            <a:endParaRPr lang="en-US" b="1" dirty="0"/>
+          </a:p>
+          <a:p>
+            <a:pPr marL="0" marR="0" lvl="0" indent="0" algn="l" defTabSz="914400" rtl="0" eaLnBrk="1" fontAlgn="auto" latinLnBrk="0" hangingPunct="1">
               <a:lnSpc>
                 <a:spcPct val="100000"/>
               </a:lnSpc>
@@ -5006,10 +4808,92 @@
               <a:buClrTx/>
               <a:buSzTx/>
               <a:buFontTx/>
-              <a:buChar char="-"/>
+              <a:buNone/>
               <a:tabLst/>
               <a:defRPr/>
             </a:pPr>
+            <a:endParaRPr lang="en-US" i="1" dirty="0"/>
+          </a:p>
+          <a:p>
+            <a:pPr>
+              <a:defRPr/>
+            </a:pPr>
+            <a:endParaRPr lang="en-US" dirty="0"/>
+          </a:p>
+          <a:p>
+            <a:pPr marL="0" marR="0" lvl="0" indent="0" algn="l" defTabSz="914400" rtl="0" eaLnBrk="1" fontAlgn="auto" latinLnBrk="0" hangingPunct="1">
+              <a:lnSpc>
+                <a:spcPct val="100000"/>
+              </a:lnSpc>
+              <a:spcBef>
+                <a:spcPts val="0"/>
+              </a:spcBef>
+              <a:spcAft>
+                <a:spcPts val="0"/>
+              </a:spcAft>
+              <a:buClrTx/>
+              <a:buSzTx/>
+              <a:buFontTx/>
+              <a:buNone/>
+              <a:tabLst/>
+              <a:defRPr/>
+            </a:pPr>
+            <a:r>
+              <a:rPr lang="en-US" dirty="0"/>
+              <a:t>DS.</a:t>
+            </a:r>
+            <a:r>
+              <a:rPr lang="en-US" sz="1200" b="0" i="0" kern="1200" dirty="0">
+                <a:solidFill>
+                  <a:schemeClr val="tx1"/>
+                </a:solidFill>
+                <a:effectLst/>
+                <a:latin typeface="+mn-lt"/>
+                <a:ea typeface="+mn-ea"/>
+                <a:cs typeface="+mn-cs"/>
+              </a:rPr>
+              <a:t>Q: Felipe, you are looking at distribution of fishing locations and fish caught and landed in those locations as opposed to some objective level of abundance and distribution, right? The data are fishery dependent, and hence there is potential endogeneity and sample selection bias both in the choice of fishing and </a:t>
+            </a:r>
+            <a:r>
+              <a:rPr lang="en-US" sz="1200" b="0" i="0" kern="1200" dirty="0" err="1">
+                <a:solidFill>
+                  <a:schemeClr val="tx1"/>
+                </a:solidFill>
+                <a:effectLst/>
+                <a:latin typeface="+mn-lt"/>
+                <a:ea typeface="+mn-ea"/>
+                <a:cs typeface="+mn-cs"/>
+              </a:rPr>
+              <a:t>landngs</a:t>
+            </a:r>
+            <a:r>
+              <a:rPr lang="en-US" sz="1200" b="0" i="0" kern="1200" dirty="0">
+                <a:solidFill>
+                  <a:schemeClr val="tx1"/>
+                </a:solidFill>
+                <a:effectLst/>
+                <a:latin typeface="+mn-lt"/>
+                <a:ea typeface="+mn-ea"/>
+                <a:cs typeface="+mn-cs"/>
+              </a:rPr>
+              <a:t> but using a port in the first place from historical data, all from logbook data. S</a:t>
+            </a:r>
+          </a:p>
+          <a:p>
+            <a:r>
+              <a:rPr lang="en-US" sz="1200" b="0" i="0" kern="1200" dirty="0">
+                <a:solidFill>
+                  <a:schemeClr val="tx1"/>
+                </a:solidFill>
+                <a:effectLst/>
+                <a:latin typeface="+mn-lt"/>
+                <a:ea typeface="+mn-ea"/>
+                <a:cs typeface="+mn-cs"/>
+              </a:rPr>
+              <a:t>So, these are abundance not as if from a random selection across all areas.</a:t>
+            </a:r>
+          </a:p>
+          <a:p>
             <a:endParaRPr lang="en-US" sz="1200" b="0" i="0" kern="1200" dirty="0">
               <a:solidFill>
                 <a:schemeClr val="tx1"/>
@@ -5019,6 +4903,77 @@
               <a:ea typeface="+mn-ea"/>
               <a:cs typeface="+mn-cs"/>
             </a:endParaRPr>
+          </a:p>
+          <a:p>
+            <a:pPr marL="0" marR="0" lvl="0" indent="0" algn="l" defTabSz="914400" rtl="0" eaLnBrk="1" fontAlgn="auto" latinLnBrk="0" hangingPunct="1">
+              <a:lnSpc>
+                <a:spcPct val="100000"/>
+              </a:lnSpc>
+              <a:spcBef>
+                <a:spcPts val="0"/>
+              </a:spcBef>
+              <a:spcAft>
+                <a:spcPts val="0"/>
+              </a:spcAft>
+              <a:buClrTx/>
+              <a:buSzTx/>
+              <a:buFontTx/>
+              <a:buNone/>
+              <a:tabLst/>
+              <a:defRPr/>
+            </a:pPr>
+            <a:r>
+              <a:rPr lang="en-US" sz="1200" b="0" i="0" kern="1200" dirty="0">
+                <a:solidFill>
+                  <a:schemeClr val="tx1"/>
+                </a:solidFill>
+                <a:effectLst/>
+                <a:latin typeface="+mn-lt"/>
+                <a:ea typeface="+mn-ea"/>
+                <a:cs typeface="+mn-cs"/>
+              </a:rPr>
+              <a:t>R: No, I'm looking just landings, this questions is for the discrete choice model for locations. Regard to selection bias, you are right. </a:t>
+            </a:r>
+          </a:p>
+          <a:p>
+            <a:pPr marL="0" marR="0" lvl="0" indent="0" algn="l" defTabSz="914400" rtl="0" eaLnBrk="1" fontAlgn="auto" latinLnBrk="0" hangingPunct="1">
+              <a:lnSpc>
+                <a:spcPct val="100000"/>
+              </a:lnSpc>
+              <a:spcBef>
+                <a:spcPts val="0"/>
+              </a:spcBef>
+              <a:spcAft>
+                <a:spcPts val="0"/>
+              </a:spcAft>
+              <a:buClrTx/>
+              <a:buSzTx/>
+              <a:buFontTx/>
+              <a:buNone/>
+              <a:tabLst/>
+              <a:defRPr/>
+            </a:pPr>
+            <a:endParaRPr lang="en-US" i="1" dirty="0"/>
+          </a:p>
+          <a:p>
+            <a:pPr marL="0" marR="0" lvl="0" indent="0" algn="l" defTabSz="914400" rtl="0" eaLnBrk="1" fontAlgn="auto" latinLnBrk="0" hangingPunct="1">
+              <a:lnSpc>
+                <a:spcPct val="100000"/>
+              </a:lnSpc>
+              <a:spcBef>
+                <a:spcPts val="0"/>
+              </a:spcBef>
+              <a:spcAft>
+                <a:spcPts val="0"/>
+              </a:spcAft>
+              <a:buClrTx/>
+              <a:buSzTx/>
+              <a:buFontTx/>
+              <a:buNone/>
+              <a:tabLst/>
+              <a:defRPr/>
+            </a:pPr>
+            <a:endParaRPr lang="en-US" i="1" dirty="0"/>
           </a:p>
           <a:p>
             <a:endParaRPr lang="en-US" dirty="0"/>
@@ -5051,7 +5006,7 @@
     </p:spTree>
     <p:extLst>
       <p:ext uri="{BB962C8B-B14F-4D97-AF65-F5344CB8AC3E}">
-        <p14:creationId xmlns:p14="http://schemas.microsoft.com/office/powerpoint/2010/main" val="85746133"/>
+        <p14:creationId xmlns:p14="http://schemas.microsoft.com/office/powerpoint/2010/main" val="462084604"/>
       </p:ext>
     </p:extLst>
   </p:cSld>
@@ -5105,100 +5060,18 @@
           <a:bodyPr/>
           <a:lstStyle/>
           <a:p>
-            <a:endParaRPr lang="en-US" sz="1200" b="0" i="0" kern="1200" dirty="0">
-              <a:solidFill>
-                <a:schemeClr val="tx1"/>
-              </a:solidFill>
-              <a:effectLst/>
-              <a:latin typeface="+mn-lt"/>
-              <a:ea typeface="+mn-ea"/>
-              <a:cs typeface="+mn-cs"/>
-            </a:endParaRPr>
-          </a:p>
-          <a:p>
-            <a:r>
-              <a:rPr lang="en-US" sz="1200" b="0" i="0" kern="1200" dirty="0">
-                <a:solidFill>
-                  <a:schemeClr val="tx1"/>
-                </a:solidFill>
-                <a:effectLst/>
-                <a:latin typeface="+mn-lt"/>
-                <a:ea typeface="+mn-ea"/>
-                <a:cs typeface="+mn-cs"/>
-              </a:rPr>
-              <a:t>Dale Squires:</a:t>
-            </a:r>
-          </a:p>
-          <a:p>
-            <a:pPr marL="171450" indent="-171450">
-              <a:buFontTx/>
-              <a:buChar char="-"/>
-            </a:pPr>
-            <a:r>
-              <a:rPr lang="en-US" sz="1200" b="0" i="0" kern="1200" dirty="0">
-                <a:solidFill>
-                  <a:schemeClr val="tx1"/>
-                </a:solidFill>
-                <a:effectLst/>
-                <a:latin typeface="+mn-lt"/>
-                <a:ea typeface="+mn-ea"/>
-                <a:cs typeface="+mn-cs"/>
-              </a:rPr>
-              <a:t>Q:  Does potential serial correlation arise with these types of regressions?</a:t>
-            </a:r>
-          </a:p>
-          <a:p>
-            <a:pPr marL="457200" lvl="1" indent="0">
-              <a:buFontTx/>
-              <a:buNone/>
-            </a:pPr>
-            <a:r>
-              <a:rPr lang="en-US" sz="1200" b="0" i="0" kern="1200" dirty="0">
-                <a:solidFill>
-                  <a:schemeClr val="tx1"/>
-                </a:solidFill>
-                <a:effectLst/>
-                <a:latin typeface="+mn-lt"/>
-                <a:ea typeface="+mn-ea"/>
-                <a:cs typeface="+mn-cs"/>
-              </a:rPr>
-              <a:t>A: I have to check!</a:t>
-            </a:r>
-          </a:p>
-          <a:p>
-            <a:pPr marL="171450" indent="-171450">
-              <a:buFontTx/>
-              <a:buChar char="-"/>
-            </a:pPr>
-            <a:r>
-              <a:rPr lang="en-US" sz="1200" b="0" i="0" kern="1200" dirty="0">
-                <a:solidFill>
-                  <a:schemeClr val="tx1"/>
-                </a:solidFill>
-                <a:effectLst/>
-                <a:latin typeface="+mn-lt"/>
-                <a:ea typeface="+mn-ea"/>
-                <a:cs typeface="+mn-cs"/>
-              </a:rPr>
-              <a:t>Q: Do ENSO events create a structural break in the time series that must be controlled for?</a:t>
-            </a:r>
-          </a:p>
-          <a:p>
-            <a:pPr marL="0" indent="0">
-              <a:buFontTx/>
-              <a:buNone/>
-            </a:pPr>
-            <a:r>
-              <a:rPr lang="en-US" sz="1200" b="0" i="0" kern="1200" dirty="0">
-                <a:solidFill>
-                  <a:schemeClr val="tx1"/>
-                </a:solidFill>
-                <a:effectLst/>
-                <a:latin typeface="+mn-lt"/>
-                <a:ea typeface="+mn-ea"/>
-                <a:cs typeface="+mn-cs"/>
-              </a:rPr>
-              <a:t>	A: Should be included in SDMs </a:t>
+            <a:r>
+              <a:rPr lang="en-US" dirty="0"/>
+              <a:t>Random effect model, similar to panel data model.</a:t>
+            </a:r>
+          </a:p>
+          <a:p>
+            <a:endParaRPr lang="en-US" dirty="0"/>
+          </a:p>
+          <a:p>
+            <a:r>
+              <a:rPr lang="en-US" dirty="0"/>
+              <a:t>DS:</a:t>
             </a:r>
           </a:p>
           <a:p>
@@ -5229,35 +5102,11 @@
                 <a:ea typeface="+mn-ea"/>
                 <a:cs typeface="+mn-cs"/>
               </a:rPr>
-              <a:t>Q: distance and cost can be viewed as endogenous. distance would be chosen at the same time as location. many view location as a descriptor but the choice of that descriptor can be viewed as endogenous or simultaneously chosen with </a:t>
-            </a:r>
-            <a:r>
-              <a:rPr lang="en-US" sz="1200" b="0" i="0" kern="1200" dirty="0" err="1">
-                <a:solidFill>
-                  <a:schemeClr val="tx1"/>
-                </a:solidFill>
-                <a:effectLst/>
-                <a:latin typeface="+mn-lt"/>
-                <a:ea typeface="+mn-ea"/>
-                <a:cs typeface="+mn-cs"/>
-              </a:rPr>
-              <a:t>locaton</a:t>
-            </a:r>
-            <a:r>
-              <a:rPr lang="en-US" sz="1200" b="0" i="0" kern="1200" dirty="0">
-                <a:solidFill>
-                  <a:schemeClr val="tx1"/>
-                </a:solidFill>
-                <a:effectLst/>
-                <a:latin typeface="+mn-lt"/>
-                <a:ea typeface="+mn-ea"/>
-                <a:cs typeface="+mn-cs"/>
-              </a:rPr>
-              <a:t>.</a:t>
-            </a:r>
-          </a:p>
-          <a:p>
-            <a:pPr marL="457200" marR="0" lvl="1" indent="0" algn="l" defTabSz="914400" rtl="0" eaLnBrk="1" fontAlgn="auto" latinLnBrk="0" hangingPunct="1">
+              <a:t>Q: Did you do any cointegration analysis beforehand to check for any potential spurious regression?</a:t>
+            </a:r>
+          </a:p>
+          <a:p>
+            <a:pPr marL="171450" marR="0" lvl="0" indent="-171450" algn="l" defTabSz="914400" rtl="0" eaLnBrk="1" fontAlgn="auto" latinLnBrk="0" hangingPunct="1">
               <a:lnSpc>
                 <a:spcPct val="100000"/>
               </a:lnSpc>
@@ -5270,7 +5119,7 @@
               <a:buClrTx/>
               <a:buSzTx/>
               <a:buFontTx/>
-              <a:buNone/>
+              <a:buChar char="-"/>
               <a:tabLst/>
               <a:defRPr/>
             </a:pPr>
@@ -5284,7 +5133,7 @@
                 <a:ea typeface="+mn-ea"/>
                 <a:cs typeface="+mn-cs"/>
               </a:rPr>
-              <a:t>	A: In a discrete choice model</a:t>
+              <a:t>A: When I have monthly time series.</a:t>
             </a:r>
           </a:p>
           <a:p>
@@ -5309,20 +5158,14 @@
                 <a:ea typeface="+mn-ea"/>
                 <a:cs typeface="+mn-cs"/>
               </a:rPr>
-              <a:t>Stephen </a:t>
-            </a:r>
-            <a:r>
-              <a:rPr lang="en-US" sz="1200" b="0" i="0" kern="1200" dirty="0" err="1">
-                <a:solidFill>
-                  <a:schemeClr val="tx1"/>
-                </a:solidFill>
-                <a:effectLst/>
-                <a:latin typeface="+mn-lt"/>
-                <a:ea typeface="+mn-ea"/>
-                <a:cs typeface="+mn-cs"/>
-              </a:rPr>
-              <a:t>Stohs</a:t>
-            </a:r>
+              <a:t>DS:</a:t>
+            </a:r>
+          </a:p>
+          <a:p>
+            <a:pPr marL="171450" indent="-171450">
+              <a:buFontTx/>
+              <a:buChar char="-"/>
+            </a:pPr>
             <a:r>
               <a:rPr lang="en-US" sz="1200" b="0" i="0" kern="1200" dirty="0">
                 <a:solidFill>
@@ -5333,13 +5176,13 @@
                 <a:ea typeface="+mn-ea"/>
                 <a:cs typeface="+mn-cs"/>
               </a:rPr>
-              <a:t>:</a:t>
-            </a:r>
-          </a:p>
-          <a:p>
-            <a:pPr marL="171450" indent="-171450">
+              <a:t>Q:  Does potential serial correlation arise with these types of regressions?</a:t>
+            </a:r>
+          </a:p>
+          <a:p>
+            <a:pPr marL="457200" lvl="1" indent="0">
               <a:buFontTx/>
-              <a:buChar char="-"/>
+              <a:buNone/>
             </a:pPr>
             <a:r>
               <a:rPr lang="en-US" sz="1200" b="0" i="0" kern="1200" dirty="0">
@@ -5351,19 +5194,44 @@
                 <a:ea typeface="+mn-ea"/>
                 <a:cs typeface="+mn-cs"/>
               </a:rPr>
-              <a:t>Potential solution: Use SDM model predictions as an instrumental variable for predicting fishing location choice... (????)</a:t>
-            </a:r>
-          </a:p>
-          <a:p>
-            <a:endParaRPr lang="en-US" sz="1200" b="0" i="0" kern="1200" dirty="0">
-              <a:solidFill>
-                <a:schemeClr val="tx1"/>
-              </a:solidFill>
-              <a:effectLst/>
-              <a:latin typeface="+mn-lt"/>
-              <a:ea typeface="+mn-ea"/>
-              <a:cs typeface="+mn-cs"/>
-            </a:endParaRPr>
+              <a:t>A: I have to check!</a:t>
+            </a:r>
+          </a:p>
+          <a:p>
+            <a:pPr marL="171450" indent="-171450">
+              <a:buFontTx/>
+              <a:buChar char="-"/>
+            </a:pPr>
+            <a:r>
+              <a:rPr lang="en-US" sz="1200" b="0" i="0" kern="1200" dirty="0">
+                <a:solidFill>
+                  <a:schemeClr val="tx1"/>
+                </a:solidFill>
+                <a:effectLst/>
+                <a:latin typeface="+mn-lt"/>
+                <a:ea typeface="+mn-ea"/>
+                <a:cs typeface="+mn-cs"/>
+              </a:rPr>
+              <a:t>Q: Do ENSO events create a structural break in the time series that must be controlled for?</a:t>
+            </a:r>
+          </a:p>
+          <a:p>
+            <a:pPr marL="0" indent="0">
+              <a:buFontTx/>
+              <a:buNone/>
+            </a:pPr>
+            <a:r>
+              <a:rPr lang="en-US" sz="1200" b="0" i="0" kern="1200" dirty="0">
+                <a:solidFill>
+                  <a:schemeClr val="tx1"/>
+                </a:solidFill>
+                <a:effectLst/>
+                <a:latin typeface="+mn-lt"/>
+                <a:ea typeface="+mn-ea"/>
+                <a:cs typeface="+mn-cs"/>
+              </a:rPr>
+              <a:t>	A: Should be included in SDMs </a:t>
+            </a:r>
           </a:p>
           <a:p>
             <a:pPr marL="171450" marR="0" lvl="0" indent="-171450" algn="l" defTabSz="914400" rtl="0" eaLnBrk="1" fontAlgn="auto" latinLnBrk="0" hangingPunct="1">
@@ -5424,7 +5292,7 @@
     </p:spTree>
     <p:extLst>
       <p:ext uri="{BB962C8B-B14F-4D97-AF65-F5344CB8AC3E}">
-        <p14:creationId xmlns:p14="http://schemas.microsoft.com/office/powerpoint/2010/main" val="543063806"/>
+        <p14:creationId xmlns:p14="http://schemas.microsoft.com/office/powerpoint/2010/main" val="85746133"/>
       </p:ext>
     </p:extLst>
   </p:cSld>
@@ -5478,6 +5346,295 @@
           <a:bodyPr/>
           <a:lstStyle/>
           <a:p>
+            <a:endParaRPr lang="en-US" sz="1200" b="0" i="0" kern="1200" dirty="0">
+              <a:solidFill>
+                <a:schemeClr val="tx1"/>
+              </a:solidFill>
+              <a:effectLst/>
+              <a:latin typeface="+mn-lt"/>
+              <a:ea typeface="+mn-ea"/>
+              <a:cs typeface="+mn-cs"/>
+            </a:endParaRPr>
+          </a:p>
+          <a:p>
+            <a:r>
+              <a:rPr lang="en-US" sz="1200" b="0" i="0" kern="1200" dirty="0">
+                <a:solidFill>
+                  <a:schemeClr val="tx1"/>
+                </a:solidFill>
+                <a:effectLst/>
+                <a:latin typeface="+mn-lt"/>
+                <a:ea typeface="+mn-ea"/>
+                <a:cs typeface="+mn-cs"/>
+              </a:rPr>
+              <a:t>Dale Squires:</a:t>
+            </a:r>
+          </a:p>
+          <a:p>
+            <a:pPr marL="171450" indent="-171450">
+              <a:buFontTx/>
+              <a:buChar char="-"/>
+            </a:pPr>
+            <a:r>
+              <a:rPr lang="en-US" sz="1200" b="0" i="0" kern="1200" dirty="0">
+                <a:solidFill>
+                  <a:schemeClr val="tx1"/>
+                </a:solidFill>
+                <a:effectLst/>
+                <a:latin typeface="+mn-lt"/>
+                <a:ea typeface="+mn-ea"/>
+                <a:cs typeface="+mn-cs"/>
+              </a:rPr>
+              <a:t>Q:  Does potential serial correlation arise with these types of regressions?</a:t>
+            </a:r>
+          </a:p>
+          <a:p>
+            <a:pPr marL="457200" lvl="1" indent="0">
+              <a:buFontTx/>
+              <a:buNone/>
+            </a:pPr>
+            <a:r>
+              <a:rPr lang="en-US" sz="1200" b="0" i="0" kern="1200" dirty="0">
+                <a:solidFill>
+                  <a:schemeClr val="tx1"/>
+                </a:solidFill>
+                <a:effectLst/>
+                <a:latin typeface="+mn-lt"/>
+                <a:ea typeface="+mn-ea"/>
+                <a:cs typeface="+mn-cs"/>
+              </a:rPr>
+              <a:t>A: I have to check!</a:t>
+            </a:r>
+          </a:p>
+          <a:p>
+            <a:pPr marL="171450" indent="-171450">
+              <a:buFontTx/>
+              <a:buChar char="-"/>
+            </a:pPr>
+            <a:r>
+              <a:rPr lang="en-US" sz="1200" b="0" i="0" kern="1200" dirty="0">
+                <a:solidFill>
+                  <a:schemeClr val="tx1"/>
+                </a:solidFill>
+                <a:effectLst/>
+                <a:latin typeface="+mn-lt"/>
+                <a:ea typeface="+mn-ea"/>
+                <a:cs typeface="+mn-cs"/>
+              </a:rPr>
+              <a:t>Q: Do ENSO events create a structural break in the time series that must be controlled for?</a:t>
+            </a:r>
+          </a:p>
+          <a:p>
+            <a:pPr marL="0" indent="0">
+              <a:buFontTx/>
+              <a:buNone/>
+            </a:pPr>
+            <a:r>
+              <a:rPr lang="en-US" sz="1200" b="0" i="0" kern="1200" dirty="0">
+                <a:solidFill>
+                  <a:schemeClr val="tx1"/>
+                </a:solidFill>
+                <a:effectLst/>
+                <a:latin typeface="+mn-lt"/>
+                <a:ea typeface="+mn-ea"/>
+                <a:cs typeface="+mn-cs"/>
+              </a:rPr>
+              <a:t>	A: Should be included in SDMs </a:t>
+            </a:r>
+          </a:p>
+          <a:p>
+            <a:pPr marL="171450" marR="0" lvl="0" indent="-171450" algn="l" defTabSz="914400" rtl="0" eaLnBrk="1" fontAlgn="auto" latinLnBrk="0" hangingPunct="1">
+              <a:lnSpc>
+                <a:spcPct val="100000"/>
+              </a:lnSpc>
+              <a:spcBef>
+                <a:spcPts val="0"/>
+              </a:spcBef>
+              <a:spcAft>
+                <a:spcPts val="0"/>
+              </a:spcAft>
+              <a:buClrTx/>
+              <a:buSzTx/>
+              <a:buFontTx/>
+              <a:buChar char="-"/>
+              <a:tabLst/>
+              <a:defRPr/>
+            </a:pPr>
+            <a:r>
+              <a:rPr lang="en-US" sz="1200" b="0" i="0" kern="1200" dirty="0">
+                <a:solidFill>
+                  <a:schemeClr val="tx1"/>
+                </a:solidFill>
+                <a:effectLst/>
+                <a:latin typeface="+mn-lt"/>
+                <a:ea typeface="+mn-ea"/>
+                <a:cs typeface="+mn-cs"/>
+              </a:rPr>
+              <a:t>Q: distance and cost can be viewed as endogenous. distance would be chosen at the same time as location. many view location as a descriptor but the choice of that descriptor can be viewed as endogenous or simultaneously chosen with </a:t>
+            </a:r>
+            <a:r>
+              <a:rPr lang="en-US" sz="1200" b="0" i="0" kern="1200" dirty="0" err="1">
+                <a:solidFill>
+                  <a:schemeClr val="tx1"/>
+                </a:solidFill>
+                <a:effectLst/>
+                <a:latin typeface="+mn-lt"/>
+                <a:ea typeface="+mn-ea"/>
+                <a:cs typeface="+mn-cs"/>
+              </a:rPr>
+              <a:t>locaton</a:t>
+            </a:r>
+            <a:r>
+              <a:rPr lang="en-US" sz="1200" b="0" i="0" kern="1200" dirty="0">
+                <a:solidFill>
+                  <a:schemeClr val="tx1"/>
+                </a:solidFill>
+                <a:effectLst/>
+                <a:latin typeface="+mn-lt"/>
+                <a:ea typeface="+mn-ea"/>
+                <a:cs typeface="+mn-cs"/>
+              </a:rPr>
+              <a:t>.</a:t>
+            </a:r>
+          </a:p>
+          <a:p>
+            <a:pPr marL="457200" marR="0" lvl="1" indent="0" algn="l" defTabSz="914400" rtl="0" eaLnBrk="1" fontAlgn="auto" latinLnBrk="0" hangingPunct="1">
+              <a:lnSpc>
+                <a:spcPct val="100000"/>
+              </a:lnSpc>
+              <a:spcBef>
+                <a:spcPts val="0"/>
+              </a:spcBef>
+              <a:spcAft>
+                <a:spcPts val="0"/>
+              </a:spcAft>
+              <a:buClrTx/>
+              <a:buSzTx/>
+              <a:buFontTx/>
+              <a:buNone/>
+              <a:tabLst/>
+              <a:defRPr/>
+            </a:pPr>
+            <a:r>
+              <a:rPr lang="en-US" sz="1200" b="0" i="0" kern="1200" dirty="0">
+                <a:solidFill>
+                  <a:schemeClr val="tx1"/>
+                </a:solidFill>
+                <a:effectLst/>
+                <a:latin typeface="+mn-lt"/>
+                <a:ea typeface="+mn-ea"/>
+                <a:cs typeface="+mn-cs"/>
+              </a:rPr>
+              <a:t>	A: In a discrete choice model</a:t>
+            </a:r>
+          </a:p>
+          <a:p>
+            <a:endParaRPr lang="en-US" sz="1200" b="0" i="0" kern="1200" dirty="0">
+              <a:solidFill>
+                <a:schemeClr val="tx1"/>
+              </a:solidFill>
+              <a:effectLst/>
+              <a:latin typeface="+mn-lt"/>
+              <a:ea typeface="+mn-ea"/>
+              <a:cs typeface="+mn-cs"/>
+            </a:endParaRPr>
+          </a:p>
+          <a:p>
+            <a:r>
+              <a:rPr lang="en-US" sz="1200" b="0" i="0" kern="1200" dirty="0">
+                <a:solidFill>
+                  <a:schemeClr val="tx1"/>
+                </a:solidFill>
+                <a:effectLst/>
+                <a:latin typeface="+mn-lt"/>
+                <a:ea typeface="+mn-ea"/>
+                <a:cs typeface="+mn-cs"/>
+              </a:rPr>
+              <a:t>Stephen </a:t>
+            </a:r>
+            <a:r>
+              <a:rPr lang="en-US" sz="1200" b="0" i="0" kern="1200" dirty="0" err="1">
+                <a:solidFill>
+                  <a:schemeClr val="tx1"/>
+                </a:solidFill>
+                <a:effectLst/>
+                <a:latin typeface="+mn-lt"/>
+                <a:ea typeface="+mn-ea"/>
+                <a:cs typeface="+mn-cs"/>
+              </a:rPr>
+              <a:t>Stohs</a:t>
+            </a:r>
+            <a:r>
+              <a:rPr lang="en-US" sz="1200" b="0" i="0" kern="1200" dirty="0">
+                <a:solidFill>
+                  <a:schemeClr val="tx1"/>
+                </a:solidFill>
+                <a:effectLst/>
+                <a:latin typeface="+mn-lt"/>
+                <a:ea typeface="+mn-ea"/>
+                <a:cs typeface="+mn-cs"/>
+              </a:rPr>
+              <a:t>:</a:t>
+            </a:r>
+          </a:p>
+          <a:p>
+            <a:pPr marL="171450" indent="-171450">
+              <a:buFontTx/>
+              <a:buChar char="-"/>
+            </a:pPr>
+            <a:r>
+              <a:rPr lang="en-US" sz="1200" b="0" i="0" kern="1200" dirty="0">
+                <a:solidFill>
+                  <a:schemeClr val="tx1"/>
+                </a:solidFill>
+                <a:effectLst/>
+                <a:latin typeface="+mn-lt"/>
+                <a:ea typeface="+mn-ea"/>
+                <a:cs typeface="+mn-cs"/>
+              </a:rPr>
+              <a:t>Potential solution: Use SDM model predictions as an instrumental variable for predicting fishing location choice... (????)</a:t>
+            </a:r>
+          </a:p>
+          <a:p>
+            <a:endParaRPr lang="en-US" sz="1200" b="0" i="0" kern="1200" dirty="0">
+              <a:solidFill>
+                <a:schemeClr val="tx1"/>
+              </a:solidFill>
+              <a:effectLst/>
+              <a:latin typeface="+mn-lt"/>
+              <a:ea typeface="+mn-ea"/>
+              <a:cs typeface="+mn-cs"/>
+            </a:endParaRPr>
+          </a:p>
+          <a:p>
+            <a:pPr marL="171450" marR="0" lvl="0" indent="-171450" algn="l" defTabSz="914400" rtl="0" eaLnBrk="1" fontAlgn="auto" latinLnBrk="0" hangingPunct="1">
+              <a:lnSpc>
+                <a:spcPct val="100000"/>
+              </a:lnSpc>
+              <a:spcBef>
+                <a:spcPts val="0"/>
+              </a:spcBef>
+              <a:spcAft>
+                <a:spcPts val="0"/>
+              </a:spcAft>
+              <a:buClrTx/>
+              <a:buSzTx/>
+              <a:buFontTx/>
+              <a:buChar char="-"/>
+              <a:tabLst/>
+              <a:defRPr/>
+            </a:pPr>
+            <a:endParaRPr lang="en-US" sz="1200" b="0" i="0" kern="1200" dirty="0">
+              <a:solidFill>
+                <a:schemeClr val="tx1"/>
+              </a:solidFill>
+              <a:effectLst/>
+              <a:latin typeface="+mn-lt"/>
+              <a:ea typeface="+mn-ea"/>
+              <a:cs typeface="+mn-cs"/>
+            </a:endParaRPr>
+          </a:p>
+          <a:p>
             <a:endParaRPr lang="en-US" dirty="0"/>
           </a:p>
         </p:txBody>
@@ -5508,7 +5665,7 @@
     </p:spTree>
     <p:extLst>
       <p:ext uri="{BB962C8B-B14F-4D97-AF65-F5344CB8AC3E}">
-        <p14:creationId xmlns:p14="http://schemas.microsoft.com/office/powerpoint/2010/main" val="1800163424"/>
+        <p14:creationId xmlns:p14="http://schemas.microsoft.com/office/powerpoint/2010/main" val="543063806"/>
       </p:ext>
     </p:extLst>
   </p:cSld>
@@ -5592,7 +5749,7 @@
     </p:spTree>
     <p:extLst>
       <p:ext uri="{BB962C8B-B14F-4D97-AF65-F5344CB8AC3E}">
-        <p14:creationId xmlns:p14="http://schemas.microsoft.com/office/powerpoint/2010/main" val="3385294582"/>
+        <p14:creationId xmlns:p14="http://schemas.microsoft.com/office/powerpoint/2010/main" val="1800163424"/>
       </p:ext>
     </p:extLst>
   </p:cSld>
@@ -5646,10 +5803,7 @@
           <a:bodyPr/>
           <a:lstStyle/>
           <a:p>
-            <a:r>
-              <a:rPr lang="en-US" dirty="0"/>
-              <a:t>SEINE is the main Gear used by this fleet.</a:t>
-            </a:r>
+            <a:endParaRPr lang="en-US" dirty="0"/>
           </a:p>
         </p:txBody>
       </p:sp>
@@ -5670,7 +5824,94 @@
           <a:p>
             <a:fld id="{B751F954-3776-48DE-B231-63E89C74A71E}" type="slidenum">
               <a:rPr lang="en-US" smtClean="0"/>
-              <a:t>21</a:t>
+              <a:t>20</a:t>
+            </a:fld>
+            <a:endParaRPr lang="en-US"/>
+          </a:p>
+        </p:txBody>
+      </p:sp>
+    </p:spTree>
+    <p:extLst>
+      <p:ext uri="{BB962C8B-B14F-4D97-AF65-F5344CB8AC3E}">
+        <p14:creationId xmlns:p14="http://schemas.microsoft.com/office/powerpoint/2010/main" val="3385294582"/>
+      </p:ext>
+    </p:extLst>
+  </p:cSld>
+  <p:clrMapOvr>
+    <a:masterClrMapping/>
+  </p:clrMapOvr>
+</p:notes>
+</file>
+
+<file path=ppt/notesSlides/notesSlide19.xml><?xml version="1.0" encoding="utf-8"?>
+<p:notes xmlns:a="http://schemas.openxmlformats.org/drawingml/2006/main" xmlns:r="http://schemas.openxmlformats.org/officeDocument/2006/relationships" xmlns:p="http://schemas.openxmlformats.org/presentationml/2006/main">
+  <p:cSld>
+    <p:spTree>
+      <p:nvGrpSpPr>
+        <p:cNvPr id="1" name=""/>
+        <p:cNvGrpSpPr/>
+        <p:nvPr/>
+      </p:nvGrpSpPr>
+      <p:grpSpPr>
+        <a:xfrm>
+          <a:off x="0" y="0"/>
+          <a:ext cx="0" cy="0"/>
+          <a:chOff x="0" y="0"/>
+          <a:chExt cx="0" cy="0"/>
+        </a:xfrm>
+      </p:grpSpPr>
+      <p:sp>
+        <p:nvSpPr>
+          <p:cNvPr id="2" name="Slide Image Placeholder 1"/>
+          <p:cNvSpPr>
+            <a:spLocks noGrp="1" noRot="1" noChangeAspect="1"/>
+          </p:cNvSpPr>
+          <p:nvPr>
+            <p:ph type="sldImg"/>
+          </p:nvPr>
+        </p:nvSpPr>
+        <p:spPr/>
+      </p:sp>
+      <p:sp>
+        <p:nvSpPr>
+          <p:cNvPr id="3" name="Notes Placeholder 2"/>
+          <p:cNvSpPr>
+            <a:spLocks noGrp="1"/>
+          </p:cNvSpPr>
+          <p:nvPr>
+            <p:ph type="body" idx="1"/>
+          </p:nvPr>
+        </p:nvSpPr>
+        <p:spPr/>
+        <p:txBody>
+          <a:bodyPr/>
+          <a:lstStyle/>
+          <a:p>
+            <a:r>
+              <a:rPr lang="en-US" dirty="0"/>
+              <a:t>SEINE is the main Gear used by this fleet.</a:t>
+            </a:r>
+          </a:p>
+        </p:txBody>
+      </p:sp>
+      <p:sp>
+        <p:nvSpPr>
+          <p:cNvPr id="4" name="Slide Number Placeholder 3"/>
+          <p:cNvSpPr>
+            <a:spLocks noGrp="1"/>
+          </p:cNvSpPr>
+          <p:nvPr>
+            <p:ph type="sldNum" sz="quarter" idx="5"/>
+          </p:nvPr>
+        </p:nvSpPr>
+        <p:spPr/>
+        <p:txBody>
+          <a:bodyPr/>
+          <a:lstStyle/>
+          <a:p>
+            <a:fld id="{B751F954-3776-48DE-B231-63E89C74A71E}" type="slidenum">
+              <a:rPr lang="en-US" smtClean="0"/>
+              <a:t>22</a:t>
             </a:fld>
             <a:endParaRPr lang="en-US"/>
           </a:p>
@@ -5689,7 +5930,91 @@
 </p:notes>
 </file>
 
-<file path=ppt/notesSlides/notesSlide19.xml><?xml version="1.0" encoding="utf-8"?>
+<file path=ppt/notesSlides/notesSlide2.xml><?xml version="1.0" encoding="utf-8"?>
+<p:notes xmlns:a="http://schemas.openxmlformats.org/drawingml/2006/main" xmlns:r="http://schemas.openxmlformats.org/officeDocument/2006/relationships" xmlns:p="http://schemas.openxmlformats.org/presentationml/2006/main">
+  <p:cSld>
+    <p:spTree>
+      <p:nvGrpSpPr>
+        <p:cNvPr id="1" name=""/>
+        <p:cNvGrpSpPr/>
+        <p:nvPr/>
+      </p:nvGrpSpPr>
+      <p:grpSpPr>
+        <a:xfrm>
+          <a:off x="0" y="0"/>
+          <a:ext cx="0" cy="0"/>
+          <a:chOff x="0" y="0"/>
+          <a:chExt cx="0" cy="0"/>
+        </a:xfrm>
+      </p:grpSpPr>
+      <p:sp>
+        <p:nvSpPr>
+          <p:cNvPr id="2" name="Slide Image Placeholder 1"/>
+          <p:cNvSpPr>
+            <a:spLocks noGrp="1" noRot="1" noChangeAspect="1"/>
+          </p:cNvSpPr>
+          <p:nvPr>
+            <p:ph type="sldImg"/>
+          </p:nvPr>
+        </p:nvSpPr>
+        <p:spPr/>
+      </p:sp>
+      <p:sp>
+        <p:nvSpPr>
+          <p:cNvPr id="3" name="Notes Placeholder 2"/>
+          <p:cNvSpPr>
+            <a:spLocks noGrp="1"/>
+          </p:cNvSpPr>
+          <p:nvPr>
+            <p:ph type="body" idx="1"/>
+          </p:nvPr>
+        </p:nvSpPr>
+        <p:spPr/>
+        <p:txBody>
+          <a:bodyPr/>
+          <a:lstStyle/>
+          <a:p>
+            <a:endParaRPr lang="en-US" dirty="0"/>
+          </a:p>
+        </p:txBody>
+      </p:sp>
+      <p:sp>
+        <p:nvSpPr>
+          <p:cNvPr id="4" name="Slide Number Placeholder 3"/>
+          <p:cNvSpPr>
+            <a:spLocks noGrp="1"/>
+          </p:cNvSpPr>
+          <p:nvPr>
+            <p:ph type="sldNum" sz="quarter" idx="5"/>
+          </p:nvPr>
+        </p:nvSpPr>
+        <p:spPr/>
+        <p:txBody>
+          <a:bodyPr/>
+          <a:lstStyle/>
+          <a:p>
+            <a:fld id="{B751F954-3776-48DE-B231-63E89C74A71E}" type="slidenum">
+              <a:rPr lang="en-US" smtClean="0"/>
+              <a:t>3</a:t>
+            </a:fld>
+            <a:endParaRPr lang="en-US"/>
+          </a:p>
+        </p:txBody>
+      </p:sp>
+    </p:spTree>
+    <p:extLst>
+      <p:ext uri="{BB962C8B-B14F-4D97-AF65-F5344CB8AC3E}">
+        <p14:creationId xmlns:p14="http://schemas.microsoft.com/office/powerpoint/2010/main" val="1635027552"/>
+      </p:ext>
+    </p:extLst>
+  </p:cSld>
+  <p:clrMapOvr>
+    <a:masterClrMapping/>
+  </p:clrMapOvr>
+</p:notes>
+</file>
+
+<file path=ppt/notesSlides/notesSlide20.xml><?xml version="1.0" encoding="utf-8"?>
 <p:notes xmlns:a="http://schemas.openxmlformats.org/drawingml/2006/main" xmlns:r="http://schemas.openxmlformats.org/officeDocument/2006/relationships" xmlns:p="http://schemas.openxmlformats.org/presentationml/2006/main">
   <p:cSld>
     <p:spTree>
@@ -5840,7 +6165,7 @@
           <a:p>
             <a:fld id="{B751F954-3776-48DE-B231-63E89C74A71E}" type="slidenum">
               <a:rPr lang="en-US" smtClean="0"/>
-              <a:t>22</a:t>
+              <a:t>23</a:t>
             </a:fld>
             <a:endParaRPr lang="en-US"/>
           </a:p>
@@ -5850,174 +6175,6 @@
     <p:extLst>
       <p:ext uri="{BB962C8B-B14F-4D97-AF65-F5344CB8AC3E}">
         <p14:creationId xmlns:p14="http://schemas.microsoft.com/office/powerpoint/2010/main" val="4289375314"/>
-      </p:ext>
-    </p:extLst>
-  </p:cSld>
-  <p:clrMapOvr>
-    <a:masterClrMapping/>
-  </p:clrMapOvr>
-</p:notes>
-</file>
-
-<file path=ppt/notesSlides/notesSlide2.xml><?xml version="1.0" encoding="utf-8"?>
-<p:notes xmlns:a="http://schemas.openxmlformats.org/drawingml/2006/main" xmlns:r="http://schemas.openxmlformats.org/officeDocument/2006/relationships" xmlns:p="http://schemas.openxmlformats.org/presentationml/2006/main">
-  <p:cSld>
-    <p:spTree>
-      <p:nvGrpSpPr>
-        <p:cNvPr id="1" name=""/>
-        <p:cNvGrpSpPr/>
-        <p:nvPr/>
-      </p:nvGrpSpPr>
-      <p:grpSpPr>
-        <a:xfrm>
-          <a:off x="0" y="0"/>
-          <a:ext cx="0" cy="0"/>
-          <a:chOff x="0" y="0"/>
-          <a:chExt cx="0" cy="0"/>
-        </a:xfrm>
-      </p:grpSpPr>
-      <p:sp>
-        <p:nvSpPr>
-          <p:cNvPr id="2" name="Slide Image Placeholder 1"/>
-          <p:cNvSpPr>
-            <a:spLocks noGrp="1" noRot="1" noChangeAspect="1"/>
-          </p:cNvSpPr>
-          <p:nvPr>
-            <p:ph type="sldImg"/>
-          </p:nvPr>
-        </p:nvSpPr>
-        <p:spPr/>
-      </p:sp>
-      <p:sp>
-        <p:nvSpPr>
-          <p:cNvPr id="3" name="Notes Placeholder 2"/>
-          <p:cNvSpPr>
-            <a:spLocks noGrp="1"/>
-          </p:cNvSpPr>
-          <p:nvPr>
-            <p:ph type="body" idx="1"/>
-          </p:nvPr>
-        </p:nvSpPr>
-        <p:spPr/>
-        <p:txBody>
-          <a:bodyPr/>
-          <a:lstStyle/>
-          <a:p>
-            <a:endParaRPr lang="en-US" dirty="0"/>
-          </a:p>
-        </p:txBody>
-      </p:sp>
-      <p:sp>
-        <p:nvSpPr>
-          <p:cNvPr id="4" name="Slide Number Placeholder 3"/>
-          <p:cNvSpPr>
-            <a:spLocks noGrp="1"/>
-          </p:cNvSpPr>
-          <p:nvPr>
-            <p:ph type="sldNum" sz="quarter" idx="5"/>
-          </p:nvPr>
-        </p:nvSpPr>
-        <p:spPr/>
-        <p:txBody>
-          <a:bodyPr/>
-          <a:lstStyle/>
-          <a:p>
-            <a:fld id="{B751F954-3776-48DE-B231-63E89C74A71E}" type="slidenum">
-              <a:rPr lang="en-US" smtClean="0"/>
-              <a:t>3</a:t>
-            </a:fld>
-            <a:endParaRPr lang="en-US"/>
-          </a:p>
-        </p:txBody>
-      </p:sp>
-    </p:spTree>
-    <p:extLst>
-      <p:ext uri="{BB962C8B-B14F-4D97-AF65-F5344CB8AC3E}">
-        <p14:creationId xmlns:p14="http://schemas.microsoft.com/office/powerpoint/2010/main" val="1635027552"/>
-      </p:ext>
-    </p:extLst>
-  </p:cSld>
-  <p:clrMapOvr>
-    <a:masterClrMapping/>
-  </p:clrMapOvr>
-</p:notes>
-</file>
-
-<file path=ppt/notesSlides/notesSlide20.xml><?xml version="1.0" encoding="utf-8"?>
-<p:notes xmlns:a="http://schemas.openxmlformats.org/drawingml/2006/main" xmlns:r="http://schemas.openxmlformats.org/officeDocument/2006/relationships" xmlns:p="http://schemas.openxmlformats.org/presentationml/2006/main">
-  <p:cSld>
-    <p:spTree>
-      <p:nvGrpSpPr>
-        <p:cNvPr id="1" name=""/>
-        <p:cNvGrpSpPr/>
-        <p:nvPr/>
-      </p:nvGrpSpPr>
-      <p:grpSpPr>
-        <a:xfrm>
-          <a:off x="0" y="0"/>
-          <a:ext cx="0" cy="0"/>
-          <a:chOff x="0" y="0"/>
-          <a:chExt cx="0" cy="0"/>
-        </a:xfrm>
-      </p:grpSpPr>
-      <p:sp>
-        <p:nvSpPr>
-          <p:cNvPr id="2" name="Slide Image Placeholder 1"/>
-          <p:cNvSpPr>
-            <a:spLocks noGrp="1" noRot="1" noChangeAspect="1"/>
-          </p:cNvSpPr>
-          <p:nvPr>
-            <p:ph type="sldImg"/>
-          </p:nvPr>
-        </p:nvSpPr>
-        <p:spPr/>
-      </p:sp>
-      <p:sp>
-        <p:nvSpPr>
-          <p:cNvPr id="3" name="Notes Placeholder 2"/>
-          <p:cNvSpPr>
-            <a:spLocks noGrp="1"/>
-          </p:cNvSpPr>
-          <p:nvPr>
-            <p:ph type="body" idx="1"/>
-          </p:nvPr>
-        </p:nvSpPr>
-        <p:spPr/>
-        <p:txBody>
-          <a:bodyPr/>
-          <a:lstStyle/>
-          <a:p>
-            <a:endParaRPr lang="en-US" dirty="0"/>
-          </a:p>
-        </p:txBody>
-      </p:sp>
-      <p:sp>
-        <p:nvSpPr>
-          <p:cNvPr id="4" name="Slide Number Placeholder 3"/>
-          <p:cNvSpPr>
-            <a:spLocks noGrp="1"/>
-          </p:cNvSpPr>
-          <p:nvPr>
-            <p:ph type="sldNum" sz="quarter" idx="5"/>
-          </p:nvPr>
-        </p:nvSpPr>
-        <p:spPr/>
-        <p:txBody>
-          <a:bodyPr/>
-          <a:lstStyle/>
-          <a:p>
-            <a:fld id="{B751F954-3776-48DE-B231-63E89C74A71E}" type="slidenum">
-              <a:rPr lang="en-US" smtClean="0"/>
-              <a:t>23</a:t>
-            </a:fld>
-            <a:endParaRPr lang="en-US"/>
-          </a:p>
-        </p:txBody>
-      </p:sp>
-    </p:spTree>
-    <p:extLst>
-      <p:ext uri="{BB962C8B-B14F-4D97-AF65-F5344CB8AC3E}">
-        <p14:creationId xmlns:p14="http://schemas.microsoft.com/office/powerpoint/2010/main" val="189883249"/>
       </p:ext>
     </p:extLst>
   </p:cSld>
@@ -6093,6 +6250,90 @@
             <a:fld id="{B751F954-3776-48DE-B231-63E89C74A71E}" type="slidenum">
               <a:rPr lang="en-US" smtClean="0"/>
               <a:t>24</a:t>
+            </a:fld>
+            <a:endParaRPr lang="en-US"/>
+          </a:p>
+        </p:txBody>
+      </p:sp>
+    </p:spTree>
+    <p:extLst>
+      <p:ext uri="{BB962C8B-B14F-4D97-AF65-F5344CB8AC3E}">
+        <p14:creationId xmlns:p14="http://schemas.microsoft.com/office/powerpoint/2010/main" val="189883249"/>
+      </p:ext>
+    </p:extLst>
+  </p:cSld>
+  <p:clrMapOvr>
+    <a:masterClrMapping/>
+  </p:clrMapOvr>
+</p:notes>
+</file>
+
+<file path=ppt/notesSlides/notesSlide22.xml><?xml version="1.0" encoding="utf-8"?>
+<p:notes xmlns:a="http://schemas.openxmlformats.org/drawingml/2006/main" xmlns:r="http://schemas.openxmlformats.org/officeDocument/2006/relationships" xmlns:p="http://schemas.openxmlformats.org/presentationml/2006/main">
+  <p:cSld>
+    <p:spTree>
+      <p:nvGrpSpPr>
+        <p:cNvPr id="1" name=""/>
+        <p:cNvGrpSpPr/>
+        <p:nvPr/>
+      </p:nvGrpSpPr>
+      <p:grpSpPr>
+        <a:xfrm>
+          <a:off x="0" y="0"/>
+          <a:ext cx="0" cy="0"/>
+          <a:chOff x="0" y="0"/>
+          <a:chExt cx="0" cy="0"/>
+        </a:xfrm>
+      </p:grpSpPr>
+      <p:sp>
+        <p:nvSpPr>
+          <p:cNvPr id="2" name="Slide Image Placeholder 1"/>
+          <p:cNvSpPr>
+            <a:spLocks noGrp="1" noRot="1" noChangeAspect="1"/>
+          </p:cNvSpPr>
+          <p:nvPr>
+            <p:ph type="sldImg"/>
+          </p:nvPr>
+        </p:nvSpPr>
+        <p:spPr/>
+      </p:sp>
+      <p:sp>
+        <p:nvSpPr>
+          <p:cNvPr id="3" name="Notes Placeholder 2"/>
+          <p:cNvSpPr>
+            <a:spLocks noGrp="1"/>
+          </p:cNvSpPr>
+          <p:nvPr>
+            <p:ph type="body" idx="1"/>
+          </p:nvPr>
+        </p:nvSpPr>
+        <p:spPr/>
+        <p:txBody>
+          <a:bodyPr/>
+          <a:lstStyle/>
+          <a:p>
+            <a:endParaRPr lang="en-US" dirty="0"/>
+          </a:p>
+        </p:txBody>
+      </p:sp>
+      <p:sp>
+        <p:nvSpPr>
+          <p:cNvPr id="4" name="Slide Number Placeholder 3"/>
+          <p:cNvSpPr>
+            <a:spLocks noGrp="1"/>
+          </p:cNvSpPr>
+          <p:nvPr>
+            <p:ph type="sldNum" sz="quarter" idx="5"/>
+          </p:nvPr>
+        </p:nvSpPr>
+        <p:spPr/>
+        <p:txBody>
+          <a:bodyPr/>
+          <a:lstStyle/>
+          <a:p>
+            <a:fld id="{B751F954-3776-48DE-B231-63E89C74A71E}" type="slidenum">
+              <a:rPr lang="en-US" smtClean="0"/>
+              <a:t>25</a:t>
             </a:fld>
             <a:endParaRPr lang="en-US"/>
           </a:p>
@@ -6484,7 +6725,7 @@
     </p:spTree>
     <p:extLst>
       <p:ext uri="{BB962C8B-B14F-4D97-AF65-F5344CB8AC3E}">
-        <p14:creationId xmlns:p14="http://schemas.microsoft.com/office/powerpoint/2010/main" val="292429078"/>
+        <p14:creationId xmlns:p14="http://schemas.microsoft.com/office/powerpoint/2010/main" val="920076998"/>
       </p:ext>
     </p:extLst>
   </p:cSld>
@@ -6538,10 +6779,7 @@
           <a:bodyPr/>
           <a:lstStyle/>
           <a:p>
-            <a:r>
-              <a:rPr lang="en-US" dirty="0"/>
-              <a:t>WHAT IS BEHIND THIS TRENDS</a:t>
-            </a:r>
+            <a:endParaRPr lang="en-US" dirty="0"/>
           </a:p>
         </p:txBody>
       </p:sp>
@@ -6562,7 +6800,7 @@
           <a:p>
             <a:fld id="{B751F954-3776-48DE-B231-63E89C74A71E}" type="slidenum">
               <a:rPr lang="en-US" smtClean="0"/>
-              <a:t>9</a:t>
+              <a:t>8</a:t>
             </a:fld>
             <a:endParaRPr lang="en-US"/>
           </a:p>
@@ -6571,7 +6809,7 @@
     </p:spTree>
     <p:extLst>
       <p:ext uri="{BB962C8B-B14F-4D97-AF65-F5344CB8AC3E}">
-        <p14:creationId xmlns:p14="http://schemas.microsoft.com/office/powerpoint/2010/main" val="3109375171"/>
+        <p14:creationId xmlns:p14="http://schemas.microsoft.com/office/powerpoint/2010/main" val="292429078"/>
       </p:ext>
     </p:extLst>
   </p:cSld>
@@ -6627,21 +6865,8 @@
           <a:p>
             <a:r>
               <a:rPr lang="en-US" dirty="0"/>
-              <a:t>Coastal Pelagic Species refer</a:t>
-            </a:r>
-            <a:r>
-              <a:rPr lang="en-US" baseline="0" dirty="0"/>
-              <a:t>s to the group of species included in the Pacific Fishery Management Council’s</a:t>
-            </a:r>
-          </a:p>
-          <a:p>
-            <a:r>
-              <a:rPr lang="en-US" baseline="0" dirty="0"/>
-              <a:t>Coastal Pelagic Species Management Plan (https://www.fisheries.noaa.gov/management-plan/coastal-pelagic-species-management-plan)</a:t>
-            </a:r>
-          </a:p>
-          <a:p>
-            <a:endParaRPr lang="en-US" dirty="0"/>
+              <a:t>WHAT IS BEHIND THIS TRENDS</a:t>
+            </a:r>
           </a:p>
         </p:txBody>
       </p:sp>
@@ -6671,7 +6896,7 @@
     </p:spTree>
     <p:extLst>
       <p:ext uri="{BB962C8B-B14F-4D97-AF65-F5344CB8AC3E}">
-        <p14:creationId xmlns:p14="http://schemas.microsoft.com/office/powerpoint/2010/main" val="2029789702"/>
+        <p14:creationId xmlns:p14="http://schemas.microsoft.com/office/powerpoint/2010/main" val="3109375171"/>
       </p:ext>
     </p:extLst>
   </p:cSld>
@@ -6725,163 +6950,23 @@
           <a:bodyPr/>
           <a:lstStyle/>
           <a:p>
-            <a:pPr marL="0" marR="0" lvl="0" indent="0" algn="l" defTabSz="914400" rtl="0" eaLnBrk="1" fontAlgn="auto" latinLnBrk="0" hangingPunct="1">
-              <a:lnSpc>
-                <a:spcPct val="100000"/>
-              </a:lnSpc>
-              <a:spcBef>
-                <a:spcPts val="0"/>
-              </a:spcBef>
-              <a:spcAft>
-                <a:spcPts val="0"/>
-              </a:spcAft>
-              <a:buClrTx/>
-              <a:buSzTx/>
-              <a:buFontTx/>
-              <a:buNone/>
-              <a:tabLst/>
-              <a:defRPr/>
-            </a:pPr>
             <a:r>
               <a:rPr lang="en-US" dirty="0"/>
-              <a:t>THESE THREE SPECIES SHARE SIMILAR GEAR AND VESSEL SIZES,</a:t>
-            </a:r>
-          </a:p>
-          <a:p>
-            <a:pPr marL="0" marR="0" lvl="0" indent="0" algn="l" defTabSz="914400" rtl="0" eaLnBrk="1" fontAlgn="auto" latinLnBrk="0" hangingPunct="1">
-              <a:lnSpc>
-                <a:spcPct val="100000"/>
-              </a:lnSpc>
-              <a:spcBef>
-                <a:spcPts val="0"/>
-              </a:spcBef>
-              <a:spcAft>
-                <a:spcPts val="0"/>
-              </a:spcAft>
-              <a:buClrTx/>
-              <a:buSzTx/>
-              <a:buFontTx/>
-              <a:buNone/>
-              <a:tabLst/>
-              <a:defRPr/>
-            </a:pPr>
+              <a:t>Coastal Pelagic Species refer</a:t>
+            </a:r>
+            <a:r>
+              <a:rPr lang="en-US" baseline="0" dirty="0"/>
+              <a:t>s to the group of species included in the Pacific Fishery Management Council’s</a:t>
+            </a:r>
+          </a:p>
+          <a:p>
+            <a:r>
+              <a:rPr lang="en-US" baseline="0" dirty="0"/>
+              <a:t>Coastal Pelagic Species Management Plan (https://www.fisheries.noaa.gov/management-plan/coastal-pelagic-species-management-plan)</a:t>
+            </a:r>
+          </a:p>
+          <a:p>
             <a:endParaRPr lang="en-US" dirty="0"/>
-          </a:p>
-          <a:p>
-            <a:pPr marL="0" marR="0" lvl="0" indent="0" algn="l" defTabSz="914400" rtl="0" eaLnBrk="1" fontAlgn="auto" latinLnBrk="0" hangingPunct="1">
-              <a:lnSpc>
-                <a:spcPct val="100000"/>
-              </a:lnSpc>
-              <a:spcBef>
-                <a:spcPts val="0"/>
-              </a:spcBef>
-              <a:spcAft>
-                <a:spcPts val="0"/>
-              </a:spcAft>
-              <a:buClrTx/>
-              <a:buSzTx/>
-              <a:buFontTx/>
-              <a:buNone/>
-              <a:tabLst/>
-              <a:defRPr/>
-            </a:pPr>
-            <a:r>
-              <a:rPr lang="en-US" dirty="0"/>
-              <a:t>1- Warm ocean cycle favors sardine and reduce anchovy,</a:t>
-            </a:r>
-            <a:r>
-              <a:rPr lang="en-US" baseline="0" dirty="0"/>
-              <a:t> though there are exceptions, such as during the recent ‘warm blob’ heatwave.</a:t>
-            </a:r>
-          </a:p>
-          <a:p>
-            <a:pPr>
-              <a:defRPr/>
-            </a:pPr>
-            <a:r>
-              <a:rPr lang="en-US" dirty="0"/>
-              <a:t>2 – Squid may actually be a better substitute in terms of the fleet.</a:t>
-            </a:r>
-          </a:p>
-          <a:p>
-            <a:pPr marL="0" marR="0" lvl="0" indent="0" algn="l" defTabSz="914400" rtl="0" eaLnBrk="1" fontAlgn="auto" latinLnBrk="0" hangingPunct="1">
-              <a:lnSpc>
-                <a:spcPct val="100000"/>
-              </a:lnSpc>
-              <a:spcBef>
-                <a:spcPts val="0"/>
-              </a:spcBef>
-              <a:spcAft>
-                <a:spcPts val="0"/>
-              </a:spcAft>
-              <a:buClrTx/>
-              <a:buSzTx/>
-              <a:buFontTx/>
-              <a:buNone/>
-              <a:tabLst/>
-              <a:defRPr/>
-            </a:pPr>
-            <a:r>
-              <a:rPr lang="en-US" i="1" dirty="0"/>
-              <a:t>3- </a:t>
-            </a:r>
-            <a:r>
-              <a:rPr lang="en-US" dirty="0"/>
-              <a:t>Important bait species for recreational fisheries</a:t>
-            </a:r>
-          </a:p>
-          <a:p>
-            <a:pPr marL="0" marR="0" lvl="0" indent="0" algn="l" defTabSz="914400" rtl="0" eaLnBrk="1" fontAlgn="auto" latinLnBrk="0" hangingPunct="1">
-              <a:lnSpc>
-                <a:spcPct val="100000"/>
-              </a:lnSpc>
-              <a:spcBef>
-                <a:spcPts val="0"/>
-              </a:spcBef>
-              <a:spcAft>
-                <a:spcPts val="0"/>
-              </a:spcAft>
-              <a:buClrTx/>
-              <a:buSzTx/>
-              <a:buFontTx/>
-              <a:buNone/>
-              <a:tabLst/>
-              <a:defRPr/>
-            </a:pPr>
-            <a:endParaRPr lang="en-US" dirty="0"/>
-          </a:p>
-          <a:p>
-            <a:pPr>
-              <a:defRPr/>
-            </a:pPr>
-            <a:endParaRPr lang="en-US" i="1" dirty="0"/>
-          </a:p>
-          <a:p>
-            <a:pPr>
-              <a:defRPr/>
-            </a:pPr>
-            <a:endParaRPr lang="en-US" i="1" dirty="0"/>
-          </a:p>
-          <a:p>
-            <a:pPr>
-              <a:defRPr/>
-            </a:pPr>
-            <a:endParaRPr lang="en-US" i="1" dirty="0"/>
-          </a:p>
-          <a:p>
-            <a:pPr>
-              <a:defRPr/>
-            </a:pPr>
-            <a:r>
-              <a:rPr lang="en-US" i="1" dirty="0"/>
-              <a:t>- Include fisheries background???  (trip scenario)</a:t>
-            </a:r>
-          </a:p>
-          <a:p>
-            <a:pPr>
-              <a:defRPr/>
-            </a:pPr>
-            <a:endParaRPr lang="en-US" i="1" dirty="0"/>
           </a:p>
         </p:txBody>
       </p:sp>
@@ -6911,7 +6996,7 @@
     </p:spTree>
     <p:extLst>
       <p:ext uri="{BB962C8B-B14F-4D97-AF65-F5344CB8AC3E}">
-        <p14:creationId xmlns:p14="http://schemas.microsoft.com/office/powerpoint/2010/main" val="3336870608"/>
+        <p14:creationId xmlns:p14="http://schemas.microsoft.com/office/powerpoint/2010/main" val="2029789702"/>
       </p:ext>
     </p:extLst>
   </p:cSld>
@@ -7052,7 +7137,7 @@
           <a:p>
             <a:fld id="{63C4C297-DBDA-4ACB-BFAB-FD3B44600C31}" type="datetime1">
               <a:rPr lang="en-US" smtClean="0"/>
-              <a:t>12/2/2021</a:t>
+              <a:t>1/4/2022</a:t>
             </a:fld>
             <a:endParaRPr lang="en-US"/>
           </a:p>
@@ -7222,7 +7307,7 @@
           <a:p>
             <a:fld id="{D7EF550D-7706-4090-9E8E-1FC4A8CD6CFB}" type="datetime1">
               <a:rPr lang="en-US" smtClean="0"/>
-              <a:t>12/2/2021</a:t>
+              <a:t>1/4/2022</a:t>
             </a:fld>
             <a:endParaRPr lang="en-US"/>
           </a:p>
@@ -7402,7 +7487,7 @@
           <a:p>
             <a:fld id="{17980AC1-0312-4E97-869E-FA046780C18F}" type="datetime1">
               <a:rPr lang="en-US" smtClean="0"/>
-              <a:t>12/2/2021</a:t>
+              <a:t>1/4/2022</a:t>
             </a:fld>
             <a:endParaRPr lang="en-US"/>
           </a:p>
@@ -7572,7 +7657,7 @@
           <a:p>
             <a:fld id="{8F4801DD-E47D-4CC4-A7FA-9F20F6673B18}" type="datetime1">
               <a:rPr lang="en-US" smtClean="0"/>
-              <a:t>12/2/2021</a:t>
+              <a:t>1/4/2022</a:t>
             </a:fld>
             <a:endParaRPr lang="en-US"/>
           </a:p>
@@ -7816,7 +7901,7 @@
           <a:p>
             <a:fld id="{BF786561-BB39-4DEC-9180-E9BE082C798E}" type="datetime1">
               <a:rPr lang="en-US" smtClean="0"/>
-              <a:t>12/2/2021</a:t>
+              <a:t>1/4/2022</a:t>
             </a:fld>
             <a:endParaRPr lang="en-US"/>
           </a:p>
@@ -8048,7 +8133,7 @@
           <a:p>
             <a:fld id="{4E7702F0-0CE5-4CC0-827E-F25D6B559E3F}" type="datetime1">
               <a:rPr lang="en-US" smtClean="0"/>
-              <a:t>12/2/2021</a:t>
+              <a:t>1/4/2022</a:t>
             </a:fld>
             <a:endParaRPr lang="en-US"/>
           </a:p>
@@ -8415,7 +8500,7 @@
           <a:p>
             <a:fld id="{0520955F-FC17-441B-8C04-BE49B7B30DEB}" type="datetime1">
               <a:rPr lang="en-US" smtClean="0"/>
-              <a:t>12/2/2021</a:t>
+              <a:t>1/4/2022</a:t>
             </a:fld>
             <a:endParaRPr lang="en-US"/>
           </a:p>
@@ -8533,7 +8618,7 @@
           <a:p>
             <a:fld id="{2D80F6ED-3FD7-4447-92BA-3C3B9311D2D3}" type="datetime1">
               <a:rPr lang="en-US" smtClean="0"/>
-              <a:t>12/2/2021</a:t>
+              <a:t>1/4/2022</a:t>
             </a:fld>
             <a:endParaRPr lang="en-US"/>
           </a:p>
@@ -8628,7 +8713,7 @@
           <a:p>
             <a:fld id="{2918E5FC-3CF7-451E-8148-918CB4B7E173}" type="datetime1">
               <a:rPr lang="en-US" smtClean="0"/>
-              <a:t>12/2/2021</a:t>
+              <a:t>1/4/2022</a:t>
             </a:fld>
             <a:endParaRPr lang="en-US"/>
           </a:p>
@@ -8905,7 +8990,7 @@
           <a:p>
             <a:fld id="{A829BC82-10DA-47CF-BF87-5CF96CE3B2E3}" type="datetime1">
               <a:rPr lang="en-US" smtClean="0"/>
-              <a:t>12/2/2021</a:t>
+              <a:t>1/4/2022</a:t>
             </a:fld>
             <a:endParaRPr lang="en-US"/>
           </a:p>
@@ -9162,7 +9247,7 @@
           <a:p>
             <a:fld id="{C92A2A56-14F4-40B0-9CE8-567949C44697}" type="datetime1">
               <a:rPr lang="en-US" smtClean="0"/>
-              <a:t>12/2/2021</a:t>
+              <a:t>1/4/2022</a:t>
             </a:fld>
             <a:endParaRPr lang="en-US"/>
           </a:p>
@@ -9375,7 +9460,7 @@
           <a:p>
             <a:fld id="{99DA4EE0-29A1-49DB-9591-D1E2158C7D40}" type="datetime1">
               <a:rPr lang="en-US" smtClean="0"/>
-              <a:t>12/2/2021</a:t>
+              <a:t>1/4/2022</a:t>
             </a:fld>
             <a:endParaRPr lang="en-US"/>
           </a:p>
@@ -10067,7 +10152,7 @@
                 </a:solidFill>
                 <a:ea typeface="Microsoft JhengHei UI" panose="020B0604030504040204" pitchFamily="34" charset="-120"/>
               </a:rPr>
-              <a:t> (UCSC &amp; NOAA SWFSC)</a:t>
+              <a:t> (UCSC &amp; NOAA SWFSC), Tim Frawley (UCSC &amp; NOAA SWFSC)</a:t>
             </a:r>
           </a:p>
         </p:txBody>
@@ -10087,7 +10172,7 @@
         <p:spPr>
           <a:xfrm>
             <a:off x="555934" y="4599057"/>
-            <a:ext cx="2257349" cy="369332"/>
+            <a:ext cx="1957587" cy="369332"/>
           </a:xfrm>
           <a:prstGeom prst="rect">
             <a:avLst/>
@@ -10106,7 +10191,7 @@
                 </a:solidFill>
                 <a:ea typeface="Microsoft JhengHei UI" panose="020B0604030504040204" pitchFamily="34" charset="-120"/>
               </a:rPr>
-              <a:t>December 2</a:t>
+              <a:t>January 6</a:t>
             </a:r>
             <a:r>
               <a:rPr lang="en-US" baseline="30000" dirty="0">
@@ -10115,7 +10200,7 @@
                 </a:solidFill>
                 <a:ea typeface="Microsoft JhengHei UI" panose="020B0604030504040204" pitchFamily="34" charset="-120"/>
               </a:rPr>
-              <a:t>nd</a:t>
+              <a:t>th</a:t>
             </a:r>
             <a:r>
               <a:rPr lang="en-US" dirty="0">
@@ -10124,7 +10209,7 @@
                 </a:solidFill>
                 <a:ea typeface="Microsoft JhengHei UI" panose="020B0604030504040204" pitchFamily="34" charset="-120"/>
               </a:rPr>
-              <a:t>, 2021</a:t>
+              <a:t>, 2022</a:t>
             </a:r>
             <a:endParaRPr lang="en-US" dirty="0">
               <a:ea typeface="Microsoft JhengHei UI" panose="020B0604030504040204" pitchFamily="34" charset="-120"/>
@@ -10209,6 +10294,587 @@
           <a:chExt cx="0" cy="0"/>
         </a:xfrm>
       </p:grpSpPr>
+      <p:sp>
+        <p:nvSpPr>
+          <p:cNvPr id="2" name="Title 1">
+            <a:extLst>
+              <a:ext uri="{FF2B5EF4-FFF2-40B4-BE49-F238E27FC236}">
+                <a16:creationId xmlns:a16="http://schemas.microsoft.com/office/drawing/2014/main" id="{AB146FD5-B7E6-4311-BEFD-D6D4A89D4FAF}"/>
+              </a:ext>
+            </a:extLst>
+          </p:cNvPr>
+          <p:cNvSpPr>
+            <a:spLocks noGrp="1"/>
+          </p:cNvSpPr>
+          <p:nvPr>
+            <p:ph type="title"/>
+          </p:nvPr>
+        </p:nvSpPr>
+        <p:spPr>
+          <a:xfrm>
+            <a:off x="0" y="1"/>
+            <a:ext cx="9144000" cy="923278"/>
+          </a:xfrm>
+          <a:solidFill>
+            <a:srgbClr val="003C6C"/>
+          </a:solidFill>
+        </p:spPr>
+        <p:txBody>
+          <a:bodyPr>
+            <a:normAutofit/>
+          </a:bodyPr>
+          <a:lstStyle/>
+          <a:p>
+            <a:r>
+              <a:rPr lang="en-US" dirty="0">
+                <a:solidFill>
+                  <a:schemeClr val="bg1"/>
+                </a:solidFill>
+                <a:latin typeface="+mn-lt"/>
+                <a:ea typeface="Microsoft JhengHei UI" panose="020B0604030504040204" pitchFamily="34" charset="-120"/>
+              </a:rPr>
+              <a:t>  Trends in CPS fishery</a:t>
+            </a:r>
+            <a:endParaRPr lang="en-US" dirty="0">
+              <a:solidFill>
+                <a:schemeClr val="bg1"/>
+              </a:solidFill>
+              <a:latin typeface="+mn-lt"/>
+            </a:endParaRPr>
+          </a:p>
+        </p:txBody>
+      </p:sp>
+      <p:sp>
+        <p:nvSpPr>
+          <p:cNvPr id="5" name="Slide Number Placeholder 4">
+            <a:extLst>
+              <a:ext uri="{FF2B5EF4-FFF2-40B4-BE49-F238E27FC236}">
+                <a16:creationId xmlns:a16="http://schemas.microsoft.com/office/drawing/2014/main" id="{FA59C87A-A493-4F65-9CCE-51756B0FA08F}"/>
+              </a:ext>
+            </a:extLst>
+          </p:cNvPr>
+          <p:cNvSpPr>
+            <a:spLocks noGrp="1"/>
+          </p:cNvSpPr>
+          <p:nvPr>
+            <p:ph type="sldNum" sz="quarter" idx="12"/>
+          </p:nvPr>
+        </p:nvSpPr>
+        <p:spPr/>
+        <p:txBody>
+          <a:bodyPr/>
+          <a:lstStyle/>
+          <a:p>
+            <a:fld id="{6FD4AA8C-2C0B-45F2-84FF-CF2E58E014B2}" type="slidenum">
+              <a:rPr lang="en-US" smtClean="0"/>
+              <a:t>10</a:t>
+            </a:fld>
+            <a:endParaRPr lang="en-US" dirty="0"/>
+          </a:p>
+        </p:txBody>
+      </p:sp>
+      <p:pic>
+        <p:nvPicPr>
+          <p:cNvPr id="4" name="Picture 3">
+            <a:extLst>
+              <a:ext uri="{FF2B5EF4-FFF2-40B4-BE49-F238E27FC236}">
+                <a16:creationId xmlns:a16="http://schemas.microsoft.com/office/drawing/2014/main" id="{CC47D081-5076-461B-95DC-4F22DF73FCB5}"/>
+              </a:ext>
+            </a:extLst>
+          </p:cNvPr>
+          <p:cNvPicPr>
+            <a:picLocks noChangeAspect="1"/>
+          </p:cNvPicPr>
+          <p:nvPr/>
+        </p:nvPicPr>
+        <p:blipFill>
+          <a:blip r:embed="rId3"/>
+          <a:stretch>
+            <a:fillRect/>
+          </a:stretch>
+        </p:blipFill>
+        <p:spPr>
+          <a:xfrm>
+            <a:off x="132219" y="1030434"/>
+            <a:ext cx="8383131" cy="5173589"/>
+          </a:xfrm>
+          <a:prstGeom prst="rect">
+            <a:avLst/>
+          </a:prstGeom>
+        </p:spPr>
+      </p:pic>
+      <p:sp>
+        <p:nvSpPr>
+          <p:cNvPr id="12" name="TextBox 11">
+            <a:extLst>
+              <a:ext uri="{FF2B5EF4-FFF2-40B4-BE49-F238E27FC236}">
+                <a16:creationId xmlns:a16="http://schemas.microsoft.com/office/drawing/2014/main" id="{0D097AE3-8861-4212-BF20-129DFBFF1CC1}"/>
+              </a:ext>
+            </a:extLst>
+          </p:cNvPr>
+          <p:cNvSpPr txBox="1"/>
+          <p:nvPr/>
+        </p:nvSpPr>
+        <p:spPr>
+          <a:xfrm>
+            <a:off x="6670039" y="3322776"/>
+            <a:ext cx="2341742" cy="2800767"/>
+          </a:xfrm>
+          <a:prstGeom prst="rect">
+            <a:avLst/>
+          </a:prstGeom>
+          <a:noFill/>
+        </p:spPr>
+        <p:txBody>
+          <a:bodyPr wrap="square" rtlCol="0">
+            <a:spAutoFit/>
+          </a:bodyPr>
+          <a:lstStyle/>
+          <a:p>
+            <a:r>
+              <a:rPr lang="en-US" sz="1600" dirty="0"/>
+              <a:t>Hypothesis:</a:t>
+            </a:r>
+          </a:p>
+          <a:p>
+            <a:pPr marL="342900" lvl="0" indent="-342900" defTabSz="914400">
+              <a:buFont typeface="+mj-lt"/>
+              <a:buAutoNum type="arabicPeriod"/>
+              <a:defRPr/>
+            </a:pPr>
+            <a:r>
+              <a:rPr lang="en-US" sz="1600" dirty="0"/>
+              <a:t>Species abundance have decreased</a:t>
+            </a:r>
+          </a:p>
+          <a:p>
+            <a:pPr marL="342900" indent="-342900">
+              <a:buFont typeface="+mj-lt"/>
+              <a:buAutoNum type="arabicPeriod"/>
+            </a:pPr>
+            <a:r>
+              <a:rPr lang="en-US" sz="1600" dirty="0"/>
+              <a:t>Participation decrease when a species is under closure</a:t>
+            </a:r>
+          </a:p>
+          <a:p>
+            <a:pPr marL="800100" lvl="1" indent="-342900">
+              <a:buFont typeface="Arial" panose="020B0604020202020204" pitchFamily="34" charset="0"/>
+              <a:buChar char="•"/>
+            </a:pPr>
+            <a:r>
+              <a:rPr lang="en-US" sz="1600" dirty="0"/>
+              <a:t>Income diversification (</a:t>
+            </a:r>
+            <a:r>
+              <a:rPr lang="en-US" sz="1600" dirty="0" err="1">
+                <a:hlinkClick r:id="rId4" action="ppaction://hlinkfile"/>
+              </a:rPr>
+              <a:t>Kasperski</a:t>
+            </a:r>
+            <a:r>
+              <a:rPr lang="en-US" sz="1600" dirty="0">
+                <a:hlinkClick r:id="rId4" action="ppaction://hlinkfile"/>
+              </a:rPr>
+              <a:t> &amp; Holland, 2013</a:t>
+            </a:r>
+            <a:r>
+              <a:rPr lang="en-US" sz="1600" dirty="0"/>
+              <a:t>)</a:t>
+            </a:r>
+          </a:p>
+        </p:txBody>
+      </p:sp>
+      <p:sp>
+        <p:nvSpPr>
+          <p:cNvPr id="19" name="TextBox 18">
+            <a:extLst>
+              <a:ext uri="{FF2B5EF4-FFF2-40B4-BE49-F238E27FC236}">
+                <a16:creationId xmlns:a16="http://schemas.microsoft.com/office/drawing/2014/main" id="{5CC7F216-FA61-4990-A168-301BEFBE30C7}"/>
+              </a:ext>
+            </a:extLst>
+          </p:cNvPr>
+          <p:cNvSpPr txBox="1"/>
+          <p:nvPr/>
+        </p:nvSpPr>
+        <p:spPr>
+          <a:xfrm>
+            <a:off x="896030" y="1476696"/>
+            <a:ext cx="1837122" cy="738664"/>
+          </a:xfrm>
+          <a:prstGeom prst="rect">
+            <a:avLst/>
+          </a:prstGeom>
+          <a:solidFill>
+            <a:srgbClr val="FFC000"/>
+          </a:solidFill>
+          <a:ln>
+            <a:noFill/>
+          </a:ln>
+          <a:effectLst/>
+        </p:spPr>
+        <p:txBody>
+          <a:bodyPr wrap="square" rtlCol="0">
+            <a:spAutoFit/>
+          </a:bodyPr>
+          <a:lstStyle/>
+          <a:p>
+            <a:r>
+              <a:rPr lang="en-US" sz="1400" b="1" dirty="0">
+                <a:ea typeface="Lato Medium" panose="020F0502020204030203" pitchFamily="34" charset="0"/>
+                <a:cs typeface="Lato Medium" panose="020F0502020204030203" pitchFamily="34" charset="0"/>
+              </a:rPr>
+              <a:t>Species abundance?</a:t>
+            </a:r>
+          </a:p>
+          <a:p>
+            <a:r>
+              <a:rPr lang="en-US" sz="1400" b="1" dirty="0">
+                <a:ea typeface="Lato Medium" panose="020F0502020204030203" pitchFamily="34" charset="0"/>
+                <a:cs typeface="Lato Medium" panose="020F0502020204030203" pitchFamily="34" charset="0"/>
+              </a:rPr>
+              <a:t>Market conditions?</a:t>
+            </a:r>
+          </a:p>
+          <a:p>
+            <a:r>
+              <a:rPr lang="en-US" sz="1400" b="1" dirty="0">
+                <a:ea typeface="Lato Medium" panose="020F0502020204030203" pitchFamily="34" charset="0"/>
+                <a:cs typeface="Lato Medium" panose="020F0502020204030203" pitchFamily="34" charset="0"/>
+              </a:rPr>
+              <a:t>Regulations?  </a:t>
+            </a:r>
+          </a:p>
+        </p:txBody>
+      </p:sp>
+      <p:sp>
+        <p:nvSpPr>
+          <p:cNvPr id="11" name="TextBox 10">
+            <a:extLst>
+              <a:ext uri="{FF2B5EF4-FFF2-40B4-BE49-F238E27FC236}">
+                <a16:creationId xmlns:a16="http://schemas.microsoft.com/office/drawing/2014/main" id="{D3FFAFA7-2FAB-4453-A75A-1DA62822E0D3}"/>
+              </a:ext>
+            </a:extLst>
+          </p:cNvPr>
+          <p:cNvSpPr txBox="1"/>
+          <p:nvPr/>
+        </p:nvSpPr>
+        <p:spPr>
+          <a:xfrm>
+            <a:off x="849131" y="3908809"/>
+            <a:ext cx="1837122" cy="316271"/>
+          </a:xfrm>
+          <a:prstGeom prst="rect">
+            <a:avLst/>
+          </a:prstGeom>
+          <a:solidFill>
+            <a:srgbClr val="FFC000"/>
+          </a:solidFill>
+          <a:effectLst/>
+        </p:spPr>
+        <p:txBody>
+          <a:bodyPr wrap="square" rtlCol="0">
+            <a:spAutoFit/>
+          </a:bodyPr>
+          <a:lstStyle/>
+          <a:p>
+            <a:r>
+              <a:rPr lang="en-US" sz="1400" b="1" dirty="0">
+                <a:ea typeface="Lato Medium" panose="020F0502020204030203" pitchFamily="34" charset="0"/>
+                <a:cs typeface="Lato Medium" panose="020F0502020204030203" pitchFamily="34" charset="0"/>
+              </a:rPr>
+              <a:t>High prices for squid </a:t>
+            </a:r>
+          </a:p>
+        </p:txBody>
+      </p:sp>
+      <p:sp>
+        <p:nvSpPr>
+          <p:cNvPr id="14" name="TextBox 13">
+            <a:extLst>
+              <a:ext uri="{FF2B5EF4-FFF2-40B4-BE49-F238E27FC236}">
+                <a16:creationId xmlns:a16="http://schemas.microsoft.com/office/drawing/2014/main" id="{9BC2AB2C-08A4-46D9-9DAF-811EE0CE83E4}"/>
+              </a:ext>
+            </a:extLst>
+          </p:cNvPr>
+          <p:cNvSpPr txBox="1"/>
+          <p:nvPr/>
+        </p:nvSpPr>
+        <p:spPr>
+          <a:xfrm>
+            <a:off x="3908808" y="6015693"/>
+            <a:ext cx="2341742" cy="523220"/>
+          </a:xfrm>
+          <a:prstGeom prst="rect">
+            <a:avLst/>
+          </a:prstGeom>
+          <a:solidFill>
+            <a:srgbClr val="FFC000"/>
+          </a:solidFill>
+          <a:effectLst/>
+        </p:spPr>
+        <p:txBody>
+          <a:bodyPr wrap="square" rtlCol="0">
+            <a:spAutoFit/>
+          </a:bodyPr>
+          <a:lstStyle/>
+          <a:p>
+            <a:r>
+              <a:rPr lang="en-US" sz="1400" b="1" dirty="0">
+                <a:ea typeface="Lato Medium" panose="020F0502020204030203" pitchFamily="34" charset="0"/>
+                <a:cs typeface="Lato Medium" panose="020F0502020204030203" pitchFamily="34" charset="0"/>
+              </a:rPr>
+              <a:t>But, decrease of number of vessels for market squid</a:t>
+            </a:r>
+          </a:p>
+        </p:txBody>
+      </p:sp>
+    </p:spTree>
+    <p:extLst>
+      <p:ext uri="{BB962C8B-B14F-4D97-AF65-F5344CB8AC3E}">
+        <p14:creationId xmlns:p14="http://schemas.microsoft.com/office/powerpoint/2010/main" val="882380900"/>
+      </p:ext>
+    </p:extLst>
+  </p:cSld>
+  <p:clrMapOvr>
+    <a:masterClrMapping/>
+  </p:clrMapOvr>
+  <p:timing>
+    <p:tnLst>
+      <p:par>
+        <p:cTn id="1" dur="indefinite" restart="never" nodeType="tmRoot">
+          <p:childTnLst>
+            <p:seq concurrent="1" nextAc="seek">
+              <p:cTn id="2" dur="indefinite" nodeType="mainSeq">
+                <p:childTnLst>
+                  <p:par>
+                    <p:cTn id="3" fill="hold">
+                      <p:stCondLst>
+                        <p:cond delay="indefinite"/>
+                      </p:stCondLst>
+                      <p:childTnLst>
+                        <p:par>
+                          <p:cTn id="4" fill="hold">
+                            <p:stCondLst>
+                              <p:cond delay="0"/>
+                            </p:stCondLst>
+                            <p:childTnLst>
+                              <p:par>
+                                <p:cTn id="5" presetID="1" presetClass="entr" presetSubtype="0" fill="hold" grpId="0" nodeType="clickEffect">
+                                  <p:stCondLst>
+                                    <p:cond delay="0"/>
+                                  </p:stCondLst>
+                                  <p:childTnLst>
+                                    <p:set>
+                                      <p:cBhvr>
+                                        <p:cTn id="6" dur="1" fill="hold">
+                                          <p:stCondLst>
+                                            <p:cond delay="0"/>
+                                          </p:stCondLst>
+                                        </p:cTn>
+                                        <p:tgtEl>
+                                          <p:spTgt spid="19"/>
+                                        </p:tgtEl>
+                                        <p:attrNameLst>
+                                          <p:attrName>style.visibility</p:attrName>
+                                        </p:attrNameLst>
+                                      </p:cBhvr>
+                                      <p:to>
+                                        <p:strVal val="visible"/>
+                                      </p:to>
+                                    </p:set>
+                                  </p:childTnLst>
+                                </p:cTn>
+                              </p:par>
+                            </p:childTnLst>
+                          </p:cTn>
+                        </p:par>
+                      </p:childTnLst>
+                    </p:cTn>
+                  </p:par>
+                  <p:par>
+                    <p:cTn id="7" fill="hold">
+                      <p:stCondLst>
+                        <p:cond delay="indefinite"/>
+                      </p:stCondLst>
+                      <p:childTnLst>
+                        <p:par>
+                          <p:cTn id="8" fill="hold">
+                            <p:stCondLst>
+                              <p:cond delay="0"/>
+                            </p:stCondLst>
+                            <p:childTnLst>
+                              <p:par>
+                                <p:cTn id="9" presetID="1" presetClass="entr" presetSubtype="0" fill="hold" grpId="0" nodeType="clickEffect">
+                                  <p:stCondLst>
+                                    <p:cond delay="0"/>
+                                  </p:stCondLst>
+                                  <p:childTnLst>
+                                    <p:set>
+                                      <p:cBhvr>
+                                        <p:cTn id="10" dur="1" fill="hold">
+                                          <p:stCondLst>
+                                            <p:cond delay="0"/>
+                                          </p:stCondLst>
+                                        </p:cTn>
+                                        <p:tgtEl>
+                                          <p:spTgt spid="11"/>
+                                        </p:tgtEl>
+                                        <p:attrNameLst>
+                                          <p:attrName>style.visibility</p:attrName>
+                                        </p:attrNameLst>
+                                      </p:cBhvr>
+                                      <p:to>
+                                        <p:strVal val="visible"/>
+                                      </p:to>
+                                    </p:set>
+                                  </p:childTnLst>
+                                </p:cTn>
+                              </p:par>
+                            </p:childTnLst>
+                          </p:cTn>
+                        </p:par>
+                      </p:childTnLst>
+                    </p:cTn>
+                  </p:par>
+                  <p:par>
+                    <p:cTn id="11" fill="hold">
+                      <p:stCondLst>
+                        <p:cond delay="indefinite"/>
+                      </p:stCondLst>
+                      <p:childTnLst>
+                        <p:par>
+                          <p:cTn id="12" fill="hold">
+                            <p:stCondLst>
+                              <p:cond delay="0"/>
+                            </p:stCondLst>
+                            <p:childTnLst>
+                              <p:par>
+                                <p:cTn id="13" presetID="1" presetClass="entr" presetSubtype="0" fill="hold" grpId="0" nodeType="clickEffect">
+                                  <p:stCondLst>
+                                    <p:cond delay="0"/>
+                                  </p:stCondLst>
+                                  <p:childTnLst>
+                                    <p:set>
+                                      <p:cBhvr>
+                                        <p:cTn id="14" dur="1" fill="hold">
+                                          <p:stCondLst>
+                                            <p:cond delay="0"/>
+                                          </p:stCondLst>
+                                        </p:cTn>
+                                        <p:tgtEl>
+                                          <p:spTgt spid="14"/>
+                                        </p:tgtEl>
+                                        <p:attrNameLst>
+                                          <p:attrName>style.visibility</p:attrName>
+                                        </p:attrNameLst>
+                                      </p:cBhvr>
+                                      <p:to>
+                                        <p:strVal val="visible"/>
+                                      </p:to>
+                                    </p:set>
+                                  </p:childTnLst>
+                                </p:cTn>
+                              </p:par>
+                            </p:childTnLst>
+                          </p:cTn>
+                        </p:par>
+                      </p:childTnLst>
+                    </p:cTn>
+                  </p:par>
+                  <p:par>
+                    <p:cTn id="15" fill="hold">
+                      <p:stCondLst>
+                        <p:cond delay="indefinite"/>
+                      </p:stCondLst>
+                      <p:childTnLst>
+                        <p:par>
+                          <p:cTn id="16" fill="hold">
+                            <p:stCondLst>
+                              <p:cond delay="0"/>
+                            </p:stCondLst>
+                            <p:childTnLst>
+                              <p:par>
+                                <p:cTn id="17" presetID="1" presetClass="entr" presetSubtype="0" fill="hold" grpId="0" nodeType="clickEffect">
+                                  <p:stCondLst>
+                                    <p:cond delay="0"/>
+                                  </p:stCondLst>
+                                  <p:childTnLst>
+                                    <p:set>
+                                      <p:cBhvr>
+                                        <p:cTn id="18" dur="1" fill="hold">
+                                          <p:stCondLst>
+                                            <p:cond delay="0"/>
+                                          </p:stCondLst>
+                                        </p:cTn>
+                                        <p:tgtEl>
+                                          <p:spTgt spid="12"/>
+                                        </p:tgtEl>
+                                        <p:attrNameLst>
+                                          <p:attrName>style.visibility</p:attrName>
+                                        </p:attrNameLst>
+                                      </p:cBhvr>
+                                      <p:to>
+                                        <p:strVal val="visible"/>
+                                      </p:to>
+                                    </p:set>
+                                  </p:childTnLst>
+                                </p:cTn>
+                              </p:par>
+                            </p:childTnLst>
+                          </p:cTn>
+                        </p:par>
+                      </p:childTnLst>
+                    </p:cTn>
+                  </p:par>
+                </p:childTnLst>
+              </p:cTn>
+              <p:prevCondLst>
+                <p:cond evt="onPrev" delay="0">
+                  <p:tgtEl>
+                    <p:sldTgt/>
+                  </p:tgtEl>
+                </p:cond>
+              </p:prevCondLst>
+              <p:nextCondLst>
+                <p:cond evt="onNext" delay="0">
+                  <p:tgtEl>
+                    <p:sldTgt/>
+                  </p:tgtEl>
+                </p:cond>
+              </p:nextCondLst>
+            </p:seq>
+          </p:childTnLst>
+        </p:cTn>
+      </p:par>
+    </p:tnLst>
+    <p:bldLst>
+      <p:bldP spid="12" grpId="0"/>
+      <p:bldP spid="19" grpId="0" animBg="1"/>
+      <p:bldP spid="11" grpId="0" animBg="1"/>
+      <p:bldP spid="14" grpId="0" animBg="1"/>
+    </p:bldLst>
+  </p:timing>
+</p:sld>
+</file>
+
+<file path=ppt/slides/slide11.xml><?xml version="1.0" encoding="utf-8"?>
+<p:sld xmlns:a="http://schemas.openxmlformats.org/drawingml/2006/main" xmlns:r="http://schemas.openxmlformats.org/officeDocument/2006/relationships" xmlns:p="http://schemas.openxmlformats.org/presentationml/2006/main" show="0">
+  <p:cSld>
+    <p:spTree>
+      <p:nvGrpSpPr>
+        <p:cNvPr id="1" name=""/>
+        <p:cNvGrpSpPr/>
+        <p:nvPr/>
+      </p:nvGrpSpPr>
+      <p:grpSpPr>
+        <a:xfrm>
+          <a:off x="0" y="0"/>
+          <a:ext cx="0" cy="0"/>
+          <a:chOff x="0" y="0"/>
+          <a:chExt cx="0" cy="0"/>
+        </a:xfrm>
+      </p:grpSpPr>
       <p:pic>
         <p:nvPicPr>
           <p:cNvPr id="7" name="Picture 6">
@@ -10481,7 +11147,7 @@
           <a:p>
             <a:fld id="{6FD4AA8C-2C0B-45F2-84FF-CF2E58E014B2}" type="slidenum">
               <a:rPr lang="en-US" smtClean="0"/>
-              <a:t>10</a:t>
+              <a:t>11</a:t>
             </a:fld>
             <a:endParaRPr lang="en-US" dirty="0"/>
           </a:p>
@@ -10500,7 +11166,7 @@
 </p:sld>
 </file>
 
-<file path=ppt/slides/slide11.xml><?xml version="1.0" encoding="utf-8"?>
+<file path=ppt/slides/slide12.xml><?xml version="1.0" encoding="utf-8"?>
 <p:sld xmlns:a="http://schemas.openxmlformats.org/drawingml/2006/main" xmlns:r="http://schemas.openxmlformats.org/officeDocument/2006/relationships" xmlns:p="http://schemas.openxmlformats.org/presentationml/2006/main" show="0">
   <p:cSld>
     <p:spTree>
@@ -10613,7 +11279,7 @@
           <a:p>
             <a:fld id="{6FD4AA8C-2C0B-45F2-84FF-CF2E58E014B2}" type="slidenum">
               <a:rPr lang="en-US" smtClean="0"/>
-              <a:t>11</a:t>
+              <a:t>12</a:t>
             </a:fld>
             <a:endParaRPr lang="en-US"/>
           </a:p>
@@ -10632,7 +11298,7 @@
 </p:sld>
 </file>
 
-<file path=ppt/slides/slide12.xml><?xml version="1.0" encoding="utf-8"?>
+<file path=ppt/slides/slide13.xml><?xml version="1.0" encoding="utf-8"?>
 <p:sld xmlns:a="http://schemas.openxmlformats.org/drawingml/2006/main" xmlns:r="http://schemas.openxmlformats.org/officeDocument/2006/relationships" xmlns:p="http://schemas.openxmlformats.org/presentationml/2006/main">
   <p:cSld>
     <p:spTree>
@@ -10722,7 +11388,7 @@
           <a:p>
             <a:fld id="{6FD4AA8C-2C0B-45F2-84FF-CF2E58E014B2}" type="slidenum">
               <a:rPr lang="en-US" smtClean="0"/>
-              <a:t>12</a:t>
+              <a:t>13</a:t>
             </a:fld>
             <a:endParaRPr lang="en-US"/>
           </a:p>
@@ -10997,7 +11663,7 @@
 </p:sld>
 </file>
 
-<file path=ppt/slides/slide13.xml><?xml version="1.0" encoding="utf-8"?>
+<file path=ppt/slides/slide14.xml><?xml version="1.0" encoding="utf-8"?>
 <p:sld xmlns:a="http://schemas.openxmlformats.org/drawingml/2006/main" xmlns:r="http://schemas.openxmlformats.org/officeDocument/2006/relationships" xmlns:p="http://schemas.openxmlformats.org/presentationml/2006/main">
   <p:cSld>
     <p:spTree>
@@ -11087,7 +11753,7 @@
           <a:p>
             <a:fld id="{6FD4AA8C-2C0B-45F2-84FF-CF2E58E014B2}" type="slidenum">
               <a:rPr lang="en-US" smtClean="0"/>
-              <a:t>13</a:t>
+              <a:t>14</a:t>
             </a:fld>
             <a:endParaRPr lang="en-US"/>
           </a:p>
@@ -11264,7 +11930,7 @@
 </p:sld>
 </file>
 
-<file path=ppt/slides/slide14.xml><?xml version="1.0" encoding="utf-8"?>
+<file path=ppt/slides/slide15.xml><?xml version="1.0" encoding="utf-8"?>
 <p:sld xmlns:a="http://schemas.openxmlformats.org/drawingml/2006/main" xmlns:r="http://schemas.openxmlformats.org/officeDocument/2006/relationships" xmlns:p="http://schemas.openxmlformats.org/presentationml/2006/main">
   <p:cSld>
     <p:spTree>
@@ -11428,7 +12094,7 @@
           <a:p>
             <a:fld id="{6FD4AA8C-2C0B-45F2-84FF-CF2E58E014B2}" type="slidenum">
               <a:rPr lang="en-US" smtClean="0"/>
-              <a:t>14</a:t>
+              <a:t>15</a:t>
             </a:fld>
             <a:endParaRPr lang="en-US"/>
           </a:p>
@@ -11447,7 +12113,7 @@
 </p:sld>
 </file>
 
-<file path=ppt/slides/slide15.xml><?xml version="1.0" encoding="utf-8"?>
+<file path=ppt/slides/slide16.xml><?xml version="1.0" encoding="utf-8"?>
 <p:sld xmlns:a="http://schemas.openxmlformats.org/drawingml/2006/main" xmlns:r="http://schemas.openxmlformats.org/officeDocument/2006/relationships" xmlns:p="http://schemas.openxmlformats.org/presentationml/2006/main">
   <p:cSld>
     <p:spTree>
@@ -11873,7 +12539,7 @@
           <a:p>
             <a:fld id="{6FD4AA8C-2C0B-45F2-84FF-CF2E58E014B2}" type="slidenum">
               <a:rPr lang="en-US" smtClean="0"/>
-              <a:t>15</a:t>
+              <a:t>16</a:t>
             </a:fld>
             <a:endParaRPr lang="en-US"/>
           </a:p>
@@ -11892,7 +12558,7 @@
 </p:sld>
 </file>
 
-<file path=ppt/slides/slide16.xml><?xml version="1.0" encoding="utf-8"?>
+<file path=ppt/slides/slide17.xml><?xml version="1.0" encoding="utf-8"?>
 <p:sld xmlns:a="http://schemas.openxmlformats.org/drawingml/2006/main" xmlns:r="http://schemas.openxmlformats.org/officeDocument/2006/relationships" xmlns:p="http://schemas.openxmlformats.org/presentationml/2006/main">
   <p:cSld>
     <p:spTree>
@@ -13203,7 +13869,7 @@
           <a:p>
             <a:fld id="{6FD4AA8C-2C0B-45F2-84FF-CF2E58E014B2}" type="slidenum">
               <a:rPr lang="en-US" smtClean="0"/>
-              <a:t>16</a:t>
+              <a:t>17</a:t>
             </a:fld>
             <a:endParaRPr lang="en-US"/>
           </a:p>
@@ -13222,7 +13888,7 @@
 </p:sld>
 </file>
 
-<file path=ppt/slides/slide17.xml><?xml version="1.0" encoding="utf-8"?>
+<file path=ppt/slides/slide18.xml><?xml version="1.0" encoding="utf-8"?>
 <p:sld xmlns:a="http://schemas.openxmlformats.org/drawingml/2006/main" xmlns:r="http://schemas.openxmlformats.org/officeDocument/2006/relationships" xmlns:p="http://schemas.openxmlformats.org/presentationml/2006/main">
   <p:cSld>
     <p:spTree>
@@ -13595,7 +14261,7 @@
           <a:p>
             <a:fld id="{6FD4AA8C-2C0B-45F2-84FF-CF2E58E014B2}" type="slidenum">
               <a:rPr lang="en-US" smtClean="0"/>
-              <a:t>17</a:t>
+              <a:t>18</a:t>
             </a:fld>
             <a:endParaRPr lang="en-US"/>
           </a:p>
@@ -13614,7 +14280,7 @@
 </p:sld>
 </file>
 
-<file path=ppt/slides/slide18.xml><?xml version="1.0" encoding="utf-8"?>
+<file path=ppt/slides/slide19.xml><?xml version="1.0" encoding="utf-8"?>
 <p:sld xmlns:a="http://schemas.openxmlformats.org/drawingml/2006/main" xmlns:r="http://schemas.openxmlformats.org/officeDocument/2006/relationships" xmlns:p="http://schemas.openxmlformats.org/presentationml/2006/main">
   <p:cSld>
     <p:spTree>
@@ -13755,7 +14421,7 @@
           <a:p>
             <a:fld id="{6FD4AA8C-2C0B-45F2-84FF-CF2E58E014B2}" type="slidenum">
               <a:rPr lang="en-US" smtClean="0"/>
-              <a:t>18</a:t>
+              <a:t>19</a:t>
             </a:fld>
             <a:endParaRPr lang="en-US"/>
           </a:p>
@@ -13774,7 +14440,221 @@
 </p:sld>
 </file>
 
-<file path=ppt/slides/slide19.xml><?xml version="1.0" encoding="utf-8"?>
+<file path=ppt/slides/slide2.xml><?xml version="1.0" encoding="utf-8"?>
+<p:sld xmlns:a="http://schemas.openxmlformats.org/drawingml/2006/main" xmlns:r="http://schemas.openxmlformats.org/officeDocument/2006/relationships" xmlns:p="http://schemas.openxmlformats.org/presentationml/2006/main">
+  <p:cSld>
+    <p:spTree>
+      <p:nvGrpSpPr>
+        <p:cNvPr id="1" name=""/>
+        <p:cNvGrpSpPr/>
+        <p:nvPr/>
+      </p:nvGrpSpPr>
+      <p:grpSpPr>
+        <a:xfrm>
+          <a:off x="0" y="0"/>
+          <a:ext cx="0" cy="0"/>
+          <a:chOff x="0" y="0"/>
+          <a:chExt cx="0" cy="0"/>
+        </a:xfrm>
+      </p:grpSpPr>
+      <p:sp>
+        <p:nvSpPr>
+          <p:cNvPr id="2" name="Title 1">
+            <a:extLst>
+              <a:ext uri="{FF2B5EF4-FFF2-40B4-BE49-F238E27FC236}">
+                <a16:creationId xmlns:a16="http://schemas.microsoft.com/office/drawing/2014/main" id="{AB146FD5-B7E6-4311-BEFD-D6D4A89D4FAF}"/>
+              </a:ext>
+            </a:extLst>
+          </p:cNvPr>
+          <p:cNvSpPr>
+            <a:spLocks noGrp="1"/>
+          </p:cNvSpPr>
+          <p:nvPr>
+            <p:ph type="title"/>
+          </p:nvPr>
+        </p:nvSpPr>
+        <p:spPr>
+          <a:xfrm>
+            <a:off x="0" y="1"/>
+            <a:ext cx="9144000" cy="923278"/>
+          </a:xfrm>
+          <a:solidFill>
+            <a:srgbClr val="003C6C"/>
+          </a:solidFill>
+        </p:spPr>
+        <p:txBody>
+          <a:bodyPr/>
+          <a:lstStyle/>
+          <a:p>
+            <a:r>
+              <a:rPr lang="en-US" dirty="0">
+                <a:solidFill>
+                  <a:schemeClr val="bg1"/>
+                </a:solidFill>
+                <a:latin typeface="+mn-lt"/>
+              </a:rPr>
+              <a:t>  Research Question</a:t>
+            </a:r>
+          </a:p>
+        </p:txBody>
+      </p:sp>
+      <p:sp>
+        <p:nvSpPr>
+          <p:cNvPr id="3" name="Content Placeholder 2">
+            <a:extLst>
+              <a:ext uri="{FF2B5EF4-FFF2-40B4-BE49-F238E27FC236}">
+                <a16:creationId xmlns:a16="http://schemas.microsoft.com/office/drawing/2014/main" id="{F5F89EB4-FE7A-4332-8A77-6D74A195BC07}"/>
+              </a:ext>
+            </a:extLst>
+          </p:cNvPr>
+          <p:cNvSpPr>
+            <a:spLocks noGrp="1"/>
+          </p:cNvSpPr>
+          <p:nvPr>
+            <p:ph idx="1"/>
+          </p:nvPr>
+        </p:nvSpPr>
+        <p:spPr>
+          <a:xfrm>
+            <a:off x="389784" y="1162595"/>
+            <a:ext cx="8341621" cy="5193756"/>
+          </a:xfrm>
+        </p:spPr>
+        <p:txBody>
+          <a:bodyPr>
+            <a:normAutofit/>
+          </a:bodyPr>
+          <a:lstStyle/>
+          <a:p>
+            <a:pPr marL="0" indent="0">
+              <a:buNone/>
+            </a:pPr>
+            <a:r>
+              <a:rPr lang="en-US" dirty="0">
+                <a:ea typeface="Microsoft JhengHei UI" panose="020B0604030504040204" pitchFamily="34" charset="-120"/>
+              </a:rPr>
+              <a:t>How will climate change impact fishing communities?</a:t>
+            </a:r>
+          </a:p>
+          <a:p>
+            <a:pPr marL="0" indent="0">
+              <a:buNone/>
+            </a:pPr>
+            <a:endParaRPr lang="en-US" dirty="0">
+              <a:ea typeface="Microsoft JhengHei UI" panose="020B0604030504040204" pitchFamily="34" charset="-120"/>
+            </a:endParaRPr>
+          </a:p>
+          <a:p>
+            <a:r>
+              <a:rPr lang="en-US" sz="2400" dirty="0">
+                <a:ea typeface="Microsoft JhengHei UI" panose="020B0604030504040204" pitchFamily="34" charset="-120"/>
+              </a:rPr>
+              <a:t>Specific questions: </a:t>
+            </a:r>
+          </a:p>
+          <a:p>
+            <a:pPr lvl="1"/>
+            <a:r>
+              <a:rPr lang="en-US" sz="2000" dirty="0">
+                <a:ea typeface="Microsoft JhengHei UI" panose="020B0604030504040204" pitchFamily="34" charset="-120"/>
+              </a:rPr>
+              <a:t>How changes in species distribution and regulations (i.e. closures) will affect vessel's participation and landings in the </a:t>
+            </a:r>
+            <a:r>
+              <a:rPr lang="en-US" sz="2000" i="1" dirty="0">
+                <a:ea typeface="Microsoft JhengHei UI" panose="020B0604030504040204" pitchFamily="34" charset="-120"/>
+              </a:rPr>
+              <a:t>Coastal Pelagic Species (CPS) </a:t>
+            </a:r>
+            <a:r>
+              <a:rPr lang="en-US" sz="2000" dirty="0">
+                <a:ea typeface="Microsoft JhengHei UI" panose="020B0604030504040204" pitchFamily="34" charset="-120"/>
+              </a:rPr>
+              <a:t>fishery?</a:t>
+            </a:r>
+          </a:p>
+          <a:p>
+            <a:endParaRPr lang="en-US" sz="2400" dirty="0">
+              <a:ea typeface="Microsoft JhengHei UI" panose="020B0604030504040204" pitchFamily="34" charset="-120"/>
+            </a:endParaRPr>
+          </a:p>
+          <a:p>
+            <a:r>
+              <a:rPr lang="en-US" sz="2400" dirty="0">
+                <a:ea typeface="Microsoft JhengHei UI" panose="020B0604030504040204" pitchFamily="34" charset="-120"/>
+              </a:rPr>
+              <a:t>Contribution:</a:t>
+            </a:r>
+          </a:p>
+          <a:p>
+            <a:pPr lvl="1"/>
+            <a:r>
+              <a:rPr lang="en-US" sz="2000" i="1" dirty="0"/>
+              <a:t>Previous works has focused generally on one species</a:t>
+            </a:r>
+          </a:p>
+          <a:p>
+            <a:pPr lvl="1"/>
+            <a:r>
+              <a:rPr lang="en-US" sz="2000" i="1" dirty="0"/>
+              <a:t>Important to study other species and their interactions in fishers’ portfolios to assess climate impacts on the CPS fleet.</a:t>
+            </a:r>
+          </a:p>
+          <a:p>
+            <a:pPr lvl="1"/>
+            <a:r>
+              <a:rPr lang="en-US" sz="2000" i="1" dirty="0"/>
+              <a:t>The presence of other species might impact targeting/participation decisions.  </a:t>
+            </a:r>
+            <a:endParaRPr lang="en-US" sz="2000" dirty="0">
+              <a:ea typeface="Microsoft JhengHei UI" panose="020B0604030504040204" pitchFamily="34" charset="-120"/>
+            </a:endParaRPr>
+          </a:p>
+        </p:txBody>
+      </p:sp>
+      <p:sp>
+        <p:nvSpPr>
+          <p:cNvPr id="6" name="Slide Number Placeholder 5">
+            <a:extLst>
+              <a:ext uri="{FF2B5EF4-FFF2-40B4-BE49-F238E27FC236}">
+                <a16:creationId xmlns:a16="http://schemas.microsoft.com/office/drawing/2014/main" id="{27F8320F-28EE-40EF-ADDE-86D44B7D516B}"/>
+              </a:ext>
+            </a:extLst>
+          </p:cNvPr>
+          <p:cNvSpPr>
+            <a:spLocks noGrp="1"/>
+          </p:cNvSpPr>
+          <p:nvPr>
+            <p:ph type="sldNum" sz="quarter" idx="12"/>
+          </p:nvPr>
+        </p:nvSpPr>
+        <p:spPr/>
+        <p:txBody>
+          <a:bodyPr/>
+          <a:lstStyle/>
+          <a:p>
+            <a:fld id="{6FD4AA8C-2C0B-45F2-84FF-CF2E58E014B2}" type="slidenum">
+              <a:rPr lang="en-US" smtClean="0"/>
+              <a:t>2</a:t>
+            </a:fld>
+            <a:endParaRPr lang="en-US"/>
+          </a:p>
+        </p:txBody>
+      </p:sp>
+    </p:spTree>
+    <p:extLst>
+      <p:ext uri="{BB962C8B-B14F-4D97-AF65-F5344CB8AC3E}">
+        <p14:creationId xmlns:p14="http://schemas.microsoft.com/office/powerpoint/2010/main" val="3354476907"/>
+      </p:ext>
+    </p:extLst>
+  </p:cSld>
+  <p:clrMapOvr>
+    <a:masterClrMapping/>
+  </p:clrMapOvr>
+</p:sld>
+</file>
+
+<file path=ppt/slides/slide20.xml><?xml version="1.0" encoding="utf-8"?>
 <p:sld xmlns:a="http://schemas.openxmlformats.org/drawingml/2006/main" xmlns:r="http://schemas.openxmlformats.org/officeDocument/2006/relationships" xmlns:p="http://schemas.openxmlformats.org/presentationml/2006/main">
   <p:cSld>
     <p:spTree>
@@ -13892,7 +14772,7 @@
           <a:p>
             <a:fld id="{6FD4AA8C-2C0B-45F2-84FF-CF2E58E014B2}" type="slidenum">
               <a:rPr lang="en-US" smtClean="0"/>
-              <a:t>19</a:t>
+              <a:t>20</a:t>
             </a:fld>
             <a:endParaRPr lang="en-US"/>
           </a:p>
@@ -13911,221 +14791,7 @@
 </p:sld>
 </file>
 
-<file path=ppt/slides/slide2.xml><?xml version="1.0" encoding="utf-8"?>
-<p:sld xmlns:a="http://schemas.openxmlformats.org/drawingml/2006/main" xmlns:r="http://schemas.openxmlformats.org/officeDocument/2006/relationships" xmlns:p="http://schemas.openxmlformats.org/presentationml/2006/main">
-  <p:cSld>
-    <p:spTree>
-      <p:nvGrpSpPr>
-        <p:cNvPr id="1" name=""/>
-        <p:cNvGrpSpPr/>
-        <p:nvPr/>
-      </p:nvGrpSpPr>
-      <p:grpSpPr>
-        <a:xfrm>
-          <a:off x="0" y="0"/>
-          <a:ext cx="0" cy="0"/>
-          <a:chOff x="0" y="0"/>
-          <a:chExt cx="0" cy="0"/>
-        </a:xfrm>
-      </p:grpSpPr>
-      <p:sp>
-        <p:nvSpPr>
-          <p:cNvPr id="2" name="Title 1">
-            <a:extLst>
-              <a:ext uri="{FF2B5EF4-FFF2-40B4-BE49-F238E27FC236}">
-                <a16:creationId xmlns:a16="http://schemas.microsoft.com/office/drawing/2014/main" id="{AB146FD5-B7E6-4311-BEFD-D6D4A89D4FAF}"/>
-              </a:ext>
-            </a:extLst>
-          </p:cNvPr>
-          <p:cNvSpPr>
-            <a:spLocks noGrp="1"/>
-          </p:cNvSpPr>
-          <p:nvPr>
-            <p:ph type="title"/>
-          </p:nvPr>
-        </p:nvSpPr>
-        <p:spPr>
-          <a:xfrm>
-            <a:off x="0" y="1"/>
-            <a:ext cx="9144000" cy="923278"/>
-          </a:xfrm>
-          <a:solidFill>
-            <a:srgbClr val="003C6C"/>
-          </a:solidFill>
-        </p:spPr>
-        <p:txBody>
-          <a:bodyPr/>
-          <a:lstStyle/>
-          <a:p>
-            <a:r>
-              <a:rPr lang="en-US" dirty="0">
-                <a:solidFill>
-                  <a:schemeClr val="bg1"/>
-                </a:solidFill>
-                <a:latin typeface="+mn-lt"/>
-              </a:rPr>
-              <a:t>  Research Question</a:t>
-            </a:r>
-          </a:p>
-        </p:txBody>
-      </p:sp>
-      <p:sp>
-        <p:nvSpPr>
-          <p:cNvPr id="3" name="Content Placeholder 2">
-            <a:extLst>
-              <a:ext uri="{FF2B5EF4-FFF2-40B4-BE49-F238E27FC236}">
-                <a16:creationId xmlns:a16="http://schemas.microsoft.com/office/drawing/2014/main" id="{F5F89EB4-FE7A-4332-8A77-6D74A195BC07}"/>
-              </a:ext>
-            </a:extLst>
-          </p:cNvPr>
-          <p:cNvSpPr>
-            <a:spLocks noGrp="1"/>
-          </p:cNvSpPr>
-          <p:nvPr>
-            <p:ph idx="1"/>
-          </p:nvPr>
-        </p:nvSpPr>
-        <p:spPr>
-          <a:xfrm>
-            <a:off x="389784" y="1162595"/>
-            <a:ext cx="8341621" cy="5193756"/>
-          </a:xfrm>
-        </p:spPr>
-        <p:txBody>
-          <a:bodyPr>
-            <a:normAutofit/>
-          </a:bodyPr>
-          <a:lstStyle/>
-          <a:p>
-            <a:pPr marL="0" indent="0">
-              <a:buNone/>
-            </a:pPr>
-            <a:r>
-              <a:rPr lang="en-US" dirty="0">
-                <a:ea typeface="Microsoft JhengHei UI" panose="020B0604030504040204" pitchFamily="34" charset="-120"/>
-              </a:rPr>
-              <a:t>How will climate change impact fishing communities?</a:t>
-            </a:r>
-          </a:p>
-          <a:p>
-            <a:pPr marL="0" indent="0">
-              <a:buNone/>
-            </a:pPr>
-            <a:endParaRPr lang="en-US" dirty="0">
-              <a:ea typeface="Microsoft JhengHei UI" panose="020B0604030504040204" pitchFamily="34" charset="-120"/>
-            </a:endParaRPr>
-          </a:p>
-          <a:p>
-            <a:r>
-              <a:rPr lang="en-US" sz="2400" dirty="0">
-                <a:ea typeface="Microsoft JhengHei UI" panose="020B0604030504040204" pitchFamily="34" charset="-120"/>
-              </a:rPr>
-              <a:t>Specific questions: </a:t>
-            </a:r>
-          </a:p>
-          <a:p>
-            <a:pPr lvl="1"/>
-            <a:r>
-              <a:rPr lang="en-US" sz="2000" dirty="0">
-                <a:ea typeface="Microsoft JhengHei UI" panose="020B0604030504040204" pitchFamily="34" charset="-120"/>
-              </a:rPr>
-              <a:t>How changes in species distribution and regulations (i.e. closures) will affect landings by ports and vessel participation in the </a:t>
-            </a:r>
-            <a:r>
-              <a:rPr lang="en-US" sz="2000" i="1" dirty="0">
-                <a:ea typeface="Microsoft JhengHei UI" panose="020B0604030504040204" pitchFamily="34" charset="-120"/>
-              </a:rPr>
-              <a:t>Coastal Pelagic Species (CPS) </a:t>
-            </a:r>
-            <a:r>
-              <a:rPr lang="en-US" sz="2000" dirty="0">
-                <a:ea typeface="Microsoft JhengHei UI" panose="020B0604030504040204" pitchFamily="34" charset="-120"/>
-              </a:rPr>
-              <a:t>fishery?</a:t>
-            </a:r>
-          </a:p>
-          <a:p>
-            <a:endParaRPr lang="en-US" sz="2400" dirty="0">
-              <a:ea typeface="Microsoft JhengHei UI" panose="020B0604030504040204" pitchFamily="34" charset="-120"/>
-            </a:endParaRPr>
-          </a:p>
-          <a:p>
-            <a:r>
-              <a:rPr lang="en-US" sz="2400" dirty="0">
-                <a:ea typeface="Microsoft JhengHei UI" panose="020B0604030504040204" pitchFamily="34" charset="-120"/>
-              </a:rPr>
-              <a:t>Contribution:</a:t>
-            </a:r>
-          </a:p>
-          <a:p>
-            <a:pPr lvl="1"/>
-            <a:r>
-              <a:rPr lang="en-US" sz="2000" i="1" dirty="0"/>
-              <a:t>Previous works has focused generally on one species</a:t>
-            </a:r>
-          </a:p>
-          <a:p>
-            <a:pPr lvl="1"/>
-            <a:r>
-              <a:rPr lang="en-US" sz="2000" i="1" dirty="0"/>
-              <a:t>Important to study other species and their interactions in fishers’ portfolios to assess climate impacts on the CPS fleet.</a:t>
-            </a:r>
-          </a:p>
-          <a:p>
-            <a:pPr lvl="1"/>
-            <a:r>
-              <a:rPr lang="en-US" sz="2000" i="1" dirty="0"/>
-              <a:t>The presence of other species might impact targeting decisions.  </a:t>
-            </a:r>
-            <a:endParaRPr lang="en-US" sz="2000" dirty="0">
-              <a:ea typeface="Microsoft JhengHei UI" panose="020B0604030504040204" pitchFamily="34" charset="-120"/>
-            </a:endParaRPr>
-          </a:p>
-        </p:txBody>
-      </p:sp>
-      <p:sp>
-        <p:nvSpPr>
-          <p:cNvPr id="6" name="Slide Number Placeholder 5">
-            <a:extLst>
-              <a:ext uri="{FF2B5EF4-FFF2-40B4-BE49-F238E27FC236}">
-                <a16:creationId xmlns:a16="http://schemas.microsoft.com/office/drawing/2014/main" id="{27F8320F-28EE-40EF-ADDE-86D44B7D516B}"/>
-              </a:ext>
-            </a:extLst>
-          </p:cNvPr>
-          <p:cNvSpPr>
-            <a:spLocks noGrp="1"/>
-          </p:cNvSpPr>
-          <p:nvPr>
-            <p:ph type="sldNum" sz="quarter" idx="12"/>
-          </p:nvPr>
-        </p:nvSpPr>
-        <p:spPr/>
-        <p:txBody>
-          <a:bodyPr/>
-          <a:lstStyle/>
-          <a:p>
-            <a:fld id="{6FD4AA8C-2C0B-45F2-84FF-CF2E58E014B2}" type="slidenum">
-              <a:rPr lang="en-US" smtClean="0"/>
-              <a:t>2</a:t>
-            </a:fld>
-            <a:endParaRPr lang="en-US"/>
-          </a:p>
-        </p:txBody>
-      </p:sp>
-    </p:spTree>
-    <p:extLst>
-      <p:ext uri="{BB962C8B-B14F-4D97-AF65-F5344CB8AC3E}">
-        <p14:creationId xmlns:p14="http://schemas.microsoft.com/office/powerpoint/2010/main" val="3354476907"/>
-      </p:ext>
-    </p:extLst>
-  </p:cSld>
-  <p:clrMapOvr>
-    <a:masterClrMapping/>
-  </p:clrMapOvr>
-</p:sld>
-</file>
-
-<file path=ppt/slides/slide20.xml><?xml version="1.0" encoding="utf-8"?>
+<file path=ppt/slides/slide21.xml><?xml version="1.0" encoding="utf-8"?>
 <p:sld xmlns:a="http://schemas.openxmlformats.org/drawingml/2006/main" xmlns:r="http://schemas.openxmlformats.org/officeDocument/2006/relationships" xmlns:p="http://schemas.openxmlformats.org/presentationml/2006/main" show="0">
   <p:cSld>
     <p:spTree>
@@ -14356,7 +15022,7 @@
           <a:p>
             <a:fld id="{6FD4AA8C-2C0B-45F2-84FF-CF2E58E014B2}" type="slidenum">
               <a:rPr lang="en-US" smtClean="0"/>
-              <a:t>20</a:t>
+              <a:t>21</a:t>
             </a:fld>
             <a:endParaRPr lang="en-US"/>
           </a:p>
@@ -14375,7 +15041,7 @@
 </p:sld>
 </file>
 
-<file path=ppt/slides/slide21.xml><?xml version="1.0" encoding="utf-8"?>
+<file path=ppt/slides/slide22.xml><?xml version="1.0" encoding="utf-8"?>
 <p:sld xmlns:a="http://schemas.openxmlformats.org/drawingml/2006/main" xmlns:r="http://schemas.openxmlformats.org/officeDocument/2006/relationships" xmlns:p="http://schemas.openxmlformats.org/presentationml/2006/main" show="0">
   <p:cSld>
     <p:spTree>
@@ -14494,7 +15160,7 @@
           <a:p>
             <a:fld id="{6FD4AA8C-2C0B-45F2-84FF-CF2E58E014B2}" type="slidenum">
               <a:rPr lang="en-US" smtClean="0"/>
-              <a:t>21</a:t>
+              <a:t>22</a:t>
             </a:fld>
             <a:endParaRPr lang="en-US"/>
           </a:p>
@@ -14543,7 +15209,7 @@
 </p:sld>
 </file>
 
-<file path=ppt/slides/slide22.xml><?xml version="1.0" encoding="utf-8"?>
+<file path=ppt/slides/slide23.xml><?xml version="1.0" encoding="utf-8"?>
 <p:sld xmlns:a="http://schemas.openxmlformats.org/drawingml/2006/main" xmlns:r="http://schemas.openxmlformats.org/officeDocument/2006/relationships" xmlns:p="http://schemas.openxmlformats.org/presentationml/2006/main" show="0">
   <p:cSld>
     <p:spTree>
@@ -15597,7 +16263,7 @@
           <a:p>
             <a:fld id="{6FD4AA8C-2C0B-45F2-84FF-CF2E58E014B2}" type="slidenum">
               <a:rPr lang="en-US" smtClean="0"/>
-              <a:t>22</a:t>
+              <a:t>23</a:t>
             </a:fld>
             <a:endParaRPr lang="en-US"/>
           </a:p>
@@ -15616,7 +16282,7 @@
 </p:sld>
 </file>
 
-<file path=ppt/slides/slide23.xml><?xml version="1.0" encoding="utf-8"?>
+<file path=ppt/slides/slide24.xml><?xml version="1.0" encoding="utf-8"?>
 <p:sld xmlns:a="http://schemas.openxmlformats.org/drawingml/2006/main" xmlns:r="http://schemas.openxmlformats.org/officeDocument/2006/relationships" xmlns:p="http://schemas.openxmlformats.org/presentationml/2006/main" show="0">
   <p:cSld>
     <p:spTree>
@@ -17192,7 +17858,7 @@
           <a:p>
             <a:fld id="{6FD4AA8C-2C0B-45F2-84FF-CF2E58E014B2}" type="slidenum">
               <a:rPr lang="en-US" smtClean="0"/>
-              <a:t>23</a:t>
+              <a:t>24</a:t>
             </a:fld>
             <a:endParaRPr lang="en-US"/>
           </a:p>
@@ -17211,7 +17877,7 @@
 </p:sld>
 </file>
 
-<file path=ppt/slides/slide24.xml><?xml version="1.0" encoding="utf-8"?>
+<file path=ppt/slides/slide25.xml><?xml version="1.0" encoding="utf-8"?>
 <p:sld xmlns:a="http://schemas.openxmlformats.org/drawingml/2006/main" xmlns:r="http://schemas.openxmlformats.org/officeDocument/2006/relationships" xmlns:p="http://schemas.openxmlformats.org/presentationml/2006/main" show="0">
   <p:cSld>
     <p:spTree>
@@ -17377,7 +18043,7 @@
           <a:p>
             <a:fld id="{6FD4AA8C-2C0B-45F2-84FF-CF2E58E014B2}" type="slidenum">
               <a:rPr lang="en-US" smtClean="0"/>
-              <a:t>24</a:t>
+              <a:t>25</a:t>
             </a:fld>
             <a:endParaRPr lang="en-US"/>
           </a:p>
@@ -17486,7 +18152,7 @@
 </p:sld>
 </file>
 
-<file path=ppt/slides/slide25.xml><?xml version="1.0" encoding="utf-8"?>
+<file path=ppt/slides/slide26.xml><?xml version="1.0" encoding="utf-8"?>
 <p:sld xmlns:a="http://schemas.openxmlformats.org/drawingml/2006/main" xmlns:r="http://schemas.openxmlformats.org/officeDocument/2006/relationships" xmlns:p="http://schemas.openxmlformats.org/presentationml/2006/main" show="0">
   <p:cSld>
     <p:spTree>
@@ -18612,7 +19278,7 @@
           <a:p>
             <a:fld id="{6FD4AA8C-2C0B-45F2-84FF-CF2E58E014B2}" type="slidenum">
               <a:rPr lang="en-US" smtClean="0"/>
-              <a:t>25</a:t>
+              <a:t>26</a:t>
             </a:fld>
             <a:endParaRPr lang="en-US"/>
           </a:p>
@@ -18632,7 +19298,7 @@
 </file>
 
 <file path=ppt/slides/slide3.xml><?xml version="1.0" encoding="utf-8"?>
-<p:sld xmlns:a="http://schemas.openxmlformats.org/drawingml/2006/main" xmlns:r="http://schemas.openxmlformats.org/officeDocument/2006/relationships" xmlns:p="http://schemas.openxmlformats.org/presentationml/2006/main">
+<p:sld xmlns:a="http://schemas.openxmlformats.org/drawingml/2006/main" xmlns:r="http://schemas.openxmlformats.org/officeDocument/2006/relationships" xmlns:p="http://schemas.openxmlformats.org/presentationml/2006/main" show="0">
   <p:cSld>
     <p:spTree>
       <p:nvGrpSpPr>
@@ -18872,8 +19538,8 @@
         </p:nvSpPr>
         <p:spPr>
           <a:xfrm>
-            <a:off x="497724" y="1668026"/>
-            <a:ext cx="8148551" cy="4471517"/>
+            <a:off x="256478" y="1668026"/>
+            <a:ext cx="8742556" cy="4688325"/>
           </a:xfrm>
         </p:spPr>
         <p:txBody>
@@ -18884,50 +19550,50 @@
           <a:p>
             <a:r>
               <a:rPr lang="en-US" dirty="0"/>
-              <a:t>Two approaches</a:t>
+              <a:t>Hurdle model for landings and participation by vessels:</a:t>
             </a:r>
           </a:p>
           <a:p>
             <a:pPr lvl="1"/>
             <a:r>
+              <a:rPr lang="en-US" b="1" dirty="0"/>
+              <a:t>Hurdle model:</a:t>
+            </a:r>
+          </a:p>
+          <a:p>
+            <a:pPr lvl="2"/>
+            <a:r>
+              <a:rPr lang="en-US" dirty="0" err="1"/>
+              <a:t>Probit</a:t>
+            </a:r>
+            <a:r>
               <a:rPr lang="en-US" dirty="0"/>
-              <a:t>Landings model by vessels</a:t>
+              <a:t>: Vessel participation in particular fishery during a year/quarter/month.</a:t>
             </a:r>
           </a:p>
           <a:p>
             <a:pPr lvl="2"/>
             <a:r>
               <a:rPr lang="en-US" dirty="0"/>
-              <a:t>Separate equation for each species: Squid, Sardine, Anchovy.</a:t>
+              <a:t>Lognormal: Level of landings conditional on participation. </a:t>
+            </a:r>
+          </a:p>
+          <a:p>
+            <a:pPr lvl="1"/>
+            <a:r>
+              <a:rPr lang="en-US" dirty="0"/>
+              <a:t>Separate models for each species: Squid, Sardine.</a:t>
+            </a:r>
+          </a:p>
+          <a:p>
+            <a:pPr lvl="1"/>
+            <a:r>
+              <a:rPr lang="en-US" dirty="0"/>
+              <a:t>Working on individual data.</a:t>
             </a:r>
           </a:p>
           <a:p>
             <a:pPr lvl="2"/>
-            <a:r>
-              <a:rPr lang="en-US" dirty="0"/>
-              <a:t>Results using public aggregate data, but working on individual data.</a:t>
-            </a:r>
-          </a:p>
-          <a:p>
-            <a:pPr lvl="1"/>
-            <a:r>
-              <a:rPr lang="en-US" dirty="0"/>
-              <a:t>Participation model (</a:t>
-            </a:r>
-            <a:r>
-              <a:rPr lang="en-US" dirty="0">
-                <a:solidFill>
-                  <a:srgbClr val="FF0000"/>
-                </a:solidFill>
-              </a:rPr>
-              <a:t>no results yet</a:t>
-            </a:r>
-            <a:r>
-              <a:rPr lang="en-US" dirty="0"/>
-              <a:t>).</a:t>
-            </a:r>
-          </a:p>
-          <a:p>
             <a:endParaRPr lang="en-US" dirty="0"/>
           </a:p>
           <a:p>
@@ -18948,7 +19614,7 @@
             </a:r>
             <a:r>
               <a:rPr lang="en-US" dirty="0"/>
-              <a:t>) from 1980-2020</a:t>
+              <a:t>) from 1981-2020</a:t>
             </a:r>
           </a:p>
           <a:p>
@@ -19662,7 +20328,7 @@
 </file>
 
 <file path=ppt/slides/slide6.xml><?xml version="1.0" encoding="utf-8"?>
-<p:sld xmlns:a="http://schemas.openxmlformats.org/drawingml/2006/main" xmlns:r="http://schemas.openxmlformats.org/officeDocument/2006/relationships" xmlns:p="http://schemas.openxmlformats.org/presentationml/2006/main">
+<p:sld xmlns:a="http://schemas.openxmlformats.org/drawingml/2006/main" xmlns:r="http://schemas.openxmlformats.org/officeDocument/2006/relationships" xmlns:p="http://schemas.openxmlformats.org/presentationml/2006/main" show="0">
   <p:cSld>
     <p:spTree>
       <p:nvGrpSpPr>
@@ -20071,7 +20737,7 @@
                 </a:solidFill>
                 <a:latin typeface="+mn-lt"/>
               </a:rPr>
-              <a:t>  Conclusions and Future Work</a:t>
+              <a:t> Some considerations</a:t>
             </a:r>
           </a:p>
         </p:txBody>
@@ -20100,21 +20766,9 @@
         </p:spPr>
         <p:txBody>
           <a:bodyPr>
-            <a:normAutofit fontScale="92500" lnSpcReduction="20000"/>
+            <a:normAutofit/>
           </a:bodyPr>
           <a:lstStyle/>
-          <a:p>
-            <a:pPr marL="0" indent="0">
-              <a:lnSpc>
-                <a:spcPct val="110000"/>
-              </a:lnSpc>
-              <a:buNone/>
-            </a:pPr>
-            <a:r>
-              <a:rPr lang="en-US" sz="2900" b="1" dirty="0"/>
-              <a:t>Preliminary conclusions:</a:t>
-            </a:r>
-          </a:p>
           <a:p>
             <a:pPr marL="514350" indent="-514350">
               <a:lnSpc>
@@ -20125,7 +20779,59 @@
             </a:pPr>
             <a:r>
               <a:rPr lang="en-US" sz="2900" dirty="0"/>
-              <a:t>Slightly positive effect of presence on landings.</a:t>
+              <a:t>How to choose vessels to include in estimations? </a:t>
+            </a:r>
+          </a:p>
+          <a:p>
+            <a:pPr marL="971550" lvl="1" indent="-514350">
+              <a:lnSpc>
+                <a:spcPct val="110000"/>
+              </a:lnSpc>
+              <a:buFont typeface="+mj-lt"/>
+              <a:buAutoNum type="alphaLcParenR"/>
+            </a:pPr>
+            <a:r>
+              <a:rPr lang="en-US" sz="2500" dirty="0"/>
+              <a:t>They should show substitution between species?</a:t>
+            </a:r>
+          </a:p>
+          <a:p>
+            <a:pPr marL="1428750" lvl="2" indent="-514350">
+              <a:lnSpc>
+                <a:spcPct val="110000"/>
+              </a:lnSpc>
+              <a:buFont typeface="+mj-lt"/>
+              <a:buAutoNum type="alphaLcParenR"/>
+            </a:pPr>
+            <a:r>
+              <a:rPr lang="en-US" sz="2100" dirty="0"/>
+              <a:t>Cluster analysis </a:t>
+            </a:r>
+          </a:p>
+          <a:p>
+            <a:pPr marL="971550" lvl="1" indent="-514350">
+              <a:lnSpc>
+                <a:spcPct val="110000"/>
+              </a:lnSpc>
+              <a:buFont typeface="+mj-lt"/>
+              <a:buAutoNum type="alphaLcParenR"/>
+            </a:pPr>
+            <a:r>
+              <a:rPr lang="en-US" sz="2500" dirty="0"/>
+              <a:t>Cutoff point (i.e. revenue)</a:t>
+            </a:r>
+          </a:p>
+          <a:p>
+            <a:pPr marL="971550" lvl="1" indent="-514350">
+              <a:lnSpc>
+                <a:spcPct val="110000"/>
+              </a:lnSpc>
+              <a:buFont typeface="+mj-lt"/>
+              <a:buAutoNum type="alphaLcParenR"/>
+            </a:pPr>
+            <a:r>
+              <a:rPr lang="en-US" sz="2500" dirty="0"/>
+              <a:t>They should have LE permits?</a:t>
             </a:r>
           </a:p>
           <a:p>
@@ -20138,7 +20844,7 @@
             </a:pPr>
             <a:r>
               <a:rPr lang="en-US" sz="2900" dirty="0"/>
-              <a:t>Substitution between market squid and Pacific sardine through species abundance.</a:t>
+              <a:t>Relative v/s own prices? (same for SDM?)</a:t>
             </a:r>
           </a:p>
           <a:p>
@@ -20151,7 +20857,20 @@
             </a:pPr>
             <a:r>
               <a:rPr lang="en-US" sz="2900" dirty="0"/>
-              <a:t>Sardine closure reduce squid landings. </a:t>
+              <a:t>Frequency of the data? </a:t>
+            </a:r>
+          </a:p>
+          <a:p>
+            <a:pPr marL="971550" lvl="1" indent="-514350">
+              <a:lnSpc>
+                <a:spcPct val="110000"/>
+              </a:lnSpc>
+              <a:buFont typeface="+mj-lt"/>
+              <a:buAutoNum type="alphaLcParenR"/>
+            </a:pPr>
+            <a:r>
+              <a:rPr lang="en-US" sz="2500" dirty="0"/>
+              <a:t>Annual v/s quarterly (monthly do not run…)</a:t>
             </a:r>
           </a:p>
           <a:p>
@@ -20162,60 +20881,6 @@
               <a:buFont typeface="+mj-lt"/>
               <a:buAutoNum type="arabicPeriod"/>
             </a:pPr>
-            <a:endParaRPr lang="en-US" sz="2900" dirty="0"/>
-          </a:p>
-          <a:p>
-            <a:pPr marL="0" indent="0">
-              <a:lnSpc>
-                <a:spcPct val="110000"/>
-              </a:lnSpc>
-              <a:buNone/>
-            </a:pPr>
-            <a:r>
-              <a:rPr lang="en-US" sz="2900" b="1" dirty="0">
-                <a:ea typeface="Microsoft JhengHei UI" panose="020B0604030504040204" pitchFamily="34" charset="-120"/>
-              </a:rPr>
-              <a:t>Future Work</a:t>
-            </a:r>
-          </a:p>
-          <a:p>
-            <a:pPr marL="285750" indent="-285750">
-              <a:lnSpc>
-                <a:spcPct val="110000"/>
-              </a:lnSpc>
-            </a:pPr>
-            <a:r>
-              <a:rPr lang="en-US" sz="2900" dirty="0">
-                <a:ea typeface="Microsoft JhengHei UI" panose="020B0604030504040204" pitchFamily="34" charset="-120"/>
-              </a:rPr>
-              <a:t>Incorporate individual vessel-level data.</a:t>
-            </a:r>
-          </a:p>
-          <a:p>
-            <a:pPr marL="285750" indent="-285750">
-              <a:lnSpc>
-                <a:spcPct val="110000"/>
-              </a:lnSpc>
-            </a:pPr>
-            <a:r>
-              <a:rPr lang="en-US" sz="2900" dirty="0">
-                <a:ea typeface="Microsoft JhengHei UI" panose="020B0604030504040204" pitchFamily="34" charset="-120"/>
-              </a:rPr>
-              <a:t>Estimate a discrete choice model for participation.</a:t>
-            </a:r>
-          </a:p>
-          <a:p>
-            <a:pPr marL="285750" indent="-285750">
-              <a:lnSpc>
-                <a:spcPct val="110000"/>
-              </a:lnSpc>
-            </a:pPr>
-            <a:r>
-              <a:rPr lang="en-US" sz="2900" dirty="0">
-                <a:ea typeface="Microsoft JhengHei UI" panose="020B0604030504040204" pitchFamily="34" charset="-120"/>
-              </a:rPr>
-              <a:t>Forecast landings &amp; participation using SDM projections (2050-2099?).</a:t>
-            </a:r>
             <a:endParaRPr lang="en-US" sz="2900" dirty="0"/>
           </a:p>
           <a:p>
@@ -20272,6 +20937,215 @@
     </p:spTree>
     <p:extLst>
       <p:ext uri="{BB962C8B-B14F-4D97-AF65-F5344CB8AC3E}">
+        <p14:creationId xmlns:p14="http://schemas.microsoft.com/office/powerpoint/2010/main" val="1494771611"/>
+      </p:ext>
+    </p:extLst>
+  </p:cSld>
+  <p:clrMapOvr>
+    <a:masterClrMapping/>
+  </p:clrMapOvr>
+</p:sld>
+</file>
+
+<file path=ppt/slides/slide8.xml><?xml version="1.0" encoding="utf-8"?>
+<p:sld xmlns:a="http://schemas.openxmlformats.org/drawingml/2006/main" xmlns:r="http://schemas.openxmlformats.org/officeDocument/2006/relationships" xmlns:p="http://schemas.openxmlformats.org/presentationml/2006/main" show="0">
+  <p:cSld>
+    <p:spTree>
+      <p:nvGrpSpPr>
+        <p:cNvPr id="1" name=""/>
+        <p:cNvGrpSpPr/>
+        <p:nvPr/>
+      </p:nvGrpSpPr>
+      <p:grpSpPr>
+        <a:xfrm>
+          <a:off x="0" y="0"/>
+          <a:ext cx="0" cy="0"/>
+          <a:chOff x="0" y="0"/>
+          <a:chExt cx="0" cy="0"/>
+        </a:xfrm>
+      </p:grpSpPr>
+      <p:sp>
+        <p:nvSpPr>
+          <p:cNvPr id="2" name="Title 1">
+            <a:extLst>
+              <a:ext uri="{FF2B5EF4-FFF2-40B4-BE49-F238E27FC236}">
+                <a16:creationId xmlns:a16="http://schemas.microsoft.com/office/drawing/2014/main" id="{AB146FD5-B7E6-4311-BEFD-D6D4A89D4FAF}"/>
+              </a:ext>
+            </a:extLst>
+          </p:cNvPr>
+          <p:cNvSpPr>
+            <a:spLocks noGrp="1"/>
+          </p:cNvSpPr>
+          <p:nvPr>
+            <p:ph type="title"/>
+          </p:nvPr>
+        </p:nvSpPr>
+        <p:spPr>
+          <a:xfrm>
+            <a:off x="0" y="136524"/>
+            <a:ext cx="9144000" cy="923278"/>
+          </a:xfrm>
+          <a:solidFill>
+            <a:srgbClr val="003C6C"/>
+          </a:solidFill>
+        </p:spPr>
+        <p:txBody>
+          <a:bodyPr/>
+          <a:lstStyle/>
+          <a:p>
+            <a:r>
+              <a:rPr lang="en-US" dirty="0">
+                <a:solidFill>
+                  <a:schemeClr val="bg1"/>
+                </a:solidFill>
+                <a:latin typeface="+mn-lt"/>
+              </a:rPr>
+              <a:t>  Conclusions </a:t>
+            </a:r>
+          </a:p>
+        </p:txBody>
+      </p:sp>
+      <p:sp>
+        <p:nvSpPr>
+          <p:cNvPr id="3" name="Content Placeholder 2">
+            <a:extLst>
+              <a:ext uri="{FF2B5EF4-FFF2-40B4-BE49-F238E27FC236}">
+                <a16:creationId xmlns:a16="http://schemas.microsoft.com/office/drawing/2014/main" id="{F5F89EB4-FE7A-4332-8A77-6D74A195BC07}"/>
+              </a:ext>
+            </a:extLst>
+          </p:cNvPr>
+          <p:cNvSpPr>
+            <a:spLocks noGrp="1"/>
+          </p:cNvSpPr>
+          <p:nvPr>
+            <p:ph idx="1"/>
+          </p:nvPr>
+        </p:nvSpPr>
+        <p:spPr>
+          <a:xfrm>
+            <a:off x="406709" y="1240971"/>
+            <a:ext cx="8515222" cy="5480505"/>
+          </a:xfrm>
+        </p:spPr>
+        <p:txBody>
+          <a:bodyPr>
+            <a:normAutofit/>
+          </a:bodyPr>
+          <a:lstStyle/>
+          <a:p>
+            <a:pPr marL="0" indent="0">
+              <a:lnSpc>
+                <a:spcPct val="110000"/>
+              </a:lnSpc>
+              <a:buNone/>
+            </a:pPr>
+            <a:r>
+              <a:rPr lang="en-US" sz="2900" b="1" dirty="0"/>
+              <a:t>Preliminary conclusions:</a:t>
+            </a:r>
+          </a:p>
+          <a:p>
+            <a:pPr marL="514350" indent="-514350">
+              <a:lnSpc>
+                <a:spcPct val="110000"/>
+              </a:lnSpc>
+              <a:buFont typeface="+mj-lt"/>
+              <a:buAutoNum type="arabicPeriod"/>
+            </a:pPr>
+            <a:r>
+              <a:rPr lang="en-US" sz="2900" dirty="0"/>
+              <a:t>Slightly positive effect of presence on landings.</a:t>
+            </a:r>
+          </a:p>
+          <a:p>
+            <a:pPr marL="514350" indent="-514350">
+              <a:lnSpc>
+                <a:spcPct val="110000"/>
+              </a:lnSpc>
+              <a:buFont typeface="+mj-lt"/>
+              <a:buAutoNum type="arabicPeriod"/>
+            </a:pPr>
+            <a:r>
+              <a:rPr lang="en-US" sz="2900" dirty="0"/>
+              <a:t>Substitution between market squid and Pacific sardine through species abundance.</a:t>
+            </a:r>
+          </a:p>
+          <a:p>
+            <a:pPr marL="514350" indent="-514350">
+              <a:lnSpc>
+                <a:spcPct val="110000"/>
+              </a:lnSpc>
+              <a:buFont typeface="+mj-lt"/>
+              <a:buAutoNum type="arabicPeriod"/>
+            </a:pPr>
+            <a:r>
+              <a:rPr lang="en-US" sz="2900" dirty="0"/>
+              <a:t>Sardine closure reduce squid landings. </a:t>
+            </a:r>
+          </a:p>
+          <a:p>
+            <a:pPr marL="514350" indent="-514350">
+              <a:lnSpc>
+                <a:spcPct val="110000"/>
+              </a:lnSpc>
+              <a:buFont typeface="+mj-lt"/>
+              <a:buAutoNum type="arabicPeriod"/>
+            </a:pPr>
+            <a:endParaRPr lang="en-US" sz="2900" dirty="0"/>
+          </a:p>
+          <a:p>
+            <a:pPr marL="0" indent="0">
+              <a:lnSpc>
+                <a:spcPct val="110000"/>
+              </a:lnSpc>
+              <a:buNone/>
+            </a:pPr>
+            <a:endParaRPr lang="en-US" dirty="0"/>
+          </a:p>
+          <a:p>
+            <a:pPr marL="514350" indent="-514350">
+              <a:lnSpc>
+                <a:spcPct val="110000"/>
+              </a:lnSpc>
+              <a:buFont typeface="+mj-lt"/>
+              <a:buAutoNum type="arabicPeriod"/>
+            </a:pPr>
+            <a:endParaRPr lang="en-US" dirty="0"/>
+          </a:p>
+        </p:txBody>
+      </p:sp>
+      <p:sp>
+        <p:nvSpPr>
+          <p:cNvPr id="6" name="Slide Number Placeholder 5">
+            <a:extLst>
+              <a:ext uri="{FF2B5EF4-FFF2-40B4-BE49-F238E27FC236}">
+                <a16:creationId xmlns:a16="http://schemas.microsoft.com/office/drawing/2014/main" id="{0FE4A19C-1A3A-4029-B746-713A9BE72B65}"/>
+              </a:ext>
+            </a:extLst>
+          </p:cNvPr>
+          <p:cNvSpPr>
+            <a:spLocks noGrp="1"/>
+          </p:cNvSpPr>
+          <p:nvPr>
+            <p:ph type="sldNum" sz="quarter" idx="12"/>
+          </p:nvPr>
+        </p:nvSpPr>
+        <p:spPr/>
+        <p:txBody>
+          <a:bodyPr/>
+          <a:lstStyle/>
+          <a:p>
+            <a:fld id="{6FD4AA8C-2C0B-45F2-84FF-CF2E58E014B2}" type="slidenum">
+              <a:rPr lang="en-US" smtClean="0"/>
+              <a:t>8</a:t>
+            </a:fld>
+            <a:endParaRPr lang="en-US"/>
+          </a:p>
+        </p:txBody>
+      </p:sp>
+    </p:spTree>
+    <p:extLst>
+      <p:ext uri="{BB962C8B-B14F-4D97-AF65-F5344CB8AC3E}">
         <p14:creationId xmlns:p14="http://schemas.microsoft.com/office/powerpoint/2010/main" val="388225851"/>
       </p:ext>
     </p:extLst>
@@ -20282,7 +21156,7 @@
 </p:sld>
 </file>
 
-<file path=ppt/slides/slide8.xml><?xml version="1.0" encoding="utf-8"?>
+<file path=ppt/slides/slide9.xml><?xml version="1.0" encoding="utf-8"?>
 <p:sld xmlns:a="http://schemas.openxmlformats.org/drawingml/2006/main" xmlns:r="http://schemas.openxmlformats.org/officeDocument/2006/relationships" xmlns:p="http://schemas.openxmlformats.org/presentationml/2006/main">
   <p:cSld>
     <p:bg>
@@ -20632,587 +21506,6 @@
   <p:clrMapOvr>
     <a:masterClrMapping/>
   </p:clrMapOvr>
-</p:sld>
-</file>
-
-<file path=ppt/slides/slide9.xml><?xml version="1.0" encoding="utf-8"?>
-<p:sld xmlns:a="http://schemas.openxmlformats.org/drawingml/2006/main" xmlns:r="http://schemas.openxmlformats.org/officeDocument/2006/relationships" xmlns:p="http://schemas.openxmlformats.org/presentationml/2006/main" show="0">
-  <p:cSld>
-    <p:spTree>
-      <p:nvGrpSpPr>
-        <p:cNvPr id="1" name=""/>
-        <p:cNvGrpSpPr/>
-        <p:nvPr/>
-      </p:nvGrpSpPr>
-      <p:grpSpPr>
-        <a:xfrm>
-          <a:off x="0" y="0"/>
-          <a:ext cx="0" cy="0"/>
-          <a:chOff x="0" y="0"/>
-          <a:chExt cx="0" cy="0"/>
-        </a:xfrm>
-      </p:grpSpPr>
-      <p:sp>
-        <p:nvSpPr>
-          <p:cNvPr id="2" name="Title 1">
-            <a:extLst>
-              <a:ext uri="{FF2B5EF4-FFF2-40B4-BE49-F238E27FC236}">
-                <a16:creationId xmlns:a16="http://schemas.microsoft.com/office/drawing/2014/main" id="{AB146FD5-B7E6-4311-BEFD-D6D4A89D4FAF}"/>
-              </a:ext>
-            </a:extLst>
-          </p:cNvPr>
-          <p:cNvSpPr>
-            <a:spLocks noGrp="1"/>
-          </p:cNvSpPr>
-          <p:nvPr>
-            <p:ph type="title"/>
-          </p:nvPr>
-        </p:nvSpPr>
-        <p:spPr>
-          <a:xfrm>
-            <a:off x="0" y="1"/>
-            <a:ext cx="9144000" cy="923278"/>
-          </a:xfrm>
-          <a:solidFill>
-            <a:srgbClr val="003C6C"/>
-          </a:solidFill>
-        </p:spPr>
-        <p:txBody>
-          <a:bodyPr>
-            <a:normAutofit/>
-          </a:bodyPr>
-          <a:lstStyle/>
-          <a:p>
-            <a:r>
-              <a:rPr lang="en-US" dirty="0">
-                <a:solidFill>
-                  <a:schemeClr val="bg1"/>
-                </a:solidFill>
-                <a:latin typeface="+mn-lt"/>
-                <a:ea typeface="Microsoft JhengHei UI" panose="020B0604030504040204" pitchFamily="34" charset="-120"/>
-              </a:rPr>
-              <a:t>  Trends in CPS fishery</a:t>
-            </a:r>
-            <a:endParaRPr lang="en-US" dirty="0">
-              <a:solidFill>
-                <a:schemeClr val="bg1"/>
-              </a:solidFill>
-              <a:latin typeface="+mn-lt"/>
-            </a:endParaRPr>
-          </a:p>
-        </p:txBody>
-      </p:sp>
-      <p:sp>
-        <p:nvSpPr>
-          <p:cNvPr id="5" name="Slide Number Placeholder 4">
-            <a:extLst>
-              <a:ext uri="{FF2B5EF4-FFF2-40B4-BE49-F238E27FC236}">
-                <a16:creationId xmlns:a16="http://schemas.microsoft.com/office/drawing/2014/main" id="{FA59C87A-A493-4F65-9CCE-51756B0FA08F}"/>
-              </a:ext>
-            </a:extLst>
-          </p:cNvPr>
-          <p:cNvSpPr>
-            <a:spLocks noGrp="1"/>
-          </p:cNvSpPr>
-          <p:nvPr>
-            <p:ph type="sldNum" sz="quarter" idx="12"/>
-          </p:nvPr>
-        </p:nvSpPr>
-        <p:spPr/>
-        <p:txBody>
-          <a:bodyPr/>
-          <a:lstStyle/>
-          <a:p>
-            <a:fld id="{6FD4AA8C-2C0B-45F2-84FF-CF2E58E014B2}" type="slidenum">
-              <a:rPr lang="en-US" smtClean="0"/>
-              <a:t>9</a:t>
-            </a:fld>
-            <a:endParaRPr lang="en-US" dirty="0"/>
-          </a:p>
-        </p:txBody>
-      </p:sp>
-      <p:pic>
-        <p:nvPicPr>
-          <p:cNvPr id="4" name="Picture 3">
-            <a:extLst>
-              <a:ext uri="{FF2B5EF4-FFF2-40B4-BE49-F238E27FC236}">
-                <a16:creationId xmlns:a16="http://schemas.microsoft.com/office/drawing/2014/main" id="{CC47D081-5076-461B-95DC-4F22DF73FCB5}"/>
-              </a:ext>
-            </a:extLst>
-          </p:cNvPr>
-          <p:cNvPicPr>
-            <a:picLocks noChangeAspect="1"/>
-          </p:cNvPicPr>
-          <p:nvPr/>
-        </p:nvPicPr>
-        <p:blipFill>
-          <a:blip r:embed="rId3"/>
-          <a:stretch>
-            <a:fillRect/>
-          </a:stretch>
-        </p:blipFill>
-        <p:spPr>
-          <a:xfrm>
-            <a:off x="132219" y="1030434"/>
-            <a:ext cx="8383131" cy="5173589"/>
-          </a:xfrm>
-          <a:prstGeom prst="rect">
-            <a:avLst/>
-          </a:prstGeom>
-        </p:spPr>
-      </p:pic>
-      <p:sp>
-        <p:nvSpPr>
-          <p:cNvPr id="12" name="TextBox 11">
-            <a:extLst>
-              <a:ext uri="{FF2B5EF4-FFF2-40B4-BE49-F238E27FC236}">
-                <a16:creationId xmlns:a16="http://schemas.microsoft.com/office/drawing/2014/main" id="{0D097AE3-8861-4212-BF20-129DFBFF1CC1}"/>
-              </a:ext>
-            </a:extLst>
-          </p:cNvPr>
-          <p:cNvSpPr txBox="1"/>
-          <p:nvPr/>
-        </p:nvSpPr>
-        <p:spPr>
-          <a:xfrm>
-            <a:off x="6670039" y="3322776"/>
-            <a:ext cx="2341742" cy="2800767"/>
-          </a:xfrm>
-          <a:prstGeom prst="rect">
-            <a:avLst/>
-          </a:prstGeom>
-          <a:noFill/>
-        </p:spPr>
-        <p:txBody>
-          <a:bodyPr wrap="square" rtlCol="0">
-            <a:spAutoFit/>
-          </a:bodyPr>
-          <a:lstStyle/>
-          <a:p>
-            <a:r>
-              <a:rPr lang="en-US" sz="1600" dirty="0"/>
-              <a:t>Hypothesis:</a:t>
-            </a:r>
-          </a:p>
-          <a:p>
-            <a:pPr marL="342900" lvl="0" indent="-342900" defTabSz="914400">
-              <a:buFont typeface="+mj-lt"/>
-              <a:buAutoNum type="arabicPeriod"/>
-              <a:defRPr/>
-            </a:pPr>
-            <a:r>
-              <a:rPr lang="en-US" sz="1600" dirty="0"/>
-              <a:t>Species abundance have decreased</a:t>
-            </a:r>
-          </a:p>
-          <a:p>
-            <a:pPr marL="342900" indent="-342900">
-              <a:buFont typeface="+mj-lt"/>
-              <a:buAutoNum type="arabicPeriod"/>
-            </a:pPr>
-            <a:r>
-              <a:rPr lang="en-US" sz="1600" dirty="0"/>
-              <a:t>Participation decrease when a species is under closure</a:t>
-            </a:r>
-          </a:p>
-          <a:p>
-            <a:pPr marL="800100" lvl="1" indent="-342900">
-              <a:buFont typeface="Arial" panose="020B0604020202020204" pitchFamily="34" charset="0"/>
-              <a:buChar char="•"/>
-            </a:pPr>
-            <a:r>
-              <a:rPr lang="en-US" sz="1600" dirty="0"/>
-              <a:t>Income diversification (</a:t>
-            </a:r>
-            <a:r>
-              <a:rPr lang="en-US" sz="1600" dirty="0" err="1">
-                <a:hlinkClick r:id="rId4" action="ppaction://hlinkfile"/>
-              </a:rPr>
-              <a:t>Kasperski</a:t>
-            </a:r>
-            <a:r>
-              <a:rPr lang="en-US" sz="1600" dirty="0">
-                <a:hlinkClick r:id="rId4" action="ppaction://hlinkfile"/>
-              </a:rPr>
-              <a:t> &amp; Holland, 2013</a:t>
-            </a:r>
-            <a:r>
-              <a:rPr lang="en-US" sz="1600" dirty="0"/>
-              <a:t>)</a:t>
-            </a:r>
-          </a:p>
-        </p:txBody>
-      </p:sp>
-      <p:sp>
-        <p:nvSpPr>
-          <p:cNvPr id="19" name="TextBox 18">
-            <a:extLst>
-              <a:ext uri="{FF2B5EF4-FFF2-40B4-BE49-F238E27FC236}">
-                <a16:creationId xmlns:a16="http://schemas.microsoft.com/office/drawing/2014/main" id="{5CC7F216-FA61-4990-A168-301BEFBE30C7}"/>
-              </a:ext>
-            </a:extLst>
-          </p:cNvPr>
-          <p:cNvSpPr txBox="1"/>
-          <p:nvPr/>
-        </p:nvSpPr>
-        <p:spPr>
-          <a:xfrm>
-            <a:off x="896030" y="1476696"/>
-            <a:ext cx="1837122" cy="738664"/>
-          </a:xfrm>
-          <a:prstGeom prst="rect">
-            <a:avLst/>
-          </a:prstGeom>
-          <a:solidFill>
-            <a:srgbClr val="FFC000"/>
-          </a:solidFill>
-          <a:ln>
-            <a:noFill/>
-          </a:ln>
-          <a:effectLst/>
-        </p:spPr>
-        <p:txBody>
-          <a:bodyPr wrap="square" rtlCol="0">
-            <a:spAutoFit/>
-          </a:bodyPr>
-          <a:lstStyle/>
-          <a:p>
-            <a:r>
-              <a:rPr lang="en-US" sz="1400" b="1" dirty="0">
-                <a:ea typeface="Lato Medium" panose="020F0502020204030203" pitchFamily="34" charset="0"/>
-                <a:cs typeface="Lato Medium" panose="020F0502020204030203" pitchFamily="34" charset="0"/>
-              </a:rPr>
-              <a:t>Species abundance?</a:t>
-            </a:r>
-          </a:p>
-          <a:p>
-            <a:r>
-              <a:rPr lang="en-US" sz="1400" b="1" dirty="0">
-                <a:ea typeface="Lato Medium" panose="020F0502020204030203" pitchFamily="34" charset="0"/>
-                <a:cs typeface="Lato Medium" panose="020F0502020204030203" pitchFamily="34" charset="0"/>
-              </a:rPr>
-              <a:t>Market conditions?</a:t>
-            </a:r>
-          </a:p>
-          <a:p>
-            <a:r>
-              <a:rPr lang="en-US" sz="1400" b="1" dirty="0">
-                <a:ea typeface="Lato Medium" panose="020F0502020204030203" pitchFamily="34" charset="0"/>
-                <a:cs typeface="Lato Medium" panose="020F0502020204030203" pitchFamily="34" charset="0"/>
-              </a:rPr>
-              <a:t>Regulations?  </a:t>
-            </a:r>
-          </a:p>
-        </p:txBody>
-      </p:sp>
-      <p:sp>
-        <p:nvSpPr>
-          <p:cNvPr id="11" name="TextBox 10">
-            <a:extLst>
-              <a:ext uri="{FF2B5EF4-FFF2-40B4-BE49-F238E27FC236}">
-                <a16:creationId xmlns:a16="http://schemas.microsoft.com/office/drawing/2014/main" id="{D3FFAFA7-2FAB-4453-A75A-1DA62822E0D3}"/>
-              </a:ext>
-            </a:extLst>
-          </p:cNvPr>
-          <p:cNvSpPr txBox="1"/>
-          <p:nvPr/>
-        </p:nvSpPr>
-        <p:spPr>
-          <a:xfrm>
-            <a:off x="849131" y="3908809"/>
-            <a:ext cx="1837122" cy="316271"/>
-          </a:xfrm>
-          <a:prstGeom prst="rect">
-            <a:avLst/>
-          </a:prstGeom>
-          <a:solidFill>
-            <a:srgbClr val="FFC000"/>
-          </a:solidFill>
-          <a:effectLst/>
-        </p:spPr>
-        <p:txBody>
-          <a:bodyPr wrap="square" rtlCol="0">
-            <a:spAutoFit/>
-          </a:bodyPr>
-          <a:lstStyle/>
-          <a:p>
-            <a:r>
-              <a:rPr lang="en-US" sz="1400" b="1" dirty="0">
-                <a:ea typeface="Lato Medium" panose="020F0502020204030203" pitchFamily="34" charset="0"/>
-                <a:cs typeface="Lato Medium" panose="020F0502020204030203" pitchFamily="34" charset="0"/>
-              </a:rPr>
-              <a:t>High prices for squid </a:t>
-            </a:r>
-          </a:p>
-        </p:txBody>
-      </p:sp>
-      <p:sp>
-        <p:nvSpPr>
-          <p:cNvPr id="14" name="TextBox 13">
-            <a:extLst>
-              <a:ext uri="{FF2B5EF4-FFF2-40B4-BE49-F238E27FC236}">
-                <a16:creationId xmlns:a16="http://schemas.microsoft.com/office/drawing/2014/main" id="{9BC2AB2C-08A4-46D9-9DAF-811EE0CE83E4}"/>
-              </a:ext>
-            </a:extLst>
-          </p:cNvPr>
-          <p:cNvSpPr txBox="1"/>
-          <p:nvPr/>
-        </p:nvSpPr>
-        <p:spPr>
-          <a:xfrm>
-            <a:off x="3908808" y="6015693"/>
-            <a:ext cx="2341742" cy="523220"/>
-          </a:xfrm>
-          <a:prstGeom prst="rect">
-            <a:avLst/>
-          </a:prstGeom>
-          <a:solidFill>
-            <a:srgbClr val="FFC000"/>
-          </a:solidFill>
-          <a:effectLst/>
-        </p:spPr>
-        <p:txBody>
-          <a:bodyPr wrap="square" rtlCol="0">
-            <a:spAutoFit/>
-          </a:bodyPr>
-          <a:lstStyle/>
-          <a:p>
-            <a:r>
-              <a:rPr lang="en-US" sz="1400" b="1" dirty="0">
-                <a:ea typeface="Lato Medium" panose="020F0502020204030203" pitchFamily="34" charset="0"/>
-                <a:cs typeface="Lato Medium" panose="020F0502020204030203" pitchFamily="34" charset="0"/>
-              </a:rPr>
-              <a:t>But, decrease of number of vessels for market squid</a:t>
-            </a:r>
-          </a:p>
-        </p:txBody>
-      </p:sp>
-    </p:spTree>
-    <p:extLst>
-      <p:ext uri="{BB962C8B-B14F-4D97-AF65-F5344CB8AC3E}">
-        <p14:creationId xmlns:p14="http://schemas.microsoft.com/office/powerpoint/2010/main" val="882380900"/>
-      </p:ext>
-    </p:extLst>
-  </p:cSld>
-  <p:clrMapOvr>
-    <a:masterClrMapping/>
-  </p:clrMapOvr>
-  <p:timing>
-    <p:tnLst>
-      <p:par>
-        <p:cTn id="1" dur="indefinite" restart="never" nodeType="tmRoot">
-          <p:childTnLst>
-            <p:seq concurrent="1" nextAc="seek">
-              <p:cTn id="2" dur="indefinite" nodeType="mainSeq">
-                <p:childTnLst>
-                  <p:par>
-                    <p:cTn id="3" fill="hold">
-                      <p:stCondLst>
-                        <p:cond delay="indefinite"/>
-                      </p:stCondLst>
-                      <p:childTnLst>
-                        <p:par>
-                          <p:cTn id="4" fill="hold">
-                            <p:stCondLst>
-                              <p:cond delay="0"/>
-                            </p:stCondLst>
-                            <p:childTnLst>
-                              <p:par>
-                                <p:cTn id="5" presetID="1" presetClass="entr" presetSubtype="0" fill="hold" grpId="0" nodeType="clickEffect">
-                                  <p:stCondLst>
-                                    <p:cond delay="0"/>
-                                  </p:stCondLst>
-                                  <p:childTnLst>
-                                    <p:set>
-                                      <p:cBhvr>
-                                        <p:cTn id="6" dur="1" fill="hold">
-                                          <p:stCondLst>
-                                            <p:cond delay="0"/>
-                                          </p:stCondLst>
-                                        </p:cTn>
-                                        <p:tgtEl>
-                                          <p:spTgt spid="19"/>
-                                        </p:tgtEl>
-                                        <p:attrNameLst>
-                                          <p:attrName>style.visibility</p:attrName>
-                                        </p:attrNameLst>
-                                      </p:cBhvr>
-                                      <p:to>
-                                        <p:strVal val="visible"/>
-                                      </p:to>
-                                    </p:set>
-                                  </p:childTnLst>
-                                </p:cTn>
-                              </p:par>
-                            </p:childTnLst>
-                          </p:cTn>
-                        </p:par>
-                      </p:childTnLst>
-                    </p:cTn>
-                  </p:par>
-                  <p:par>
-                    <p:cTn id="7" fill="hold">
-                      <p:stCondLst>
-                        <p:cond delay="indefinite"/>
-                      </p:stCondLst>
-                      <p:childTnLst>
-                        <p:par>
-                          <p:cTn id="8" fill="hold">
-                            <p:stCondLst>
-                              <p:cond delay="0"/>
-                            </p:stCondLst>
-                            <p:childTnLst>
-                              <p:par>
-                                <p:cTn id="9" presetID="1" presetClass="entr" presetSubtype="0" fill="hold" grpId="0" nodeType="clickEffect">
-                                  <p:stCondLst>
-                                    <p:cond delay="0"/>
-                                  </p:stCondLst>
-                                  <p:childTnLst>
-                                    <p:set>
-                                      <p:cBhvr>
-                                        <p:cTn id="10" dur="1" fill="hold">
-                                          <p:stCondLst>
-                                            <p:cond delay="0"/>
-                                          </p:stCondLst>
-                                        </p:cTn>
-                                        <p:tgtEl>
-                                          <p:spTgt spid="11"/>
-                                        </p:tgtEl>
-                                        <p:attrNameLst>
-                                          <p:attrName>style.visibility</p:attrName>
-                                        </p:attrNameLst>
-                                      </p:cBhvr>
-                                      <p:to>
-                                        <p:strVal val="visible"/>
-                                      </p:to>
-                                    </p:set>
-                                  </p:childTnLst>
-                                </p:cTn>
-                              </p:par>
-                            </p:childTnLst>
-                          </p:cTn>
-                        </p:par>
-                      </p:childTnLst>
-                    </p:cTn>
-                  </p:par>
-                  <p:par>
-                    <p:cTn id="11" fill="hold">
-                      <p:stCondLst>
-                        <p:cond delay="indefinite"/>
-                      </p:stCondLst>
-                      <p:childTnLst>
-                        <p:par>
-                          <p:cTn id="12" fill="hold">
-                            <p:stCondLst>
-                              <p:cond delay="0"/>
-                            </p:stCondLst>
-                            <p:childTnLst>
-                              <p:par>
-                                <p:cTn id="13" presetID="1" presetClass="entr" presetSubtype="0" fill="hold" grpId="0" nodeType="clickEffect">
-                                  <p:stCondLst>
-                                    <p:cond delay="0"/>
-                                  </p:stCondLst>
-                                  <p:childTnLst>
-                                    <p:set>
-                                      <p:cBhvr>
-                                        <p:cTn id="14" dur="1" fill="hold">
-                                          <p:stCondLst>
-                                            <p:cond delay="0"/>
-                                          </p:stCondLst>
-                                        </p:cTn>
-                                        <p:tgtEl>
-                                          <p:spTgt spid="14"/>
-                                        </p:tgtEl>
-                                        <p:attrNameLst>
-                                          <p:attrName>style.visibility</p:attrName>
-                                        </p:attrNameLst>
-                                      </p:cBhvr>
-                                      <p:to>
-                                        <p:strVal val="visible"/>
-                                      </p:to>
-                                    </p:set>
-                                  </p:childTnLst>
-                                </p:cTn>
-                              </p:par>
-                            </p:childTnLst>
-                          </p:cTn>
-                        </p:par>
-                      </p:childTnLst>
-                    </p:cTn>
-                  </p:par>
-                  <p:par>
-                    <p:cTn id="15" fill="hold">
-                      <p:stCondLst>
-                        <p:cond delay="indefinite"/>
-                      </p:stCondLst>
-                      <p:childTnLst>
-                        <p:par>
-                          <p:cTn id="16" fill="hold">
-                            <p:stCondLst>
-                              <p:cond delay="0"/>
-                            </p:stCondLst>
-                            <p:childTnLst>
-                              <p:par>
-                                <p:cTn id="17" presetID="1" presetClass="entr" presetSubtype="0" fill="hold" grpId="0" nodeType="clickEffect">
-                                  <p:stCondLst>
-                                    <p:cond delay="0"/>
-                                  </p:stCondLst>
-                                  <p:childTnLst>
-                                    <p:set>
-                                      <p:cBhvr>
-                                        <p:cTn id="18" dur="1" fill="hold">
-                                          <p:stCondLst>
-                                            <p:cond delay="0"/>
-                                          </p:stCondLst>
-                                        </p:cTn>
-                                        <p:tgtEl>
-                                          <p:spTgt spid="12"/>
-                                        </p:tgtEl>
-                                        <p:attrNameLst>
-                                          <p:attrName>style.visibility</p:attrName>
-                                        </p:attrNameLst>
-                                      </p:cBhvr>
-                                      <p:to>
-                                        <p:strVal val="visible"/>
-                                      </p:to>
-                                    </p:set>
-                                  </p:childTnLst>
-                                </p:cTn>
-                              </p:par>
-                            </p:childTnLst>
-                          </p:cTn>
-                        </p:par>
-                      </p:childTnLst>
-                    </p:cTn>
-                  </p:par>
-                </p:childTnLst>
-              </p:cTn>
-              <p:prevCondLst>
-                <p:cond evt="onPrev" delay="0">
-                  <p:tgtEl>
-                    <p:sldTgt/>
-                  </p:tgtEl>
-                </p:cond>
-              </p:prevCondLst>
-              <p:nextCondLst>
-                <p:cond evt="onNext" delay="0">
-                  <p:tgtEl>
-                    <p:sldTgt/>
-                  </p:tgtEl>
-                </p:cond>
-              </p:nextCondLst>
-            </p:seq>
-          </p:childTnLst>
-        </p:cTn>
-      </p:par>
-    </p:tnLst>
-    <p:bldLst>
-      <p:bldP spid="12" grpId="0"/>
-      <p:bldP spid="19" grpId="0" animBg="1"/>
-      <p:bldP spid="11" grpId="0" animBg="1"/>
-      <p:bldP spid="14" grpId="0" animBg="1"/>
-    </p:bldLst>
-  </p:timing>
 </p:sld>
 </file>
 

--- a/Slides/portfolio_subs_FQE.pptx
+++ b/Slides/portfolio_subs_FQE.pptx
@@ -5,35 +5,38 @@
     <p:sldMasterId id="2147483660" r:id="rId1"/>
   </p:sldMasterIdLst>
   <p:notesMasterIdLst>
-    <p:notesMasterId r:id="rId28"/>
+    <p:notesMasterId r:id="rId31"/>
   </p:notesMasterIdLst>
   <p:sldIdLst>
     <p:sldId id="256" r:id="rId2"/>
     <p:sldId id="264" r:id="rId3"/>
-    <p:sldId id="292" r:id="rId4"/>
-    <p:sldId id="274" r:id="rId5"/>
-    <p:sldId id="279" r:id="rId6"/>
-    <p:sldId id="270" r:id="rId7"/>
-    <p:sldId id="293" r:id="rId8"/>
-    <p:sldId id="266" r:id="rId9"/>
-    <p:sldId id="268" r:id="rId10"/>
-    <p:sldId id="284" r:id="rId11"/>
-    <p:sldId id="257" r:id="rId12"/>
-    <p:sldId id="263" r:id="rId13"/>
-    <p:sldId id="261" r:id="rId14"/>
-    <p:sldId id="288" r:id="rId15"/>
-    <p:sldId id="289" r:id="rId16"/>
-    <p:sldId id="275" r:id="rId17"/>
-    <p:sldId id="278" r:id="rId18"/>
-    <p:sldId id="290" r:id="rId19"/>
-    <p:sldId id="269" r:id="rId20"/>
-    <p:sldId id="271" r:id="rId21"/>
-    <p:sldId id="260" r:id="rId22"/>
-    <p:sldId id="283" r:id="rId23"/>
-    <p:sldId id="287" r:id="rId24"/>
-    <p:sldId id="277" r:id="rId25"/>
-    <p:sldId id="272" r:id="rId26"/>
-    <p:sldId id="280" r:id="rId27"/>
+    <p:sldId id="294" r:id="rId4"/>
+    <p:sldId id="292" r:id="rId5"/>
+    <p:sldId id="274" r:id="rId6"/>
+    <p:sldId id="279" r:id="rId7"/>
+    <p:sldId id="270" r:id="rId8"/>
+    <p:sldId id="295" r:id="rId9"/>
+    <p:sldId id="296" r:id="rId10"/>
+    <p:sldId id="293" r:id="rId11"/>
+    <p:sldId id="266" r:id="rId12"/>
+    <p:sldId id="268" r:id="rId13"/>
+    <p:sldId id="284" r:id="rId14"/>
+    <p:sldId id="257" r:id="rId15"/>
+    <p:sldId id="263" r:id="rId16"/>
+    <p:sldId id="261" r:id="rId17"/>
+    <p:sldId id="288" r:id="rId18"/>
+    <p:sldId id="289" r:id="rId19"/>
+    <p:sldId id="275" r:id="rId20"/>
+    <p:sldId id="278" r:id="rId21"/>
+    <p:sldId id="290" r:id="rId22"/>
+    <p:sldId id="269" r:id="rId23"/>
+    <p:sldId id="271" r:id="rId24"/>
+    <p:sldId id="260" r:id="rId25"/>
+    <p:sldId id="283" r:id="rId26"/>
+    <p:sldId id="287" r:id="rId27"/>
+    <p:sldId id="277" r:id="rId28"/>
+    <p:sldId id="272" r:id="rId29"/>
+    <p:sldId id="280" r:id="rId30"/>
   </p:sldIdLst>
   <p:sldSz cx="9144000" cy="6858000" type="screen4x3"/>
   <p:notesSz cx="6858000" cy="9144000"/>
@@ -3647,7 +3650,7 @@
           <a:p>
             <a:fld id="{832EBBF9-F82F-44D3-89EF-0D00AAB7E8EF}" type="datetimeFigureOut">
               <a:rPr lang="en-US" smtClean="0"/>
-              <a:t>1/4/2022</a:t>
+              <a:t>1/6/2022</a:t>
             </a:fld>
             <a:endParaRPr lang="en-US"/>
           </a:p>
@@ -4144,163 +4147,10 @@
           <a:bodyPr/>
           <a:lstStyle/>
           <a:p>
-            <a:pPr marL="0" marR="0" lvl="0" indent="0" algn="l" defTabSz="914400" rtl="0" eaLnBrk="1" fontAlgn="auto" latinLnBrk="0" hangingPunct="1">
-              <a:lnSpc>
-                <a:spcPct val="100000"/>
-              </a:lnSpc>
-              <a:spcBef>
-                <a:spcPts val="0"/>
-              </a:spcBef>
-              <a:spcAft>
-                <a:spcPts val="0"/>
-              </a:spcAft>
-              <a:buClrTx/>
-              <a:buSzTx/>
-              <a:buFontTx/>
-              <a:buNone/>
-              <a:tabLst/>
-              <a:defRPr/>
-            </a:pPr>
             <a:r>
               <a:rPr lang="en-US" dirty="0"/>
-              <a:t>THESE THREE SPECIES SHARE SIMILAR GEAR AND VESSEL SIZES,</a:t>
-            </a:r>
-          </a:p>
-          <a:p>
-            <a:pPr marL="0" marR="0" lvl="0" indent="0" algn="l" defTabSz="914400" rtl="0" eaLnBrk="1" fontAlgn="auto" latinLnBrk="0" hangingPunct="1">
-              <a:lnSpc>
-                <a:spcPct val="100000"/>
-              </a:lnSpc>
-              <a:spcBef>
-                <a:spcPts val="0"/>
-              </a:spcBef>
-              <a:spcAft>
-                <a:spcPts val="0"/>
-              </a:spcAft>
-              <a:buClrTx/>
-              <a:buSzTx/>
-              <a:buFontTx/>
-              <a:buNone/>
-              <a:tabLst/>
-              <a:defRPr/>
-            </a:pPr>
-            <a:endParaRPr lang="en-US" dirty="0"/>
-          </a:p>
-          <a:p>
-            <a:pPr marL="0" marR="0" lvl="0" indent="0" algn="l" defTabSz="914400" rtl="0" eaLnBrk="1" fontAlgn="auto" latinLnBrk="0" hangingPunct="1">
-              <a:lnSpc>
-                <a:spcPct val="100000"/>
-              </a:lnSpc>
-              <a:spcBef>
-                <a:spcPts val="0"/>
-              </a:spcBef>
-              <a:spcAft>
-                <a:spcPts val="0"/>
-              </a:spcAft>
-              <a:buClrTx/>
-              <a:buSzTx/>
-              <a:buFontTx/>
-              <a:buNone/>
-              <a:tabLst/>
-              <a:defRPr/>
-            </a:pPr>
-            <a:r>
-              <a:rPr lang="en-US" dirty="0"/>
-              <a:t>1- Warm ocean cycle favors sardine and reduce anchovy,</a:t>
-            </a:r>
-            <a:r>
-              <a:rPr lang="en-US" baseline="0" dirty="0"/>
-              <a:t> though there are exceptions, such as during the recent ‘warm blob’ heatwave.</a:t>
-            </a:r>
-          </a:p>
-          <a:p>
-            <a:pPr>
-              <a:defRPr/>
-            </a:pPr>
-            <a:r>
-              <a:rPr lang="en-US" dirty="0"/>
-              <a:t>2 – Squid may actually be a better substitute in terms of the fleet.</a:t>
-            </a:r>
-          </a:p>
-          <a:p>
-            <a:pPr marL="0" marR="0" lvl="0" indent="0" algn="l" defTabSz="914400" rtl="0" eaLnBrk="1" fontAlgn="auto" latinLnBrk="0" hangingPunct="1">
-              <a:lnSpc>
-                <a:spcPct val="100000"/>
-              </a:lnSpc>
-              <a:spcBef>
-                <a:spcPts val="0"/>
-              </a:spcBef>
-              <a:spcAft>
-                <a:spcPts val="0"/>
-              </a:spcAft>
-              <a:buClrTx/>
-              <a:buSzTx/>
-              <a:buFontTx/>
-              <a:buNone/>
-              <a:tabLst/>
-              <a:defRPr/>
-            </a:pPr>
-            <a:r>
-              <a:rPr lang="en-US" i="1" dirty="0"/>
-              <a:t>3- </a:t>
-            </a:r>
-            <a:r>
-              <a:rPr lang="en-US" dirty="0"/>
-              <a:t>Important bait species for recreational fisheries</a:t>
-            </a:r>
-          </a:p>
-          <a:p>
-            <a:pPr marL="0" marR="0" lvl="0" indent="0" algn="l" defTabSz="914400" rtl="0" eaLnBrk="1" fontAlgn="auto" latinLnBrk="0" hangingPunct="1">
-              <a:lnSpc>
-                <a:spcPct val="100000"/>
-              </a:lnSpc>
-              <a:spcBef>
-                <a:spcPts val="0"/>
-              </a:spcBef>
-              <a:spcAft>
-                <a:spcPts val="0"/>
-              </a:spcAft>
-              <a:buClrTx/>
-              <a:buSzTx/>
-              <a:buFontTx/>
-              <a:buNone/>
-              <a:tabLst/>
-              <a:defRPr/>
-            </a:pPr>
-            <a:endParaRPr lang="en-US" dirty="0"/>
-          </a:p>
-          <a:p>
-            <a:pPr>
-              <a:defRPr/>
-            </a:pPr>
-            <a:endParaRPr lang="en-US" i="1" dirty="0"/>
-          </a:p>
-          <a:p>
-            <a:pPr>
-              <a:defRPr/>
-            </a:pPr>
-            <a:endParaRPr lang="en-US" i="1" dirty="0"/>
-          </a:p>
-          <a:p>
-            <a:pPr>
-              <a:defRPr/>
-            </a:pPr>
-            <a:endParaRPr lang="en-US" i="1" dirty="0"/>
-          </a:p>
-          <a:p>
-            <a:pPr>
-              <a:defRPr/>
-            </a:pPr>
-            <a:r>
-              <a:rPr lang="en-US" i="1" dirty="0"/>
-              <a:t>- Include fisheries background???  (trip scenario)</a:t>
-            </a:r>
-          </a:p>
-          <a:p>
-            <a:pPr>
-              <a:defRPr/>
-            </a:pPr>
-            <a:endParaRPr lang="en-US" i="1" dirty="0"/>
+              <a:t>WHAT IS BEHIND THIS TRENDS</a:t>
+            </a:r>
           </a:p>
         </p:txBody>
       </p:sp>
@@ -4321,7 +4171,7 @@
           <a:p>
             <a:fld id="{B751F954-3776-48DE-B231-63E89C74A71E}" type="slidenum">
               <a:rPr lang="en-US" smtClean="0"/>
-              <a:t>12</a:t>
+              <a:t>13</a:t>
             </a:fld>
             <a:endParaRPr lang="en-US"/>
           </a:p>
@@ -4330,7 +4180,7 @@
     </p:spTree>
     <p:extLst>
       <p:ext uri="{BB962C8B-B14F-4D97-AF65-F5344CB8AC3E}">
-        <p14:creationId xmlns:p14="http://schemas.microsoft.com/office/powerpoint/2010/main" val="3336870608"/>
+        <p14:creationId xmlns:p14="http://schemas.microsoft.com/office/powerpoint/2010/main" val="3109375171"/>
       </p:ext>
     </p:extLst>
   </p:cSld>
@@ -4386,8 +4236,21 @@
           <a:p>
             <a:r>
               <a:rPr lang="en-US" dirty="0"/>
-              <a:t>Talk about first hypothesis on abundance.</a:t>
-            </a:r>
+              <a:t>Coastal Pelagic Species refer</a:t>
+            </a:r>
+            <a:r>
+              <a:rPr lang="en-US" baseline="0" dirty="0"/>
+              <a:t>s to the group of species included in the Pacific Fishery Management Council’s</a:t>
+            </a:r>
+          </a:p>
+          <a:p>
+            <a:r>
+              <a:rPr lang="en-US" baseline="0" dirty="0"/>
+              <a:t>Coastal Pelagic Species Management Plan (https://www.fisheries.noaa.gov/management-plan/coastal-pelagic-species-management-plan)</a:t>
+            </a:r>
+          </a:p>
+          <a:p>
+            <a:endParaRPr lang="en-US" dirty="0"/>
           </a:p>
         </p:txBody>
       </p:sp>
@@ -4408,7 +4271,7 @@
           <a:p>
             <a:fld id="{B751F954-3776-48DE-B231-63E89C74A71E}" type="slidenum">
               <a:rPr lang="en-US" smtClean="0"/>
-              <a:t>13</a:t>
+              <a:t>14</a:t>
             </a:fld>
             <a:endParaRPr lang="en-US"/>
           </a:p>
@@ -4417,7 +4280,7 @@
     </p:spTree>
     <p:extLst>
       <p:ext uri="{BB962C8B-B14F-4D97-AF65-F5344CB8AC3E}">
-        <p14:creationId xmlns:p14="http://schemas.microsoft.com/office/powerpoint/2010/main" val="1950580843"/>
+        <p14:creationId xmlns:p14="http://schemas.microsoft.com/office/powerpoint/2010/main" val="2029789702"/>
       </p:ext>
     </p:extLst>
   </p:cSld>
@@ -4471,7 +4334,163 @@
           <a:bodyPr/>
           <a:lstStyle/>
           <a:p>
+            <a:pPr marL="0" marR="0" lvl="0" indent="0" algn="l" defTabSz="914400" rtl="0" eaLnBrk="1" fontAlgn="auto" latinLnBrk="0" hangingPunct="1">
+              <a:lnSpc>
+                <a:spcPct val="100000"/>
+              </a:lnSpc>
+              <a:spcBef>
+                <a:spcPts val="0"/>
+              </a:spcBef>
+              <a:spcAft>
+                <a:spcPts val="0"/>
+              </a:spcAft>
+              <a:buClrTx/>
+              <a:buSzTx/>
+              <a:buFontTx/>
+              <a:buNone/>
+              <a:tabLst/>
+              <a:defRPr/>
+            </a:pPr>
+            <a:r>
+              <a:rPr lang="en-US" dirty="0"/>
+              <a:t>THESE THREE SPECIES SHARE SIMILAR GEAR AND VESSEL SIZES,</a:t>
+            </a:r>
+          </a:p>
+          <a:p>
+            <a:pPr marL="0" marR="0" lvl="0" indent="0" algn="l" defTabSz="914400" rtl="0" eaLnBrk="1" fontAlgn="auto" latinLnBrk="0" hangingPunct="1">
+              <a:lnSpc>
+                <a:spcPct val="100000"/>
+              </a:lnSpc>
+              <a:spcBef>
+                <a:spcPts val="0"/>
+              </a:spcBef>
+              <a:spcAft>
+                <a:spcPts val="0"/>
+              </a:spcAft>
+              <a:buClrTx/>
+              <a:buSzTx/>
+              <a:buFontTx/>
+              <a:buNone/>
+              <a:tabLst/>
+              <a:defRPr/>
+            </a:pPr>
             <a:endParaRPr lang="en-US" dirty="0"/>
+          </a:p>
+          <a:p>
+            <a:pPr marL="0" marR="0" lvl="0" indent="0" algn="l" defTabSz="914400" rtl="0" eaLnBrk="1" fontAlgn="auto" latinLnBrk="0" hangingPunct="1">
+              <a:lnSpc>
+                <a:spcPct val="100000"/>
+              </a:lnSpc>
+              <a:spcBef>
+                <a:spcPts val="0"/>
+              </a:spcBef>
+              <a:spcAft>
+                <a:spcPts val="0"/>
+              </a:spcAft>
+              <a:buClrTx/>
+              <a:buSzTx/>
+              <a:buFontTx/>
+              <a:buNone/>
+              <a:tabLst/>
+              <a:defRPr/>
+            </a:pPr>
+            <a:r>
+              <a:rPr lang="en-US" dirty="0"/>
+              <a:t>1- Warm ocean cycle favors sardine and reduce anchovy,</a:t>
+            </a:r>
+            <a:r>
+              <a:rPr lang="en-US" baseline="0" dirty="0"/>
+              <a:t> though there are exceptions, such as during the recent ‘warm blob’ heatwave.</a:t>
+            </a:r>
+          </a:p>
+          <a:p>
+            <a:pPr>
+              <a:defRPr/>
+            </a:pPr>
+            <a:r>
+              <a:rPr lang="en-US" dirty="0"/>
+              <a:t>2 – Squid may actually be a better substitute in terms of the fleet.</a:t>
+            </a:r>
+          </a:p>
+          <a:p>
+            <a:pPr marL="0" marR="0" lvl="0" indent="0" algn="l" defTabSz="914400" rtl="0" eaLnBrk="1" fontAlgn="auto" latinLnBrk="0" hangingPunct="1">
+              <a:lnSpc>
+                <a:spcPct val="100000"/>
+              </a:lnSpc>
+              <a:spcBef>
+                <a:spcPts val="0"/>
+              </a:spcBef>
+              <a:spcAft>
+                <a:spcPts val="0"/>
+              </a:spcAft>
+              <a:buClrTx/>
+              <a:buSzTx/>
+              <a:buFontTx/>
+              <a:buNone/>
+              <a:tabLst/>
+              <a:defRPr/>
+            </a:pPr>
+            <a:r>
+              <a:rPr lang="en-US" i="1" dirty="0"/>
+              <a:t>3- </a:t>
+            </a:r>
+            <a:r>
+              <a:rPr lang="en-US" dirty="0"/>
+              <a:t>Important bait species for recreational fisheries</a:t>
+            </a:r>
+          </a:p>
+          <a:p>
+            <a:pPr marL="0" marR="0" lvl="0" indent="0" algn="l" defTabSz="914400" rtl="0" eaLnBrk="1" fontAlgn="auto" latinLnBrk="0" hangingPunct="1">
+              <a:lnSpc>
+                <a:spcPct val="100000"/>
+              </a:lnSpc>
+              <a:spcBef>
+                <a:spcPts val="0"/>
+              </a:spcBef>
+              <a:spcAft>
+                <a:spcPts val="0"/>
+              </a:spcAft>
+              <a:buClrTx/>
+              <a:buSzTx/>
+              <a:buFontTx/>
+              <a:buNone/>
+              <a:tabLst/>
+              <a:defRPr/>
+            </a:pPr>
+            <a:endParaRPr lang="en-US" dirty="0"/>
+          </a:p>
+          <a:p>
+            <a:pPr>
+              <a:defRPr/>
+            </a:pPr>
+            <a:endParaRPr lang="en-US" i="1" dirty="0"/>
+          </a:p>
+          <a:p>
+            <a:pPr>
+              <a:defRPr/>
+            </a:pPr>
+            <a:endParaRPr lang="en-US" i="1" dirty="0"/>
+          </a:p>
+          <a:p>
+            <a:pPr>
+              <a:defRPr/>
+            </a:pPr>
+            <a:endParaRPr lang="en-US" i="1" dirty="0"/>
+          </a:p>
+          <a:p>
+            <a:pPr>
+              <a:defRPr/>
+            </a:pPr>
+            <a:r>
+              <a:rPr lang="en-US" i="1" dirty="0"/>
+              <a:t>- Include fisheries background???  (trip scenario)</a:t>
+            </a:r>
+          </a:p>
+          <a:p>
+            <a:pPr>
+              <a:defRPr/>
+            </a:pPr>
+            <a:endParaRPr lang="en-US" i="1" dirty="0"/>
           </a:p>
         </p:txBody>
       </p:sp>
@@ -4492,7 +4511,7 @@
           <a:p>
             <a:fld id="{B751F954-3776-48DE-B231-63E89C74A71E}" type="slidenum">
               <a:rPr lang="en-US" smtClean="0"/>
-              <a:t>14</a:t>
+              <a:t>15</a:t>
             </a:fld>
             <a:endParaRPr lang="en-US"/>
           </a:p>
@@ -4501,7 +4520,7 @@
     </p:spTree>
     <p:extLst>
       <p:ext uri="{BB962C8B-B14F-4D97-AF65-F5344CB8AC3E}">
-        <p14:creationId xmlns:p14="http://schemas.microsoft.com/office/powerpoint/2010/main" val="2734871331"/>
+        <p14:creationId xmlns:p14="http://schemas.microsoft.com/office/powerpoint/2010/main" val="3336870608"/>
       </p:ext>
     </p:extLst>
   </p:cSld>
@@ -4555,27 +4574,10 @@
           <a:bodyPr/>
           <a:lstStyle/>
           <a:p>
-            <a:pPr marL="0" marR="0" lvl="0" indent="0" algn="l" defTabSz="914400" rtl="0" eaLnBrk="1" fontAlgn="auto" latinLnBrk="0" hangingPunct="1">
-              <a:lnSpc>
-                <a:spcPct val="100000"/>
-              </a:lnSpc>
-              <a:spcBef>
-                <a:spcPts val="0"/>
-              </a:spcBef>
-              <a:spcAft>
-                <a:spcPts val="0"/>
-              </a:spcAft>
-              <a:buClrTx/>
-              <a:buSzTx/>
-              <a:buFontTx/>
-              <a:buNone/>
-              <a:tabLst/>
-              <a:defRPr/>
-            </a:pPr>
-            <a:endParaRPr lang="en-US" dirty="0"/>
-          </a:p>
-          <a:p>
-            <a:endParaRPr lang="en-US" dirty="0"/>
+            <a:r>
+              <a:rPr lang="en-US" dirty="0"/>
+              <a:t>Talk about first hypothesis on abundance.</a:t>
+            </a:r>
           </a:p>
         </p:txBody>
       </p:sp>
@@ -4596,7 +4598,7 @@
           <a:p>
             <a:fld id="{B751F954-3776-48DE-B231-63E89C74A71E}" type="slidenum">
               <a:rPr lang="en-US" smtClean="0"/>
-              <a:t>15</a:t>
+              <a:t>16</a:t>
             </a:fld>
             <a:endParaRPr lang="en-US"/>
           </a:p>
@@ -4605,7 +4607,7 @@
     </p:spTree>
     <p:extLst>
       <p:ext uri="{BB962C8B-B14F-4D97-AF65-F5344CB8AC3E}">
-        <p14:creationId xmlns:p14="http://schemas.microsoft.com/office/powerpoint/2010/main" val="4160622724"/>
+        <p14:creationId xmlns:p14="http://schemas.microsoft.com/office/powerpoint/2010/main" val="1950580843"/>
       </p:ext>
     </p:extLst>
   </p:cSld>
@@ -4659,323 +4661,6 @@
           <a:bodyPr/>
           <a:lstStyle/>
           <a:p>
-            <a:pPr marL="171450" marR="0" lvl="0" indent="-171450" algn="l" defTabSz="914400" rtl="0" eaLnBrk="1" fontAlgn="auto" latinLnBrk="0" hangingPunct="1">
-              <a:lnSpc>
-                <a:spcPct val="100000"/>
-              </a:lnSpc>
-              <a:spcBef>
-                <a:spcPts val="0"/>
-              </a:spcBef>
-              <a:spcAft>
-                <a:spcPts val="0"/>
-              </a:spcAft>
-              <a:buClrTx/>
-              <a:buSzTx/>
-              <a:buFontTx/>
-              <a:buChar char="-"/>
-              <a:tabLst/>
-              <a:defRPr/>
-            </a:pPr>
-            <a:r>
-              <a:rPr lang="en-US" b="1" i="1" dirty="0"/>
-              <a:t>Multilevel Bayesian:</a:t>
-            </a:r>
-          </a:p>
-          <a:p>
-            <a:pPr marL="628650" marR="0" lvl="1" indent="-171450" algn="l" defTabSz="914400" rtl="0" eaLnBrk="1" fontAlgn="auto" latinLnBrk="0" hangingPunct="1">
-              <a:lnSpc>
-                <a:spcPct val="100000"/>
-              </a:lnSpc>
-              <a:spcBef>
-                <a:spcPts val="0"/>
-              </a:spcBef>
-              <a:spcAft>
-                <a:spcPts val="0"/>
-              </a:spcAft>
-              <a:buClrTx/>
-              <a:buSzTx/>
-              <a:buFontTx/>
-              <a:buChar char="-"/>
-              <a:tabLst/>
-              <a:defRPr/>
-            </a:pPr>
-            <a:r>
-              <a:rPr lang="en-US" b="0" i="1" dirty="0"/>
-              <a:t>Easy to incorporate non-linear models</a:t>
-            </a:r>
-          </a:p>
-          <a:p>
-            <a:pPr marL="628650" marR="0" lvl="1" indent="-171450" algn="l" defTabSz="914400" rtl="0" eaLnBrk="1" fontAlgn="auto" latinLnBrk="0" hangingPunct="1">
-              <a:lnSpc>
-                <a:spcPct val="100000"/>
-              </a:lnSpc>
-              <a:spcBef>
-                <a:spcPts val="0"/>
-              </a:spcBef>
-              <a:spcAft>
-                <a:spcPts val="0"/>
-              </a:spcAft>
-              <a:buClrTx/>
-              <a:buSzTx/>
-              <a:buFontTx/>
-              <a:buChar char="-"/>
-              <a:tabLst/>
-              <a:defRPr/>
-            </a:pPr>
-            <a:r>
-              <a:rPr lang="en-US" b="0" i="1" dirty="0"/>
-              <a:t>Easy to include different hierarchical levels.</a:t>
-            </a:r>
-          </a:p>
-          <a:p>
-            <a:pPr marL="628650" marR="0" lvl="1" indent="-171450" algn="l" defTabSz="914400" rtl="0" eaLnBrk="1" fontAlgn="auto" latinLnBrk="0" hangingPunct="1">
-              <a:lnSpc>
-                <a:spcPct val="100000"/>
-              </a:lnSpc>
-              <a:spcBef>
-                <a:spcPts val="0"/>
-              </a:spcBef>
-              <a:spcAft>
-                <a:spcPts val="0"/>
-              </a:spcAft>
-              <a:buClrTx/>
-              <a:buSzTx/>
-              <a:buFontTx/>
-              <a:buChar char="-"/>
-              <a:tabLst/>
-              <a:defRPr/>
-            </a:pPr>
-            <a:r>
-              <a:rPr lang="en-US" b="0" i="1" dirty="0"/>
-              <a:t>Naturally assume a prior distribution for the group level effect</a:t>
-            </a:r>
-          </a:p>
-          <a:p>
-            <a:pPr marL="628650" marR="0" lvl="1" indent="-171450" algn="l" defTabSz="914400" rtl="0" eaLnBrk="1" fontAlgn="auto" latinLnBrk="0" hangingPunct="1">
-              <a:lnSpc>
-                <a:spcPct val="100000"/>
-              </a:lnSpc>
-              <a:spcBef>
-                <a:spcPts val="0"/>
-              </a:spcBef>
-              <a:spcAft>
-                <a:spcPts val="0"/>
-              </a:spcAft>
-              <a:buClrTx/>
-              <a:buSzTx/>
-              <a:buFontTx/>
-              <a:buChar char="-"/>
-              <a:tabLst/>
-              <a:defRPr/>
-            </a:pPr>
-            <a:endParaRPr lang="en-US" b="1" i="1" dirty="0"/>
-          </a:p>
-          <a:p>
-            <a:pPr marL="171450" marR="0" lvl="0" indent="-171450" algn="l" defTabSz="914400" rtl="0" eaLnBrk="1" fontAlgn="auto" latinLnBrk="0" hangingPunct="1">
-              <a:lnSpc>
-                <a:spcPct val="100000"/>
-              </a:lnSpc>
-              <a:spcBef>
-                <a:spcPts val="0"/>
-              </a:spcBef>
-              <a:spcAft>
-                <a:spcPts val="0"/>
-              </a:spcAft>
-              <a:buClrTx/>
-              <a:buSzTx/>
-              <a:buFontTx/>
-              <a:buChar char="-"/>
-              <a:tabLst/>
-              <a:defRPr/>
-            </a:pPr>
-            <a:r>
-              <a:rPr lang="en-US" b="1" i="1" dirty="0"/>
-              <a:t>Talk that ports were selected if we observe landings of the species in consideration. </a:t>
-            </a:r>
-            <a:endParaRPr lang="en-US" b="1" dirty="0"/>
-          </a:p>
-          <a:p>
-            <a:pPr marL="0" marR="0" lvl="0" indent="0" algn="l" defTabSz="914400" rtl="0" eaLnBrk="1" fontAlgn="auto" latinLnBrk="0" hangingPunct="1">
-              <a:lnSpc>
-                <a:spcPct val="100000"/>
-              </a:lnSpc>
-              <a:spcBef>
-                <a:spcPts val="0"/>
-              </a:spcBef>
-              <a:spcAft>
-                <a:spcPts val="0"/>
-              </a:spcAft>
-              <a:buClrTx/>
-              <a:buSzTx/>
-              <a:buFontTx/>
-              <a:buNone/>
-              <a:tabLst/>
-              <a:defRPr/>
-            </a:pPr>
-            <a:endParaRPr lang="en-US" i="1" dirty="0"/>
-          </a:p>
-          <a:p>
-            <a:pPr>
-              <a:defRPr/>
-            </a:pPr>
-            <a:endParaRPr lang="en-US" dirty="0"/>
-          </a:p>
-          <a:p>
-            <a:pPr marL="0" marR="0" lvl="0" indent="0" algn="l" defTabSz="914400" rtl="0" eaLnBrk="1" fontAlgn="auto" latinLnBrk="0" hangingPunct="1">
-              <a:lnSpc>
-                <a:spcPct val="100000"/>
-              </a:lnSpc>
-              <a:spcBef>
-                <a:spcPts val="0"/>
-              </a:spcBef>
-              <a:spcAft>
-                <a:spcPts val="0"/>
-              </a:spcAft>
-              <a:buClrTx/>
-              <a:buSzTx/>
-              <a:buFontTx/>
-              <a:buNone/>
-              <a:tabLst/>
-              <a:defRPr/>
-            </a:pPr>
-            <a:r>
-              <a:rPr lang="en-US" dirty="0"/>
-              <a:t>DS.</a:t>
-            </a:r>
-            <a:r>
-              <a:rPr lang="en-US" sz="1200" b="0" i="0" kern="1200" dirty="0">
-                <a:solidFill>
-                  <a:schemeClr val="tx1"/>
-                </a:solidFill>
-                <a:effectLst/>
-                <a:latin typeface="+mn-lt"/>
-                <a:ea typeface="+mn-ea"/>
-                <a:cs typeface="+mn-cs"/>
-              </a:rPr>
-              <a:t>Q: Felipe, you are looking at distribution of fishing locations and fish caught and landed in those locations as opposed to some objective level of abundance and distribution, right? The data are fishery dependent, and hence there is potential endogeneity and sample selection bias both in the choice of fishing and </a:t>
-            </a:r>
-            <a:r>
-              <a:rPr lang="en-US" sz="1200" b="0" i="0" kern="1200" dirty="0" err="1">
-                <a:solidFill>
-                  <a:schemeClr val="tx1"/>
-                </a:solidFill>
-                <a:effectLst/>
-                <a:latin typeface="+mn-lt"/>
-                <a:ea typeface="+mn-ea"/>
-                <a:cs typeface="+mn-cs"/>
-              </a:rPr>
-              <a:t>landngs</a:t>
-            </a:r>
-            <a:r>
-              <a:rPr lang="en-US" sz="1200" b="0" i="0" kern="1200" dirty="0">
-                <a:solidFill>
-                  <a:schemeClr val="tx1"/>
-                </a:solidFill>
-                <a:effectLst/>
-                <a:latin typeface="+mn-lt"/>
-                <a:ea typeface="+mn-ea"/>
-                <a:cs typeface="+mn-cs"/>
-              </a:rPr>
-              <a:t> but using a port in the first place from historical data, all from logbook data. S</a:t>
-            </a:r>
-          </a:p>
-          <a:p>
-            <a:r>
-              <a:rPr lang="en-US" sz="1200" b="0" i="0" kern="1200" dirty="0">
-                <a:solidFill>
-                  <a:schemeClr val="tx1"/>
-                </a:solidFill>
-                <a:effectLst/>
-                <a:latin typeface="+mn-lt"/>
-                <a:ea typeface="+mn-ea"/>
-                <a:cs typeface="+mn-cs"/>
-              </a:rPr>
-              <a:t>So, these are abundance not as if from a random selection across all areas.</a:t>
-            </a:r>
-          </a:p>
-          <a:p>
-            <a:endParaRPr lang="en-US" sz="1200" b="0" i="0" kern="1200" dirty="0">
-              <a:solidFill>
-                <a:schemeClr val="tx1"/>
-              </a:solidFill>
-              <a:effectLst/>
-              <a:latin typeface="+mn-lt"/>
-              <a:ea typeface="+mn-ea"/>
-              <a:cs typeface="+mn-cs"/>
-            </a:endParaRPr>
-          </a:p>
-          <a:p>
-            <a:pPr marL="0" marR="0" lvl="0" indent="0" algn="l" defTabSz="914400" rtl="0" eaLnBrk="1" fontAlgn="auto" latinLnBrk="0" hangingPunct="1">
-              <a:lnSpc>
-                <a:spcPct val="100000"/>
-              </a:lnSpc>
-              <a:spcBef>
-                <a:spcPts val="0"/>
-              </a:spcBef>
-              <a:spcAft>
-                <a:spcPts val="0"/>
-              </a:spcAft>
-              <a:buClrTx/>
-              <a:buSzTx/>
-              <a:buFontTx/>
-              <a:buNone/>
-              <a:tabLst/>
-              <a:defRPr/>
-            </a:pPr>
-            <a:r>
-              <a:rPr lang="en-US" sz="1200" b="0" i="0" kern="1200" dirty="0">
-                <a:solidFill>
-                  <a:schemeClr val="tx1"/>
-                </a:solidFill>
-                <a:effectLst/>
-                <a:latin typeface="+mn-lt"/>
-                <a:ea typeface="+mn-ea"/>
-                <a:cs typeface="+mn-cs"/>
-              </a:rPr>
-              <a:t>R: No, I'm looking just landings, this questions is for the discrete choice model for locations. Regard to selection bias, you are right. </a:t>
-            </a:r>
-          </a:p>
-          <a:p>
-            <a:pPr marL="0" marR="0" lvl="0" indent="0" algn="l" defTabSz="914400" rtl="0" eaLnBrk="1" fontAlgn="auto" latinLnBrk="0" hangingPunct="1">
-              <a:lnSpc>
-                <a:spcPct val="100000"/>
-              </a:lnSpc>
-              <a:spcBef>
-                <a:spcPts val="0"/>
-              </a:spcBef>
-              <a:spcAft>
-                <a:spcPts val="0"/>
-              </a:spcAft>
-              <a:buClrTx/>
-              <a:buSzTx/>
-              <a:buFontTx/>
-              <a:buNone/>
-              <a:tabLst/>
-              <a:defRPr/>
-            </a:pPr>
-            <a:endParaRPr lang="en-US" i="1" dirty="0"/>
-          </a:p>
-          <a:p>
-            <a:pPr marL="0" marR="0" lvl="0" indent="0" algn="l" defTabSz="914400" rtl="0" eaLnBrk="1" fontAlgn="auto" latinLnBrk="0" hangingPunct="1">
-              <a:lnSpc>
-                <a:spcPct val="100000"/>
-              </a:lnSpc>
-              <a:spcBef>
-                <a:spcPts val="0"/>
-              </a:spcBef>
-              <a:spcAft>
-                <a:spcPts val="0"/>
-              </a:spcAft>
-              <a:buClrTx/>
-              <a:buSzTx/>
-              <a:buFontTx/>
-              <a:buNone/>
-              <a:tabLst/>
-              <a:defRPr/>
-            </a:pPr>
-            <a:endParaRPr lang="en-US" i="1" dirty="0"/>
-          </a:p>
-          <a:p>
             <a:endParaRPr lang="en-US" dirty="0"/>
           </a:p>
         </p:txBody>
@@ -4997,7 +4682,7 @@
           <a:p>
             <a:fld id="{B751F954-3776-48DE-B231-63E89C74A71E}" type="slidenum">
               <a:rPr lang="en-US" smtClean="0"/>
-              <a:t>16</a:t>
+              <a:t>17</a:t>
             </a:fld>
             <a:endParaRPr lang="en-US"/>
           </a:p>
@@ -5006,7 +4691,7 @@
     </p:spTree>
     <p:extLst>
       <p:ext uri="{BB962C8B-B14F-4D97-AF65-F5344CB8AC3E}">
-        <p14:creationId xmlns:p14="http://schemas.microsoft.com/office/powerpoint/2010/main" val="462084604"/>
+        <p14:creationId xmlns:p14="http://schemas.microsoft.com/office/powerpoint/2010/main" val="2734871331"/>
       </p:ext>
     </p:extLst>
   </p:cSld>
@@ -5060,22 +4745,7 @@
           <a:bodyPr/>
           <a:lstStyle/>
           <a:p>
-            <a:r>
-              <a:rPr lang="en-US" dirty="0"/>
-              <a:t>Random effect model, similar to panel data model.</a:t>
-            </a:r>
-          </a:p>
-          <a:p>
-            <a:endParaRPr lang="en-US" dirty="0"/>
-          </a:p>
-          <a:p>
-            <a:r>
-              <a:rPr lang="en-US" dirty="0"/>
-              <a:t>DS:</a:t>
-            </a:r>
-          </a:p>
-          <a:p>
-            <a:pPr marL="171450" marR="0" lvl="0" indent="-171450" algn="l" defTabSz="914400" rtl="0" eaLnBrk="1" fontAlgn="auto" latinLnBrk="0" hangingPunct="1">
+            <a:pPr marL="0" marR="0" lvl="0" indent="0" algn="l" defTabSz="914400" rtl="0" eaLnBrk="1" fontAlgn="auto" latinLnBrk="0" hangingPunct="1">
               <a:lnSpc>
                 <a:spcPct val="100000"/>
               </a:lnSpc>
@@ -5088,178 +4758,11 @@
               <a:buClrTx/>
               <a:buSzTx/>
               <a:buFontTx/>
-              <a:buChar char="-"/>
+              <a:buNone/>
               <a:tabLst/>
               <a:defRPr/>
             </a:pPr>
-            <a:r>
-              <a:rPr lang="en-US" sz="1200" b="0" i="0" kern="1200" dirty="0">
-                <a:solidFill>
-                  <a:schemeClr val="tx1"/>
-                </a:solidFill>
-                <a:effectLst/>
-                <a:latin typeface="+mn-lt"/>
-                <a:ea typeface="+mn-ea"/>
-                <a:cs typeface="+mn-cs"/>
-              </a:rPr>
-              <a:t>Q: Did you do any cointegration analysis beforehand to check for any potential spurious regression?</a:t>
-            </a:r>
-          </a:p>
-          <a:p>
-            <a:pPr marL="171450" marR="0" lvl="0" indent="-171450" algn="l" defTabSz="914400" rtl="0" eaLnBrk="1" fontAlgn="auto" latinLnBrk="0" hangingPunct="1">
-              <a:lnSpc>
-                <a:spcPct val="100000"/>
-              </a:lnSpc>
-              <a:spcBef>
-                <a:spcPts val="0"/>
-              </a:spcBef>
-              <a:spcAft>
-                <a:spcPts val="0"/>
-              </a:spcAft>
-              <a:buClrTx/>
-              <a:buSzTx/>
-              <a:buFontTx/>
-              <a:buChar char="-"/>
-              <a:tabLst/>
-              <a:defRPr/>
-            </a:pPr>
-            <a:r>
-              <a:rPr lang="en-US" sz="1200" b="0" i="0" kern="1200" dirty="0">
-                <a:solidFill>
-                  <a:schemeClr val="tx1"/>
-                </a:solidFill>
-                <a:effectLst/>
-                <a:latin typeface="+mn-lt"/>
-                <a:ea typeface="+mn-ea"/>
-                <a:cs typeface="+mn-cs"/>
-              </a:rPr>
-              <a:t>A: When I have monthly time series.</a:t>
-            </a:r>
-          </a:p>
-          <a:p>
-            <a:endParaRPr lang="en-US" sz="1200" b="0" i="0" kern="1200" dirty="0">
-              <a:solidFill>
-                <a:schemeClr val="tx1"/>
-              </a:solidFill>
-              <a:effectLst/>
-              <a:latin typeface="+mn-lt"/>
-              <a:ea typeface="+mn-ea"/>
-              <a:cs typeface="+mn-cs"/>
-            </a:endParaRPr>
-          </a:p>
-          <a:p>
-            <a:r>
-              <a:rPr lang="en-US" sz="1200" b="0" i="0" kern="1200" dirty="0">
-                <a:solidFill>
-                  <a:schemeClr val="tx1"/>
-                </a:solidFill>
-                <a:effectLst/>
-                <a:latin typeface="+mn-lt"/>
-                <a:ea typeface="+mn-ea"/>
-                <a:cs typeface="+mn-cs"/>
-              </a:rPr>
-              <a:t>DS:</a:t>
-            </a:r>
-          </a:p>
-          <a:p>
-            <a:pPr marL="171450" indent="-171450">
-              <a:buFontTx/>
-              <a:buChar char="-"/>
-            </a:pPr>
-            <a:r>
-              <a:rPr lang="en-US" sz="1200" b="0" i="0" kern="1200" dirty="0">
-                <a:solidFill>
-                  <a:schemeClr val="tx1"/>
-                </a:solidFill>
-                <a:effectLst/>
-                <a:latin typeface="+mn-lt"/>
-                <a:ea typeface="+mn-ea"/>
-                <a:cs typeface="+mn-cs"/>
-              </a:rPr>
-              <a:t>Q:  Does potential serial correlation arise with these types of regressions?</a:t>
-            </a:r>
-          </a:p>
-          <a:p>
-            <a:pPr marL="457200" lvl="1" indent="0">
-              <a:buFontTx/>
-              <a:buNone/>
-            </a:pPr>
-            <a:r>
-              <a:rPr lang="en-US" sz="1200" b="0" i="0" kern="1200" dirty="0">
-                <a:solidFill>
-                  <a:schemeClr val="tx1"/>
-                </a:solidFill>
-                <a:effectLst/>
-                <a:latin typeface="+mn-lt"/>
-                <a:ea typeface="+mn-ea"/>
-                <a:cs typeface="+mn-cs"/>
-              </a:rPr>
-              <a:t>A: I have to check!</a:t>
-            </a:r>
-          </a:p>
-          <a:p>
-            <a:pPr marL="171450" indent="-171450">
-              <a:buFontTx/>
-              <a:buChar char="-"/>
-            </a:pPr>
-            <a:r>
-              <a:rPr lang="en-US" sz="1200" b="0" i="0" kern="1200" dirty="0">
-                <a:solidFill>
-                  <a:schemeClr val="tx1"/>
-                </a:solidFill>
-                <a:effectLst/>
-                <a:latin typeface="+mn-lt"/>
-                <a:ea typeface="+mn-ea"/>
-                <a:cs typeface="+mn-cs"/>
-              </a:rPr>
-              <a:t>Q: Do ENSO events create a structural break in the time series that must be controlled for?</a:t>
-            </a:r>
-          </a:p>
-          <a:p>
-            <a:pPr marL="0" indent="0">
-              <a:buFontTx/>
-              <a:buNone/>
-            </a:pPr>
-            <a:r>
-              <a:rPr lang="en-US" sz="1200" b="0" i="0" kern="1200" dirty="0">
-                <a:solidFill>
-                  <a:schemeClr val="tx1"/>
-                </a:solidFill>
-                <a:effectLst/>
-                <a:latin typeface="+mn-lt"/>
-                <a:ea typeface="+mn-ea"/>
-                <a:cs typeface="+mn-cs"/>
-              </a:rPr>
-              <a:t>	A: Should be included in SDMs </a:t>
-            </a:r>
-          </a:p>
-          <a:p>
-            <a:pPr marL="171450" marR="0" lvl="0" indent="-171450" algn="l" defTabSz="914400" rtl="0" eaLnBrk="1" fontAlgn="auto" latinLnBrk="0" hangingPunct="1">
-              <a:lnSpc>
-                <a:spcPct val="100000"/>
-              </a:lnSpc>
-              <a:spcBef>
-                <a:spcPts val="0"/>
-              </a:spcBef>
-              <a:spcAft>
-                <a:spcPts val="0"/>
-              </a:spcAft>
-              <a:buClrTx/>
-              <a:buSzTx/>
-              <a:buFontTx/>
-              <a:buChar char="-"/>
-              <a:tabLst/>
-              <a:defRPr/>
-            </a:pPr>
-            <a:endParaRPr lang="en-US" sz="1200" b="0" i="0" kern="1200" dirty="0">
-              <a:solidFill>
-                <a:schemeClr val="tx1"/>
-              </a:solidFill>
-              <a:effectLst/>
-              <a:latin typeface="+mn-lt"/>
-              <a:ea typeface="+mn-ea"/>
-              <a:cs typeface="+mn-cs"/>
-            </a:endParaRPr>
+            <a:endParaRPr lang="en-US" dirty="0"/>
           </a:p>
           <a:p>
             <a:endParaRPr lang="en-US" dirty="0"/>
@@ -5283,7 +4786,7 @@
           <a:p>
             <a:fld id="{B751F954-3776-48DE-B231-63E89C74A71E}" type="slidenum">
               <a:rPr lang="en-US" smtClean="0"/>
-              <a:t>17</a:t>
+              <a:t>18</a:t>
             </a:fld>
             <a:endParaRPr lang="en-US"/>
           </a:p>
@@ -5292,7 +4795,7 @@
     </p:spTree>
     <p:extLst>
       <p:ext uri="{BB962C8B-B14F-4D97-AF65-F5344CB8AC3E}">
-        <p14:creationId xmlns:p14="http://schemas.microsoft.com/office/powerpoint/2010/main" val="85746133"/>
+        <p14:creationId xmlns:p14="http://schemas.microsoft.com/office/powerpoint/2010/main" val="4160622724"/>
       </p:ext>
     </p:extLst>
   </p:cSld>
@@ -5346,103 +4849,6 @@
           <a:bodyPr/>
           <a:lstStyle/>
           <a:p>
-            <a:endParaRPr lang="en-US" sz="1200" b="0" i="0" kern="1200" dirty="0">
-              <a:solidFill>
-                <a:schemeClr val="tx1"/>
-              </a:solidFill>
-              <a:effectLst/>
-              <a:latin typeface="+mn-lt"/>
-              <a:ea typeface="+mn-ea"/>
-              <a:cs typeface="+mn-cs"/>
-            </a:endParaRPr>
-          </a:p>
-          <a:p>
-            <a:r>
-              <a:rPr lang="en-US" sz="1200" b="0" i="0" kern="1200" dirty="0">
-                <a:solidFill>
-                  <a:schemeClr val="tx1"/>
-                </a:solidFill>
-                <a:effectLst/>
-                <a:latin typeface="+mn-lt"/>
-                <a:ea typeface="+mn-ea"/>
-                <a:cs typeface="+mn-cs"/>
-              </a:rPr>
-              <a:t>Dale Squires:</a:t>
-            </a:r>
-          </a:p>
-          <a:p>
-            <a:pPr marL="171450" indent="-171450">
-              <a:buFontTx/>
-              <a:buChar char="-"/>
-            </a:pPr>
-            <a:r>
-              <a:rPr lang="en-US" sz="1200" b="0" i="0" kern="1200" dirty="0">
-                <a:solidFill>
-                  <a:schemeClr val="tx1"/>
-                </a:solidFill>
-                <a:effectLst/>
-                <a:latin typeface="+mn-lt"/>
-                <a:ea typeface="+mn-ea"/>
-                <a:cs typeface="+mn-cs"/>
-              </a:rPr>
-              <a:t>Q:  Does potential serial correlation arise with these types of regressions?</a:t>
-            </a:r>
-          </a:p>
-          <a:p>
-            <a:pPr marL="457200" lvl="1" indent="0">
-              <a:buFontTx/>
-              <a:buNone/>
-            </a:pPr>
-            <a:r>
-              <a:rPr lang="en-US" sz="1200" b="0" i="0" kern="1200" dirty="0">
-                <a:solidFill>
-                  <a:schemeClr val="tx1"/>
-                </a:solidFill>
-                <a:effectLst/>
-                <a:latin typeface="+mn-lt"/>
-                <a:ea typeface="+mn-ea"/>
-                <a:cs typeface="+mn-cs"/>
-              </a:rPr>
-              <a:t>A: I have to check!</a:t>
-            </a:r>
-          </a:p>
-          <a:p>
-            <a:pPr marL="171450" indent="-171450">
-              <a:buFontTx/>
-              <a:buChar char="-"/>
-            </a:pPr>
-            <a:r>
-              <a:rPr lang="en-US" sz="1200" b="0" i="0" kern="1200" dirty="0">
-                <a:solidFill>
-                  <a:schemeClr val="tx1"/>
-                </a:solidFill>
-                <a:effectLst/>
-                <a:latin typeface="+mn-lt"/>
-                <a:ea typeface="+mn-ea"/>
-                <a:cs typeface="+mn-cs"/>
-              </a:rPr>
-              <a:t>Q: Do ENSO events create a structural break in the time series that must be controlled for?</a:t>
-            </a:r>
-          </a:p>
-          <a:p>
-            <a:pPr marL="0" indent="0">
-              <a:buFontTx/>
-              <a:buNone/>
-            </a:pPr>
-            <a:r>
-              <a:rPr lang="en-US" sz="1200" b="0" i="0" kern="1200" dirty="0">
-                <a:solidFill>
-                  <a:schemeClr val="tx1"/>
-                </a:solidFill>
-                <a:effectLst/>
-                <a:latin typeface="+mn-lt"/>
-                <a:ea typeface="+mn-ea"/>
-                <a:cs typeface="+mn-cs"/>
-              </a:rPr>
-              <a:t>	A: Should be included in SDMs </a:t>
-            </a:r>
-          </a:p>
-          <a:p>
             <a:pPr marL="171450" marR="0" lvl="0" indent="-171450" algn="l" defTabSz="914400" rtl="0" eaLnBrk="1" fontAlgn="auto" latinLnBrk="0" hangingPunct="1">
               <a:lnSpc>
                 <a:spcPct val="100000"/>
@@ -5461,44 +4867,12 @@
               <a:defRPr/>
             </a:pPr>
             <a:r>
-              <a:rPr lang="en-US" sz="1200" b="0" i="0" kern="1200" dirty="0">
-                <a:solidFill>
-                  <a:schemeClr val="tx1"/>
-                </a:solidFill>
-                <a:effectLst/>
-                <a:latin typeface="+mn-lt"/>
-                <a:ea typeface="+mn-ea"/>
-                <a:cs typeface="+mn-cs"/>
-              </a:rPr>
-              <a:t>Q: distance and cost can be viewed as endogenous. distance would be chosen at the same time as location. many view location as a descriptor but the choice of that descriptor can be viewed as endogenous or simultaneously chosen with </a:t>
-            </a:r>
-            <a:r>
-              <a:rPr lang="en-US" sz="1200" b="0" i="0" kern="1200" dirty="0" err="1">
-                <a:solidFill>
-                  <a:schemeClr val="tx1"/>
-                </a:solidFill>
-                <a:effectLst/>
-                <a:latin typeface="+mn-lt"/>
-                <a:ea typeface="+mn-ea"/>
-                <a:cs typeface="+mn-cs"/>
-              </a:rPr>
-              <a:t>locaton</a:t>
-            </a:r>
-            <a:r>
-              <a:rPr lang="en-US" sz="1200" b="0" i="0" kern="1200" dirty="0">
-                <a:solidFill>
-                  <a:schemeClr val="tx1"/>
-                </a:solidFill>
-                <a:effectLst/>
-                <a:latin typeface="+mn-lt"/>
-                <a:ea typeface="+mn-ea"/>
-                <a:cs typeface="+mn-cs"/>
-              </a:rPr>
-              <a:t>.</a:t>
-            </a:r>
-          </a:p>
-          <a:p>
-            <a:pPr marL="457200" marR="0" lvl="1" indent="0" algn="l" defTabSz="914400" rtl="0" eaLnBrk="1" fontAlgn="auto" latinLnBrk="0" hangingPunct="1">
+              <a:rPr lang="en-US" b="1" i="1" dirty="0"/>
+              <a:t>Multilevel Bayesian:</a:t>
+            </a:r>
+          </a:p>
+          <a:p>
+            <a:pPr marL="628650" marR="0" lvl="1" indent="-171450" algn="l" defTabSz="914400" rtl="0" eaLnBrk="1" fontAlgn="auto" latinLnBrk="0" hangingPunct="1">
               <a:lnSpc>
                 <a:spcPct val="100000"/>
               </a:lnSpc>
@@ -5511,100 +4885,80 @@
               <a:buClrTx/>
               <a:buSzTx/>
               <a:buFontTx/>
-              <a:buNone/>
+              <a:buChar char="-"/>
               <a:tabLst/>
               <a:defRPr/>
             </a:pPr>
             <a:r>
-              <a:rPr lang="en-US" sz="1200" b="0" i="0" kern="1200" dirty="0">
-                <a:solidFill>
-                  <a:schemeClr val="tx1"/>
-                </a:solidFill>
-                <a:effectLst/>
-                <a:latin typeface="+mn-lt"/>
-                <a:ea typeface="+mn-ea"/>
-                <a:cs typeface="+mn-cs"/>
-              </a:rPr>
-              <a:t>	A: In a discrete choice model</a:t>
-            </a:r>
-          </a:p>
-          <a:p>
-            <a:endParaRPr lang="en-US" sz="1200" b="0" i="0" kern="1200" dirty="0">
-              <a:solidFill>
-                <a:schemeClr val="tx1"/>
-              </a:solidFill>
-              <a:effectLst/>
-              <a:latin typeface="+mn-lt"/>
-              <a:ea typeface="+mn-ea"/>
-              <a:cs typeface="+mn-cs"/>
-            </a:endParaRPr>
-          </a:p>
-          <a:p>
-            <a:r>
-              <a:rPr lang="en-US" sz="1200" b="0" i="0" kern="1200" dirty="0">
-                <a:solidFill>
-                  <a:schemeClr val="tx1"/>
-                </a:solidFill>
-                <a:effectLst/>
-                <a:latin typeface="+mn-lt"/>
-                <a:ea typeface="+mn-ea"/>
-                <a:cs typeface="+mn-cs"/>
-              </a:rPr>
-              <a:t>Stephen </a:t>
-            </a:r>
-            <a:r>
-              <a:rPr lang="en-US" sz="1200" b="0" i="0" kern="1200" dirty="0" err="1">
-                <a:solidFill>
-                  <a:schemeClr val="tx1"/>
-                </a:solidFill>
-                <a:effectLst/>
-                <a:latin typeface="+mn-lt"/>
-                <a:ea typeface="+mn-ea"/>
-                <a:cs typeface="+mn-cs"/>
-              </a:rPr>
-              <a:t>Stohs</a:t>
-            </a:r>
-            <a:r>
-              <a:rPr lang="en-US" sz="1200" b="0" i="0" kern="1200" dirty="0">
-                <a:solidFill>
-                  <a:schemeClr val="tx1"/>
-                </a:solidFill>
-                <a:effectLst/>
-                <a:latin typeface="+mn-lt"/>
-                <a:ea typeface="+mn-ea"/>
-                <a:cs typeface="+mn-cs"/>
-              </a:rPr>
-              <a:t>:</a:t>
-            </a:r>
-          </a:p>
-          <a:p>
-            <a:pPr marL="171450" indent="-171450">
+              <a:rPr lang="en-US" b="0" i="1" dirty="0"/>
+              <a:t>Easy to incorporate non-linear models</a:t>
+            </a:r>
+          </a:p>
+          <a:p>
+            <a:pPr marL="628650" marR="0" lvl="1" indent="-171450" algn="l" defTabSz="914400" rtl="0" eaLnBrk="1" fontAlgn="auto" latinLnBrk="0" hangingPunct="1">
+              <a:lnSpc>
+                <a:spcPct val="100000"/>
+              </a:lnSpc>
+              <a:spcBef>
+                <a:spcPts val="0"/>
+              </a:spcBef>
+              <a:spcAft>
+                <a:spcPts val="0"/>
+              </a:spcAft>
+              <a:buClrTx/>
+              <a:buSzTx/>
               <a:buFontTx/>
               <a:buChar char="-"/>
+              <a:tabLst/>
+              <a:defRPr/>
             </a:pPr>
             <a:r>
-              <a:rPr lang="en-US" sz="1200" b="0" i="0" kern="1200" dirty="0">
-                <a:solidFill>
-                  <a:schemeClr val="tx1"/>
-                </a:solidFill>
-                <a:effectLst/>
-                <a:latin typeface="+mn-lt"/>
-                <a:ea typeface="+mn-ea"/>
-                <a:cs typeface="+mn-cs"/>
-              </a:rPr>
-              <a:t>Potential solution: Use SDM model predictions as an instrumental variable for predicting fishing location choice... (????)</a:t>
-            </a:r>
-          </a:p>
-          <a:p>
-            <a:endParaRPr lang="en-US" sz="1200" b="0" i="0" kern="1200" dirty="0">
-              <a:solidFill>
-                <a:schemeClr val="tx1"/>
-              </a:solidFill>
-              <a:effectLst/>
-              <a:latin typeface="+mn-lt"/>
-              <a:ea typeface="+mn-ea"/>
-              <a:cs typeface="+mn-cs"/>
-            </a:endParaRPr>
+              <a:rPr lang="en-US" b="0" i="1" dirty="0"/>
+              <a:t>Easy to include different hierarchical levels.</a:t>
+            </a:r>
+          </a:p>
+          <a:p>
+            <a:pPr marL="628650" marR="0" lvl="1" indent="-171450" algn="l" defTabSz="914400" rtl="0" eaLnBrk="1" fontAlgn="auto" latinLnBrk="0" hangingPunct="1">
+              <a:lnSpc>
+                <a:spcPct val="100000"/>
+              </a:lnSpc>
+              <a:spcBef>
+                <a:spcPts val="0"/>
+              </a:spcBef>
+              <a:spcAft>
+                <a:spcPts val="0"/>
+              </a:spcAft>
+              <a:buClrTx/>
+              <a:buSzTx/>
+              <a:buFontTx/>
+              <a:buChar char="-"/>
+              <a:tabLst/>
+              <a:defRPr/>
+            </a:pPr>
+            <a:r>
+              <a:rPr lang="en-US" b="0" i="1" dirty="0"/>
+              <a:t>Naturally assume a prior distribution for the group level effect</a:t>
+            </a:r>
+          </a:p>
+          <a:p>
+            <a:pPr marL="628650" marR="0" lvl="1" indent="-171450" algn="l" defTabSz="914400" rtl="0" eaLnBrk="1" fontAlgn="auto" latinLnBrk="0" hangingPunct="1">
+              <a:lnSpc>
+                <a:spcPct val="100000"/>
+              </a:lnSpc>
+              <a:spcBef>
+                <a:spcPts val="0"/>
+              </a:spcBef>
+              <a:spcAft>
+                <a:spcPts val="0"/>
+              </a:spcAft>
+              <a:buClrTx/>
+              <a:buSzTx/>
+              <a:buFontTx/>
+              <a:buChar char="-"/>
+              <a:tabLst/>
+              <a:defRPr/>
+            </a:pPr>
+            <a:endParaRPr lang="en-US" b="1" i="1" dirty="0"/>
           </a:p>
           <a:p>
             <a:pPr marL="171450" marR="0" lvl="0" indent="-171450" algn="l" defTabSz="914400" rtl="0" eaLnBrk="1" fontAlgn="auto" latinLnBrk="0" hangingPunct="1">
@@ -5624,6 +4978,112 @@
               <a:tabLst/>
               <a:defRPr/>
             </a:pPr>
+            <a:r>
+              <a:rPr lang="en-US" b="1" i="1" dirty="0"/>
+              <a:t>Talk that ports were selected if we observe landings of the species in consideration. </a:t>
+            </a:r>
+            <a:endParaRPr lang="en-US" b="1" dirty="0"/>
+          </a:p>
+          <a:p>
+            <a:pPr marL="0" marR="0" lvl="0" indent="0" algn="l" defTabSz="914400" rtl="0" eaLnBrk="1" fontAlgn="auto" latinLnBrk="0" hangingPunct="1">
+              <a:lnSpc>
+                <a:spcPct val="100000"/>
+              </a:lnSpc>
+              <a:spcBef>
+                <a:spcPts val="0"/>
+              </a:spcBef>
+              <a:spcAft>
+                <a:spcPts val="0"/>
+              </a:spcAft>
+              <a:buClrTx/>
+              <a:buSzTx/>
+              <a:buFontTx/>
+              <a:buNone/>
+              <a:tabLst/>
+              <a:defRPr/>
+            </a:pPr>
+            <a:endParaRPr lang="en-US" i="1" dirty="0"/>
+          </a:p>
+          <a:p>
+            <a:pPr>
+              <a:defRPr/>
+            </a:pPr>
+            <a:endParaRPr lang="en-US" dirty="0"/>
+          </a:p>
+          <a:p>
+            <a:pPr marL="0" marR="0" lvl="0" indent="0" algn="l" defTabSz="914400" rtl="0" eaLnBrk="1" fontAlgn="auto" latinLnBrk="0" hangingPunct="1">
+              <a:lnSpc>
+                <a:spcPct val="100000"/>
+              </a:lnSpc>
+              <a:spcBef>
+                <a:spcPts val="0"/>
+              </a:spcBef>
+              <a:spcAft>
+                <a:spcPts val="0"/>
+              </a:spcAft>
+              <a:buClrTx/>
+              <a:buSzTx/>
+              <a:buFontTx/>
+              <a:buNone/>
+              <a:tabLst/>
+              <a:defRPr/>
+            </a:pPr>
+            <a:r>
+              <a:rPr lang="en-US" dirty="0"/>
+              <a:t>DS.</a:t>
+            </a:r>
+            <a:r>
+              <a:rPr lang="en-US" sz="1200" b="0" i="0" kern="1200" dirty="0">
+                <a:solidFill>
+                  <a:schemeClr val="tx1"/>
+                </a:solidFill>
+                <a:effectLst/>
+                <a:latin typeface="+mn-lt"/>
+                <a:ea typeface="+mn-ea"/>
+                <a:cs typeface="+mn-cs"/>
+              </a:rPr>
+              <a:t>Q: Felipe, you are looking at distribution of fishing locations and fish caught and landed in those locations as opposed to some objective level of abundance and distribution, right? The data are fishery dependent, and hence there is potential endogeneity and sample selection bias both in the choice of fishing and </a:t>
+            </a:r>
+            <a:r>
+              <a:rPr lang="en-US" sz="1200" b="0" i="0" kern="1200" dirty="0" err="1">
+                <a:solidFill>
+                  <a:schemeClr val="tx1"/>
+                </a:solidFill>
+                <a:effectLst/>
+                <a:latin typeface="+mn-lt"/>
+                <a:ea typeface="+mn-ea"/>
+                <a:cs typeface="+mn-cs"/>
+              </a:rPr>
+              <a:t>landngs</a:t>
+            </a:r>
+            <a:r>
+              <a:rPr lang="en-US" sz="1200" b="0" i="0" kern="1200" dirty="0">
+                <a:solidFill>
+                  <a:schemeClr val="tx1"/>
+                </a:solidFill>
+                <a:effectLst/>
+                <a:latin typeface="+mn-lt"/>
+                <a:ea typeface="+mn-ea"/>
+                <a:cs typeface="+mn-cs"/>
+              </a:rPr>
+              <a:t> but using a port in the first place from historical data, all from logbook data. S</a:t>
+            </a:r>
+          </a:p>
+          <a:p>
+            <a:r>
+              <a:rPr lang="en-US" sz="1200" b="0" i="0" kern="1200" dirty="0">
+                <a:solidFill>
+                  <a:schemeClr val="tx1"/>
+                </a:solidFill>
+                <a:effectLst/>
+                <a:latin typeface="+mn-lt"/>
+                <a:ea typeface="+mn-ea"/>
+                <a:cs typeface="+mn-cs"/>
+              </a:rPr>
+              <a:t>So, these are abundance not as if from a random selection across all areas.</a:t>
+            </a:r>
+          </a:p>
+          <a:p>
             <a:endParaRPr lang="en-US" sz="1200" b="0" i="0" kern="1200" dirty="0">
               <a:solidFill>
                 <a:schemeClr val="tx1"/>
@@ -5633,6 +5093,77 @@
               <a:ea typeface="+mn-ea"/>
               <a:cs typeface="+mn-cs"/>
             </a:endParaRPr>
+          </a:p>
+          <a:p>
+            <a:pPr marL="0" marR="0" lvl="0" indent="0" algn="l" defTabSz="914400" rtl="0" eaLnBrk="1" fontAlgn="auto" latinLnBrk="0" hangingPunct="1">
+              <a:lnSpc>
+                <a:spcPct val="100000"/>
+              </a:lnSpc>
+              <a:spcBef>
+                <a:spcPts val="0"/>
+              </a:spcBef>
+              <a:spcAft>
+                <a:spcPts val="0"/>
+              </a:spcAft>
+              <a:buClrTx/>
+              <a:buSzTx/>
+              <a:buFontTx/>
+              <a:buNone/>
+              <a:tabLst/>
+              <a:defRPr/>
+            </a:pPr>
+            <a:r>
+              <a:rPr lang="en-US" sz="1200" b="0" i="0" kern="1200" dirty="0">
+                <a:solidFill>
+                  <a:schemeClr val="tx1"/>
+                </a:solidFill>
+                <a:effectLst/>
+                <a:latin typeface="+mn-lt"/>
+                <a:ea typeface="+mn-ea"/>
+                <a:cs typeface="+mn-cs"/>
+              </a:rPr>
+              <a:t>R: No, I'm looking just landings, this questions is for the discrete choice model for locations. Regard to selection bias, you are right. </a:t>
+            </a:r>
+          </a:p>
+          <a:p>
+            <a:pPr marL="0" marR="0" lvl="0" indent="0" algn="l" defTabSz="914400" rtl="0" eaLnBrk="1" fontAlgn="auto" latinLnBrk="0" hangingPunct="1">
+              <a:lnSpc>
+                <a:spcPct val="100000"/>
+              </a:lnSpc>
+              <a:spcBef>
+                <a:spcPts val="0"/>
+              </a:spcBef>
+              <a:spcAft>
+                <a:spcPts val="0"/>
+              </a:spcAft>
+              <a:buClrTx/>
+              <a:buSzTx/>
+              <a:buFontTx/>
+              <a:buNone/>
+              <a:tabLst/>
+              <a:defRPr/>
+            </a:pPr>
+            <a:endParaRPr lang="en-US" i="1" dirty="0"/>
+          </a:p>
+          <a:p>
+            <a:pPr marL="0" marR="0" lvl="0" indent="0" algn="l" defTabSz="914400" rtl="0" eaLnBrk="1" fontAlgn="auto" latinLnBrk="0" hangingPunct="1">
+              <a:lnSpc>
+                <a:spcPct val="100000"/>
+              </a:lnSpc>
+              <a:spcBef>
+                <a:spcPts val="0"/>
+              </a:spcBef>
+              <a:spcAft>
+                <a:spcPts val="0"/>
+              </a:spcAft>
+              <a:buClrTx/>
+              <a:buSzTx/>
+              <a:buFontTx/>
+              <a:buNone/>
+              <a:tabLst/>
+              <a:defRPr/>
+            </a:pPr>
+            <a:endParaRPr lang="en-US" i="1" dirty="0"/>
           </a:p>
           <a:p>
             <a:endParaRPr lang="en-US" dirty="0"/>
@@ -5656,7 +5187,7 @@
           <a:p>
             <a:fld id="{B751F954-3776-48DE-B231-63E89C74A71E}" type="slidenum">
               <a:rPr lang="en-US" smtClean="0"/>
-              <a:t>18</a:t>
+              <a:t>19</a:t>
             </a:fld>
             <a:endParaRPr lang="en-US"/>
           </a:p>
@@ -5665,7 +5196,7 @@
     </p:spTree>
     <p:extLst>
       <p:ext uri="{BB962C8B-B14F-4D97-AF65-F5344CB8AC3E}">
-        <p14:creationId xmlns:p14="http://schemas.microsoft.com/office/powerpoint/2010/main" val="543063806"/>
+        <p14:creationId xmlns:p14="http://schemas.microsoft.com/office/powerpoint/2010/main" val="462084604"/>
       </p:ext>
     </p:extLst>
   </p:cSld>
@@ -5719,6 +5250,208 @@
           <a:bodyPr/>
           <a:lstStyle/>
           <a:p>
+            <a:r>
+              <a:rPr lang="en-US" dirty="0"/>
+              <a:t>Random effect model, similar to panel data model.</a:t>
+            </a:r>
+          </a:p>
+          <a:p>
+            <a:endParaRPr lang="en-US" dirty="0"/>
+          </a:p>
+          <a:p>
+            <a:r>
+              <a:rPr lang="en-US" dirty="0"/>
+              <a:t>DS:</a:t>
+            </a:r>
+          </a:p>
+          <a:p>
+            <a:pPr marL="171450" marR="0" lvl="0" indent="-171450" algn="l" defTabSz="914400" rtl="0" eaLnBrk="1" fontAlgn="auto" latinLnBrk="0" hangingPunct="1">
+              <a:lnSpc>
+                <a:spcPct val="100000"/>
+              </a:lnSpc>
+              <a:spcBef>
+                <a:spcPts val="0"/>
+              </a:spcBef>
+              <a:spcAft>
+                <a:spcPts val="0"/>
+              </a:spcAft>
+              <a:buClrTx/>
+              <a:buSzTx/>
+              <a:buFontTx/>
+              <a:buChar char="-"/>
+              <a:tabLst/>
+              <a:defRPr/>
+            </a:pPr>
+            <a:r>
+              <a:rPr lang="en-US" sz="1200" b="0" i="0" kern="1200" dirty="0">
+                <a:solidFill>
+                  <a:schemeClr val="tx1"/>
+                </a:solidFill>
+                <a:effectLst/>
+                <a:latin typeface="+mn-lt"/>
+                <a:ea typeface="+mn-ea"/>
+                <a:cs typeface="+mn-cs"/>
+              </a:rPr>
+              <a:t>Q: Did you do any cointegration analysis beforehand to check for any potential spurious regression?</a:t>
+            </a:r>
+          </a:p>
+          <a:p>
+            <a:pPr marL="171450" marR="0" lvl="0" indent="-171450" algn="l" defTabSz="914400" rtl="0" eaLnBrk="1" fontAlgn="auto" latinLnBrk="0" hangingPunct="1">
+              <a:lnSpc>
+                <a:spcPct val="100000"/>
+              </a:lnSpc>
+              <a:spcBef>
+                <a:spcPts val="0"/>
+              </a:spcBef>
+              <a:spcAft>
+                <a:spcPts val="0"/>
+              </a:spcAft>
+              <a:buClrTx/>
+              <a:buSzTx/>
+              <a:buFontTx/>
+              <a:buChar char="-"/>
+              <a:tabLst/>
+              <a:defRPr/>
+            </a:pPr>
+            <a:r>
+              <a:rPr lang="en-US" sz="1200" b="0" i="0" kern="1200" dirty="0">
+                <a:solidFill>
+                  <a:schemeClr val="tx1"/>
+                </a:solidFill>
+                <a:effectLst/>
+                <a:latin typeface="+mn-lt"/>
+                <a:ea typeface="+mn-ea"/>
+                <a:cs typeface="+mn-cs"/>
+              </a:rPr>
+              <a:t>A: When I have monthly time series.</a:t>
+            </a:r>
+          </a:p>
+          <a:p>
+            <a:endParaRPr lang="en-US" sz="1200" b="0" i="0" kern="1200" dirty="0">
+              <a:solidFill>
+                <a:schemeClr val="tx1"/>
+              </a:solidFill>
+              <a:effectLst/>
+              <a:latin typeface="+mn-lt"/>
+              <a:ea typeface="+mn-ea"/>
+              <a:cs typeface="+mn-cs"/>
+            </a:endParaRPr>
+          </a:p>
+          <a:p>
+            <a:r>
+              <a:rPr lang="en-US" sz="1200" b="0" i="0" kern="1200" dirty="0">
+                <a:solidFill>
+                  <a:schemeClr val="tx1"/>
+                </a:solidFill>
+                <a:effectLst/>
+                <a:latin typeface="+mn-lt"/>
+                <a:ea typeface="+mn-ea"/>
+                <a:cs typeface="+mn-cs"/>
+              </a:rPr>
+              <a:t>DS:</a:t>
+            </a:r>
+          </a:p>
+          <a:p>
+            <a:pPr marL="171450" indent="-171450">
+              <a:buFontTx/>
+              <a:buChar char="-"/>
+            </a:pPr>
+            <a:r>
+              <a:rPr lang="en-US" sz="1200" b="0" i="0" kern="1200" dirty="0">
+                <a:solidFill>
+                  <a:schemeClr val="tx1"/>
+                </a:solidFill>
+                <a:effectLst/>
+                <a:latin typeface="+mn-lt"/>
+                <a:ea typeface="+mn-ea"/>
+                <a:cs typeface="+mn-cs"/>
+              </a:rPr>
+              <a:t>Q:  Does potential serial correlation arise with these types of regressions?</a:t>
+            </a:r>
+          </a:p>
+          <a:p>
+            <a:pPr marL="457200" lvl="1" indent="0">
+              <a:buFontTx/>
+              <a:buNone/>
+            </a:pPr>
+            <a:r>
+              <a:rPr lang="en-US" sz="1200" b="0" i="0" kern="1200" dirty="0">
+                <a:solidFill>
+                  <a:schemeClr val="tx1"/>
+                </a:solidFill>
+                <a:effectLst/>
+                <a:latin typeface="+mn-lt"/>
+                <a:ea typeface="+mn-ea"/>
+                <a:cs typeface="+mn-cs"/>
+              </a:rPr>
+              <a:t>A: I have to check!</a:t>
+            </a:r>
+          </a:p>
+          <a:p>
+            <a:pPr marL="171450" indent="-171450">
+              <a:buFontTx/>
+              <a:buChar char="-"/>
+            </a:pPr>
+            <a:r>
+              <a:rPr lang="en-US" sz="1200" b="0" i="0" kern="1200" dirty="0">
+                <a:solidFill>
+                  <a:schemeClr val="tx1"/>
+                </a:solidFill>
+                <a:effectLst/>
+                <a:latin typeface="+mn-lt"/>
+                <a:ea typeface="+mn-ea"/>
+                <a:cs typeface="+mn-cs"/>
+              </a:rPr>
+              <a:t>Q: Do ENSO events create a structural break in the time series that must be controlled for?</a:t>
+            </a:r>
+          </a:p>
+          <a:p>
+            <a:pPr marL="0" indent="0">
+              <a:buFontTx/>
+              <a:buNone/>
+            </a:pPr>
+            <a:r>
+              <a:rPr lang="en-US" sz="1200" b="0" i="0" kern="1200" dirty="0">
+                <a:solidFill>
+                  <a:schemeClr val="tx1"/>
+                </a:solidFill>
+                <a:effectLst/>
+                <a:latin typeface="+mn-lt"/>
+                <a:ea typeface="+mn-ea"/>
+                <a:cs typeface="+mn-cs"/>
+              </a:rPr>
+              <a:t>	A: Should be included in SDMs </a:t>
+            </a:r>
+          </a:p>
+          <a:p>
+            <a:pPr marL="171450" marR="0" lvl="0" indent="-171450" algn="l" defTabSz="914400" rtl="0" eaLnBrk="1" fontAlgn="auto" latinLnBrk="0" hangingPunct="1">
+              <a:lnSpc>
+                <a:spcPct val="100000"/>
+              </a:lnSpc>
+              <a:spcBef>
+                <a:spcPts val="0"/>
+              </a:spcBef>
+              <a:spcAft>
+                <a:spcPts val="0"/>
+              </a:spcAft>
+              <a:buClrTx/>
+              <a:buSzTx/>
+              <a:buFontTx/>
+              <a:buChar char="-"/>
+              <a:tabLst/>
+              <a:defRPr/>
+            </a:pPr>
+            <a:endParaRPr lang="en-US" sz="1200" b="0" i="0" kern="1200" dirty="0">
+              <a:solidFill>
+                <a:schemeClr val="tx1"/>
+              </a:solidFill>
+              <a:effectLst/>
+              <a:latin typeface="+mn-lt"/>
+              <a:ea typeface="+mn-ea"/>
+              <a:cs typeface="+mn-cs"/>
+            </a:endParaRPr>
+          </a:p>
+          <a:p>
             <a:endParaRPr lang="en-US" dirty="0"/>
           </a:p>
         </p:txBody>
@@ -5740,7 +5473,7 @@
           <a:p>
             <a:fld id="{B751F954-3776-48DE-B231-63E89C74A71E}" type="slidenum">
               <a:rPr lang="en-US" smtClean="0"/>
-              <a:t>19</a:t>
+              <a:t>20</a:t>
             </a:fld>
             <a:endParaRPr lang="en-US"/>
           </a:p>
@@ -5749,7 +5482,7 @@
     </p:spTree>
     <p:extLst>
       <p:ext uri="{BB962C8B-B14F-4D97-AF65-F5344CB8AC3E}">
-        <p14:creationId xmlns:p14="http://schemas.microsoft.com/office/powerpoint/2010/main" val="1800163424"/>
+        <p14:creationId xmlns:p14="http://schemas.microsoft.com/office/powerpoint/2010/main" val="85746133"/>
       </p:ext>
     </p:extLst>
   </p:cSld>
@@ -5803,6 +5536,295 @@
           <a:bodyPr/>
           <a:lstStyle/>
           <a:p>
+            <a:endParaRPr lang="en-US" sz="1200" b="0" i="0" kern="1200" dirty="0">
+              <a:solidFill>
+                <a:schemeClr val="tx1"/>
+              </a:solidFill>
+              <a:effectLst/>
+              <a:latin typeface="+mn-lt"/>
+              <a:ea typeface="+mn-ea"/>
+              <a:cs typeface="+mn-cs"/>
+            </a:endParaRPr>
+          </a:p>
+          <a:p>
+            <a:r>
+              <a:rPr lang="en-US" sz="1200" b="0" i="0" kern="1200" dirty="0">
+                <a:solidFill>
+                  <a:schemeClr val="tx1"/>
+                </a:solidFill>
+                <a:effectLst/>
+                <a:latin typeface="+mn-lt"/>
+                <a:ea typeface="+mn-ea"/>
+                <a:cs typeface="+mn-cs"/>
+              </a:rPr>
+              <a:t>Dale Squires:</a:t>
+            </a:r>
+          </a:p>
+          <a:p>
+            <a:pPr marL="171450" indent="-171450">
+              <a:buFontTx/>
+              <a:buChar char="-"/>
+            </a:pPr>
+            <a:r>
+              <a:rPr lang="en-US" sz="1200" b="0" i="0" kern="1200" dirty="0">
+                <a:solidFill>
+                  <a:schemeClr val="tx1"/>
+                </a:solidFill>
+                <a:effectLst/>
+                <a:latin typeface="+mn-lt"/>
+                <a:ea typeface="+mn-ea"/>
+                <a:cs typeface="+mn-cs"/>
+              </a:rPr>
+              <a:t>Q:  Does potential serial correlation arise with these types of regressions?</a:t>
+            </a:r>
+          </a:p>
+          <a:p>
+            <a:pPr marL="457200" lvl="1" indent="0">
+              <a:buFontTx/>
+              <a:buNone/>
+            </a:pPr>
+            <a:r>
+              <a:rPr lang="en-US" sz="1200" b="0" i="0" kern="1200" dirty="0">
+                <a:solidFill>
+                  <a:schemeClr val="tx1"/>
+                </a:solidFill>
+                <a:effectLst/>
+                <a:latin typeface="+mn-lt"/>
+                <a:ea typeface="+mn-ea"/>
+                <a:cs typeface="+mn-cs"/>
+              </a:rPr>
+              <a:t>A: I have to check!</a:t>
+            </a:r>
+          </a:p>
+          <a:p>
+            <a:pPr marL="171450" indent="-171450">
+              <a:buFontTx/>
+              <a:buChar char="-"/>
+            </a:pPr>
+            <a:r>
+              <a:rPr lang="en-US" sz="1200" b="0" i="0" kern="1200" dirty="0">
+                <a:solidFill>
+                  <a:schemeClr val="tx1"/>
+                </a:solidFill>
+                <a:effectLst/>
+                <a:latin typeface="+mn-lt"/>
+                <a:ea typeface="+mn-ea"/>
+                <a:cs typeface="+mn-cs"/>
+              </a:rPr>
+              <a:t>Q: Do ENSO events create a structural break in the time series that must be controlled for?</a:t>
+            </a:r>
+          </a:p>
+          <a:p>
+            <a:pPr marL="0" indent="0">
+              <a:buFontTx/>
+              <a:buNone/>
+            </a:pPr>
+            <a:r>
+              <a:rPr lang="en-US" sz="1200" b="0" i="0" kern="1200" dirty="0">
+                <a:solidFill>
+                  <a:schemeClr val="tx1"/>
+                </a:solidFill>
+                <a:effectLst/>
+                <a:latin typeface="+mn-lt"/>
+                <a:ea typeface="+mn-ea"/>
+                <a:cs typeface="+mn-cs"/>
+              </a:rPr>
+              <a:t>	A: Should be included in SDMs </a:t>
+            </a:r>
+          </a:p>
+          <a:p>
+            <a:pPr marL="171450" marR="0" lvl="0" indent="-171450" algn="l" defTabSz="914400" rtl="0" eaLnBrk="1" fontAlgn="auto" latinLnBrk="0" hangingPunct="1">
+              <a:lnSpc>
+                <a:spcPct val="100000"/>
+              </a:lnSpc>
+              <a:spcBef>
+                <a:spcPts val="0"/>
+              </a:spcBef>
+              <a:spcAft>
+                <a:spcPts val="0"/>
+              </a:spcAft>
+              <a:buClrTx/>
+              <a:buSzTx/>
+              <a:buFontTx/>
+              <a:buChar char="-"/>
+              <a:tabLst/>
+              <a:defRPr/>
+            </a:pPr>
+            <a:r>
+              <a:rPr lang="en-US" sz="1200" b="0" i="0" kern="1200" dirty="0">
+                <a:solidFill>
+                  <a:schemeClr val="tx1"/>
+                </a:solidFill>
+                <a:effectLst/>
+                <a:latin typeface="+mn-lt"/>
+                <a:ea typeface="+mn-ea"/>
+                <a:cs typeface="+mn-cs"/>
+              </a:rPr>
+              <a:t>Q: distance and cost can be viewed as endogenous. distance would be chosen at the same time as location. many view location as a descriptor but the choice of that descriptor can be viewed as endogenous or simultaneously chosen with </a:t>
+            </a:r>
+            <a:r>
+              <a:rPr lang="en-US" sz="1200" b="0" i="0" kern="1200" dirty="0" err="1">
+                <a:solidFill>
+                  <a:schemeClr val="tx1"/>
+                </a:solidFill>
+                <a:effectLst/>
+                <a:latin typeface="+mn-lt"/>
+                <a:ea typeface="+mn-ea"/>
+                <a:cs typeface="+mn-cs"/>
+              </a:rPr>
+              <a:t>locaton</a:t>
+            </a:r>
+            <a:r>
+              <a:rPr lang="en-US" sz="1200" b="0" i="0" kern="1200" dirty="0">
+                <a:solidFill>
+                  <a:schemeClr val="tx1"/>
+                </a:solidFill>
+                <a:effectLst/>
+                <a:latin typeface="+mn-lt"/>
+                <a:ea typeface="+mn-ea"/>
+                <a:cs typeface="+mn-cs"/>
+              </a:rPr>
+              <a:t>.</a:t>
+            </a:r>
+          </a:p>
+          <a:p>
+            <a:pPr marL="457200" marR="0" lvl="1" indent="0" algn="l" defTabSz="914400" rtl="0" eaLnBrk="1" fontAlgn="auto" latinLnBrk="0" hangingPunct="1">
+              <a:lnSpc>
+                <a:spcPct val="100000"/>
+              </a:lnSpc>
+              <a:spcBef>
+                <a:spcPts val="0"/>
+              </a:spcBef>
+              <a:spcAft>
+                <a:spcPts val="0"/>
+              </a:spcAft>
+              <a:buClrTx/>
+              <a:buSzTx/>
+              <a:buFontTx/>
+              <a:buNone/>
+              <a:tabLst/>
+              <a:defRPr/>
+            </a:pPr>
+            <a:r>
+              <a:rPr lang="en-US" sz="1200" b="0" i="0" kern="1200" dirty="0">
+                <a:solidFill>
+                  <a:schemeClr val="tx1"/>
+                </a:solidFill>
+                <a:effectLst/>
+                <a:latin typeface="+mn-lt"/>
+                <a:ea typeface="+mn-ea"/>
+                <a:cs typeface="+mn-cs"/>
+              </a:rPr>
+              <a:t>	A: In a discrete choice model</a:t>
+            </a:r>
+          </a:p>
+          <a:p>
+            <a:endParaRPr lang="en-US" sz="1200" b="0" i="0" kern="1200" dirty="0">
+              <a:solidFill>
+                <a:schemeClr val="tx1"/>
+              </a:solidFill>
+              <a:effectLst/>
+              <a:latin typeface="+mn-lt"/>
+              <a:ea typeface="+mn-ea"/>
+              <a:cs typeface="+mn-cs"/>
+            </a:endParaRPr>
+          </a:p>
+          <a:p>
+            <a:r>
+              <a:rPr lang="en-US" sz="1200" b="0" i="0" kern="1200" dirty="0">
+                <a:solidFill>
+                  <a:schemeClr val="tx1"/>
+                </a:solidFill>
+                <a:effectLst/>
+                <a:latin typeface="+mn-lt"/>
+                <a:ea typeface="+mn-ea"/>
+                <a:cs typeface="+mn-cs"/>
+              </a:rPr>
+              <a:t>Stephen </a:t>
+            </a:r>
+            <a:r>
+              <a:rPr lang="en-US" sz="1200" b="0" i="0" kern="1200" dirty="0" err="1">
+                <a:solidFill>
+                  <a:schemeClr val="tx1"/>
+                </a:solidFill>
+                <a:effectLst/>
+                <a:latin typeface="+mn-lt"/>
+                <a:ea typeface="+mn-ea"/>
+                <a:cs typeface="+mn-cs"/>
+              </a:rPr>
+              <a:t>Stohs</a:t>
+            </a:r>
+            <a:r>
+              <a:rPr lang="en-US" sz="1200" b="0" i="0" kern="1200" dirty="0">
+                <a:solidFill>
+                  <a:schemeClr val="tx1"/>
+                </a:solidFill>
+                <a:effectLst/>
+                <a:latin typeface="+mn-lt"/>
+                <a:ea typeface="+mn-ea"/>
+                <a:cs typeface="+mn-cs"/>
+              </a:rPr>
+              <a:t>:</a:t>
+            </a:r>
+          </a:p>
+          <a:p>
+            <a:pPr marL="171450" indent="-171450">
+              <a:buFontTx/>
+              <a:buChar char="-"/>
+            </a:pPr>
+            <a:r>
+              <a:rPr lang="en-US" sz="1200" b="0" i="0" kern="1200" dirty="0">
+                <a:solidFill>
+                  <a:schemeClr val="tx1"/>
+                </a:solidFill>
+                <a:effectLst/>
+                <a:latin typeface="+mn-lt"/>
+                <a:ea typeface="+mn-ea"/>
+                <a:cs typeface="+mn-cs"/>
+              </a:rPr>
+              <a:t>Potential solution: Use SDM model predictions as an instrumental variable for predicting fishing location choice... (????)</a:t>
+            </a:r>
+          </a:p>
+          <a:p>
+            <a:endParaRPr lang="en-US" sz="1200" b="0" i="0" kern="1200" dirty="0">
+              <a:solidFill>
+                <a:schemeClr val="tx1"/>
+              </a:solidFill>
+              <a:effectLst/>
+              <a:latin typeface="+mn-lt"/>
+              <a:ea typeface="+mn-ea"/>
+              <a:cs typeface="+mn-cs"/>
+            </a:endParaRPr>
+          </a:p>
+          <a:p>
+            <a:pPr marL="171450" marR="0" lvl="0" indent="-171450" algn="l" defTabSz="914400" rtl="0" eaLnBrk="1" fontAlgn="auto" latinLnBrk="0" hangingPunct="1">
+              <a:lnSpc>
+                <a:spcPct val="100000"/>
+              </a:lnSpc>
+              <a:spcBef>
+                <a:spcPts val="0"/>
+              </a:spcBef>
+              <a:spcAft>
+                <a:spcPts val="0"/>
+              </a:spcAft>
+              <a:buClrTx/>
+              <a:buSzTx/>
+              <a:buFontTx/>
+              <a:buChar char="-"/>
+              <a:tabLst/>
+              <a:defRPr/>
+            </a:pPr>
+            <a:endParaRPr lang="en-US" sz="1200" b="0" i="0" kern="1200" dirty="0">
+              <a:solidFill>
+                <a:schemeClr val="tx1"/>
+              </a:solidFill>
+              <a:effectLst/>
+              <a:latin typeface="+mn-lt"/>
+              <a:ea typeface="+mn-ea"/>
+              <a:cs typeface="+mn-cs"/>
+            </a:endParaRPr>
+          </a:p>
+          <a:p>
             <a:endParaRPr lang="en-US" dirty="0"/>
           </a:p>
         </p:txBody>
@@ -5824,7 +5846,7 @@
           <a:p>
             <a:fld id="{B751F954-3776-48DE-B231-63E89C74A71E}" type="slidenum">
               <a:rPr lang="en-US" smtClean="0"/>
-              <a:t>20</a:t>
+              <a:t>21</a:t>
             </a:fld>
             <a:endParaRPr lang="en-US"/>
           </a:p>
@@ -5833,7 +5855,7 @@
     </p:spTree>
     <p:extLst>
       <p:ext uri="{BB962C8B-B14F-4D97-AF65-F5344CB8AC3E}">
-        <p14:creationId xmlns:p14="http://schemas.microsoft.com/office/powerpoint/2010/main" val="3385294582"/>
+        <p14:creationId xmlns:p14="http://schemas.microsoft.com/office/powerpoint/2010/main" val="543063806"/>
       </p:ext>
     </p:extLst>
   </p:cSld>
@@ -5887,10 +5909,7 @@
           <a:bodyPr/>
           <a:lstStyle/>
           <a:p>
-            <a:r>
-              <a:rPr lang="en-US" dirty="0"/>
-              <a:t>SEINE is the main Gear used by this fleet.</a:t>
-            </a:r>
+            <a:endParaRPr lang="en-US" dirty="0"/>
           </a:p>
         </p:txBody>
       </p:sp>
@@ -5920,7 +5939,7 @@
     </p:spTree>
     <p:extLst>
       <p:ext uri="{BB962C8B-B14F-4D97-AF65-F5344CB8AC3E}">
-        <p14:creationId xmlns:p14="http://schemas.microsoft.com/office/powerpoint/2010/main" val="1898192126"/>
+        <p14:creationId xmlns:p14="http://schemas.microsoft.com/office/powerpoint/2010/main" val="1800163424"/>
       </p:ext>
     </p:extLst>
   </p:cSld>
@@ -5995,7 +6014,7 @@
           <a:p>
             <a:fld id="{B751F954-3776-48DE-B231-63E89C74A71E}" type="slidenum">
               <a:rPr lang="en-US" smtClean="0"/>
-              <a:t>3</a:t>
+              <a:t>4</a:t>
             </a:fld>
             <a:endParaRPr lang="en-US"/>
           </a:p>
@@ -6015,6 +6034,177 @@
 </file>
 
 <file path=ppt/notesSlides/notesSlide20.xml><?xml version="1.0" encoding="utf-8"?>
+<p:notes xmlns:a="http://schemas.openxmlformats.org/drawingml/2006/main" xmlns:r="http://schemas.openxmlformats.org/officeDocument/2006/relationships" xmlns:p="http://schemas.openxmlformats.org/presentationml/2006/main">
+  <p:cSld>
+    <p:spTree>
+      <p:nvGrpSpPr>
+        <p:cNvPr id="1" name=""/>
+        <p:cNvGrpSpPr/>
+        <p:nvPr/>
+      </p:nvGrpSpPr>
+      <p:grpSpPr>
+        <a:xfrm>
+          <a:off x="0" y="0"/>
+          <a:ext cx="0" cy="0"/>
+          <a:chOff x="0" y="0"/>
+          <a:chExt cx="0" cy="0"/>
+        </a:xfrm>
+      </p:grpSpPr>
+      <p:sp>
+        <p:nvSpPr>
+          <p:cNvPr id="2" name="Slide Image Placeholder 1"/>
+          <p:cNvSpPr>
+            <a:spLocks noGrp="1" noRot="1" noChangeAspect="1"/>
+          </p:cNvSpPr>
+          <p:nvPr>
+            <p:ph type="sldImg"/>
+          </p:nvPr>
+        </p:nvSpPr>
+        <p:spPr/>
+      </p:sp>
+      <p:sp>
+        <p:nvSpPr>
+          <p:cNvPr id="3" name="Notes Placeholder 2"/>
+          <p:cNvSpPr>
+            <a:spLocks noGrp="1"/>
+          </p:cNvSpPr>
+          <p:nvPr>
+            <p:ph type="body" idx="1"/>
+          </p:nvPr>
+        </p:nvSpPr>
+        <p:spPr/>
+        <p:txBody>
+          <a:bodyPr/>
+          <a:lstStyle/>
+          <a:p>
+            <a:endParaRPr lang="en-US" dirty="0"/>
+          </a:p>
+        </p:txBody>
+      </p:sp>
+      <p:sp>
+        <p:nvSpPr>
+          <p:cNvPr id="4" name="Slide Number Placeholder 3"/>
+          <p:cNvSpPr>
+            <a:spLocks noGrp="1"/>
+          </p:cNvSpPr>
+          <p:nvPr>
+            <p:ph type="sldNum" sz="quarter" idx="5"/>
+          </p:nvPr>
+        </p:nvSpPr>
+        <p:spPr/>
+        <p:txBody>
+          <a:bodyPr/>
+          <a:lstStyle/>
+          <a:p>
+            <a:fld id="{B751F954-3776-48DE-B231-63E89C74A71E}" type="slidenum">
+              <a:rPr lang="en-US" smtClean="0"/>
+              <a:t>23</a:t>
+            </a:fld>
+            <a:endParaRPr lang="en-US"/>
+          </a:p>
+        </p:txBody>
+      </p:sp>
+    </p:spTree>
+    <p:extLst>
+      <p:ext uri="{BB962C8B-B14F-4D97-AF65-F5344CB8AC3E}">
+        <p14:creationId xmlns:p14="http://schemas.microsoft.com/office/powerpoint/2010/main" val="3385294582"/>
+      </p:ext>
+    </p:extLst>
+  </p:cSld>
+  <p:clrMapOvr>
+    <a:masterClrMapping/>
+  </p:clrMapOvr>
+</p:notes>
+</file>
+
+<file path=ppt/notesSlides/notesSlide21.xml><?xml version="1.0" encoding="utf-8"?>
+<p:notes xmlns:a="http://schemas.openxmlformats.org/drawingml/2006/main" xmlns:r="http://schemas.openxmlformats.org/officeDocument/2006/relationships" xmlns:p="http://schemas.openxmlformats.org/presentationml/2006/main">
+  <p:cSld>
+    <p:spTree>
+      <p:nvGrpSpPr>
+        <p:cNvPr id="1" name=""/>
+        <p:cNvGrpSpPr/>
+        <p:nvPr/>
+      </p:nvGrpSpPr>
+      <p:grpSpPr>
+        <a:xfrm>
+          <a:off x="0" y="0"/>
+          <a:ext cx="0" cy="0"/>
+          <a:chOff x="0" y="0"/>
+          <a:chExt cx="0" cy="0"/>
+        </a:xfrm>
+      </p:grpSpPr>
+      <p:sp>
+        <p:nvSpPr>
+          <p:cNvPr id="2" name="Slide Image Placeholder 1"/>
+          <p:cNvSpPr>
+            <a:spLocks noGrp="1" noRot="1" noChangeAspect="1"/>
+          </p:cNvSpPr>
+          <p:nvPr>
+            <p:ph type="sldImg"/>
+          </p:nvPr>
+        </p:nvSpPr>
+        <p:spPr/>
+      </p:sp>
+      <p:sp>
+        <p:nvSpPr>
+          <p:cNvPr id="3" name="Notes Placeholder 2"/>
+          <p:cNvSpPr>
+            <a:spLocks noGrp="1"/>
+          </p:cNvSpPr>
+          <p:nvPr>
+            <p:ph type="body" idx="1"/>
+          </p:nvPr>
+        </p:nvSpPr>
+        <p:spPr/>
+        <p:txBody>
+          <a:bodyPr/>
+          <a:lstStyle/>
+          <a:p>
+            <a:r>
+              <a:rPr lang="en-US" dirty="0"/>
+              <a:t>SEINE is the main Gear used by this fleet.</a:t>
+            </a:r>
+          </a:p>
+        </p:txBody>
+      </p:sp>
+      <p:sp>
+        <p:nvSpPr>
+          <p:cNvPr id="4" name="Slide Number Placeholder 3"/>
+          <p:cNvSpPr>
+            <a:spLocks noGrp="1"/>
+          </p:cNvSpPr>
+          <p:nvPr>
+            <p:ph type="sldNum" sz="quarter" idx="5"/>
+          </p:nvPr>
+        </p:nvSpPr>
+        <p:spPr/>
+        <p:txBody>
+          <a:bodyPr/>
+          <a:lstStyle/>
+          <a:p>
+            <a:fld id="{B751F954-3776-48DE-B231-63E89C74A71E}" type="slidenum">
+              <a:rPr lang="en-US" smtClean="0"/>
+              <a:t>25</a:t>
+            </a:fld>
+            <a:endParaRPr lang="en-US"/>
+          </a:p>
+        </p:txBody>
+      </p:sp>
+    </p:spTree>
+    <p:extLst>
+      <p:ext uri="{BB962C8B-B14F-4D97-AF65-F5344CB8AC3E}">
+        <p14:creationId xmlns:p14="http://schemas.microsoft.com/office/powerpoint/2010/main" val="1898192126"/>
+      </p:ext>
+    </p:extLst>
+  </p:cSld>
+  <p:clrMapOvr>
+    <a:masterClrMapping/>
+  </p:clrMapOvr>
+</p:notes>
+</file>
+
+<file path=ppt/notesSlides/notesSlide22.xml><?xml version="1.0" encoding="utf-8"?>
 <p:notes xmlns:a="http://schemas.openxmlformats.org/drawingml/2006/main" xmlns:r="http://schemas.openxmlformats.org/officeDocument/2006/relationships" xmlns:p="http://schemas.openxmlformats.org/presentationml/2006/main">
   <p:cSld>
     <p:spTree>
@@ -6165,7 +6355,7 @@
           <a:p>
             <a:fld id="{B751F954-3776-48DE-B231-63E89C74A71E}" type="slidenum">
               <a:rPr lang="en-US" smtClean="0"/>
-              <a:t>23</a:t>
+              <a:t>26</a:t>
             </a:fld>
             <a:endParaRPr lang="en-US"/>
           </a:p>
@@ -6184,7 +6374,7 @@
 </p:notes>
 </file>
 
-<file path=ppt/notesSlides/notesSlide21.xml><?xml version="1.0" encoding="utf-8"?>
+<file path=ppt/notesSlides/notesSlide23.xml><?xml version="1.0" encoding="utf-8"?>
 <p:notes xmlns:a="http://schemas.openxmlformats.org/drawingml/2006/main" xmlns:r="http://schemas.openxmlformats.org/officeDocument/2006/relationships" xmlns:p="http://schemas.openxmlformats.org/presentationml/2006/main">
   <p:cSld>
     <p:spTree>
@@ -6249,7 +6439,7 @@
           <a:p>
             <a:fld id="{B751F954-3776-48DE-B231-63E89C74A71E}" type="slidenum">
               <a:rPr lang="en-US" smtClean="0"/>
-              <a:t>24</a:t>
+              <a:t>27</a:t>
             </a:fld>
             <a:endParaRPr lang="en-US"/>
           </a:p>
@@ -6268,7 +6458,7 @@
 </p:notes>
 </file>
 
-<file path=ppt/notesSlides/notesSlide22.xml><?xml version="1.0" encoding="utf-8"?>
+<file path=ppt/notesSlides/notesSlide24.xml><?xml version="1.0" encoding="utf-8"?>
 <p:notes xmlns:a="http://schemas.openxmlformats.org/drawingml/2006/main" xmlns:r="http://schemas.openxmlformats.org/officeDocument/2006/relationships" xmlns:p="http://schemas.openxmlformats.org/presentationml/2006/main">
   <p:cSld>
     <p:spTree>
@@ -6333,7 +6523,7 @@
           <a:p>
             <a:fld id="{B751F954-3776-48DE-B231-63E89C74A71E}" type="slidenum">
               <a:rPr lang="en-US" smtClean="0"/>
-              <a:t>25</a:t>
+              <a:t>28</a:t>
             </a:fld>
             <a:endParaRPr lang="en-US"/>
           </a:p>
@@ -6417,7 +6607,7 @@
           <a:p>
             <a:fld id="{B751F954-3776-48DE-B231-63E89C74A71E}" type="slidenum">
               <a:rPr lang="en-US" smtClean="0"/>
-              <a:t>4</a:t>
+              <a:t>5</a:t>
             </a:fld>
             <a:endParaRPr lang="en-US"/>
           </a:p>
@@ -6501,7 +6691,7 @@
           <a:p>
             <a:fld id="{B751F954-3776-48DE-B231-63E89C74A71E}" type="slidenum">
               <a:rPr lang="en-US" smtClean="0"/>
-              <a:t>5</a:t>
+              <a:t>6</a:t>
             </a:fld>
             <a:endParaRPr lang="en-US"/>
           </a:p>
@@ -6632,7 +6822,7 @@
           <a:p>
             <a:fld id="{B751F954-3776-48DE-B231-63E89C74A71E}" type="slidenum">
               <a:rPr lang="en-US" smtClean="0"/>
-              <a:t>6</a:t>
+              <a:t>7</a:t>
             </a:fld>
             <a:endParaRPr lang="en-US"/>
           </a:p>
@@ -6716,7 +6906,7 @@
           <a:p>
             <a:fld id="{B751F954-3776-48DE-B231-63E89C74A71E}" type="slidenum">
               <a:rPr lang="en-US" smtClean="0"/>
-              <a:t>7</a:t>
+              <a:t>8</a:t>
             </a:fld>
             <a:endParaRPr lang="en-US"/>
           </a:p>
@@ -6725,7 +6915,7 @@
     </p:spTree>
     <p:extLst>
       <p:ext uri="{BB962C8B-B14F-4D97-AF65-F5344CB8AC3E}">
-        <p14:creationId xmlns:p14="http://schemas.microsoft.com/office/powerpoint/2010/main" val="920076998"/>
+        <p14:creationId xmlns:p14="http://schemas.microsoft.com/office/powerpoint/2010/main" val="3152958046"/>
       </p:ext>
     </p:extLst>
   </p:cSld>
@@ -6800,7 +6990,7 @@
           <a:p>
             <a:fld id="{B751F954-3776-48DE-B231-63E89C74A71E}" type="slidenum">
               <a:rPr lang="en-US" smtClean="0"/>
-              <a:t>8</a:t>
+              <a:t>9</a:t>
             </a:fld>
             <a:endParaRPr lang="en-US"/>
           </a:p>
@@ -6809,7 +6999,7 @@
     </p:spTree>
     <p:extLst>
       <p:ext uri="{BB962C8B-B14F-4D97-AF65-F5344CB8AC3E}">
-        <p14:creationId xmlns:p14="http://schemas.microsoft.com/office/powerpoint/2010/main" val="292429078"/>
+        <p14:creationId xmlns:p14="http://schemas.microsoft.com/office/powerpoint/2010/main" val="4034951474"/>
       </p:ext>
     </p:extLst>
   </p:cSld>
@@ -6863,10 +7053,7 @@
           <a:bodyPr/>
           <a:lstStyle/>
           <a:p>
-            <a:r>
-              <a:rPr lang="en-US" dirty="0"/>
-              <a:t>WHAT IS BEHIND THIS TRENDS</a:t>
-            </a:r>
+            <a:endParaRPr lang="en-US" dirty="0"/>
           </a:p>
         </p:txBody>
       </p:sp>
@@ -6896,7 +7083,7 @@
     </p:spTree>
     <p:extLst>
       <p:ext uri="{BB962C8B-B14F-4D97-AF65-F5344CB8AC3E}">
-        <p14:creationId xmlns:p14="http://schemas.microsoft.com/office/powerpoint/2010/main" val="3109375171"/>
+        <p14:creationId xmlns:p14="http://schemas.microsoft.com/office/powerpoint/2010/main" val="920076998"/>
       </p:ext>
     </p:extLst>
   </p:cSld>
@@ -6950,22 +7137,6 @@
           <a:bodyPr/>
           <a:lstStyle/>
           <a:p>
-            <a:r>
-              <a:rPr lang="en-US" dirty="0"/>
-              <a:t>Coastal Pelagic Species refer</a:t>
-            </a:r>
-            <a:r>
-              <a:rPr lang="en-US" baseline="0" dirty="0"/>
-              <a:t>s to the group of species included in the Pacific Fishery Management Council’s</a:t>
-            </a:r>
-          </a:p>
-          <a:p>
-            <a:r>
-              <a:rPr lang="en-US" baseline="0" dirty="0"/>
-              <a:t>Coastal Pelagic Species Management Plan (https://www.fisheries.noaa.gov/management-plan/coastal-pelagic-species-management-plan)</a:t>
-            </a:r>
-          </a:p>
-          <a:p>
             <a:endParaRPr lang="en-US" dirty="0"/>
           </a:p>
         </p:txBody>
@@ -6996,7 +7167,7 @@
     </p:spTree>
     <p:extLst>
       <p:ext uri="{BB962C8B-B14F-4D97-AF65-F5344CB8AC3E}">
-        <p14:creationId xmlns:p14="http://schemas.microsoft.com/office/powerpoint/2010/main" val="2029789702"/>
+        <p14:creationId xmlns:p14="http://schemas.microsoft.com/office/powerpoint/2010/main" val="292429078"/>
       </p:ext>
     </p:extLst>
   </p:cSld>
@@ -7137,7 +7308,7 @@
           <a:p>
             <a:fld id="{63C4C297-DBDA-4ACB-BFAB-FD3B44600C31}" type="datetime1">
               <a:rPr lang="en-US" smtClean="0"/>
-              <a:t>1/4/2022</a:t>
+              <a:t>1/6/2022</a:t>
             </a:fld>
             <a:endParaRPr lang="en-US"/>
           </a:p>
@@ -7307,7 +7478,7 @@
           <a:p>
             <a:fld id="{D7EF550D-7706-4090-9E8E-1FC4A8CD6CFB}" type="datetime1">
               <a:rPr lang="en-US" smtClean="0"/>
-              <a:t>1/4/2022</a:t>
+              <a:t>1/6/2022</a:t>
             </a:fld>
             <a:endParaRPr lang="en-US"/>
           </a:p>
@@ -7487,7 +7658,7 @@
           <a:p>
             <a:fld id="{17980AC1-0312-4E97-869E-FA046780C18F}" type="datetime1">
               <a:rPr lang="en-US" smtClean="0"/>
-              <a:t>1/4/2022</a:t>
+              <a:t>1/6/2022</a:t>
             </a:fld>
             <a:endParaRPr lang="en-US"/>
           </a:p>
@@ -7657,7 +7828,7 @@
           <a:p>
             <a:fld id="{8F4801DD-E47D-4CC4-A7FA-9F20F6673B18}" type="datetime1">
               <a:rPr lang="en-US" smtClean="0"/>
-              <a:t>1/4/2022</a:t>
+              <a:t>1/6/2022</a:t>
             </a:fld>
             <a:endParaRPr lang="en-US"/>
           </a:p>
@@ -7901,7 +8072,7 @@
           <a:p>
             <a:fld id="{BF786561-BB39-4DEC-9180-E9BE082C798E}" type="datetime1">
               <a:rPr lang="en-US" smtClean="0"/>
-              <a:t>1/4/2022</a:t>
+              <a:t>1/6/2022</a:t>
             </a:fld>
             <a:endParaRPr lang="en-US"/>
           </a:p>
@@ -8133,7 +8304,7 @@
           <a:p>
             <a:fld id="{4E7702F0-0CE5-4CC0-827E-F25D6B559E3F}" type="datetime1">
               <a:rPr lang="en-US" smtClean="0"/>
-              <a:t>1/4/2022</a:t>
+              <a:t>1/6/2022</a:t>
             </a:fld>
             <a:endParaRPr lang="en-US"/>
           </a:p>
@@ -8500,7 +8671,7 @@
           <a:p>
             <a:fld id="{0520955F-FC17-441B-8C04-BE49B7B30DEB}" type="datetime1">
               <a:rPr lang="en-US" smtClean="0"/>
-              <a:t>1/4/2022</a:t>
+              <a:t>1/6/2022</a:t>
             </a:fld>
             <a:endParaRPr lang="en-US"/>
           </a:p>
@@ -8618,7 +8789,7 @@
           <a:p>
             <a:fld id="{2D80F6ED-3FD7-4447-92BA-3C3B9311D2D3}" type="datetime1">
               <a:rPr lang="en-US" smtClean="0"/>
-              <a:t>1/4/2022</a:t>
+              <a:t>1/6/2022</a:t>
             </a:fld>
             <a:endParaRPr lang="en-US"/>
           </a:p>
@@ -8713,7 +8884,7 @@
           <a:p>
             <a:fld id="{2918E5FC-3CF7-451E-8148-918CB4B7E173}" type="datetime1">
               <a:rPr lang="en-US" smtClean="0"/>
-              <a:t>1/4/2022</a:t>
+              <a:t>1/6/2022</a:t>
             </a:fld>
             <a:endParaRPr lang="en-US"/>
           </a:p>
@@ -8990,7 +9161,7 @@
           <a:p>
             <a:fld id="{A829BC82-10DA-47CF-BF87-5CF96CE3B2E3}" type="datetime1">
               <a:rPr lang="en-US" smtClean="0"/>
-              <a:t>1/4/2022</a:t>
+              <a:t>1/6/2022</a:t>
             </a:fld>
             <a:endParaRPr lang="en-US"/>
           </a:p>
@@ -9247,7 +9418,7 @@
           <a:p>
             <a:fld id="{C92A2A56-14F4-40B0-9CE8-567949C44697}" type="datetime1">
               <a:rPr lang="en-US" smtClean="0"/>
-              <a:t>1/4/2022</a:t>
+              <a:t>1/6/2022</a:t>
             </a:fld>
             <a:endParaRPr lang="en-US"/>
           </a:p>
@@ -9460,7 +9631,7 @@
           <a:p>
             <a:fld id="{99DA4EE0-29A1-49DB-9591-D1E2158C7D40}" type="datetime1">
               <a:rPr lang="en-US" smtClean="0"/>
-              <a:t>1/4/2022</a:t>
+              <a:t>1/6/2022</a:t>
             </a:fld>
             <a:endParaRPr lang="en-US"/>
           </a:p>
@@ -10278,6 +10449,882 @@
 </file>
 
 <file path=ppt/slides/slide10.xml><?xml version="1.0" encoding="utf-8"?>
+<p:sld xmlns:a="http://schemas.openxmlformats.org/drawingml/2006/main" xmlns:r="http://schemas.openxmlformats.org/officeDocument/2006/relationships" xmlns:p="http://schemas.openxmlformats.org/presentationml/2006/main">
+  <p:cSld>
+    <p:spTree>
+      <p:nvGrpSpPr>
+        <p:cNvPr id="1" name=""/>
+        <p:cNvGrpSpPr/>
+        <p:nvPr/>
+      </p:nvGrpSpPr>
+      <p:grpSpPr>
+        <a:xfrm>
+          <a:off x="0" y="0"/>
+          <a:ext cx="0" cy="0"/>
+          <a:chOff x="0" y="0"/>
+          <a:chExt cx="0" cy="0"/>
+        </a:xfrm>
+      </p:grpSpPr>
+      <p:sp>
+        <p:nvSpPr>
+          <p:cNvPr id="2" name="Title 1">
+            <a:extLst>
+              <a:ext uri="{FF2B5EF4-FFF2-40B4-BE49-F238E27FC236}">
+                <a16:creationId xmlns:a16="http://schemas.microsoft.com/office/drawing/2014/main" id="{AB146FD5-B7E6-4311-BEFD-D6D4A89D4FAF}"/>
+              </a:ext>
+            </a:extLst>
+          </p:cNvPr>
+          <p:cNvSpPr>
+            <a:spLocks noGrp="1"/>
+          </p:cNvSpPr>
+          <p:nvPr>
+            <p:ph type="title"/>
+          </p:nvPr>
+        </p:nvSpPr>
+        <p:spPr>
+          <a:xfrm>
+            <a:off x="0" y="0"/>
+            <a:ext cx="9144000" cy="923278"/>
+          </a:xfrm>
+          <a:solidFill>
+            <a:srgbClr val="003C6C"/>
+          </a:solidFill>
+        </p:spPr>
+        <p:txBody>
+          <a:bodyPr/>
+          <a:lstStyle/>
+          <a:p>
+            <a:r>
+              <a:rPr lang="en-US" dirty="0">
+                <a:solidFill>
+                  <a:schemeClr val="bg1"/>
+                </a:solidFill>
+                <a:latin typeface="+mn-lt"/>
+              </a:rPr>
+              <a:t> Some model considerations</a:t>
+            </a:r>
+          </a:p>
+        </p:txBody>
+      </p:sp>
+      <p:sp>
+        <p:nvSpPr>
+          <p:cNvPr id="3" name="Content Placeholder 2">
+            <a:extLst>
+              <a:ext uri="{FF2B5EF4-FFF2-40B4-BE49-F238E27FC236}">
+                <a16:creationId xmlns:a16="http://schemas.microsoft.com/office/drawing/2014/main" id="{F5F89EB4-FE7A-4332-8A77-6D74A195BC07}"/>
+              </a:ext>
+            </a:extLst>
+          </p:cNvPr>
+          <p:cNvSpPr>
+            <a:spLocks noGrp="1"/>
+          </p:cNvSpPr>
+          <p:nvPr>
+            <p:ph idx="1"/>
+          </p:nvPr>
+        </p:nvSpPr>
+        <p:spPr>
+          <a:xfrm>
+            <a:off x="406709" y="1240971"/>
+            <a:ext cx="8515222" cy="5480505"/>
+          </a:xfrm>
+        </p:spPr>
+        <p:txBody>
+          <a:bodyPr>
+            <a:normAutofit fontScale="92500"/>
+          </a:bodyPr>
+          <a:lstStyle/>
+          <a:p>
+            <a:pPr marL="514350" indent="-514350">
+              <a:lnSpc>
+                <a:spcPct val="110000"/>
+              </a:lnSpc>
+              <a:buFont typeface="+mj-lt"/>
+              <a:buAutoNum type="arabicPeriod"/>
+            </a:pPr>
+            <a:r>
+              <a:rPr lang="en-US" sz="2900" dirty="0">
+                <a:solidFill>
+                  <a:schemeClr val="bg2"/>
+                </a:solidFill>
+              </a:rPr>
+              <a:t>How to choose vessels to include in estimations? </a:t>
+            </a:r>
+          </a:p>
+          <a:p>
+            <a:pPr marL="971550" lvl="1" indent="-514350">
+              <a:lnSpc>
+                <a:spcPct val="110000"/>
+              </a:lnSpc>
+              <a:buFont typeface="+mj-lt"/>
+              <a:buAutoNum type="alphaLcParenR"/>
+            </a:pPr>
+            <a:r>
+              <a:rPr lang="en-US" sz="2500" dirty="0">
+                <a:solidFill>
+                  <a:schemeClr val="bg2"/>
+                </a:solidFill>
+              </a:rPr>
+              <a:t>They should show substitution between species?</a:t>
+            </a:r>
+          </a:p>
+          <a:p>
+            <a:pPr marL="1428750" lvl="2" indent="-514350">
+              <a:lnSpc>
+                <a:spcPct val="110000"/>
+              </a:lnSpc>
+              <a:buFont typeface="+mj-lt"/>
+              <a:buAutoNum type="alphaLcParenR"/>
+            </a:pPr>
+            <a:r>
+              <a:rPr lang="en-US" sz="2100" dirty="0">
+                <a:solidFill>
+                  <a:schemeClr val="bg2"/>
+                </a:solidFill>
+              </a:rPr>
+              <a:t>Cluster analysis (Tim Frawley working also on this…)</a:t>
+            </a:r>
+          </a:p>
+          <a:p>
+            <a:pPr marL="971550" lvl="1" indent="-514350">
+              <a:lnSpc>
+                <a:spcPct val="110000"/>
+              </a:lnSpc>
+              <a:buFont typeface="+mj-lt"/>
+              <a:buAutoNum type="alphaLcParenR"/>
+            </a:pPr>
+            <a:r>
+              <a:rPr lang="en-US" sz="2500" dirty="0"/>
+              <a:t>Cutoff point (i.e. revenue)?</a:t>
+            </a:r>
+          </a:p>
+          <a:p>
+            <a:pPr marL="971550" lvl="1" indent="-514350">
+              <a:lnSpc>
+                <a:spcPct val="110000"/>
+              </a:lnSpc>
+              <a:buFont typeface="+mj-lt"/>
+              <a:buAutoNum type="alphaLcParenR"/>
+            </a:pPr>
+            <a:r>
+              <a:rPr lang="en-US" sz="2500" dirty="0"/>
+              <a:t>They should have LE permits?</a:t>
+            </a:r>
+          </a:p>
+          <a:p>
+            <a:pPr marL="514350" indent="-514350">
+              <a:lnSpc>
+                <a:spcPct val="110000"/>
+              </a:lnSpc>
+              <a:buFont typeface="+mj-lt"/>
+              <a:buAutoNum type="arabicPeriod"/>
+            </a:pPr>
+            <a:r>
+              <a:rPr lang="en-US" sz="2900" dirty="0"/>
+              <a:t>Relative v/s own prices? (same for SDM?)</a:t>
+            </a:r>
+          </a:p>
+          <a:p>
+            <a:pPr marL="971550" lvl="1" indent="-514350">
+              <a:lnSpc>
+                <a:spcPct val="110000"/>
+              </a:lnSpc>
+              <a:buFont typeface="+mj-lt"/>
+              <a:buAutoNum type="alphaLcParenR"/>
+            </a:pPr>
+            <a:r>
+              <a:rPr lang="en-US" sz="2500" dirty="0"/>
+              <a:t>Based on econ theory?</a:t>
+            </a:r>
+          </a:p>
+          <a:p>
+            <a:pPr marL="514350" indent="-514350">
+              <a:lnSpc>
+                <a:spcPct val="110000"/>
+              </a:lnSpc>
+              <a:buFont typeface="+mj-lt"/>
+              <a:buAutoNum type="arabicPeriod"/>
+            </a:pPr>
+            <a:r>
+              <a:rPr lang="en-US" sz="2900" dirty="0"/>
+              <a:t>Squid SDM</a:t>
+            </a:r>
+          </a:p>
+          <a:p>
+            <a:pPr marL="971550" lvl="1" indent="-514350">
+              <a:lnSpc>
+                <a:spcPct val="110000"/>
+              </a:lnSpc>
+              <a:buFont typeface="+mj-lt"/>
+              <a:buAutoNum type="alphaLcParenR"/>
+            </a:pPr>
+            <a:r>
+              <a:rPr lang="en-US" sz="2500" dirty="0"/>
+              <a:t>With spawning biomass or without??</a:t>
+            </a:r>
+          </a:p>
+          <a:p>
+            <a:pPr marL="514350" indent="-514350">
+              <a:lnSpc>
+                <a:spcPct val="110000"/>
+              </a:lnSpc>
+              <a:buFont typeface="+mj-lt"/>
+              <a:buAutoNum type="arabicPeriod"/>
+            </a:pPr>
+            <a:r>
+              <a:rPr lang="en-US" sz="2900" dirty="0"/>
+              <a:t>Frequency of the data? </a:t>
+            </a:r>
+          </a:p>
+          <a:p>
+            <a:pPr marL="971550" lvl="1" indent="-514350">
+              <a:lnSpc>
+                <a:spcPct val="110000"/>
+              </a:lnSpc>
+              <a:buFont typeface="+mj-lt"/>
+              <a:buAutoNum type="alphaLcParenR"/>
+            </a:pPr>
+            <a:r>
+              <a:rPr lang="en-US" sz="2500" dirty="0"/>
+              <a:t>Annual v/s quarterly (monthly do not run…)</a:t>
+            </a:r>
+          </a:p>
+          <a:p>
+            <a:pPr marL="514350" indent="-514350">
+              <a:lnSpc>
+                <a:spcPct val="110000"/>
+              </a:lnSpc>
+              <a:buFont typeface="+mj-lt"/>
+              <a:buAutoNum type="arabicPeriod"/>
+            </a:pPr>
+            <a:endParaRPr lang="en-US" sz="2900" dirty="0"/>
+          </a:p>
+          <a:p>
+            <a:pPr marL="514350" indent="-514350">
+              <a:lnSpc>
+                <a:spcPct val="110000"/>
+              </a:lnSpc>
+              <a:buFont typeface="+mj-lt"/>
+              <a:buAutoNum type="arabicPeriod"/>
+            </a:pPr>
+            <a:endParaRPr lang="en-US" dirty="0"/>
+          </a:p>
+          <a:p>
+            <a:pPr marL="514350" indent="-514350">
+              <a:lnSpc>
+                <a:spcPct val="110000"/>
+              </a:lnSpc>
+              <a:buFont typeface="+mj-lt"/>
+              <a:buAutoNum type="arabicPeriod"/>
+            </a:pPr>
+            <a:endParaRPr lang="en-US" dirty="0"/>
+          </a:p>
+        </p:txBody>
+      </p:sp>
+      <p:sp>
+        <p:nvSpPr>
+          <p:cNvPr id="6" name="Slide Number Placeholder 5">
+            <a:extLst>
+              <a:ext uri="{FF2B5EF4-FFF2-40B4-BE49-F238E27FC236}">
+                <a16:creationId xmlns:a16="http://schemas.microsoft.com/office/drawing/2014/main" id="{0FE4A19C-1A3A-4029-B746-713A9BE72B65}"/>
+              </a:ext>
+            </a:extLst>
+          </p:cNvPr>
+          <p:cNvSpPr>
+            <a:spLocks noGrp="1"/>
+          </p:cNvSpPr>
+          <p:nvPr>
+            <p:ph type="sldNum" sz="quarter" idx="12"/>
+          </p:nvPr>
+        </p:nvSpPr>
+        <p:spPr/>
+        <p:txBody>
+          <a:bodyPr/>
+          <a:lstStyle/>
+          <a:p>
+            <a:fld id="{6FD4AA8C-2C0B-45F2-84FF-CF2E58E014B2}" type="slidenum">
+              <a:rPr lang="en-US" smtClean="0"/>
+              <a:t>10</a:t>
+            </a:fld>
+            <a:endParaRPr lang="en-US"/>
+          </a:p>
+        </p:txBody>
+      </p:sp>
+    </p:spTree>
+    <p:extLst>
+      <p:ext uri="{BB962C8B-B14F-4D97-AF65-F5344CB8AC3E}">
+        <p14:creationId xmlns:p14="http://schemas.microsoft.com/office/powerpoint/2010/main" val="1494771611"/>
+      </p:ext>
+    </p:extLst>
+  </p:cSld>
+  <p:clrMapOvr>
+    <a:masterClrMapping/>
+  </p:clrMapOvr>
+</p:sld>
+</file>
+
+<file path=ppt/slides/slide11.xml><?xml version="1.0" encoding="utf-8"?>
+<p:sld xmlns:a="http://schemas.openxmlformats.org/drawingml/2006/main" xmlns:r="http://schemas.openxmlformats.org/officeDocument/2006/relationships" xmlns:p="http://schemas.openxmlformats.org/presentationml/2006/main" show="0">
+  <p:cSld>
+    <p:spTree>
+      <p:nvGrpSpPr>
+        <p:cNvPr id="1" name=""/>
+        <p:cNvGrpSpPr/>
+        <p:nvPr/>
+      </p:nvGrpSpPr>
+      <p:grpSpPr>
+        <a:xfrm>
+          <a:off x="0" y="0"/>
+          <a:ext cx="0" cy="0"/>
+          <a:chOff x="0" y="0"/>
+          <a:chExt cx="0" cy="0"/>
+        </a:xfrm>
+      </p:grpSpPr>
+      <p:sp>
+        <p:nvSpPr>
+          <p:cNvPr id="2" name="Title 1">
+            <a:extLst>
+              <a:ext uri="{FF2B5EF4-FFF2-40B4-BE49-F238E27FC236}">
+                <a16:creationId xmlns:a16="http://schemas.microsoft.com/office/drawing/2014/main" id="{AB146FD5-B7E6-4311-BEFD-D6D4A89D4FAF}"/>
+              </a:ext>
+            </a:extLst>
+          </p:cNvPr>
+          <p:cNvSpPr>
+            <a:spLocks noGrp="1"/>
+          </p:cNvSpPr>
+          <p:nvPr>
+            <p:ph type="title"/>
+          </p:nvPr>
+        </p:nvSpPr>
+        <p:spPr>
+          <a:xfrm>
+            <a:off x="0" y="136524"/>
+            <a:ext cx="9144000" cy="923278"/>
+          </a:xfrm>
+          <a:solidFill>
+            <a:srgbClr val="003C6C"/>
+          </a:solidFill>
+        </p:spPr>
+        <p:txBody>
+          <a:bodyPr/>
+          <a:lstStyle/>
+          <a:p>
+            <a:r>
+              <a:rPr lang="en-US" dirty="0">
+                <a:solidFill>
+                  <a:schemeClr val="bg1"/>
+                </a:solidFill>
+                <a:latin typeface="+mn-lt"/>
+              </a:rPr>
+              <a:t>  Conclusions </a:t>
+            </a:r>
+          </a:p>
+        </p:txBody>
+      </p:sp>
+      <p:sp>
+        <p:nvSpPr>
+          <p:cNvPr id="3" name="Content Placeholder 2">
+            <a:extLst>
+              <a:ext uri="{FF2B5EF4-FFF2-40B4-BE49-F238E27FC236}">
+                <a16:creationId xmlns:a16="http://schemas.microsoft.com/office/drawing/2014/main" id="{F5F89EB4-FE7A-4332-8A77-6D74A195BC07}"/>
+              </a:ext>
+            </a:extLst>
+          </p:cNvPr>
+          <p:cNvSpPr>
+            <a:spLocks noGrp="1"/>
+          </p:cNvSpPr>
+          <p:nvPr>
+            <p:ph idx="1"/>
+          </p:nvPr>
+        </p:nvSpPr>
+        <p:spPr>
+          <a:xfrm>
+            <a:off x="406709" y="1240971"/>
+            <a:ext cx="8515222" cy="5480505"/>
+          </a:xfrm>
+        </p:spPr>
+        <p:txBody>
+          <a:bodyPr>
+            <a:normAutofit/>
+          </a:bodyPr>
+          <a:lstStyle/>
+          <a:p>
+            <a:pPr marL="0" indent="0">
+              <a:lnSpc>
+                <a:spcPct val="110000"/>
+              </a:lnSpc>
+              <a:buNone/>
+            </a:pPr>
+            <a:r>
+              <a:rPr lang="en-US" sz="2900" b="1" dirty="0"/>
+              <a:t>Preliminary conclusions:</a:t>
+            </a:r>
+          </a:p>
+          <a:p>
+            <a:pPr marL="514350" indent="-514350">
+              <a:lnSpc>
+                <a:spcPct val="110000"/>
+              </a:lnSpc>
+              <a:buFont typeface="+mj-lt"/>
+              <a:buAutoNum type="arabicPeriod"/>
+            </a:pPr>
+            <a:r>
+              <a:rPr lang="en-US" sz="2900" dirty="0"/>
+              <a:t>Slightly positive effect of presence on landings.</a:t>
+            </a:r>
+          </a:p>
+          <a:p>
+            <a:pPr marL="514350" indent="-514350">
+              <a:lnSpc>
+                <a:spcPct val="110000"/>
+              </a:lnSpc>
+              <a:buFont typeface="+mj-lt"/>
+              <a:buAutoNum type="arabicPeriod"/>
+            </a:pPr>
+            <a:r>
+              <a:rPr lang="en-US" sz="2900" dirty="0"/>
+              <a:t>Substitution between market squid and Pacific sardine through species abundance.</a:t>
+            </a:r>
+          </a:p>
+          <a:p>
+            <a:pPr marL="514350" indent="-514350">
+              <a:lnSpc>
+                <a:spcPct val="110000"/>
+              </a:lnSpc>
+              <a:buFont typeface="+mj-lt"/>
+              <a:buAutoNum type="arabicPeriod"/>
+            </a:pPr>
+            <a:r>
+              <a:rPr lang="en-US" sz="2900" dirty="0"/>
+              <a:t>Sardine closure reduce squid landings. </a:t>
+            </a:r>
+          </a:p>
+          <a:p>
+            <a:pPr marL="514350" indent="-514350">
+              <a:lnSpc>
+                <a:spcPct val="110000"/>
+              </a:lnSpc>
+              <a:buFont typeface="+mj-lt"/>
+              <a:buAutoNum type="arabicPeriod"/>
+            </a:pPr>
+            <a:endParaRPr lang="en-US" sz="2900" dirty="0"/>
+          </a:p>
+          <a:p>
+            <a:pPr marL="0" indent="0">
+              <a:lnSpc>
+                <a:spcPct val="110000"/>
+              </a:lnSpc>
+              <a:buNone/>
+            </a:pPr>
+            <a:endParaRPr lang="en-US" dirty="0"/>
+          </a:p>
+          <a:p>
+            <a:pPr marL="514350" indent="-514350">
+              <a:lnSpc>
+                <a:spcPct val="110000"/>
+              </a:lnSpc>
+              <a:buFont typeface="+mj-lt"/>
+              <a:buAutoNum type="arabicPeriod"/>
+            </a:pPr>
+            <a:endParaRPr lang="en-US" dirty="0"/>
+          </a:p>
+        </p:txBody>
+      </p:sp>
+      <p:sp>
+        <p:nvSpPr>
+          <p:cNvPr id="6" name="Slide Number Placeholder 5">
+            <a:extLst>
+              <a:ext uri="{FF2B5EF4-FFF2-40B4-BE49-F238E27FC236}">
+                <a16:creationId xmlns:a16="http://schemas.microsoft.com/office/drawing/2014/main" id="{0FE4A19C-1A3A-4029-B746-713A9BE72B65}"/>
+              </a:ext>
+            </a:extLst>
+          </p:cNvPr>
+          <p:cNvSpPr>
+            <a:spLocks noGrp="1"/>
+          </p:cNvSpPr>
+          <p:nvPr>
+            <p:ph type="sldNum" sz="quarter" idx="12"/>
+          </p:nvPr>
+        </p:nvSpPr>
+        <p:spPr/>
+        <p:txBody>
+          <a:bodyPr/>
+          <a:lstStyle/>
+          <a:p>
+            <a:fld id="{6FD4AA8C-2C0B-45F2-84FF-CF2E58E014B2}" type="slidenum">
+              <a:rPr lang="en-US" smtClean="0"/>
+              <a:t>11</a:t>
+            </a:fld>
+            <a:endParaRPr lang="en-US"/>
+          </a:p>
+        </p:txBody>
+      </p:sp>
+    </p:spTree>
+    <p:extLst>
+      <p:ext uri="{BB962C8B-B14F-4D97-AF65-F5344CB8AC3E}">
+        <p14:creationId xmlns:p14="http://schemas.microsoft.com/office/powerpoint/2010/main" val="388225851"/>
+      </p:ext>
+    </p:extLst>
+  </p:cSld>
+  <p:clrMapOvr>
+    <a:masterClrMapping/>
+  </p:clrMapOvr>
+</p:sld>
+</file>
+
+<file path=ppt/slides/slide12.xml><?xml version="1.0" encoding="utf-8"?>
+<p:sld xmlns:a="http://schemas.openxmlformats.org/drawingml/2006/main" xmlns:r="http://schemas.openxmlformats.org/officeDocument/2006/relationships" xmlns:p="http://schemas.openxmlformats.org/presentationml/2006/main">
+  <p:cSld>
+    <p:bg>
+      <p:bgPr>
+        <a:solidFill>
+          <a:srgbClr val="003C6C"/>
+        </a:solidFill>
+        <a:effectLst/>
+      </p:bgPr>
+    </p:bg>
+    <p:spTree>
+      <p:nvGrpSpPr>
+        <p:cNvPr id="1" name=""/>
+        <p:cNvGrpSpPr/>
+        <p:nvPr/>
+      </p:nvGrpSpPr>
+      <p:grpSpPr>
+        <a:xfrm>
+          <a:off x="0" y="0"/>
+          <a:ext cx="0" cy="0"/>
+          <a:chOff x="0" y="0"/>
+          <a:chExt cx="0" cy="0"/>
+        </a:xfrm>
+      </p:grpSpPr>
+      <p:sp>
+        <p:nvSpPr>
+          <p:cNvPr id="2" name="Title 1">
+            <a:extLst>
+              <a:ext uri="{FF2B5EF4-FFF2-40B4-BE49-F238E27FC236}">
+                <a16:creationId xmlns:a16="http://schemas.microsoft.com/office/drawing/2014/main" id="{1ADB77D2-C19A-410A-8137-D34D2546F304}"/>
+              </a:ext>
+            </a:extLst>
+          </p:cNvPr>
+          <p:cNvSpPr>
+            <a:spLocks noGrp="1"/>
+          </p:cNvSpPr>
+          <p:nvPr>
+            <p:ph type="ctrTitle"/>
+          </p:nvPr>
+        </p:nvSpPr>
+        <p:spPr>
+          <a:xfrm>
+            <a:off x="462611" y="1122323"/>
+            <a:ext cx="8030346" cy="852351"/>
+          </a:xfrm>
+        </p:spPr>
+        <p:txBody>
+          <a:bodyPr>
+            <a:normAutofit/>
+          </a:bodyPr>
+          <a:lstStyle/>
+          <a:p>
+            <a:r>
+              <a:rPr lang="en-US" sz="3600" dirty="0">
+                <a:solidFill>
+                  <a:schemeClr val="bg1"/>
+                </a:solidFill>
+                <a:latin typeface="Lato Semibold" panose="020F0502020204030203" pitchFamily="34" charset="0"/>
+                <a:ea typeface="Lato Semibold" panose="020F0502020204030203" pitchFamily="34" charset="0"/>
+                <a:cs typeface="Lato Semibold" panose="020F0502020204030203" pitchFamily="34" charset="0"/>
+              </a:rPr>
+              <a:t>Thanks for your attention!</a:t>
+            </a:r>
+          </a:p>
+        </p:txBody>
+      </p:sp>
+      <p:sp>
+        <p:nvSpPr>
+          <p:cNvPr id="3" name="Subtitle 2">
+            <a:extLst>
+              <a:ext uri="{FF2B5EF4-FFF2-40B4-BE49-F238E27FC236}">
+                <a16:creationId xmlns:a16="http://schemas.microsoft.com/office/drawing/2014/main" id="{55D00C7A-D1C2-4751-ACDD-59B01C304ED0}"/>
+              </a:ext>
+            </a:extLst>
+          </p:cNvPr>
+          <p:cNvSpPr>
+            <a:spLocks noGrp="1"/>
+          </p:cNvSpPr>
+          <p:nvPr>
+            <p:ph type="subTitle" idx="1"/>
+          </p:nvPr>
+        </p:nvSpPr>
+        <p:spPr>
+          <a:xfrm>
+            <a:off x="1061853" y="4062720"/>
+            <a:ext cx="6831862" cy="1962029"/>
+          </a:xfrm>
+        </p:spPr>
+        <p:txBody>
+          <a:bodyPr>
+            <a:normAutofit fontScale="92500" lnSpcReduction="20000"/>
+          </a:bodyPr>
+          <a:lstStyle/>
+          <a:p>
+            <a:endParaRPr lang="en-US" sz="1200" dirty="0">
+              <a:solidFill>
+                <a:schemeClr val="bg1"/>
+              </a:solidFill>
+              <a:ea typeface="Microsoft JhengHei UI" panose="020B0604030504040204" pitchFamily="34" charset="-120"/>
+            </a:endParaRPr>
+          </a:p>
+          <a:p>
+            <a:r>
+              <a:rPr lang="en-US" sz="1900" b="1" dirty="0">
+                <a:solidFill>
+                  <a:schemeClr val="bg1"/>
+                </a:solidFill>
+                <a:ea typeface="Lato Semibold" panose="020F0502020204030203" pitchFamily="34" charset="0"/>
+                <a:cs typeface="Lato Semibold" panose="020F0502020204030203" pitchFamily="34" charset="0"/>
+              </a:rPr>
+              <a:t>Felipe J. Quezada</a:t>
+            </a:r>
+          </a:p>
+          <a:p>
+            <a:r>
+              <a:rPr lang="en-US" sz="1300" dirty="0">
+                <a:solidFill>
+                  <a:schemeClr val="bg1"/>
+                </a:solidFill>
+                <a:ea typeface="Microsoft JhengHei UI" panose="020B0604030504040204" pitchFamily="34" charset="-120"/>
+              </a:rPr>
+              <a:t> Postdoctoral Scholar</a:t>
+            </a:r>
+          </a:p>
+          <a:p>
+            <a:r>
+              <a:rPr lang="en-US" sz="1300" dirty="0">
+                <a:solidFill>
+                  <a:schemeClr val="bg1"/>
+                </a:solidFill>
+                <a:ea typeface="Microsoft JhengHei UI" panose="020B0604030504040204" pitchFamily="34" charset="-120"/>
+              </a:rPr>
+              <a:t> UC Santa Cruz &amp; NOAA-SWFSC</a:t>
+            </a:r>
+          </a:p>
+          <a:p>
+            <a:endParaRPr lang="en-US" sz="1200" dirty="0">
+              <a:solidFill>
+                <a:schemeClr val="bg1"/>
+              </a:solidFill>
+              <a:ea typeface="Microsoft JhengHei UI" panose="020B0604030504040204" pitchFamily="34" charset="-120"/>
+            </a:endParaRPr>
+          </a:p>
+          <a:p>
+            <a:r>
+              <a:rPr lang="en-US" sz="1900" dirty="0">
+                <a:solidFill>
+                  <a:srgbClr val="FF3399"/>
+                </a:solidFill>
+                <a:ea typeface="Microsoft JhengHei UI" panose="020B0604030504040204" pitchFamily="34" charset="-120"/>
+                <a:hlinkClick r:id="rId2">
+                  <a:extLst>
+                    <a:ext uri="{A12FA001-AC4F-418D-AE19-62706E023703}">
+                      <ahyp:hlinkClr xmlns:ahyp="http://schemas.microsoft.com/office/drawing/2018/hyperlinkcolor" val="tx"/>
+                    </a:ext>
+                  </a:extLst>
+                </a:hlinkClick>
+              </a:rPr>
+              <a:t>felipequezada.com</a:t>
+            </a:r>
+            <a:endParaRPr lang="en-US" sz="1900" dirty="0">
+              <a:solidFill>
+                <a:srgbClr val="FF3399"/>
+              </a:solidFill>
+              <a:ea typeface="Microsoft JhengHei UI" panose="020B0604030504040204" pitchFamily="34" charset="-120"/>
+            </a:endParaRPr>
+          </a:p>
+          <a:p>
+            <a:r>
+              <a:rPr lang="en-US" sz="1900" dirty="0">
+                <a:solidFill>
+                  <a:srgbClr val="FF3399"/>
+                </a:solidFill>
+                <a:ea typeface="Microsoft JhengHei UI" panose="020B0604030504040204" pitchFamily="34" charset="-120"/>
+              </a:rPr>
+              <a:t> </a:t>
+            </a:r>
+            <a:r>
+              <a:rPr lang="en-US" sz="1900" dirty="0">
+                <a:solidFill>
+                  <a:srgbClr val="FF3399"/>
+                </a:solidFill>
+                <a:ea typeface="Microsoft JhengHei UI" panose="020B0604030504040204" pitchFamily="34" charset="-120"/>
+                <a:hlinkClick r:id="rId3">
+                  <a:extLst>
+                    <a:ext uri="{A12FA001-AC4F-418D-AE19-62706E023703}">
+                      <ahyp:hlinkClr xmlns:ahyp="http://schemas.microsoft.com/office/drawing/2018/hyperlinkcolor" val="tx"/>
+                    </a:ext>
+                  </a:extLst>
+                </a:hlinkClick>
+              </a:rPr>
+              <a:t>felipe.quezada@noaa.gov</a:t>
+            </a:r>
+            <a:endParaRPr lang="en-US" sz="1900" dirty="0">
+              <a:solidFill>
+                <a:srgbClr val="FF3399"/>
+              </a:solidFill>
+              <a:ea typeface="Microsoft JhengHei UI" panose="020B0604030504040204" pitchFamily="34" charset="-120"/>
+            </a:endParaRPr>
+          </a:p>
+        </p:txBody>
+      </p:sp>
+      <p:pic>
+        <p:nvPicPr>
+          <p:cNvPr id="1026" name="Picture 2" descr="https://communications.ucsc.edu/wp-content/uploads/2021/04/2021-Logo-Do-2.jpg">
+            <a:extLst>
+              <a:ext uri="{FF2B5EF4-FFF2-40B4-BE49-F238E27FC236}">
+                <a16:creationId xmlns:a16="http://schemas.microsoft.com/office/drawing/2014/main" id="{3AA06CBB-4867-46FA-B33F-3F8F976D86FE}"/>
+              </a:ext>
+            </a:extLst>
+          </p:cNvPr>
+          <p:cNvPicPr>
+            <a:picLocks noChangeAspect="1" noChangeArrowheads="1"/>
+          </p:cNvPicPr>
+          <p:nvPr/>
+        </p:nvPicPr>
+        <p:blipFill>
+          <a:blip r:embed="rId4">
+            <a:extLst>
+              <a:ext uri="{28A0092B-C50C-407E-A947-70E740481C1C}">
+                <a14:useLocalDpi xmlns:a14="http://schemas.microsoft.com/office/drawing/2010/main" val="0"/>
+              </a:ext>
+            </a:extLst>
+          </a:blip>
+          <a:srcRect/>
+          <a:stretch>
+            <a:fillRect/>
+          </a:stretch>
+        </p:blipFill>
+        <p:spPr bwMode="auto">
+          <a:xfrm>
+            <a:off x="1195743" y="2590542"/>
+            <a:ext cx="2486025" cy="852351"/>
+          </a:xfrm>
+          <a:prstGeom prst="rect">
+            <a:avLst/>
+          </a:prstGeom>
+          <a:noFill/>
+          <a:extLst>
+            <a:ext uri="{909E8E84-426E-40DD-AFC4-6F175D3DCCD1}">
+              <a14:hiddenFill xmlns:a14="http://schemas.microsoft.com/office/drawing/2010/main">
+                <a:solidFill>
+                  <a:srgbClr val="FFFFFF"/>
+                </a:solidFill>
+              </a14:hiddenFill>
+            </a:ext>
+          </a:extLst>
+        </p:spPr>
+      </p:pic>
+      <p:cxnSp>
+        <p:nvCxnSpPr>
+          <p:cNvPr id="5" name="Straight Connector 4">
+            <a:extLst>
+              <a:ext uri="{FF2B5EF4-FFF2-40B4-BE49-F238E27FC236}">
+                <a16:creationId xmlns:a16="http://schemas.microsoft.com/office/drawing/2014/main" id="{67B4593C-666A-4A21-9A4D-CE41B22F5DEC}"/>
+              </a:ext>
+            </a:extLst>
+          </p:cNvPr>
+          <p:cNvCxnSpPr>
+            <a:cxnSpLocks/>
+          </p:cNvCxnSpPr>
+          <p:nvPr/>
+        </p:nvCxnSpPr>
+        <p:spPr>
+          <a:xfrm flipV="1">
+            <a:off x="680759" y="2153127"/>
+            <a:ext cx="7764647" cy="24120"/>
+          </a:xfrm>
+          <a:prstGeom prst="line">
+            <a:avLst/>
+          </a:prstGeom>
+          <a:ln w="50800">
+            <a:solidFill>
+              <a:srgbClr val="FDC700"/>
+            </a:solidFill>
+          </a:ln>
+        </p:spPr>
+        <p:style>
+          <a:lnRef idx="1">
+            <a:schemeClr val="accent1"/>
+          </a:lnRef>
+          <a:fillRef idx="0">
+            <a:schemeClr val="accent1"/>
+          </a:fillRef>
+          <a:effectRef idx="0">
+            <a:schemeClr val="accent1"/>
+          </a:effectRef>
+          <a:fontRef idx="minor">
+            <a:schemeClr val="tx1"/>
+          </a:fontRef>
+        </p:style>
+      </p:cxnSp>
+      <p:pic>
+        <p:nvPicPr>
+          <p:cNvPr id="11" name="Picture 2" descr="https://cpo.noaa.gov/portals/0/Images/COCA/CAFA.png">
+            <a:extLst>
+              <a:ext uri="{FF2B5EF4-FFF2-40B4-BE49-F238E27FC236}">
+                <a16:creationId xmlns:a16="http://schemas.microsoft.com/office/drawing/2014/main" id="{5AA85E32-1D0C-4254-B07D-4090700404DF}"/>
+              </a:ext>
+            </a:extLst>
+          </p:cNvPr>
+          <p:cNvPicPr>
+            <a:picLocks noChangeAspect="1" noChangeArrowheads="1"/>
+          </p:cNvPicPr>
+          <p:nvPr/>
+        </p:nvPicPr>
+        <p:blipFill>
+          <a:blip r:embed="rId5">
+            <a:extLst>
+              <a:ext uri="{28A0092B-C50C-407E-A947-70E740481C1C}">
+                <a14:useLocalDpi xmlns:a14="http://schemas.microsoft.com/office/drawing/2010/main" val="0"/>
+              </a:ext>
+            </a:extLst>
+          </a:blip>
+          <a:srcRect/>
+          <a:stretch>
+            <a:fillRect/>
+          </a:stretch>
+        </p:blipFill>
+        <p:spPr bwMode="auto">
+          <a:xfrm>
+            <a:off x="5462234" y="2599817"/>
+            <a:ext cx="2573524" cy="852351"/>
+          </a:xfrm>
+          <a:prstGeom prst="rect">
+            <a:avLst/>
+          </a:prstGeom>
+          <a:noFill/>
+          <a:extLst>
+            <a:ext uri="{909E8E84-426E-40DD-AFC4-6F175D3DCCD1}">
+              <a14:hiddenFill xmlns:a14="http://schemas.microsoft.com/office/drawing/2010/main">
+                <a:solidFill>
+                  <a:srgbClr val="FFFFFF"/>
+                </a:solidFill>
+              </a14:hiddenFill>
+            </a:ext>
+          </a:extLst>
+        </p:spPr>
+      </p:pic>
+    </p:spTree>
+    <p:extLst>
+      <p:ext uri="{BB962C8B-B14F-4D97-AF65-F5344CB8AC3E}">
+        <p14:creationId xmlns:p14="http://schemas.microsoft.com/office/powerpoint/2010/main" val="3346730995"/>
+      </p:ext>
+    </p:extLst>
+  </p:cSld>
+  <p:clrMapOvr>
+    <a:masterClrMapping/>
+  </p:clrMapOvr>
+</p:sld>
+</file>
+
+<file path=ppt/slides/slide13.xml><?xml version="1.0" encoding="utf-8"?>
 <p:sld xmlns:a="http://schemas.openxmlformats.org/drawingml/2006/main" xmlns:r="http://schemas.openxmlformats.org/officeDocument/2006/relationships" xmlns:p="http://schemas.openxmlformats.org/presentationml/2006/main" show="0">
   <p:cSld>
     <p:spTree>
@@ -10367,7 +11414,7 @@
           <a:p>
             <a:fld id="{6FD4AA8C-2C0B-45F2-84FF-CF2E58E014B2}" type="slidenum">
               <a:rPr lang="en-US" smtClean="0"/>
-              <a:t>10</a:t>
+              <a:t>13</a:t>
             </a:fld>
             <a:endParaRPr lang="en-US" dirty="0"/>
           </a:p>
@@ -10858,7 +11905,7 @@
 </p:sld>
 </file>
 
-<file path=ppt/slides/slide11.xml><?xml version="1.0" encoding="utf-8"?>
+<file path=ppt/slides/slide14.xml><?xml version="1.0" encoding="utf-8"?>
 <p:sld xmlns:a="http://schemas.openxmlformats.org/drawingml/2006/main" xmlns:r="http://schemas.openxmlformats.org/officeDocument/2006/relationships" xmlns:p="http://schemas.openxmlformats.org/presentationml/2006/main" show="0">
   <p:cSld>
     <p:spTree>
@@ -11147,7 +12194,7 @@
           <a:p>
             <a:fld id="{6FD4AA8C-2C0B-45F2-84FF-CF2E58E014B2}" type="slidenum">
               <a:rPr lang="en-US" smtClean="0"/>
-              <a:t>11</a:t>
+              <a:t>14</a:t>
             </a:fld>
             <a:endParaRPr lang="en-US" dirty="0"/>
           </a:p>
@@ -11166,7 +12213,7 @@
 </p:sld>
 </file>
 
-<file path=ppt/slides/slide12.xml><?xml version="1.0" encoding="utf-8"?>
+<file path=ppt/slides/slide15.xml><?xml version="1.0" encoding="utf-8"?>
 <p:sld xmlns:a="http://schemas.openxmlformats.org/drawingml/2006/main" xmlns:r="http://schemas.openxmlformats.org/officeDocument/2006/relationships" xmlns:p="http://schemas.openxmlformats.org/presentationml/2006/main" show="0">
   <p:cSld>
     <p:spTree>
@@ -11279,7 +12326,7 @@
           <a:p>
             <a:fld id="{6FD4AA8C-2C0B-45F2-84FF-CF2E58E014B2}" type="slidenum">
               <a:rPr lang="en-US" smtClean="0"/>
-              <a:t>12</a:t>
+              <a:t>15</a:t>
             </a:fld>
             <a:endParaRPr lang="en-US"/>
           </a:p>
@@ -11298,7 +12345,7 @@
 </p:sld>
 </file>
 
-<file path=ppt/slides/slide13.xml><?xml version="1.0" encoding="utf-8"?>
+<file path=ppt/slides/slide16.xml><?xml version="1.0" encoding="utf-8"?>
 <p:sld xmlns:a="http://schemas.openxmlformats.org/drawingml/2006/main" xmlns:r="http://schemas.openxmlformats.org/officeDocument/2006/relationships" xmlns:p="http://schemas.openxmlformats.org/presentationml/2006/main">
   <p:cSld>
     <p:spTree>
@@ -11388,7 +12435,7 @@
           <a:p>
             <a:fld id="{6FD4AA8C-2C0B-45F2-84FF-CF2E58E014B2}" type="slidenum">
               <a:rPr lang="en-US" smtClean="0"/>
-              <a:t>13</a:t>
+              <a:t>16</a:t>
             </a:fld>
             <a:endParaRPr lang="en-US"/>
           </a:p>
@@ -11663,7 +12710,7 @@
 </p:sld>
 </file>
 
-<file path=ppt/slides/slide14.xml><?xml version="1.0" encoding="utf-8"?>
+<file path=ppt/slides/slide17.xml><?xml version="1.0" encoding="utf-8"?>
 <p:sld xmlns:a="http://schemas.openxmlformats.org/drawingml/2006/main" xmlns:r="http://schemas.openxmlformats.org/officeDocument/2006/relationships" xmlns:p="http://schemas.openxmlformats.org/presentationml/2006/main">
   <p:cSld>
     <p:spTree>
@@ -11753,7 +12800,7 @@
           <a:p>
             <a:fld id="{6FD4AA8C-2C0B-45F2-84FF-CF2E58E014B2}" type="slidenum">
               <a:rPr lang="en-US" smtClean="0"/>
-              <a:t>14</a:t>
+              <a:t>17</a:t>
             </a:fld>
             <a:endParaRPr lang="en-US"/>
           </a:p>
@@ -11930,7 +12977,7 @@
 </p:sld>
 </file>
 
-<file path=ppt/slides/slide15.xml><?xml version="1.0" encoding="utf-8"?>
+<file path=ppt/slides/slide18.xml><?xml version="1.0" encoding="utf-8"?>
 <p:sld xmlns:a="http://schemas.openxmlformats.org/drawingml/2006/main" xmlns:r="http://schemas.openxmlformats.org/officeDocument/2006/relationships" xmlns:p="http://schemas.openxmlformats.org/presentationml/2006/main">
   <p:cSld>
     <p:spTree>
@@ -12094,7 +13141,7 @@
           <a:p>
             <a:fld id="{6FD4AA8C-2C0B-45F2-84FF-CF2E58E014B2}" type="slidenum">
               <a:rPr lang="en-US" smtClean="0"/>
-              <a:t>15</a:t>
+              <a:t>18</a:t>
             </a:fld>
             <a:endParaRPr lang="en-US"/>
           </a:p>
@@ -12113,7 +13160,7 @@
 </p:sld>
 </file>
 
-<file path=ppt/slides/slide16.xml><?xml version="1.0" encoding="utf-8"?>
+<file path=ppt/slides/slide19.xml><?xml version="1.0" encoding="utf-8"?>
 <p:sld xmlns:a="http://schemas.openxmlformats.org/drawingml/2006/main" xmlns:r="http://schemas.openxmlformats.org/officeDocument/2006/relationships" xmlns:p="http://schemas.openxmlformats.org/presentationml/2006/main">
   <p:cSld>
     <p:spTree>
@@ -12539,7 +13586,7 @@
           <a:p>
             <a:fld id="{6FD4AA8C-2C0B-45F2-84FF-CF2E58E014B2}" type="slidenum">
               <a:rPr lang="en-US" smtClean="0"/>
-              <a:t>16</a:t>
+              <a:t>19</a:t>
             </a:fld>
             <a:endParaRPr lang="en-US"/>
           </a:p>
@@ -12558,7 +13605,287 @@
 </p:sld>
 </file>
 
-<file path=ppt/slides/slide17.xml><?xml version="1.0" encoding="utf-8"?>
+<file path=ppt/slides/slide2.xml><?xml version="1.0" encoding="utf-8"?>
+<p:sld xmlns:a="http://schemas.openxmlformats.org/drawingml/2006/main" xmlns:r="http://schemas.openxmlformats.org/officeDocument/2006/relationships" xmlns:p="http://schemas.openxmlformats.org/presentationml/2006/main">
+  <p:cSld>
+    <p:spTree>
+      <p:nvGrpSpPr>
+        <p:cNvPr id="1" name=""/>
+        <p:cNvGrpSpPr/>
+        <p:nvPr/>
+      </p:nvGrpSpPr>
+      <p:grpSpPr>
+        <a:xfrm>
+          <a:off x="0" y="0"/>
+          <a:ext cx="0" cy="0"/>
+          <a:chOff x="0" y="0"/>
+          <a:chExt cx="0" cy="0"/>
+        </a:xfrm>
+      </p:grpSpPr>
+      <p:sp>
+        <p:nvSpPr>
+          <p:cNvPr id="2" name="Title 1">
+            <a:extLst>
+              <a:ext uri="{FF2B5EF4-FFF2-40B4-BE49-F238E27FC236}">
+                <a16:creationId xmlns:a16="http://schemas.microsoft.com/office/drawing/2014/main" id="{AB146FD5-B7E6-4311-BEFD-D6D4A89D4FAF}"/>
+              </a:ext>
+            </a:extLst>
+          </p:cNvPr>
+          <p:cNvSpPr>
+            <a:spLocks noGrp="1"/>
+          </p:cNvSpPr>
+          <p:nvPr>
+            <p:ph type="title"/>
+          </p:nvPr>
+        </p:nvSpPr>
+        <p:spPr>
+          <a:xfrm>
+            <a:off x="0" y="1"/>
+            <a:ext cx="9144000" cy="923278"/>
+          </a:xfrm>
+          <a:solidFill>
+            <a:srgbClr val="003C6C"/>
+          </a:solidFill>
+        </p:spPr>
+        <p:txBody>
+          <a:bodyPr>
+            <a:noAutofit/>
+          </a:bodyPr>
+          <a:lstStyle/>
+          <a:p>
+            <a:r>
+              <a:rPr lang="en-US" sz="2800" dirty="0">
+                <a:solidFill>
+                  <a:schemeClr val="bg1"/>
+                </a:solidFill>
+                <a:latin typeface="+mn-lt"/>
+              </a:rPr>
+              <a:t>How will climate change impact fishing communities?</a:t>
+            </a:r>
+          </a:p>
+        </p:txBody>
+      </p:sp>
+      <p:sp>
+        <p:nvSpPr>
+          <p:cNvPr id="3" name="Content Placeholder 2">
+            <a:extLst>
+              <a:ext uri="{FF2B5EF4-FFF2-40B4-BE49-F238E27FC236}">
+                <a16:creationId xmlns:a16="http://schemas.microsoft.com/office/drawing/2014/main" id="{F5F89EB4-FE7A-4332-8A77-6D74A195BC07}"/>
+              </a:ext>
+            </a:extLst>
+          </p:cNvPr>
+          <p:cNvSpPr>
+            <a:spLocks noGrp="1"/>
+          </p:cNvSpPr>
+          <p:nvPr>
+            <p:ph idx="1"/>
+          </p:nvPr>
+        </p:nvSpPr>
+        <p:spPr>
+          <a:xfrm>
+            <a:off x="389784" y="1061545"/>
+            <a:ext cx="8341621" cy="5294806"/>
+          </a:xfrm>
+        </p:spPr>
+        <p:txBody>
+          <a:bodyPr>
+            <a:normAutofit fontScale="85000" lnSpcReduction="20000"/>
+          </a:bodyPr>
+          <a:lstStyle/>
+          <a:p>
+            <a:pPr marL="0" indent="0">
+              <a:buNone/>
+            </a:pPr>
+            <a:endParaRPr lang="en-US" dirty="0">
+              <a:ea typeface="Microsoft JhengHei UI" panose="020B0604030504040204" pitchFamily="34" charset="-120"/>
+            </a:endParaRPr>
+          </a:p>
+          <a:p>
+            <a:r>
+              <a:rPr lang="en-US" sz="2600" dirty="0">
+                <a:ea typeface="Microsoft JhengHei UI" panose="020B0604030504040204" pitchFamily="34" charset="-120"/>
+              </a:rPr>
+              <a:t>Specific questions: </a:t>
+            </a:r>
+          </a:p>
+          <a:p>
+            <a:pPr lvl="1"/>
+            <a:r>
+              <a:rPr lang="en-US" sz="2300" dirty="0">
+                <a:ea typeface="Microsoft JhengHei UI" panose="020B0604030504040204" pitchFamily="34" charset="-120"/>
+              </a:rPr>
+              <a:t>How changes in species distribution and regulations (i.e. closures) will affect vessel's participation and landings in the </a:t>
+            </a:r>
+            <a:r>
+              <a:rPr lang="en-US" sz="2300" i="1" dirty="0">
+                <a:ea typeface="Microsoft JhengHei UI" panose="020B0604030504040204" pitchFamily="34" charset="-120"/>
+              </a:rPr>
+              <a:t>Coastal Pelagic Species (CPS) </a:t>
+            </a:r>
+            <a:r>
+              <a:rPr lang="en-US" sz="2300" dirty="0">
+                <a:ea typeface="Microsoft JhengHei UI" panose="020B0604030504040204" pitchFamily="34" charset="-120"/>
+              </a:rPr>
+              <a:t>fishery?</a:t>
+            </a:r>
+          </a:p>
+          <a:p>
+            <a:pPr lvl="1"/>
+            <a:endParaRPr lang="en-US" sz="2000" dirty="0">
+              <a:ea typeface="Microsoft JhengHei UI" panose="020B0604030504040204" pitchFamily="34" charset="-120"/>
+            </a:endParaRPr>
+          </a:p>
+          <a:p>
+            <a:r>
+              <a:rPr lang="en-US" sz="2600" dirty="0"/>
+              <a:t>Hurdle model for landings and participation by vessels:</a:t>
+            </a:r>
+          </a:p>
+          <a:p>
+            <a:pPr lvl="1"/>
+            <a:r>
+              <a:rPr lang="en-US" sz="2300" b="1" dirty="0"/>
+              <a:t>Hurdle model:</a:t>
+            </a:r>
+          </a:p>
+          <a:p>
+            <a:pPr lvl="2"/>
+            <a:r>
+              <a:rPr lang="en-US" sz="1800" dirty="0" err="1"/>
+              <a:t>Probit</a:t>
+            </a:r>
+            <a:r>
+              <a:rPr lang="en-US" sz="1800" dirty="0"/>
+              <a:t>: Vessel participation in particular fishery during a year/quarter/month.</a:t>
+            </a:r>
+          </a:p>
+          <a:p>
+            <a:pPr lvl="2"/>
+            <a:r>
+              <a:rPr lang="en-US" sz="1800" dirty="0"/>
+              <a:t>Lognormal: Level of landings conditional on participation. </a:t>
+            </a:r>
+          </a:p>
+          <a:p>
+            <a:pPr lvl="1"/>
+            <a:r>
+              <a:rPr lang="en-US" sz="2300" dirty="0"/>
+              <a:t>Separate models for each species: Squid, Sardine.</a:t>
+            </a:r>
+          </a:p>
+          <a:p>
+            <a:pPr lvl="1"/>
+            <a:r>
+              <a:rPr lang="en-US" sz="2300" dirty="0"/>
+              <a:t>Working on individual data.</a:t>
+            </a:r>
+          </a:p>
+          <a:p>
+            <a:pPr lvl="2"/>
+            <a:endParaRPr lang="en-US" sz="1800" dirty="0"/>
+          </a:p>
+          <a:p>
+            <a:r>
+              <a:rPr lang="en-US" sz="2600" dirty="0"/>
+              <a:t>Main data</a:t>
+            </a:r>
+          </a:p>
+          <a:p>
+            <a:pPr lvl="1"/>
+            <a:r>
+              <a:rPr lang="en-US" sz="2300" dirty="0"/>
+              <a:t>Fish tickets from The Pacific Fisheries Information Network (</a:t>
+            </a:r>
+            <a:r>
+              <a:rPr lang="en-US" sz="2300" dirty="0" err="1"/>
+              <a:t>PacFIN</a:t>
+            </a:r>
+            <a:r>
+              <a:rPr lang="en-US" sz="2300" dirty="0"/>
+              <a:t>) from 1981-2020</a:t>
+            </a:r>
+          </a:p>
+          <a:p>
+            <a:pPr lvl="1"/>
+            <a:r>
+              <a:rPr lang="en-US" sz="2300" dirty="0"/>
+              <a:t>Current and projected species distribution from SDMs over the </a:t>
+            </a:r>
+            <a:r>
+              <a:rPr lang="en-US" sz="2300" b="1" dirty="0"/>
+              <a:t>1997-2018 </a:t>
+            </a:r>
+            <a:r>
+              <a:rPr lang="en-US" sz="2300" dirty="0"/>
+              <a:t>period.</a:t>
+            </a:r>
+          </a:p>
+          <a:p>
+            <a:pPr lvl="1"/>
+            <a:r>
+              <a:rPr lang="en-US" sz="2300" dirty="0"/>
+              <a:t>Logbooks from CFWD, OFWD and WFWD</a:t>
+            </a:r>
+          </a:p>
+          <a:p>
+            <a:pPr lvl="1"/>
+            <a:endParaRPr lang="en-US" sz="2000" dirty="0">
+              <a:ea typeface="Microsoft JhengHei UI" panose="020B0604030504040204" pitchFamily="34" charset="-120"/>
+            </a:endParaRPr>
+          </a:p>
+          <a:p>
+            <a:pPr marL="0" indent="0">
+              <a:buNone/>
+            </a:pPr>
+            <a:endParaRPr lang="en-US" sz="2400" dirty="0">
+              <a:ea typeface="Microsoft JhengHei UI" panose="020B0604030504040204" pitchFamily="34" charset="-120"/>
+            </a:endParaRPr>
+          </a:p>
+        </p:txBody>
+      </p:sp>
+      <p:sp>
+        <p:nvSpPr>
+          <p:cNvPr id="6" name="Slide Number Placeholder 5">
+            <a:extLst>
+              <a:ext uri="{FF2B5EF4-FFF2-40B4-BE49-F238E27FC236}">
+                <a16:creationId xmlns:a16="http://schemas.microsoft.com/office/drawing/2014/main" id="{27F8320F-28EE-40EF-ADDE-86D44B7D516B}"/>
+              </a:ext>
+            </a:extLst>
+          </p:cNvPr>
+          <p:cNvSpPr>
+            <a:spLocks noGrp="1"/>
+          </p:cNvSpPr>
+          <p:nvPr>
+            <p:ph type="sldNum" sz="quarter" idx="12"/>
+          </p:nvPr>
+        </p:nvSpPr>
+        <p:spPr/>
+        <p:txBody>
+          <a:bodyPr/>
+          <a:lstStyle/>
+          <a:p>
+            <a:fld id="{6FD4AA8C-2C0B-45F2-84FF-CF2E58E014B2}" type="slidenum">
+              <a:rPr lang="en-US" smtClean="0"/>
+              <a:t>2</a:t>
+            </a:fld>
+            <a:endParaRPr lang="en-US"/>
+          </a:p>
+        </p:txBody>
+      </p:sp>
+    </p:spTree>
+    <p:extLst>
+      <p:ext uri="{BB962C8B-B14F-4D97-AF65-F5344CB8AC3E}">
+        <p14:creationId xmlns:p14="http://schemas.microsoft.com/office/powerpoint/2010/main" val="3354476907"/>
+      </p:ext>
+    </p:extLst>
+  </p:cSld>
+  <p:clrMapOvr>
+    <a:masterClrMapping/>
+  </p:clrMapOvr>
+</p:sld>
+</file>
+
+<file path=ppt/slides/slide20.xml><?xml version="1.0" encoding="utf-8"?>
 <p:sld xmlns:a="http://schemas.openxmlformats.org/drawingml/2006/main" xmlns:r="http://schemas.openxmlformats.org/officeDocument/2006/relationships" xmlns:p="http://schemas.openxmlformats.org/presentationml/2006/main">
   <p:cSld>
     <p:spTree>
@@ -13869,7 +15196,7 @@
           <a:p>
             <a:fld id="{6FD4AA8C-2C0B-45F2-84FF-CF2E58E014B2}" type="slidenum">
               <a:rPr lang="en-US" smtClean="0"/>
-              <a:t>17</a:t>
+              <a:t>20</a:t>
             </a:fld>
             <a:endParaRPr lang="en-US"/>
           </a:p>
@@ -13888,7 +15215,7 @@
 </p:sld>
 </file>
 
-<file path=ppt/slides/slide18.xml><?xml version="1.0" encoding="utf-8"?>
+<file path=ppt/slides/slide21.xml><?xml version="1.0" encoding="utf-8"?>
 <p:sld xmlns:a="http://schemas.openxmlformats.org/drawingml/2006/main" xmlns:r="http://schemas.openxmlformats.org/officeDocument/2006/relationships" xmlns:p="http://schemas.openxmlformats.org/presentationml/2006/main">
   <p:cSld>
     <p:spTree>
@@ -14261,7 +15588,7 @@
           <a:p>
             <a:fld id="{6FD4AA8C-2C0B-45F2-84FF-CF2E58E014B2}" type="slidenum">
               <a:rPr lang="en-US" smtClean="0"/>
-              <a:t>18</a:t>
+              <a:t>21</a:t>
             </a:fld>
             <a:endParaRPr lang="en-US"/>
           </a:p>
@@ -14280,7 +15607,7 @@
 </p:sld>
 </file>
 
-<file path=ppt/slides/slide19.xml><?xml version="1.0" encoding="utf-8"?>
+<file path=ppt/slides/slide22.xml><?xml version="1.0" encoding="utf-8"?>
 <p:sld xmlns:a="http://schemas.openxmlformats.org/drawingml/2006/main" xmlns:r="http://schemas.openxmlformats.org/officeDocument/2006/relationships" xmlns:p="http://schemas.openxmlformats.org/presentationml/2006/main">
   <p:cSld>
     <p:spTree>
@@ -14421,7 +15748,7 @@
           <a:p>
             <a:fld id="{6FD4AA8C-2C0B-45F2-84FF-CF2E58E014B2}" type="slidenum">
               <a:rPr lang="en-US" smtClean="0"/>
-              <a:t>19</a:t>
+              <a:t>22</a:t>
             </a:fld>
             <a:endParaRPr lang="en-US"/>
           </a:p>
@@ -14440,221 +15767,7 @@
 </p:sld>
 </file>
 
-<file path=ppt/slides/slide2.xml><?xml version="1.0" encoding="utf-8"?>
-<p:sld xmlns:a="http://schemas.openxmlformats.org/drawingml/2006/main" xmlns:r="http://schemas.openxmlformats.org/officeDocument/2006/relationships" xmlns:p="http://schemas.openxmlformats.org/presentationml/2006/main">
-  <p:cSld>
-    <p:spTree>
-      <p:nvGrpSpPr>
-        <p:cNvPr id="1" name=""/>
-        <p:cNvGrpSpPr/>
-        <p:nvPr/>
-      </p:nvGrpSpPr>
-      <p:grpSpPr>
-        <a:xfrm>
-          <a:off x="0" y="0"/>
-          <a:ext cx="0" cy="0"/>
-          <a:chOff x="0" y="0"/>
-          <a:chExt cx="0" cy="0"/>
-        </a:xfrm>
-      </p:grpSpPr>
-      <p:sp>
-        <p:nvSpPr>
-          <p:cNvPr id="2" name="Title 1">
-            <a:extLst>
-              <a:ext uri="{FF2B5EF4-FFF2-40B4-BE49-F238E27FC236}">
-                <a16:creationId xmlns:a16="http://schemas.microsoft.com/office/drawing/2014/main" id="{AB146FD5-B7E6-4311-BEFD-D6D4A89D4FAF}"/>
-              </a:ext>
-            </a:extLst>
-          </p:cNvPr>
-          <p:cNvSpPr>
-            <a:spLocks noGrp="1"/>
-          </p:cNvSpPr>
-          <p:nvPr>
-            <p:ph type="title"/>
-          </p:nvPr>
-        </p:nvSpPr>
-        <p:spPr>
-          <a:xfrm>
-            <a:off x="0" y="1"/>
-            <a:ext cx="9144000" cy="923278"/>
-          </a:xfrm>
-          <a:solidFill>
-            <a:srgbClr val="003C6C"/>
-          </a:solidFill>
-        </p:spPr>
-        <p:txBody>
-          <a:bodyPr/>
-          <a:lstStyle/>
-          <a:p>
-            <a:r>
-              <a:rPr lang="en-US" dirty="0">
-                <a:solidFill>
-                  <a:schemeClr val="bg1"/>
-                </a:solidFill>
-                <a:latin typeface="+mn-lt"/>
-              </a:rPr>
-              <a:t>  Research Question</a:t>
-            </a:r>
-          </a:p>
-        </p:txBody>
-      </p:sp>
-      <p:sp>
-        <p:nvSpPr>
-          <p:cNvPr id="3" name="Content Placeholder 2">
-            <a:extLst>
-              <a:ext uri="{FF2B5EF4-FFF2-40B4-BE49-F238E27FC236}">
-                <a16:creationId xmlns:a16="http://schemas.microsoft.com/office/drawing/2014/main" id="{F5F89EB4-FE7A-4332-8A77-6D74A195BC07}"/>
-              </a:ext>
-            </a:extLst>
-          </p:cNvPr>
-          <p:cNvSpPr>
-            <a:spLocks noGrp="1"/>
-          </p:cNvSpPr>
-          <p:nvPr>
-            <p:ph idx="1"/>
-          </p:nvPr>
-        </p:nvSpPr>
-        <p:spPr>
-          <a:xfrm>
-            <a:off x="389784" y="1162595"/>
-            <a:ext cx="8341621" cy="5193756"/>
-          </a:xfrm>
-        </p:spPr>
-        <p:txBody>
-          <a:bodyPr>
-            <a:normAutofit/>
-          </a:bodyPr>
-          <a:lstStyle/>
-          <a:p>
-            <a:pPr marL="0" indent="0">
-              <a:buNone/>
-            </a:pPr>
-            <a:r>
-              <a:rPr lang="en-US" dirty="0">
-                <a:ea typeface="Microsoft JhengHei UI" panose="020B0604030504040204" pitchFamily="34" charset="-120"/>
-              </a:rPr>
-              <a:t>How will climate change impact fishing communities?</a:t>
-            </a:r>
-          </a:p>
-          <a:p>
-            <a:pPr marL="0" indent="0">
-              <a:buNone/>
-            </a:pPr>
-            <a:endParaRPr lang="en-US" dirty="0">
-              <a:ea typeface="Microsoft JhengHei UI" panose="020B0604030504040204" pitchFamily="34" charset="-120"/>
-            </a:endParaRPr>
-          </a:p>
-          <a:p>
-            <a:r>
-              <a:rPr lang="en-US" sz="2400" dirty="0">
-                <a:ea typeface="Microsoft JhengHei UI" panose="020B0604030504040204" pitchFamily="34" charset="-120"/>
-              </a:rPr>
-              <a:t>Specific questions: </a:t>
-            </a:r>
-          </a:p>
-          <a:p>
-            <a:pPr lvl="1"/>
-            <a:r>
-              <a:rPr lang="en-US" sz="2000" dirty="0">
-                <a:ea typeface="Microsoft JhengHei UI" panose="020B0604030504040204" pitchFamily="34" charset="-120"/>
-              </a:rPr>
-              <a:t>How changes in species distribution and regulations (i.e. closures) will affect vessel's participation and landings in the </a:t>
-            </a:r>
-            <a:r>
-              <a:rPr lang="en-US" sz="2000" i="1" dirty="0">
-                <a:ea typeface="Microsoft JhengHei UI" panose="020B0604030504040204" pitchFamily="34" charset="-120"/>
-              </a:rPr>
-              <a:t>Coastal Pelagic Species (CPS) </a:t>
-            </a:r>
-            <a:r>
-              <a:rPr lang="en-US" sz="2000" dirty="0">
-                <a:ea typeface="Microsoft JhengHei UI" panose="020B0604030504040204" pitchFamily="34" charset="-120"/>
-              </a:rPr>
-              <a:t>fishery?</a:t>
-            </a:r>
-          </a:p>
-          <a:p>
-            <a:endParaRPr lang="en-US" sz="2400" dirty="0">
-              <a:ea typeface="Microsoft JhengHei UI" panose="020B0604030504040204" pitchFamily="34" charset="-120"/>
-            </a:endParaRPr>
-          </a:p>
-          <a:p>
-            <a:r>
-              <a:rPr lang="en-US" sz="2400" dirty="0">
-                <a:ea typeface="Microsoft JhengHei UI" panose="020B0604030504040204" pitchFamily="34" charset="-120"/>
-              </a:rPr>
-              <a:t>Contribution:</a:t>
-            </a:r>
-          </a:p>
-          <a:p>
-            <a:pPr lvl="1"/>
-            <a:r>
-              <a:rPr lang="en-US" sz="2000" i="1" dirty="0"/>
-              <a:t>Previous works has focused generally on one species</a:t>
-            </a:r>
-          </a:p>
-          <a:p>
-            <a:pPr lvl="1"/>
-            <a:r>
-              <a:rPr lang="en-US" sz="2000" i="1" dirty="0"/>
-              <a:t>Important to study other species and their interactions in fishers’ portfolios to assess climate impacts on the CPS fleet.</a:t>
-            </a:r>
-          </a:p>
-          <a:p>
-            <a:pPr lvl="1"/>
-            <a:r>
-              <a:rPr lang="en-US" sz="2000" i="1" dirty="0"/>
-              <a:t>The presence of other species might impact targeting/participation decisions.  </a:t>
-            </a:r>
-            <a:endParaRPr lang="en-US" sz="2000" dirty="0">
-              <a:ea typeface="Microsoft JhengHei UI" panose="020B0604030504040204" pitchFamily="34" charset="-120"/>
-            </a:endParaRPr>
-          </a:p>
-        </p:txBody>
-      </p:sp>
-      <p:sp>
-        <p:nvSpPr>
-          <p:cNvPr id="6" name="Slide Number Placeholder 5">
-            <a:extLst>
-              <a:ext uri="{FF2B5EF4-FFF2-40B4-BE49-F238E27FC236}">
-                <a16:creationId xmlns:a16="http://schemas.microsoft.com/office/drawing/2014/main" id="{27F8320F-28EE-40EF-ADDE-86D44B7D516B}"/>
-              </a:ext>
-            </a:extLst>
-          </p:cNvPr>
-          <p:cNvSpPr>
-            <a:spLocks noGrp="1"/>
-          </p:cNvSpPr>
-          <p:nvPr>
-            <p:ph type="sldNum" sz="quarter" idx="12"/>
-          </p:nvPr>
-        </p:nvSpPr>
-        <p:spPr/>
-        <p:txBody>
-          <a:bodyPr/>
-          <a:lstStyle/>
-          <a:p>
-            <a:fld id="{6FD4AA8C-2C0B-45F2-84FF-CF2E58E014B2}" type="slidenum">
-              <a:rPr lang="en-US" smtClean="0"/>
-              <a:t>2</a:t>
-            </a:fld>
-            <a:endParaRPr lang="en-US"/>
-          </a:p>
-        </p:txBody>
-      </p:sp>
-    </p:spTree>
-    <p:extLst>
-      <p:ext uri="{BB962C8B-B14F-4D97-AF65-F5344CB8AC3E}">
-        <p14:creationId xmlns:p14="http://schemas.microsoft.com/office/powerpoint/2010/main" val="3354476907"/>
-      </p:ext>
-    </p:extLst>
-  </p:cSld>
-  <p:clrMapOvr>
-    <a:masterClrMapping/>
-  </p:clrMapOvr>
-</p:sld>
-</file>
-
-<file path=ppt/slides/slide20.xml><?xml version="1.0" encoding="utf-8"?>
+<file path=ppt/slides/slide23.xml><?xml version="1.0" encoding="utf-8"?>
 <p:sld xmlns:a="http://schemas.openxmlformats.org/drawingml/2006/main" xmlns:r="http://schemas.openxmlformats.org/officeDocument/2006/relationships" xmlns:p="http://schemas.openxmlformats.org/presentationml/2006/main">
   <p:cSld>
     <p:spTree>
@@ -14772,7 +15885,7 @@
           <a:p>
             <a:fld id="{6FD4AA8C-2C0B-45F2-84FF-CF2E58E014B2}" type="slidenum">
               <a:rPr lang="en-US" smtClean="0"/>
-              <a:t>20</a:t>
+              <a:t>23</a:t>
             </a:fld>
             <a:endParaRPr lang="en-US"/>
           </a:p>
@@ -14791,7 +15904,7 @@
 </p:sld>
 </file>
 
-<file path=ppt/slides/slide21.xml><?xml version="1.0" encoding="utf-8"?>
+<file path=ppt/slides/slide24.xml><?xml version="1.0" encoding="utf-8"?>
 <p:sld xmlns:a="http://schemas.openxmlformats.org/drawingml/2006/main" xmlns:r="http://schemas.openxmlformats.org/officeDocument/2006/relationships" xmlns:p="http://schemas.openxmlformats.org/presentationml/2006/main" show="0">
   <p:cSld>
     <p:spTree>
@@ -15022,7 +16135,7 @@
           <a:p>
             <a:fld id="{6FD4AA8C-2C0B-45F2-84FF-CF2E58E014B2}" type="slidenum">
               <a:rPr lang="en-US" smtClean="0"/>
-              <a:t>21</a:t>
+              <a:t>24</a:t>
             </a:fld>
             <a:endParaRPr lang="en-US"/>
           </a:p>
@@ -15041,7 +16154,7 @@
 </p:sld>
 </file>
 
-<file path=ppt/slides/slide22.xml><?xml version="1.0" encoding="utf-8"?>
+<file path=ppt/slides/slide25.xml><?xml version="1.0" encoding="utf-8"?>
 <p:sld xmlns:a="http://schemas.openxmlformats.org/drawingml/2006/main" xmlns:r="http://schemas.openxmlformats.org/officeDocument/2006/relationships" xmlns:p="http://schemas.openxmlformats.org/presentationml/2006/main" show="0">
   <p:cSld>
     <p:spTree>
@@ -15160,7 +16273,7 @@
           <a:p>
             <a:fld id="{6FD4AA8C-2C0B-45F2-84FF-CF2E58E014B2}" type="slidenum">
               <a:rPr lang="en-US" smtClean="0"/>
-              <a:t>22</a:t>
+              <a:t>25</a:t>
             </a:fld>
             <a:endParaRPr lang="en-US"/>
           </a:p>
@@ -15209,7 +16322,7 @@
 </p:sld>
 </file>
 
-<file path=ppt/slides/slide23.xml><?xml version="1.0" encoding="utf-8"?>
+<file path=ppt/slides/slide26.xml><?xml version="1.0" encoding="utf-8"?>
 <p:sld xmlns:a="http://schemas.openxmlformats.org/drawingml/2006/main" xmlns:r="http://schemas.openxmlformats.org/officeDocument/2006/relationships" xmlns:p="http://schemas.openxmlformats.org/presentationml/2006/main" show="0">
   <p:cSld>
     <p:spTree>
@@ -16263,7 +17376,7 @@
           <a:p>
             <a:fld id="{6FD4AA8C-2C0B-45F2-84FF-CF2E58E014B2}" type="slidenum">
               <a:rPr lang="en-US" smtClean="0"/>
-              <a:t>23</a:t>
+              <a:t>26</a:t>
             </a:fld>
             <a:endParaRPr lang="en-US"/>
           </a:p>
@@ -16282,7 +17395,7 @@
 </p:sld>
 </file>
 
-<file path=ppt/slides/slide24.xml><?xml version="1.0" encoding="utf-8"?>
+<file path=ppt/slides/slide27.xml><?xml version="1.0" encoding="utf-8"?>
 <p:sld xmlns:a="http://schemas.openxmlformats.org/drawingml/2006/main" xmlns:r="http://schemas.openxmlformats.org/officeDocument/2006/relationships" xmlns:p="http://schemas.openxmlformats.org/presentationml/2006/main" show="0">
   <p:cSld>
     <p:spTree>
@@ -17858,7 +18971,7 @@
           <a:p>
             <a:fld id="{6FD4AA8C-2C0B-45F2-84FF-CF2E58E014B2}" type="slidenum">
               <a:rPr lang="en-US" smtClean="0"/>
-              <a:t>24</a:t>
+              <a:t>27</a:t>
             </a:fld>
             <a:endParaRPr lang="en-US"/>
           </a:p>
@@ -17877,7 +18990,7 @@
 </p:sld>
 </file>
 
-<file path=ppt/slides/slide25.xml><?xml version="1.0" encoding="utf-8"?>
+<file path=ppt/slides/slide28.xml><?xml version="1.0" encoding="utf-8"?>
 <p:sld xmlns:a="http://schemas.openxmlformats.org/drawingml/2006/main" xmlns:r="http://schemas.openxmlformats.org/officeDocument/2006/relationships" xmlns:p="http://schemas.openxmlformats.org/presentationml/2006/main" show="0">
   <p:cSld>
     <p:spTree>
@@ -18043,7 +19156,7 @@
           <a:p>
             <a:fld id="{6FD4AA8C-2C0B-45F2-84FF-CF2E58E014B2}" type="slidenum">
               <a:rPr lang="en-US" smtClean="0"/>
-              <a:t>25</a:t>
+              <a:t>28</a:t>
             </a:fld>
             <a:endParaRPr lang="en-US"/>
           </a:p>
@@ -18152,7 +19265,7 @@
 </p:sld>
 </file>
 
-<file path=ppt/slides/slide26.xml><?xml version="1.0" encoding="utf-8"?>
+<file path=ppt/slides/slide29.xml><?xml version="1.0" encoding="utf-8"?>
 <p:sld xmlns:a="http://schemas.openxmlformats.org/drawingml/2006/main" xmlns:r="http://schemas.openxmlformats.org/officeDocument/2006/relationships" xmlns:p="http://schemas.openxmlformats.org/presentationml/2006/main" show="0">
   <p:cSld>
     <p:spTree>
@@ -19278,7 +20391,7 @@
           <a:p>
             <a:fld id="{6FD4AA8C-2C0B-45F2-84FF-CF2E58E014B2}" type="slidenum">
               <a:rPr lang="en-US" smtClean="0"/>
-              <a:t>26</a:t>
+              <a:t>29</a:t>
             </a:fld>
             <a:endParaRPr lang="en-US"/>
           </a:p>
@@ -19340,6 +20453,220 @@
           </a:solidFill>
         </p:spPr>
         <p:txBody>
+          <a:bodyPr/>
+          <a:lstStyle/>
+          <a:p>
+            <a:r>
+              <a:rPr lang="en-US" dirty="0">
+                <a:solidFill>
+                  <a:schemeClr val="bg1"/>
+                </a:solidFill>
+                <a:latin typeface="+mn-lt"/>
+              </a:rPr>
+              <a:t>  Research Question</a:t>
+            </a:r>
+          </a:p>
+        </p:txBody>
+      </p:sp>
+      <p:sp>
+        <p:nvSpPr>
+          <p:cNvPr id="3" name="Content Placeholder 2">
+            <a:extLst>
+              <a:ext uri="{FF2B5EF4-FFF2-40B4-BE49-F238E27FC236}">
+                <a16:creationId xmlns:a16="http://schemas.microsoft.com/office/drawing/2014/main" id="{F5F89EB4-FE7A-4332-8A77-6D74A195BC07}"/>
+              </a:ext>
+            </a:extLst>
+          </p:cNvPr>
+          <p:cNvSpPr>
+            <a:spLocks noGrp="1"/>
+          </p:cNvSpPr>
+          <p:nvPr>
+            <p:ph idx="1"/>
+          </p:nvPr>
+        </p:nvSpPr>
+        <p:spPr>
+          <a:xfrm>
+            <a:off x="389784" y="1162595"/>
+            <a:ext cx="8341621" cy="5193756"/>
+          </a:xfrm>
+        </p:spPr>
+        <p:txBody>
+          <a:bodyPr>
+            <a:normAutofit/>
+          </a:bodyPr>
+          <a:lstStyle/>
+          <a:p>
+            <a:pPr marL="0" indent="0">
+              <a:buNone/>
+            </a:pPr>
+            <a:r>
+              <a:rPr lang="en-US" dirty="0">
+                <a:ea typeface="Microsoft JhengHei UI" panose="020B0604030504040204" pitchFamily="34" charset="-120"/>
+              </a:rPr>
+              <a:t>How will climate change impact fishing communities?</a:t>
+            </a:r>
+          </a:p>
+          <a:p>
+            <a:pPr marL="0" indent="0">
+              <a:buNone/>
+            </a:pPr>
+            <a:endParaRPr lang="en-US" dirty="0">
+              <a:ea typeface="Microsoft JhengHei UI" panose="020B0604030504040204" pitchFamily="34" charset="-120"/>
+            </a:endParaRPr>
+          </a:p>
+          <a:p>
+            <a:r>
+              <a:rPr lang="en-US" sz="2400" dirty="0">
+                <a:ea typeface="Microsoft JhengHei UI" panose="020B0604030504040204" pitchFamily="34" charset="-120"/>
+              </a:rPr>
+              <a:t>Specific questions: </a:t>
+            </a:r>
+          </a:p>
+          <a:p>
+            <a:pPr lvl="1"/>
+            <a:r>
+              <a:rPr lang="en-US" sz="2000" dirty="0">
+                <a:ea typeface="Microsoft JhengHei UI" panose="020B0604030504040204" pitchFamily="34" charset="-120"/>
+              </a:rPr>
+              <a:t>How changes in species distribution and regulations (i.e. closures) will affect vessel's participation and landings in the </a:t>
+            </a:r>
+            <a:r>
+              <a:rPr lang="en-US" sz="2000" i="1" dirty="0">
+                <a:ea typeface="Microsoft JhengHei UI" panose="020B0604030504040204" pitchFamily="34" charset="-120"/>
+              </a:rPr>
+              <a:t>Coastal Pelagic Species (CPS) </a:t>
+            </a:r>
+            <a:r>
+              <a:rPr lang="en-US" sz="2000" dirty="0">
+                <a:ea typeface="Microsoft JhengHei UI" panose="020B0604030504040204" pitchFamily="34" charset="-120"/>
+              </a:rPr>
+              <a:t>fishery?</a:t>
+            </a:r>
+          </a:p>
+          <a:p>
+            <a:endParaRPr lang="en-US" sz="2400" dirty="0">
+              <a:ea typeface="Microsoft JhengHei UI" panose="020B0604030504040204" pitchFamily="34" charset="-120"/>
+            </a:endParaRPr>
+          </a:p>
+          <a:p>
+            <a:r>
+              <a:rPr lang="en-US" sz="2400" dirty="0">
+                <a:ea typeface="Microsoft JhengHei UI" panose="020B0604030504040204" pitchFamily="34" charset="-120"/>
+              </a:rPr>
+              <a:t>Contribution:</a:t>
+            </a:r>
+          </a:p>
+          <a:p>
+            <a:pPr lvl="1"/>
+            <a:r>
+              <a:rPr lang="en-US" sz="2000" i="1" dirty="0"/>
+              <a:t>Previous works has focused generally on one species</a:t>
+            </a:r>
+          </a:p>
+          <a:p>
+            <a:pPr lvl="1"/>
+            <a:r>
+              <a:rPr lang="en-US" sz="2000" i="1" dirty="0"/>
+              <a:t>Important to study other species and their interactions in fishers’ portfolios to assess climate impacts on the CPS fleet.</a:t>
+            </a:r>
+          </a:p>
+          <a:p>
+            <a:pPr lvl="1"/>
+            <a:r>
+              <a:rPr lang="en-US" sz="2000" i="1" dirty="0"/>
+              <a:t>The presence of other species might impact targeting/participation decisions.  </a:t>
+            </a:r>
+            <a:endParaRPr lang="en-US" sz="2000" dirty="0">
+              <a:ea typeface="Microsoft JhengHei UI" panose="020B0604030504040204" pitchFamily="34" charset="-120"/>
+            </a:endParaRPr>
+          </a:p>
+        </p:txBody>
+      </p:sp>
+      <p:sp>
+        <p:nvSpPr>
+          <p:cNvPr id="6" name="Slide Number Placeholder 5">
+            <a:extLst>
+              <a:ext uri="{FF2B5EF4-FFF2-40B4-BE49-F238E27FC236}">
+                <a16:creationId xmlns:a16="http://schemas.microsoft.com/office/drawing/2014/main" id="{27F8320F-28EE-40EF-ADDE-86D44B7D516B}"/>
+              </a:ext>
+            </a:extLst>
+          </p:cNvPr>
+          <p:cNvSpPr>
+            <a:spLocks noGrp="1"/>
+          </p:cNvSpPr>
+          <p:nvPr>
+            <p:ph type="sldNum" sz="quarter" idx="12"/>
+          </p:nvPr>
+        </p:nvSpPr>
+        <p:spPr/>
+        <p:txBody>
+          <a:bodyPr/>
+          <a:lstStyle/>
+          <a:p>
+            <a:fld id="{6FD4AA8C-2C0B-45F2-84FF-CF2E58E014B2}" type="slidenum">
+              <a:rPr lang="en-US" smtClean="0"/>
+              <a:t>3</a:t>
+            </a:fld>
+            <a:endParaRPr lang="en-US"/>
+          </a:p>
+        </p:txBody>
+      </p:sp>
+    </p:spTree>
+    <p:extLst>
+      <p:ext uri="{BB962C8B-B14F-4D97-AF65-F5344CB8AC3E}">
+        <p14:creationId xmlns:p14="http://schemas.microsoft.com/office/powerpoint/2010/main" val="3860692623"/>
+      </p:ext>
+    </p:extLst>
+  </p:cSld>
+  <p:clrMapOvr>
+    <a:masterClrMapping/>
+  </p:clrMapOvr>
+</p:sld>
+</file>
+
+<file path=ppt/slides/slide4.xml><?xml version="1.0" encoding="utf-8"?>
+<p:sld xmlns:a="http://schemas.openxmlformats.org/drawingml/2006/main" xmlns:r="http://schemas.openxmlformats.org/officeDocument/2006/relationships" xmlns:p="http://schemas.openxmlformats.org/presentationml/2006/main" show="0">
+  <p:cSld>
+    <p:spTree>
+      <p:nvGrpSpPr>
+        <p:cNvPr id="1" name=""/>
+        <p:cNvGrpSpPr/>
+        <p:nvPr/>
+      </p:nvGrpSpPr>
+      <p:grpSpPr>
+        <a:xfrm>
+          <a:off x="0" y="0"/>
+          <a:ext cx="0" cy="0"/>
+          <a:chOff x="0" y="0"/>
+          <a:chExt cx="0" cy="0"/>
+        </a:xfrm>
+      </p:grpSpPr>
+      <p:sp>
+        <p:nvSpPr>
+          <p:cNvPr id="2" name="Title 1">
+            <a:extLst>
+              <a:ext uri="{FF2B5EF4-FFF2-40B4-BE49-F238E27FC236}">
+                <a16:creationId xmlns:a16="http://schemas.microsoft.com/office/drawing/2014/main" id="{AB146FD5-B7E6-4311-BEFD-D6D4A89D4FAF}"/>
+              </a:ext>
+            </a:extLst>
+          </p:cNvPr>
+          <p:cNvSpPr>
+            <a:spLocks noGrp="1"/>
+          </p:cNvSpPr>
+          <p:nvPr>
+            <p:ph type="title"/>
+          </p:nvPr>
+        </p:nvSpPr>
+        <p:spPr>
+          <a:xfrm>
+            <a:off x="0" y="1"/>
+            <a:ext cx="9144000" cy="923278"/>
+          </a:xfrm>
+          <a:solidFill>
+            <a:srgbClr val="003C6C"/>
+          </a:solidFill>
+        </p:spPr>
+        <p:txBody>
           <a:bodyPr>
             <a:normAutofit/>
           </a:bodyPr>
@@ -19387,7 +20714,7 @@
           <a:p>
             <a:fld id="{6FD4AA8C-2C0B-45F2-84FF-CF2E58E014B2}" type="slidenum">
               <a:rPr lang="en-US" smtClean="0"/>
-              <a:t>3</a:t>
+              <a:t>4</a:t>
             </a:fld>
             <a:endParaRPr lang="en-US" dirty="0"/>
           </a:p>
@@ -19503,8 +20830,8 @@
 </p:sld>
 </file>
 
-<file path=ppt/slides/slide4.xml><?xml version="1.0" encoding="utf-8"?>
-<p:sld xmlns:a="http://schemas.openxmlformats.org/drawingml/2006/main" xmlns:r="http://schemas.openxmlformats.org/officeDocument/2006/relationships" xmlns:p="http://schemas.openxmlformats.org/presentationml/2006/main">
+<file path=ppt/slides/slide5.xml><?xml version="1.0" encoding="utf-8"?>
+<p:sld xmlns:a="http://schemas.openxmlformats.org/drawingml/2006/main" xmlns:r="http://schemas.openxmlformats.org/officeDocument/2006/relationships" xmlns:p="http://schemas.openxmlformats.org/presentationml/2006/main" show="0">
   <p:cSld>
     <p:spTree>
       <p:nvGrpSpPr>
@@ -19726,7 +21053,7 @@
           <a:p>
             <a:fld id="{6FD4AA8C-2C0B-45F2-84FF-CF2E58E014B2}" type="slidenum">
               <a:rPr lang="en-US" smtClean="0"/>
-              <a:t>4</a:t>
+              <a:t>5</a:t>
             </a:fld>
             <a:endParaRPr lang="en-US"/>
           </a:p>
@@ -19745,7 +21072,7 @@
 </p:sld>
 </file>
 
-<file path=ppt/slides/slide5.xml><?xml version="1.0" encoding="utf-8"?>
+<file path=ppt/slides/slide6.xml><?xml version="1.0" encoding="utf-8"?>
 <p:sld xmlns:a="http://schemas.openxmlformats.org/drawingml/2006/main" xmlns:r="http://schemas.openxmlformats.org/officeDocument/2006/relationships" xmlns:p="http://schemas.openxmlformats.org/presentationml/2006/main">
   <p:cSld>
     <p:spTree>
@@ -19879,7 +21206,7 @@
           <a:p>
             <a:fld id="{6FD4AA8C-2C0B-45F2-84FF-CF2E58E014B2}" type="slidenum">
               <a:rPr lang="en-US" smtClean="0"/>
-              <a:t>5</a:t>
+              <a:t>6</a:t>
             </a:fld>
             <a:endParaRPr lang="en-US"/>
           </a:p>
@@ -20327,7 +21654,7 @@
 </p:sld>
 </file>
 
-<file path=ppt/slides/slide6.xml><?xml version="1.0" encoding="utf-8"?>
+<file path=ppt/slides/slide7.xml><?xml version="1.0" encoding="utf-8"?>
 <p:sld xmlns:a="http://schemas.openxmlformats.org/drawingml/2006/main" xmlns:r="http://schemas.openxmlformats.org/officeDocument/2006/relationships" xmlns:p="http://schemas.openxmlformats.org/presentationml/2006/main" show="0">
   <p:cSld>
     <p:spTree>
@@ -20487,7 +21814,7 @@
           <a:p>
             <a:fld id="{6FD4AA8C-2C0B-45F2-84FF-CF2E58E014B2}" type="slidenum">
               <a:rPr lang="en-US" smtClean="0"/>
-              <a:t>6</a:t>
+              <a:t>7</a:t>
             </a:fld>
             <a:endParaRPr lang="en-US"/>
           </a:p>
@@ -20684,7 +22011,7 @@
 </p:sld>
 </file>
 
-<file path=ppt/slides/slide7.xml><?xml version="1.0" encoding="utf-8"?>
+<file path=ppt/slides/slide8.xml><?xml version="1.0" encoding="utf-8"?>
 <p:sld xmlns:a="http://schemas.openxmlformats.org/drawingml/2006/main" xmlns:r="http://schemas.openxmlformats.org/officeDocument/2006/relationships" xmlns:p="http://schemas.openxmlformats.org/presentationml/2006/main">
   <p:cSld>
     <p:spTree>
@@ -20737,7 +22064,7 @@
                 </a:solidFill>
                 <a:latin typeface="+mn-lt"/>
               </a:rPr>
-              <a:t> Some considerations</a:t>
+              <a:t> Some model considerations</a:t>
             </a:r>
           </a:p>
         </p:txBody>
@@ -20766,7 +22093,7 @@
         </p:spPr>
         <p:txBody>
           <a:bodyPr>
-            <a:normAutofit/>
+            <a:normAutofit fontScale="92500"/>
           </a:bodyPr>
           <a:lstStyle/>
           <a:p>
@@ -20805,7 +22132,7 @@
             </a:pPr>
             <a:r>
               <a:rPr lang="en-US" sz="2100" dirty="0"/>
-              <a:t>Cluster analysis </a:t>
+              <a:t>Cluster analysis (Tim Frawley working also on this…)</a:t>
             </a:r>
           </a:p>
           <a:p>
@@ -20817,8 +22144,12 @@
               <a:buAutoNum type="alphaLcParenR"/>
             </a:pPr>
             <a:r>
-              <a:rPr lang="en-US" sz="2500" dirty="0"/>
-              <a:t>Cutoff point (i.e. revenue)</a:t>
+              <a:rPr lang="en-US" sz="2500" dirty="0">
+                <a:solidFill>
+                  <a:schemeClr val="bg1"/>
+                </a:solidFill>
+              </a:rPr>
+              <a:t>Cutoff point (i.e. revenue)?</a:t>
             </a:r>
           </a:p>
           <a:p>
@@ -20830,7 +22161,11 @@
               <a:buAutoNum type="alphaLcParenR"/>
             </a:pPr>
             <a:r>
-              <a:rPr lang="en-US" sz="2500" dirty="0"/>
+              <a:rPr lang="en-US" sz="2500" dirty="0">
+                <a:solidFill>
+                  <a:schemeClr val="bg1"/>
+                </a:solidFill>
+              </a:rPr>
               <a:t>They should have LE permits?</a:t>
             </a:r>
           </a:p>
@@ -20843,8 +22178,29 @@
               <a:buAutoNum type="arabicPeriod"/>
             </a:pPr>
             <a:r>
-              <a:rPr lang="en-US" sz="2900" dirty="0"/>
+              <a:rPr lang="en-US" sz="2900" dirty="0">
+                <a:solidFill>
+                  <a:schemeClr val="bg1"/>
+                </a:solidFill>
+              </a:rPr>
               <a:t>Relative v/s own prices? (same for SDM?)</a:t>
+            </a:r>
+          </a:p>
+          <a:p>
+            <a:pPr marL="971550" lvl="1" indent="-514350">
+              <a:lnSpc>
+                <a:spcPct val="110000"/>
+              </a:lnSpc>
+              <a:buFont typeface="+mj-lt"/>
+              <a:buAutoNum type="alphaLcParenR"/>
+            </a:pPr>
+            <a:r>
+              <a:rPr lang="en-US" sz="2500" dirty="0">
+                <a:solidFill>
+                  <a:schemeClr val="bg1"/>
+                </a:solidFill>
+              </a:rPr>
+              <a:t>Based on econ theory?</a:t>
             </a:r>
           </a:p>
           <a:p>
@@ -20856,8 +22212,12 @@
               <a:buAutoNum type="arabicPeriod"/>
             </a:pPr>
             <a:r>
-              <a:rPr lang="en-US" sz="2900" dirty="0"/>
-              <a:t>Frequency of the data? </a:t>
+              <a:rPr lang="en-US" sz="2900" dirty="0">
+                <a:solidFill>
+                  <a:schemeClr val="bg1"/>
+                </a:solidFill>
+              </a:rPr>
+              <a:t>Squid SDM</a:t>
             </a:r>
           </a:p>
           <a:p>
@@ -20869,7 +22229,45 @@
               <a:buAutoNum type="alphaLcParenR"/>
             </a:pPr>
             <a:r>
-              <a:rPr lang="en-US" sz="2500" dirty="0"/>
+              <a:rPr lang="en-US" sz="2500" dirty="0">
+                <a:solidFill>
+                  <a:schemeClr val="bg1"/>
+                </a:solidFill>
+              </a:rPr>
+              <a:t>With spawning biomass or without??</a:t>
+            </a:r>
+          </a:p>
+          <a:p>
+            <a:pPr marL="514350" indent="-514350">
+              <a:lnSpc>
+                <a:spcPct val="110000"/>
+              </a:lnSpc>
+              <a:buFont typeface="+mj-lt"/>
+              <a:buAutoNum type="arabicPeriod"/>
+            </a:pPr>
+            <a:r>
+              <a:rPr lang="en-US" sz="2900" dirty="0">
+                <a:solidFill>
+                  <a:schemeClr val="bg1"/>
+                </a:solidFill>
+              </a:rPr>
+              <a:t>Frequency of the data? </a:t>
+            </a:r>
+          </a:p>
+          <a:p>
+            <a:pPr marL="971550" lvl="1" indent="-514350">
+              <a:lnSpc>
+                <a:spcPct val="110000"/>
+              </a:lnSpc>
+              <a:buFont typeface="+mj-lt"/>
+              <a:buAutoNum type="alphaLcParenR"/>
+            </a:pPr>
+            <a:r>
+              <a:rPr lang="en-US" sz="2500" dirty="0">
+                <a:solidFill>
+                  <a:schemeClr val="bg1"/>
+                </a:solidFill>
+              </a:rPr>
               <a:t>Annual v/s quarterly (monthly do not run…)</a:t>
             </a:r>
           </a:p>
@@ -20928,16 +22326,16 @@
           <a:p>
             <a:fld id="{6FD4AA8C-2C0B-45F2-84FF-CF2E58E014B2}" type="slidenum">
               <a:rPr lang="en-US" smtClean="0"/>
-              <a:t>7</a:t>
+              <a:t>8</a:t>
             </a:fld>
-            <a:endParaRPr lang="en-US"/>
+            <a:endParaRPr lang="en-US" dirty="0"/>
           </a:p>
         </p:txBody>
       </p:sp>
     </p:spTree>
     <p:extLst>
       <p:ext uri="{BB962C8B-B14F-4D97-AF65-F5344CB8AC3E}">
-        <p14:creationId xmlns:p14="http://schemas.microsoft.com/office/powerpoint/2010/main" val="1494771611"/>
+        <p14:creationId xmlns:p14="http://schemas.microsoft.com/office/powerpoint/2010/main" val="505006352"/>
       </p:ext>
     </p:extLst>
   </p:cSld>
@@ -20947,8 +22345,8 @@
 </p:sld>
 </file>
 
-<file path=ppt/slides/slide8.xml><?xml version="1.0" encoding="utf-8"?>
-<p:sld xmlns:a="http://schemas.openxmlformats.org/drawingml/2006/main" xmlns:r="http://schemas.openxmlformats.org/officeDocument/2006/relationships" xmlns:p="http://schemas.openxmlformats.org/presentationml/2006/main" show="0">
+<file path=ppt/slides/slide9.xml><?xml version="1.0" encoding="utf-8"?>
+<p:sld xmlns:a="http://schemas.openxmlformats.org/drawingml/2006/main" xmlns:r="http://schemas.openxmlformats.org/officeDocument/2006/relationships" xmlns:p="http://schemas.openxmlformats.org/presentationml/2006/main">
   <p:cSld>
     <p:spTree>
       <p:nvGrpSpPr>
@@ -20982,7 +22380,7 @@
         </p:nvSpPr>
         <p:spPr>
           <a:xfrm>
-            <a:off x="0" y="136524"/>
+            <a:off x="0" y="0"/>
             <a:ext cx="9144000" cy="923278"/>
           </a:xfrm>
           <a:solidFill>
@@ -21000,117 +22398,8 @@
                 </a:solidFill>
                 <a:latin typeface="+mn-lt"/>
               </a:rPr>
-              <a:t>  Conclusions </a:t>
-            </a:r>
-          </a:p>
-        </p:txBody>
-      </p:sp>
-      <p:sp>
-        <p:nvSpPr>
-          <p:cNvPr id="3" name="Content Placeholder 2">
-            <a:extLst>
-              <a:ext uri="{FF2B5EF4-FFF2-40B4-BE49-F238E27FC236}">
-                <a16:creationId xmlns:a16="http://schemas.microsoft.com/office/drawing/2014/main" id="{F5F89EB4-FE7A-4332-8A77-6D74A195BC07}"/>
-              </a:ext>
-            </a:extLst>
-          </p:cNvPr>
-          <p:cNvSpPr>
-            <a:spLocks noGrp="1"/>
-          </p:cNvSpPr>
-          <p:nvPr>
-            <p:ph idx="1"/>
-          </p:nvPr>
-        </p:nvSpPr>
-        <p:spPr>
-          <a:xfrm>
-            <a:off x="406709" y="1240971"/>
-            <a:ext cx="8515222" cy="5480505"/>
-          </a:xfrm>
-        </p:spPr>
-        <p:txBody>
-          <a:bodyPr>
-            <a:normAutofit/>
-          </a:bodyPr>
-          <a:lstStyle/>
-          <a:p>
-            <a:pPr marL="0" indent="0">
-              <a:lnSpc>
-                <a:spcPct val="110000"/>
-              </a:lnSpc>
-              <a:buNone/>
-            </a:pPr>
-            <a:r>
-              <a:rPr lang="en-US" sz="2900" b="1" dirty="0"/>
-              <a:t>Preliminary conclusions:</a:t>
-            </a:r>
-          </a:p>
-          <a:p>
-            <a:pPr marL="514350" indent="-514350">
-              <a:lnSpc>
-                <a:spcPct val="110000"/>
-              </a:lnSpc>
-              <a:buFont typeface="+mj-lt"/>
-              <a:buAutoNum type="arabicPeriod"/>
-            </a:pPr>
-            <a:r>
-              <a:rPr lang="en-US" sz="2900" dirty="0"/>
-              <a:t>Slightly positive effect of presence on landings.</a:t>
-            </a:r>
-          </a:p>
-          <a:p>
-            <a:pPr marL="514350" indent="-514350">
-              <a:lnSpc>
-                <a:spcPct val="110000"/>
-              </a:lnSpc>
-              <a:buFont typeface="+mj-lt"/>
-              <a:buAutoNum type="arabicPeriod"/>
-            </a:pPr>
-            <a:r>
-              <a:rPr lang="en-US" sz="2900" dirty="0"/>
-              <a:t>Substitution between market squid and Pacific sardine through species abundance.</a:t>
-            </a:r>
-          </a:p>
-          <a:p>
-            <a:pPr marL="514350" indent="-514350">
-              <a:lnSpc>
-                <a:spcPct val="110000"/>
-              </a:lnSpc>
-              <a:buFont typeface="+mj-lt"/>
-              <a:buAutoNum type="arabicPeriod"/>
-            </a:pPr>
-            <a:r>
-              <a:rPr lang="en-US" sz="2900" dirty="0"/>
-              <a:t>Sardine closure reduce squid landings. </a:t>
-            </a:r>
-          </a:p>
-          <a:p>
-            <a:pPr marL="514350" indent="-514350">
-              <a:lnSpc>
-                <a:spcPct val="110000"/>
-              </a:lnSpc>
-              <a:buFont typeface="+mj-lt"/>
-              <a:buAutoNum type="arabicPeriod"/>
-            </a:pPr>
-            <a:endParaRPr lang="en-US" sz="2900" dirty="0"/>
-          </a:p>
-          <a:p>
-            <a:pPr marL="0" indent="0">
-              <a:lnSpc>
-                <a:spcPct val="110000"/>
-              </a:lnSpc>
-              <a:buNone/>
-            </a:pPr>
-            <a:endParaRPr lang="en-US" dirty="0"/>
-          </a:p>
-          <a:p>
-            <a:pPr marL="514350" indent="-514350">
-              <a:lnSpc>
-                <a:spcPct val="110000"/>
-              </a:lnSpc>
-              <a:buFont typeface="+mj-lt"/>
-              <a:buAutoNum type="arabicPeriod"/>
-            </a:pPr>
-            <a:endParaRPr lang="en-US" dirty="0"/>
+              <a:t>   Cluster analysis</a:t>
+            </a:r>
           </a:p>
         </p:txBody>
       </p:sp>
@@ -21137,369 +22426,46 @@
           <a:p>
             <a:fld id="{6FD4AA8C-2C0B-45F2-84FF-CF2E58E014B2}" type="slidenum">
               <a:rPr lang="en-US" smtClean="0"/>
-              <a:t>8</a:t>
+              <a:t>9</a:t>
             </a:fld>
-            <a:endParaRPr lang="en-US"/>
-          </a:p>
-        </p:txBody>
-      </p:sp>
-    </p:spTree>
-    <p:extLst>
-      <p:ext uri="{BB962C8B-B14F-4D97-AF65-F5344CB8AC3E}">
-        <p14:creationId xmlns:p14="http://schemas.microsoft.com/office/powerpoint/2010/main" val="388225851"/>
-      </p:ext>
-    </p:extLst>
-  </p:cSld>
-  <p:clrMapOvr>
-    <a:masterClrMapping/>
-  </p:clrMapOvr>
-</p:sld>
-</file>
-
-<file path=ppt/slides/slide9.xml><?xml version="1.0" encoding="utf-8"?>
-<p:sld xmlns:a="http://schemas.openxmlformats.org/drawingml/2006/main" xmlns:r="http://schemas.openxmlformats.org/officeDocument/2006/relationships" xmlns:p="http://schemas.openxmlformats.org/presentationml/2006/main">
-  <p:cSld>
-    <p:bg>
-      <p:bgPr>
-        <a:solidFill>
-          <a:srgbClr val="003C6C"/>
-        </a:solidFill>
-        <a:effectLst/>
-      </p:bgPr>
-    </p:bg>
-    <p:spTree>
-      <p:nvGrpSpPr>
-        <p:cNvPr id="1" name=""/>
-        <p:cNvGrpSpPr/>
-        <p:nvPr/>
-      </p:nvGrpSpPr>
-      <p:grpSpPr>
-        <a:xfrm>
-          <a:off x="0" y="0"/>
-          <a:ext cx="0" cy="0"/>
-          <a:chOff x="0" y="0"/>
-          <a:chExt cx="0" cy="0"/>
-        </a:xfrm>
-      </p:grpSpPr>
-      <p:sp>
-        <p:nvSpPr>
-          <p:cNvPr id="2" name="Title 1">
-            <a:extLst>
-              <a:ext uri="{FF2B5EF4-FFF2-40B4-BE49-F238E27FC236}">
-                <a16:creationId xmlns:a16="http://schemas.microsoft.com/office/drawing/2014/main" id="{1ADB77D2-C19A-410A-8137-D34D2546F304}"/>
-              </a:ext>
-            </a:extLst>
-          </p:cNvPr>
-          <p:cNvSpPr>
-            <a:spLocks noGrp="1"/>
-          </p:cNvSpPr>
-          <p:nvPr>
-            <p:ph type="ctrTitle"/>
-          </p:nvPr>
-        </p:nvSpPr>
-        <p:spPr>
-          <a:xfrm>
-            <a:off x="462611" y="1122323"/>
-            <a:ext cx="8030346" cy="852351"/>
-          </a:xfrm>
-        </p:spPr>
-        <p:txBody>
-          <a:bodyPr>
-            <a:normAutofit/>
-          </a:bodyPr>
-          <a:lstStyle/>
-          <a:p>
-            <a:r>
-              <a:rPr lang="en-US" sz="3600" dirty="0">
-                <a:solidFill>
-                  <a:schemeClr val="bg1"/>
-                </a:solidFill>
-                <a:latin typeface="Lato Semibold" panose="020F0502020204030203" pitchFamily="34" charset="0"/>
-                <a:ea typeface="Lato Semibold" panose="020F0502020204030203" pitchFamily="34" charset="0"/>
-                <a:cs typeface="Lato Semibold" panose="020F0502020204030203" pitchFamily="34" charset="0"/>
-              </a:rPr>
-              <a:t>Thanks for your attention!</a:t>
-            </a:r>
-          </a:p>
-        </p:txBody>
-      </p:sp>
-      <p:sp>
-        <p:nvSpPr>
-          <p:cNvPr id="3" name="Subtitle 2">
-            <a:extLst>
-              <a:ext uri="{FF2B5EF4-FFF2-40B4-BE49-F238E27FC236}">
-                <a16:creationId xmlns:a16="http://schemas.microsoft.com/office/drawing/2014/main" id="{55D00C7A-D1C2-4751-ACDD-59B01C304ED0}"/>
-              </a:ext>
-            </a:extLst>
-          </p:cNvPr>
-          <p:cNvSpPr>
-            <a:spLocks noGrp="1"/>
-          </p:cNvSpPr>
-          <p:nvPr>
-            <p:ph type="subTitle" idx="1"/>
-          </p:nvPr>
-        </p:nvSpPr>
-        <p:spPr>
-          <a:xfrm>
-            <a:off x="1061853" y="4062720"/>
-            <a:ext cx="6831862" cy="1962029"/>
-          </a:xfrm>
-        </p:spPr>
-        <p:txBody>
-          <a:bodyPr>
-            <a:normAutofit fontScale="92500" lnSpcReduction="20000"/>
-          </a:bodyPr>
-          <a:lstStyle/>
-          <a:p>
-            <a:endParaRPr lang="en-US" sz="1200" dirty="0">
-              <a:solidFill>
-                <a:schemeClr val="bg1"/>
-              </a:solidFill>
-              <a:ea typeface="Microsoft JhengHei UI" panose="020B0604030504040204" pitchFamily="34" charset="-120"/>
-            </a:endParaRPr>
-          </a:p>
-          <a:p>
-            <a:r>
-              <a:rPr lang="en-US" sz="1900" b="1" dirty="0">
-                <a:solidFill>
-                  <a:schemeClr val="bg1"/>
-                </a:solidFill>
-                <a:ea typeface="Lato Semibold" panose="020F0502020204030203" pitchFamily="34" charset="0"/>
-                <a:cs typeface="Lato Semibold" panose="020F0502020204030203" pitchFamily="34" charset="0"/>
-              </a:rPr>
-              <a:t>Felipe J. Quezada</a:t>
-            </a:r>
-          </a:p>
-          <a:p>
-            <a:r>
-              <a:rPr lang="en-US" sz="1300" dirty="0">
-                <a:solidFill>
-                  <a:schemeClr val="bg1"/>
-                </a:solidFill>
-                <a:ea typeface="Microsoft JhengHei UI" panose="020B0604030504040204" pitchFamily="34" charset="-120"/>
-              </a:rPr>
-              <a:t> Postdoctoral Scholar</a:t>
-            </a:r>
-          </a:p>
-          <a:p>
-            <a:r>
-              <a:rPr lang="en-US" sz="1300" dirty="0">
-                <a:solidFill>
-                  <a:schemeClr val="bg1"/>
-                </a:solidFill>
-                <a:ea typeface="Microsoft JhengHei UI" panose="020B0604030504040204" pitchFamily="34" charset="-120"/>
-              </a:rPr>
-              <a:t> UC Santa Cruz &amp; NOAA-SWFSC</a:t>
-            </a:r>
-          </a:p>
-          <a:p>
-            <a:endParaRPr lang="en-US" sz="1200" dirty="0">
-              <a:solidFill>
-                <a:schemeClr val="bg1"/>
-              </a:solidFill>
-              <a:ea typeface="Microsoft JhengHei UI" panose="020B0604030504040204" pitchFamily="34" charset="-120"/>
-            </a:endParaRPr>
-          </a:p>
-          <a:p>
-            <a:r>
-              <a:rPr lang="en-US" sz="1900" dirty="0">
-                <a:solidFill>
-                  <a:srgbClr val="FF3399"/>
-                </a:solidFill>
-                <a:ea typeface="Microsoft JhengHei UI" panose="020B0604030504040204" pitchFamily="34" charset="-120"/>
-                <a:hlinkClick r:id="rId2">
-                  <a:extLst>
-                    <a:ext uri="{A12FA001-AC4F-418D-AE19-62706E023703}">
-                      <ahyp:hlinkClr xmlns:ahyp="http://schemas.microsoft.com/office/drawing/2018/hyperlinkcolor" val="tx"/>
-                    </a:ext>
-                  </a:extLst>
-                </a:hlinkClick>
-              </a:rPr>
-              <a:t>felipequezada.com</a:t>
-            </a:r>
-            <a:endParaRPr lang="en-US" sz="1900" dirty="0">
-              <a:solidFill>
-                <a:srgbClr val="FF3399"/>
-              </a:solidFill>
-              <a:ea typeface="Microsoft JhengHei UI" panose="020B0604030504040204" pitchFamily="34" charset="-120"/>
-            </a:endParaRPr>
-          </a:p>
-          <a:p>
-            <a:r>
-              <a:rPr lang="en-US" sz="1900" dirty="0">
-                <a:solidFill>
-                  <a:srgbClr val="FF3399"/>
-                </a:solidFill>
-                <a:ea typeface="Microsoft JhengHei UI" panose="020B0604030504040204" pitchFamily="34" charset="-120"/>
-              </a:rPr>
-              <a:t> </a:t>
-            </a:r>
-            <a:r>
-              <a:rPr lang="en-US" sz="1900" dirty="0">
-                <a:solidFill>
-                  <a:srgbClr val="FF3399"/>
-                </a:solidFill>
-                <a:ea typeface="Microsoft JhengHei UI" panose="020B0604030504040204" pitchFamily="34" charset="-120"/>
-                <a:hlinkClick r:id="rId3">
-                  <a:extLst>
-                    <a:ext uri="{A12FA001-AC4F-418D-AE19-62706E023703}">
-                      <ahyp:hlinkClr xmlns:ahyp="http://schemas.microsoft.com/office/drawing/2018/hyperlinkcolor" val="tx"/>
-                    </a:ext>
-                  </a:extLst>
-                </a:hlinkClick>
-              </a:rPr>
-              <a:t>felipe.quezada@noaa.gov</a:t>
-            </a:r>
-            <a:endParaRPr lang="en-US" sz="1900" dirty="0">
-              <a:solidFill>
-                <a:srgbClr val="FF3399"/>
-              </a:solidFill>
-              <a:ea typeface="Microsoft JhengHei UI" panose="020B0604030504040204" pitchFamily="34" charset="-120"/>
-            </a:endParaRPr>
+            <a:endParaRPr lang="en-US" dirty="0"/>
           </a:p>
         </p:txBody>
       </p:sp>
       <p:pic>
         <p:nvPicPr>
-          <p:cNvPr id="1026" name="Picture 2" descr="https://communications.ucsc.edu/wp-content/uploads/2021/04/2021-Logo-Do-2.jpg">
+          <p:cNvPr id="7" name="Picture 6">
             <a:extLst>
               <a:ext uri="{FF2B5EF4-FFF2-40B4-BE49-F238E27FC236}">
-                <a16:creationId xmlns:a16="http://schemas.microsoft.com/office/drawing/2014/main" id="{3AA06CBB-4867-46FA-B33F-3F8F976D86FE}"/>
+                <a16:creationId xmlns:a16="http://schemas.microsoft.com/office/drawing/2014/main" id="{7C5FA618-6467-4CC5-9099-101819BD0B6A}"/>
               </a:ext>
             </a:extLst>
           </p:cNvPr>
           <p:cNvPicPr>
-            <a:picLocks noChangeAspect="1" noChangeArrowheads="1"/>
+            <a:picLocks noChangeAspect="1"/>
           </p:cNvPicPr>
           <p:nvPr/>
         </p:nvPicPr>
         <p:blipFill>
-          <a:blip r:embed="rId4">
-            <a:extLst>
-              <a:ext uri="{28A0092B-C50C-407E-A947-70E740481C1C}">
-                <a14:useLocalDpi xmlns:a14="http://schemas.microsoft.com/office/drawing/2010/main" val="0"/>
-              </a:ext>
-            </a:extLst>
-          </a:blip>
-          <a:srcRect/>
+          <a:blip r:embed="rId3"/>
           <a:stretch>
             <a:fillRect/>
           </a:stretch>
         </p:blipFill>
-        <p:spPr bwMode="auto">
+        <p:spPr>
           <a:xfrm>
-            <a:off x="1195743" y="2590542"/>
-            <a:ext cx="2486025" cy="852351"/>
+            <a:off x="2185125" y="1025366"/>
+            <a:ext cx="4773749" cy="5696110"/>
           </a:xfrm>
           <a:prstGeom prst="rect">
             <a:avLst/>
           </a:prstGeom>
-          <a:noFill/>
-          <a:extLst>
-            <a:ext uri="{909E8E84-426E-40DD-AFC4-6F175D3DCCD1}">
-              <a14:hiddenFill xmlns:a14="http://schemas.microsoft.com/office/drawing/2010/main">
-                <a:solidFill>
-                  <a:srgbClr val="FFFFFF"/>
-                </a:solidFill>
-              </a14:hiddenFill>
-            </a:ext>
-          </a:extLst>
-        </p:spPr>
-      </p:pic>
-      <p:cxnSp>
-        <p:nvCxnSpPr>
-          <p:cNvPr id="5" name="Straight Connector 4">
-            <a:extLst>
-              <a:ext uri="{FF2B5EF4-FFF2-40B4-BE49-F238E27FC236}">
-                <a16:creationId xmlns:a16="http://schemas.microsoft.com/office/drawing/2014/main" id="{67B4593C-666A-4A21-9A4D-CE41B22F5DEC}"/>
-              </a:ext>
-            </a:extLst>
-          </p:cNvPr>
-          <p:cNvCxnSpPr>
-            <a:cxnSpLocks/>
-          </p:cNvCxnSpPr>
-          <p:nvPr/>
-        </p:nvCxnSpPr>
-        <p:spPr>
-          <a:xfrm flipV="1">
-            <a:off x="680759" y="2153127"/>
-            <a:ext cx="7764647" cy="24120"/>
-          </a:xfrm>
-          <a:prstGeom prst="line">
-            <a:avLst/>
-          </a:prstGeom>
-          <a:ln w="50800">
-            <a:solidFill>
-              <a:srgbClr val="FDC700"/>
-            </a:solidFill>
-          </a:ln>
-        </p:spPr>
-        <p:style>
-          <a:lnRef idx="1">
-            <a:schemeClr val="accent1"/>
-          </a:lnRef>
-          <a:fillRef idx="0">
-            <a:schemeClr val="accent1"/>
-          </a:fillRef>
-          <a:effectRef idx="0">
-            <a:schemeClr val="accent1"/>
-          </a:effectRef>
-          <a:fontRef idx="minor">
-            <a:schemeClr val="tx1"/>
-          </a:fontRef>
-        </p:style>
-      </p:cxnSp>
-      <p:pic>
-        <p:nvPicPr>
-          <p:cNvPr id="11" name="Picture 2" descr="https://cpo.noaa.gov/portals/0/Images/COCA/CAFA.png">
-            <a:extLst>
-              <a:ext uri="{FF2B5EF4-FFF2-40B4-BE49-F238E27FC236}">
-                <a16:creationId xmlns:a16="http://schemas.microsoft.com/office/drawing/2014/main" id="{5AA85E32-1D0C-4254-B07D-4090700404DF}"/>
-              </a:ext>
-            </a:extLst>
-          </p:cNvPr>
-          <p:cNvPicPr>
-            <a:picLocks noChangeAspect="1" noChangeArrowheads="1"/>
-          </p:cNvPicPr>
-          <p:nvPr/>
-        </p:nvPicPr>
-        <p:blipFill>
-          <a:blip r:embed="rId5">
-            <a:extLst>
-              <a:ext uri="{28A0092B-C50C-407E-A947-70E740481C1C}">
-                <a14:useLocalDpi xmlns:a14="http://schemas.microsoft.com/office/drawing/2010/main" val="0"/>
-              </a:ext>
-            </a:extLst>
-          </a:blip>
-          <a:srcRect/>
-          <a:stretch>
-            <a:fillRect/>
-          </a:stretch>
-        </p:blipFill>
-        <p:spPr bwMode="auto">
-          <a:xfrm>
-            <a:off x="5462234" y="2599817"/>
-            <a:ext cx="2573524" cy="852351"/>
-          </a:xfrm>
-          <a:prstGeom prst="rect">
-            <a:avLst/>
-          </a:prstGeom>
-          <a:noFill/>
-          <a:extLst>
-            <a:ext uri="{909E8E84-426E-40DD-AFC4-6F175D3DCCD1}">
-              <a14:hiddenFill xmlns:a14="http://schemas.microsoft.com/office/drawing/2010/main">
-                <a:solidFill>
-                  <a:srgbClr val="FFFFFF"/>
-                </a:solidFill>
-              </a14:hiddenFill>
-            </a:ext>
-          </a:extLst>
         </p:spPr>
       </p:pic>
     </p:spTree>
     <p:extLst>
       <p:ext uri="{BB962C8B-B14F-4D97-AF65-F5344CB8AC3E}">
-        <p14:creationId xmlns:p14="http://schemas.microsoft.com/office/powerpoint/2010/main" val="3346730995"/>
+        <p14:creationId xmlns:p14="http://schemas.microsoft.com/office/powerpoint/2010/main" val="2659976244"/>
       </p:ext>
     </p:extLst>
   </p:cSld>
